--- a/01_Localities/02_Cumulatives/figures/02_Postzygotics.pptx
+++ b/01_Localities/02_Cumulatives/figures/02_Postzygotics.pptx
@@ -3091,7 +3091,7 @@
           </p:nvSpPr>
           <p:spPr>
             <a:xfrm>
-              <a:off x="585250" y="1380178"/>
+              <a:off x="585250" y="1119738"/>
               <a:ext cx="1051432" cy="0"/>
             </a:xfrm>
             <a:custGeom>
@@ -3134,7 +3134,7 @@
           </p:nvSpPr>
           <p:spPr>
             <a:xfrm>
-              <a:off x="585250" y="1120128"/>
+              <a:off x="585250" y="729858"/>
               <a:ext cx="1051432" cy="0"/>
             </a:xfrm>
             <a:custGeom>
@@ -3177,7 +3177,7 @@
           </p:nvSpPr>
           <p:spPr>
             <a:xfrm>
-              <a:off x="585250" y="860078"/>
+              <a:off x="585250" y="339978"/>
               <a:ext cx="1051432" cy="0"/>
             </a:xfrm>
             <a:custGeom>
@@ -3220,7 +3220,7 @@
           </p:nvSpPr>
           <p:spPr>
             <a:xfrm>
-              <a:off x="585250" y="600028"/>
+              <a:off x="585250" y="1119738"/>
               <a:ext cx="1051432" cy="0"/>
             </a:xfrm>
             <a:custGeom>
@@ -3241,7 +3241,7 @@
             </a:custGeom>
             <a:ln w="13550" cap="flat">
               <a:solidFill>
-                <a:srgbClr val="BEBEBE">
+                <a:srgbClr val="000000">
                   <a:alpha val="100000"/>
                 </a:srgbClr>
               </a:solidFill>
@@ -3263,76 +3263,33 @@
           </p:nvSpPr>
           <p:spPr>
             <a:xfrm>
-              <a:off x="585250" y="339978"/>
-              <a:ext cx="1051432" cy="0"/>
+              <a:off x="706569" y="355573"/>
+              <a:ext cx="808794" cy="795354"/>
             </a:xfrm>
             <a:custGeom>
               <a:avLst/>
               <a:pathLst>
-                <a:path w="1051432" h="0">
+                <a:path w="808794" h="795354">
                   <a:moveTo>
-                    <a:pt x="0" y="0"/>
+                    <a:pt x="0" y="795354"/>
                   </a:moveTo>
                   <a:lnTo>
-                    <a:pt x="1051432" y="0"/>
-                  </a:lnTo>
-                  <a:lnTo>
-                    <a:pt x="1051432" y="0"/>
+                    <a:pt x="202198" y="738432"/>
+                  </a:lnTo>
+                  <a:lnTo>
+                    <a:pt x="404397" y="712700"/>
+                  </a:lnTo>
+                  <a:lnTo>
+                    <a:pt x="606595" y="240945"/>
+                  </a:lnTo>
+                  <a:lnTo>
+                    <a:pt x="808794" y="0"/>
                   </a:lnTo>
                 </a:path>
               </a:pathLst>
             </a:custGeom>
             <a:ln w="13550" cap="flat">
               <a:solidFill>
-                <a:srgbClr val="BEBEBE">
-                  <a:alpha val="100000"/>
-                </a:srgbClr>
-              </a:solidFill>
-              <a:prstDash val="solid"/>
-              <a:round/>
-            </a:ln>
-          </p:spPr>
-          <p:txBody>
-            <a:bodyPr/>
-            <a:lstStyle/>
-            <a:p/>
-          </p:txBody>
-        </p:sp>
-        <p:sp>
-          <p:nvSpPr>
-            <p:cNvPr id="11" name="pl11"/>
-            <p:cNvSpPr/>
-            <p:nvPr/>
-          </p:nvSpPr>
-          <p:spPr>
-            <a:xfrm>
-              <a:off x="706569" y="348300"/>
-              <a:ext cx="808794" cy="1031877"/>
-            </a:xfrm>
-            <a:custGeom>
-              <a:avLst/>
-              <a:pathLst>
-                <a:path w="808794" h="1031877">
-                  <a:moveTo>
-                    <a:pt x="0" y="1031877"/>
-                  </a:moveTo>
-                  <a:lnTo>
-                    <a:pt x="202198" y="883129"/>
-                  </a:lnTo>
-                  <a:lnTo>
-                    <a:pt x="404397" y="801993"/>
-                  </a:lnTo>
-                  <a:lnTo>
-                    <a:pt x="606595" y="192436"/>
-                  </a:lnTo>
-                  <a:lnTo>
-                    <a:pt x="808794" y="0"/>
-                  </a:lnTo>
-                </a:path>
-              </a:pathLst>
-            </a:custGeom>
-            <a:ln w="13550" cap="flat">
-              <a:solidFill>
                 <a:srgbClr val="F8766D">
                   <a:alpha val="100000"/>
                 </a:srgbClr>
@@ -3349,13 +3306,13 @@
         </p:sp>
         <p:sp>
           <p:nvSpPr>
-            <p:cNvPr id="12" name="pt12"/>
-            <p:cNvSpPr/>
-            <p:nvPr/>
-          </p:nvSpPr>
-          <p:spPr>
-            <a:xfrm>
-              <a:off x="681743" y="1355352"/>
+            <p:cNvPr id="11" name="pt11"/>
+            <p:cNvSpPr/>
+            <p:nvPr/>
+          </p:nvSpPr>
+          <p:spPr>
+            <a:xfrm>
+              <a:off x="681743" y="1126102"/>
               <a:ext cx="49651" cy="49651"/>
             </a:xfrm>
             <a:prstGeom prst="ellipse">
@@ -3384,13 +3341,13 @@
         </p:sp>
         <p:sp>
           <p:nvSpPr>
-            <p:cNvPr id="13" name="pt13"/>
-            <p:cNvSpPr/>
-            <p:nvPr/>
-          </p:nvSpPr>
-          <p:spPr>
-            <a:xfrm>
-              <a:off x="883942" y="1206603"/>
+            <p:cNvPr id="12" name="pt12"/>
+            <p:cNvSpPr/>
+            <p:nvPr/>
+          </p:nvSpPr>
+          <p:spPr>
+            <a:xfrm>
+              <a:off x="883942" y="1069180"/>
               <a:ext cx="49651" cy="49651"/>
             </a:xfrm>
             <a:prstGeom prst="ellipse">
@@ -3419,13 +3376,13 @@
         </p:sp>
         <p:sp>
           <p:nvSpPr>
-            <p:cNvPr id="14" name="pt14"/>
-            <p:cNvSpPr/>
-            <p:nvPr/>
-          </p:nvSpPr>
-          <p:spPr>
-            <a:xfrm>
-              <a:off x="1086140" y="1125468"/>
+            <p:cNvPr id="13" name="pt13"/>
+            <p:cNvSpPr/>
+            <p:nvPr/>
+          </p:nvSpPr>
+          <p:spPr>
+            <a:xfrm>
+              <a:off x="1086140" y="1043448"/>
               <a:ext cx="49651" cy="49651"/>
             </a:xfrm>
             <a:prstGeom prst="ellipse">
@@ -3454,13 +3411,13 @@
         </p:sp>
         <p:sp>
           <p:nvSpPr>
-            <p:cNvPr id="15" name="pt15"/>
-            <p:cNvSpPr/>
-            <p:nvPr/>
-          </p:nvSpPr>
-          <p:spPr>
-            <a:xfrm>
-              <a:off x="1288339" y="515911"/>
+            <p:cNvPr id="14" name="pt14"/>
+            <p:cNvSpPr/>
+            <p:nvPr/>
+          </p:nvSpPr>
+          <p:spPr>
+            <a:xfrm>
+              <a:off x="1288339" y="571693"/>
               <a:ext cx="49651" cy="49651"/>
             </a:xfrm>
             <a:prstGeom prst="ellipse">
@@ -3489,13 +3446,13 @@
         </p:sp>
         <p:sp>
           <p:nvSpPr>
-            <p:cNvPr id="16" name="pt16"/>
-            <p:cNvSpPr/>
-            <p:nvPr/>
-          </p:nvSpPr>
-          <p:spPr>
-            <a:xfrm>
-              <a:off x="1490537" y="323474"/>
+            <p:cNvPr id="15" name="pt15"/>
+            <p:cNvSpPr/>
+            <p:nvPr/>
+          </p:nvSpPr>
+          <p:spPr>
+            <a:xfrm>
+              <a:off x="1490537" y="330747"/>
               <a:ext cx="49651" cy="49651"/>
             </a:xfrm>
             <a:prstGeom prst="ellipse">
@@ -3524,7 +3481,7 @@
         </p:sp>
         <p:sp>
           <p:nvSpPr>
-            <p:cNvPr id="17" name="rc17"/>
+            <p:cNvPr id="16" name="rc16"/>
             <p:cNvSpPr/>
             <p:nvPr/>
           </p:nvSpPr>
@@ -3550,13 +3507,13 @@
         </p:sp>
         <p:sp>
           <p:nvSpPr>
-            <p:cNvPr id="18" name="pl18"/>
-            <p:cNvSpPr/>
-            <p:nvPr/>
-          </p:nvSpPr>
-          <p:spPr>
-            <a:xfrm>
-              <a:off x="1706272" y="1380178"/>
+            <p:cNvPr id="17" name="pl17"/>
+            <p:cNvSpPr/>
+            <p:nvPr/>
+          </p:nvSpPr>
+          <p:spPr>
+            <a:xfrm>
+              <a:off x="1706272" y="1119738"/>
               <a:ext cx="1051432" cy="0"/>
             </a:xfrm>
             <a:custGeom>
@@ -3593,13 +3550,13 @@
         </p:sp>
         <p:sp>
           <p:nvSpPr>
-            <p:cNvPr id="19" name="pl19"/>
-            <p:cNvSpPr/>
-            <p:nvPr/>
-          </p:nvSpPr>
-          <p:spPr>
-            <a:xfrm>
-              <a:off x="1706272" y="1120128"/>
+            <p:cNvPr id="18" name="pl18"/>
+            <p:cNvSpPr/>
+            <p:nvPr/>
+          </p:nvSpPr>
+          <p:spPr>
+            <a:xfrm>
+              <a:off x="1706272" y="729858"/>
               <a:ext cx="1051432" cy="0"/>
             </a:xfrm>
             <a:custGeom>
@@ -3636,13 +3593,13 @@
         </p:sp>
         <p:sp>
           <p:nvSpPr>
-            <p:cNvPr id="20" name="pl20"/>
-            <p:cNvSpPr/>
-            <p:nvPr/>
-          </p:nvSpPr>
-          <p:spPr>
-            <a:xfrm>
-              <a:off x="1706272" y="860078"/>
+            <p:cNvPr id="19" name="pl19"/>
+            <p:cNvSpPr/>
+            <p:nvPr/>
+          </p:nvSpPr>
+          <p:spPr>
+            <a:xfrm>
+              <a:off x="1706272" y="339978"/>
               <a:ext cx="1051432" cy="0"/>
             </a:xfrm>
             <a:custGeom>
@@ -3679,13 +3636,13 @@
         </p:sp>
         <p:sp>
           <p:nvSpPr>
-            <p:cNvPr id="21" name="pl21"/>
-            <p:cNvSpPr/>
-            <p:nvPr/>
-          </p:nvSpPr>
-          <p:spPr>
-            <a:xfrm>
-              <a:off x="1706272" y="600028"/>
+            <p:cNvPr id="20" name="pl20"/>
+            <p:cNvSpPr/>
+            <p:nvPr/>
+          </p:nvSpPr>
+          <p:spPr>
+            <a:xfrm>
+              <a:off x="1706272" y="1119738"/>
               <a:ext cx="1051432" cy="0"/>
             </a:xfrm>
             <a:custGeom>
@@ -3706,98 +3663,55 @@
             </a:custGeom>
             <a:ln w="13550" cap="flat">
               <a:solidFill>
-                <a:srgbClr val="BEBEBE">
-                  <a:alpha val="100000"/>
-                </a:srgbClr>
-              </a:solidFill>
-              <a:prstDash val="solid"/>
-              <a:round/>
-            </a:ln>
-          </p:spPr>
-          <p:txBody>
-            <a:bodyPr/>
-            <a:lstStyle/>
-            <a:p/>
-          </p:txBody>
-        </p:sp>
-        <p:sp>
-          <p:nvSpPr>
-            <p:cNvPr id="22" name="pl22"/>
-            <p:cNvSpPr/>
-            <p:nvPr/>
-          </p:nvSpPr>
-          <p:spPr>
-            <a:xfrm>
-              <a:off x="1706272" y="339978"/>
-              <a:ext cx="1051432" cy="0"/>
+                <a:srgbClr val="000000">
+                  <a:alpha val="100000"/>
+                </a:srgbClr>
+              </a:solidFill>
+              <a:prstDash val="solid"/>
+              <a:round/>
+            </a:ln>
+          </p:spPr>
+          <p:txBody>
+            <a:bodyPr/>
+            <a:lstStyle/>
+            <a:p/>
+          </p:txBody>
+        </p:sp>
+        <p:sp>
+          <p:nvSpPr>
+            <p:cNvPr id="21" name="pl21"/>
+            <p:cNvSpPr/>
+            <p:nvPr/>
+          </p:nvSpPr>
+          <p:spPr>
+            <a:xfrm>
+              <a:off x="1827591" y="1150928"/>
+              <a:ext cx="808794" cy="229249"/>
             </a:xfrm>
             <a:custGeom>
               <a:avLst/>
               <a:pathLst>
-                <a:path w="1051432" h="0">
+                <a:path w="808794" h="229249">
                   <a:moveTo>
                     <a:pt x="0" y="0"/>
                   </a:moveTo>
                   <a:lnTo>
-                    <a:pt x="1051432" y="0"/>
-                  </a:lnTo>
-                  <a:lnTo>
-                    <a:pt x="1051432" y="0"/>
+                    <a:pt x="202198" y="69398"/>
+                  </a:lnTo>
+                  <a:lnTo>
+                    <a:pt x="404397" y="123981"/>
+                  </a:lnTo>
+                  <a:lnTo>
+                    <a:pt x="606595" y="14035"/>
+                  </a:lnTo>
+                  <a:lnTo>
+                    <a:pt x="808794" y="229249"/>
                   </a:lnTo>
                 </a:path>
               </a:pathLst>
             </a:custGeom>
             <a:ln w="13550" cap="flat">
               <a:solidFill>
-                <a:srgbClr val="BEBEBE">
-                  <a:alpha val="100000"/>
-                </a:srgbClr>
-              </a:solidFill>
-              <a:prstDash val="solid"/>
-              <a:round/>
-            </a:ln>
-          </p:spPr>
-          <p:txBody>
-            <a:bodyPr/>
-            <a:lstStyle/>
-            <a:p/>
-          </p:txBody>
-        </p:sp>
-        <p:sp>
-          <p:nvSpPr>
-            <p:cNvPr id="23" name="pl23"/>
-            <p:cNvSpPr/>
-            <p:nvPr/>
-          </p:nvSpPr>
-          <p:spPr>
-            <a:xfrm>
-              <a:off x="1827591" y="900646"/>
-              <a:ext cx="808794" cy="479531"/>
-            </a:xfrm>
-            <a:custGeom>
-              <a:avLst/>
-              <a:pathLst>
-                <a:path w="808794" h="479531">
-                  <a:moveTo>
-                    <a:pt x="0" y="479531"/>
-                  </a:moveTo>
-                  <a:lnTo>
-                    <a:pt x="202198" y="479531"/>
-                  </a:lnTo>
-                  <a:lnTo>
-                    <a:pt x="404397" y="479531"/>
-                  </a:lnTo>
-                  <a:lnTo>
-                    <a:pt x="606595" y="85296"/>
-                  </a:lnTo>
-                  <a:lnTo>
-                    <a:pt x="808794" y="0"/>
-                  </a:lnTo>
-                </a:path>
-              </a:pathLst>
-            </a:custGeom>
-            <a:ln w="13550" cap="flat">
-              <a:solidFill>
                 <a:srgbClr val="F8766D">
                   <a:alpha val="100000"/>
                 </a:srgbClr>
@@ -3814,13 +3728,13 @@
         </p:sp>
         <p:sp>
           <p:nvSpPr>
-            <p:cNvPr id="24" name="pt24"/>
-            <p:cNvSpPr/>
-            <p:nvPr/>
-          </p:nvSpPr>
-          <p:spPr>
-            <a:xfrm>
-              <a:off x="1802765" y="1355352"/>
+            <p:cNvPr id="22" name="pt22"/>
+            <p:cNvSpPr/>
+            <p:nvPr/>
+          </p:nvSpPr>
+          <p:spPr>
+            <a:xfrm>
+              <a:off x="1802765" y="1126102"/>
               <a:ext cx="49651" cy="49651"/>
             </a:xfrm>
             <a:prstGeom prst="ellipse">
@@ -3849,13 +3763,13 @@
         </p:sp>
         <p:sp>
           <p:nvSpPr>
-            <p:cNvPr id="25" name="pt25"/>
-            <p:cNvSpPr/>
-            <p:nvPr/>
-          </p:nvSpPr>
-          <p:spPr>
-            <a:xfrm>
-              <a:off x="2004963" y="1355352"/>
+            <p:cNvPr id="23" name="pt23"/>
+            <p:cNvSpPr/>
+            <p:nvPr/>
+          </p:nvSpPr>
+          <p:spPr>
+            <a:xfrm>
+              <a:off x="2004963" y="1195501"/>
               <a:ext cx="49651" cy="49651"/>
             </a:xfrm>
             <a:prstGeom prst="ellipse">
@@ -3884,13 +3798,13 @@
         </p:sp>
         <p:sp>
           <p:nvSpPr>
-            <p:cNvPr id="26" name="pt26"/>
-            <p:cNvSpPr/>
-            <p:nvPr/>
-          </p:nvSpPr>
-          <p:spPr>
-            <a:xfrm>
-              <a:off x="2207162" y="1355352"/>
+            <p:cNvPr id="24" name="pt24"/>
+            <p:cNvSpPr/>
+            <p:nvPr/>
+          </p:nvSpPr>
+          <p:spPr>
+            <a:xfrm>
+              <a:off x="2207162" y="1250084"/>
               <a:ext cx="49651" cy="49651"/>
             </a:xfrm>
             <a:prstGeom prst="ellipse">
@@ -3919,13 +3833,13 @@
         </p:sp>
         <p:sp>
           <p:nvSpPr>
-            <p:cNvPr id="27" name="pt27"/>
-            <p:cNvSpPr/>
-            <p:nvPr/>
-          </p:nvSpPr>
-          <p:spPr>
-            <a:xfrm>
-              <a:off x="2409360" y="961116"/>
+            <p:cNvPr id="25" name="pt25"/>
+            <p:cNvSpPr/>
+            <p:nvPr/>
+          </p:nvSpPr>
+          <p:spPr>
+            <a:xfrm>
+              <a:off x="2409360" y="1140138"/>
               <a:ext cx="49651" cy="49651"/>
             </a:xfrm>
             <a:prstGeom prst="ellipse">
@@ -3954,13 +3868,13 @@
         </p:sp>
         <p:sp>
           <p:nvSpPr>
-            <p:cNvPr id="28" name="pt28"/>
-            <p:cNvSpPr/>
-            <p:nvPr/>
-          </p:nvSpPr>
-          <p:spPr>
-            <a:xfrm>
-              <a:off x="2611559" y="875820"/>
+            <p:cNvPr id="26" name="pt26"/>
+            <p:cNvSpPr/>
+            <p:nvPr/>
+          </p:nvSpPr>
+          <p:spPr>
+            <a:xfrm>
+              <a:off x="2611559" y="1355352"/>
               <a:ext cx="49651" cy="49651"/>
             </a:xfrm>
             <a:prstGeom prst="ellipse">
@@ -3989,7 +3903,7 @@
         </p:sp>
         <p:sp>
           <p:nvSpPr>
-            <p:cNvPr id="29" name="rc29"/>
+            <p:cNvPr id="27" name="rc27"/>
             <p:cNvSpPr/>
             <p:nvPr/>
           </p:nvSpPr>
@@ -4015,13 +3929,13 @@
         </p:sp>
         <p:sp>
           <p:nvSpPr>
-            <p:cNvPr id="30" name="pl30"/>
-            <p:cNvSpPr/>
-            <p:nvPr/>
-          </p:nvSpPr>
-          <p:spPr>
-            <a:xfrm>
-              <a:off x="2827293" y="1380178"/>
+            <p:cNvPr id="28" name="pl28"/>
+            <p:cNvSpPr/>
+            <p:nvPr/>
+          </p:nvSpPr>
+          <p:spPr>
+            <a:xfrm>
+              <a:off x="2827293" y="1119738"/>
               <a:ext cx="1051432" cy="0"/>
             </a:xfrm>
             <a:custGeom>
@@ -4058,13 +3972,13 @@
         </p:sp>
         <p:sp>
           <p:nvSpPr>
-            <p:cNvPr id="31" name="pl31"/>
-            <p:cNvSpPr/>
-            <p:nvPr/>
-          </p:nvSpPr>
-          <p:spPr>
-            <a:xfrm>
-              <a:off x="2827293" y="1120128"/>
+            <p:cNvPr id="29" name="pl29"/>
+            <p:cNvSpPr/>
+            <p:nvPr/>
+          </p:nvSpPr>
+          <p:spPr>
+            <a:xfrm>
+              <a:off x="2827293" y="729858"/>
               <a:ext cx="1051432" cy="0"/>
             </a:xfrm>
             <a:custGeom>
@@ -4101,13 +4015,13 @@
         </p:sp>
         <p:sp>
           <p:nvSpPr>
-            <p:cNvPr id="32" name="pl32"/>
-            <p:cNvSpPr/>
-            <p:nvPr/>
-          </p:nvSpPr>
-          <p:spPr>
-            <a:xfrm>
-              <a:off x="2827293" y="860078"/>
+            <p:cNvPr id="30" name="pl30"/>
+            <p:cNvSpPr/>
+            <p:nvPr/>
+          </p:nvSpPr>
+          <p:spPr>
+            <a:xfrm>
+              <a:off x="2827293" y="339978"/>
               <a:ext cx="1051432" cy="0"/>
             </a:xfrm>
             <a:custGeom>
@@ -4144,13 +4058,13 @@
         </p:sp>
         <p:sp>
           <p:nvSpPr>
-            <p:cNvPr id="33" name="pl33"/>
-            <p:cNvSpPr/>
-            <p:nvPr/>
-          </p:nvSpPr>
-          <p:spPr>
-            <a:xfrm>
-              <a:off x="2827293" y="600028"/>
+            <p:cNvPr id="31" name="pl31"/>
+            <p:cNvSpPr/>
+            <p:nvPr/>
+          </p:nvSpPr>
+          <p:spPr>
+            <a:xfrm>
+              <a:off x="2827293" y="1119738"/>
               <a:ext cx="1051432" cy="0"/>
             </a:xfrm>
             <a:custGeom>
@@ -4171,98 +4085,55 @@
             </a:custGeom>
             <a:ln w="13550" cap="flat">
               <a:solidFill>
-                <a:srgbClr val="BEBEBE">
-                  <a:alpha val="100000"/>
-                </a:srgbClr>
-              </a:solidFill>
-              <a:prstDash val="solid"/>
-              <a:round/>
-            </a:ln>
-          </p:spPr>
-          <p:txBody>
-            <a:bodyPr/>
-            <a:lstStyle/>
-            <a:p/>
-          </p:txBody>
-        </p:sp>
-        <p:sp>
-          <p:nvSpPr>
-            <p:cNvPr id="34" name="pl34"/>
-            <p:cNvSpPr/>
-            <p:nvPr/>
-          </p:nvSpPr>
-          <p:spPr>
-            <a:xfrm>
-              <a:off x="2827293" y="339978"/>
-              <a:ext cx="1051432" cy="0"/>
+                <a:srgbClr val="000000">
+                  <a:alpha val="100000"/>
+                </a:srgbClr>
+              </a:solidFill>
+              <a:prstDash val="solid"/>
+              <a:round/>
+            </a:ln>
+          </p:spPr>
+          <p:txBody>
+            <a:bodyPr/>
+            <a:lstStyle/>
+            <a:p/>
+          </p:txBody>
+        </p:sp>
+        <p:sp>
+          <p:nvSpPr>
+            <p:cNvPr id="32" name="pl32"/>
+            <p:cNvSpPr/>
+            <p:nvPr/>
+          </p:nvSpPr>
+          <p:spPr>
+            <a:xfrm>
+              <a:off x="2948612" y="339978"/>
+              <a:ext cx="808794" cy="831223"/>
             </a:xfrm>
             <a:custGeom>
               <a:avLst/>
               <a:pathLst>
-                <a:path w="1051432" h="0">
+                <a:path w="808794" h="831223">
                   <a:moveTo>
-                    <a:pt x="0" y="0"/>
+                    <a:pt x="0" y="810950"/>
                   </a:moveTo>
                   <a:lnTo>
-                    <a:pt x="1051432" y="0"/>
-                  </a:lnTo>
-                  <a:lnTo>
-                    <a:pt x="1051432" y="0"/>
+                    <a:pt x="202198" y="831223"/>
+                  </a:lnTo>
+                  <a:lnTo>
+                    <a:pt x="404397" y="730634"/>
+                  </a:lnTo>
+                  <a:lnTo>
+                    <a:pt x="606595" y="39767"/>
+                  </a:lnTo>
+                  <a:lnTo>
+                    <a:pt x="808794" y="0"/>
                   </a:lnTo>
                 </a:path>
               </a:pathLst>
             </a:custGeom>
             <a:ln w="13550" cap="flat">
               <a:solidFill>
-                <a:srgbClr val="BEBEBE">
-                  <a:alpha val="100000"/>
-                </a:srgbClr>
-              </a:solidFill>
-              <a:prstDash val="solid"/>
-              <a:round/>
-            </a:ln>
-          </p:spPr>
-          <p:txBody>
-            <a:bodyPr/>
-            <a:lstStyle/>
-            <a:p/>
-          </p:txBody>
-        </p:sp>
-        <p:sp>
-          <p:nvSpPr>
-            <p:cNvPr id="35" name="pl35"/>
-            <p:cNvSpPr/>
-            <p:nvPr/>
-          </p:nvSpPr>
-          <p:spPr>
-            <a:xfrm>
-              <a:off x="2948612" y="339978"/>
-              <a:ext cx="808794" cy="1040199"/>
-            </a:xfrm>
-            <a:custGeom>
-              <a:avLst/>
-              <a:pathLst>
-                <a:path w="808794" h="1040199">
-                  <a:moveTo>
-                    <a:pt x="0" y="1040199"/>
-                  </a:moveTo>
-                  <a:lnTo>
-                    <a:pt x="202198" y="981948"/>
-                  </a:lnTo>
-                  <a:lnTo>
-                    <a:pt x="404397" y="813435"/>
-                  </a:lnTo>
-                  <a:lnTo>
-                    <a:pt x="606595" y="31205"/>
-                  </a:lnTo>
-                  <a:lnTo>
-                    <a:pt x="808794" y="0"/>
-                  </a:lnTo>
-                </a:path>
-              </a:pathLst>
-            </a:custGeom>
-            <a:ln w="13550" cap="flat">
-              <a:solidFill>
                 <a:srgbClr val="F8766D">
                   <a:alpha val="100000"/>
                 </a:srgbClr>
@@ -4279,13 +4150,13 @@
         </p:sp>
         <p:sp>
           <p:nvSpPr>
-            <p:cNvPr id="36" name="pt36"/>
-            <p:cNvSpPr/>
-            <p:nvPr/>
-          </p:nvSpPr>
-          <p:spPr>
-            <a:xfrm>
-              <a:off x="2923786" y="1355352"/>
+            <p:cNvPr id="33" name="pt33"/>
+            <p:cNvSpPr/>
+            <p:nvPr/>
+          </p:nvSpPr>
+          <p:spPr>
+            <a:xfrm>
+              <a:off x="2923786" y="1126102"/>
               <a:ext cx="49651" cy="49651"/>
             </a:xfrm>
             <a:prstGeom prst="ellipse">
@@ -4314,13 +4185,13 @@
         </p:sp>
         <p:sp>
           <p:nvSpPr>
-            <p:cNvPr id="37" name="pt37"/>
-            <p:cNvSpPr/>
-            <p:nvPr/>
-          </p:nvSpPr>
-          <p:spPr>
-            <a:xfrm>
-              <a:off x="3125985" y="1297100"/>
+            <p:cNvPr id="34" name="pt34"/>
+            <p:cNvSpPr/>
+            <p:nvPr/>
+          </p:nvSpPr>
+          <p:spPr>
+            <a:xfrm>
+              <a:off x="3125985" y="1146376"/>
               <a:ext cx="49651" cy="49651"/>
             </a:xfrm>
             <a:prstGeom prst="ellipse">
@@ -4349,13 +4220,13 @@
         </p:sp>
         <p:sp>
           <p:nvSpPr>
-            <p:cNvPr id="38" name="pt38"/>
-            <p:cNvSpPr/>
-            <p:nvPr/>
-          </p:nvSpPr>
-          <p:spPr>
-            <a:xfrm>
-              <a:off x="3328183" y="1128588"/>
+            <p:cNvPr id="35" name="pt35"/>
+            <p:cNvSpPr/>
+            <p:nvPr/>
+          </p:nvSpPr>
+          <p:spPr>
+            <a:xfrm>
+              <a:off x="3328183" y="1045787"/>
               <a:ext cx="49651" cy="49651"/>
             </a:xfrm>
             <a:prstGeom prst="ellipse">
@@ -4384,13 +4255,13 @@
         </p:sp>
         <p:sp>
           <p:nvSpPr>
-            <p:cNvPr id="39" name="pt39"/>
-            <p:cNvSpPr/>
-            <p:nvPr/>
-          </p:nvSpPr>
-          <p:spPr>
-            <a:xfrm>
-              <a:off x="3530382" y="346358"/>
+            <p:cNvPr id="36" name="pt36"/>
+            <p:cNvSpPr/>
+            <p:nvPr/>
+          </p:nvSpPr>
+          <p:spPr>
+            <a:xfrm>
+              <a:off x="3530382" y="354920"/>
               <a:ext cx="49651" cy="49651"/>
             </a:xfrm>
             <a:prstGeom prst="ellipse">
@@ -4419,7 +4290,7 @@
         </p:sp>
         <p:sp>
           <p:nvSpPr>
-            <p:cNvPr id="40" name="pt40"/>
+            <p:cNvPr id="37" name="pt37"/>
             <p:cNvSpPr/>
             <p:nvPr/>
           </p:nvSpPr>
@@ -4454,7 +4325,7 @@
         </p:sp>
         <p:sp>
           <p:nvSpPr>
-            <p:cNvPr id="41" name="rc41"/>
+            <p:cNvPr id="38" name="rc38"/>
             <p:cNvSpPr/>
             <p:nvPr/>
           </p:nvSpPr>
@@ -4480,13 +4351,13 @@
         </p:sp>
         <p:sp>
           <p:nvSpPr>
-            <p:cNvPr id="42" name="pl42"/>
-            <p:cNvSpPr/>
-            <p:nvPr/>
-          </p:nvSpPr>
-          <p:spPr>
-            <a:xfrm>
-              <a:off x="3948315" y="1380178"/>
+            <p:cNvPr id="39" name="pl39"/>
+            <p:cNvSpPr/>
+            <p:nvPr/>
+          </p:nvSpPr>
+          <p:spPr>
+            <a:xfrm>
+              <a:off x="3948315" y="1119738"/>
               <a:ext cx="1051432" cy="0"/>
             </a:xfrm>
             <a:custGeom>
@@ -4523,13 +4394,13 @@
         </p:sp>
         <p:sp>
           <p:nvSpPr>
-            <p:cNvPr id="43" name="pl43"/>
-            <p:cNvSpPr/>
-            <p:nvPr/>
-          </p:nvSpPr>
-          <p:spPr>
-            <a:xfrm>
-              <a:off x="3948315" y="1120128"/>
+            <p:cNvPr id="40" name="pl40"/>
+            <p:cNvSpPr/>
+            <p:nvPr/>
+          </p:nvSpPr>
+          <p:spPr>
+            <a:xfrm>
+              <a:off x="3948315" y="729858"/>
               <a:ext cx="1051432" cy="0"/>
             </a:xfrm>
             <a:custGeom>
@@ -4566,13 +4437,13 @@
         </p:sp>
         <p:sp>
           <p:nvSpPr>
-            <p:cNvPr id="44" name="pl44"/>
-            <p:cNvSpPr/>
-            <p:nvPr/>
-          </p:nvSpPr>
-          <p:spPr>
-            <a:xfrm>
-              <a:off x="3948315" y="860078"/>
+            <p:cNvPr id="41" name="pl41"/>
+            <p:cNvSpPr/>
+            <p:nvPr/>
+          </p:nvSpPr>
+          <p:spPr>
+            <a:xfrm>
+              <a:off x="3948315" y="339978"/>
               <a:ext cx="1051432" cy="0"/>
             </a:xfrm>
             <a:custGeom>
@@ -4609,13 +4480,13 @@
         </p:sp>
         <p:sp>
           <p:nvSpPr>
-            <p:cNvPr id="45" name="pl45"/>
-            <p:cNvSpPr/>
-            <p:nvPr/>
-          </p:nvSpPr>
-          <p:spPr>
-            <a:xfrm>
-              <a:off x="3948315" y="600028"/>
+            <p:cNvPr id="42" name="pl42"/>
+            <p:cNvSpPr/>
+            <p:nvPr/>
+          </p:nvSpPr>
+          <p:spPr>
+            <a:xfrm>
+              <a:off x="3948315" y="1119738"/>
               <a:ext cx="1051432" cy="0"/>
             </a:xfrm>
             <a:custGeom>
@@ -4636,98 +4507,55 @@
             </a:custGeom>
             <a:ln w="13550" cap="flat">
               <a:solidFill>
-                <a:srgbClr val="BEBEBE">
-                  <a:alpha val="100000"/>
-                </a:srgbClr>
-              </a:solidFill>
-              <a:prstDash val="solid"/>
-              <a:round/>
-            </a:ln>
-          </p:spPr>
-          <p:txBody>
-            <a:bodyPr/>
-            <a:lstStyle/>
-            <a:p/>
-          </p:txBody>
-        </p:sp>
-        <p:sp>
-          <p:nvSpPr>
-            <p:cNvPr id="46" name="pl46"/>
-            <p:cNvSpPr/>
-            <p:nvPr/>
-          </p:nvSpPr>
-          <p:spPr>
-            <a:xfrm>
-              <a:off x="3948315" y="339978"/>
-              <a:ext cx="1051432" cy="0"/>
+                <a:srgbClr val="000000">
+                  <a:alpha val="100000"/>
+                </a:srgbClr>
+              </a:solidFill>
+              <a:prstDash val="solid"/>
+              <a:round/>
+            </a:ln>
+          </p:spPr>
+          <p:txBody>
+            <a:bodyPr/>
+            <a:lstStyle/>
+            <a:p/>
+          </p:txBody>
+        </p:sp>
+        <p:sp>
+          <p:nvSpPr>
+            <p:cNvPr id="43" name="pl43"/>
+            <p:cNvSpPr/>
+            <p:nvPr/>
+          </p:nvSpPr>
+          <p:spPr>
+            <a:xfrm>
+              <a:off x="4069634" y="339978"/>
+              <a:ext cx="808794" cy="660456"/>
             </a:xfrm>
             <a:custGeom>
               <a:avLst/>
               <a:pathLst>
-                <a:path w="1051432" h="0">
+                <a:path w="808794" h="660456">
                   <a:moveTo>
-                    <a:pt x="0" y="0"/>
+                    <a:pt x="0" y="608212"/>
                   </a:moveTo>
                   <a:lnTo>
-                    <a:pt x="1051432" y="0"/>
-                  </a:lnTo>
-                  <a:lnTo>
-                    <a:pt x="1051432" y="0"/>
+                    <a:pt x="202198" y="660456"/>
+                  </a:lnTo>
+                  <a:lnTo>
+                    <a:pt x="404397" y="438224"/>
+                  </a:lnTo>
+                  <a:lnTo>
+                    <a:pt x="606595" y="41327"/>
+                  </a:lnTo>
+                  <a:lnTo>
+                    <a:pt x="808794" y="0"/>
                   </a:lnTo>
                 </a:path>
               </a:pathLst>
             </a:custGeom>
             <a:ln w="13550" cap="flat">
               <a:solidFill>
-                <a:srgbClr val="BEBEBE">
-                  <a:alpha val="100000"/>
-                </a:srgbClr>
-              </a:solidFill>
-              <a:prstDash val="solid"/>
-              <a:round/>
-            </a:ln>
-          </p:spPr>
-          <p:txBody>
-            <a:bodyPr/>
-            <a:lstStyle/>
-            <a:p/>
-          </p:txBody>
-        </p:sp>
-        <p:sp>
-          <p:nvSpPr>
-            <p:cNvPr id="47" name="pl47"/>
-            <p:cNvSpPr/>
-            <p:nvPr/>
-          </p:nvSpPr>
-          <p:spPr>
-            <a:xfrm>
-              <a:off x="4069634" y="339978"/>
-              <a:ext cx="808794" cy="780149"/>
-            </a:xfrm>
-            <a:custGeom>
-              <a:avLst/>
-              <a:pathLst>
-                <a:path w="808794" h="780149">
-                  <a:moveTo>
-                    <a:pt x="0" y="780149"/>
-                  </a:moveTo>
-                  <a:lnTo>
-                    <a:pt x="202198" y="780149"/>
-                  </a:lnTo>
-                  <a:lnTo>
-                    <a:pt x="404397" y="487853"/>
-                  </a:lnTo>
-                  <a:lnTo>
-                    <a:pt x="606595" y="32246"/>
-                  </a:lnTo>
-                  <a:lnTo>
-                    <a:pt x="808794" y="0"/>
-                  </a:lnTo>
-                </a:path>
-              </a:pathLst>
-            </a:custGeom>
-            <a:ln w="13550" cap="flat">
-              <a:solidFill>
                 <a:srgbClr val="F8766D">
                   <a:alpha val="100000"/>
                 </a:srgbClr>
@@ -4744,13 +4572,13 @@
         </p:sp>
         <p:sp>
           <p:nvSpPr>
-            <p:cNvPr id="48" name="pt48"/>
-            <p:cNvSpPr/>
-            <p:nvPr/>
-          </p:nvSpPr>
-          <p:spPr>
-            <a:xfrm>
-              <a:off x="4044808" y="1095302"/>
+            <p:cNvPr id="44" name="pt44"/>
+            <p:cNvSpPr/>
+            <p:nvPr/>
+          </p:nvSpPr>
+          <p:spPr>
+            <a:xfrm>
+              <a:off x="4044808" y="923365"/>
               <a:ext cx="49651" cy="49651"/>
             </a:xfrm>
             <a:prstGeom prst="ellipse">
@@ -4779,13 +4607,13 @@
         </p:sp>
         <p:sp>
           <p:nvSpPr>
-            <p:cNvPr id="49" name="pt49"/>
-            <p:cNvSpPr/>
-            <p:nvPr/>
-          </p:nvSpPr>
-          <p:spPr>
-            <a:xfrm>
-              <a:off x="4247006" y="1095302"/>
+            <p:cNvPr id="45" name="pt45"/>
+            <p:cNvSpPr/>
+            <p:nvPr/>
+          </p:nvSpPr>
+          <p:spPr>
+            <a:xfrm>
+              <a:off x="4247006" y="975609"/>
               <a:ext cx="49651" cy="49651"/>
             </a:xfrm>
             <a:prstGeom prst="ellipse">
@@ -4814,13 +4642,13 @@
         </p:sp>
         <p:sp>
           <p:nvSpPr>
-            <p:cNvPr id="50" name="pt50"/>
-            <p:cNvSpPr/>
-            <p:nvPr/>
-          </p:nvSpPr>
-          <p:spPr>
-            <a:xfrm>
-              <a:off x="4449205" y="803006"/>
+            <p:cNvPr id="46" name="pt46"/>
+            <p:cNvSpPr/>
+            <p:nvPr/>
+          </p:nvSpPr>
+          <p:spPr>
+            <a:xfrm>
+              <a:off x="4449205" y="753377"/>
               <a:ext cx="49651" cy="49651"/>
             </a:xfrm>
             <a:prstGeom prst="ellipse">
@@ -4849,13 +4677,13 @@
         </p:sp>
         <p:sp>
           <p:nvSpPr>
-            <p:cNvPr id="51" name="pt51"/>
-            <p:cNvSpPr/>
-            <p:nvPr/>
-          </p:nvSpPr>
-          <p:spPr>
-            <a:xfrm>
-              <a:off x="4651404" y="347398"/>
+            <p:cNvPr id="47" name="pt47"/>
+            <p:cNvSpPr/>
+            <p:nvPr/>
+          </p:nvSpPr>
+          <p:spPr>
+            <a:xfrm>
+              <a:off x="4651404" y="356479"/>
               <a:ext cx="49651" cy="49651"/>
             </a:xfrm>
             <a:prstGeom prst="ellipse">
@@ -4884,7 +4712,7 @@
         </p:sp>
         <p:sp>
           <p:nvSpPr>
-            <p:cNvPr id="52" name="pt52"/>
+            <p:cNvPr id="48" name="pt48"/>
             <p:cNvSpPr/>
             <p:nvPr/>
           </p:nvSpPr>
@@ -4919,7 +4747,7 @@
         </p:sp>
         <p:sp>
           <p:nvSpPr>
-            <p:cNvPr id="53" name="rc53"/>
+            <p:cNvPr id="49" name="rc49"/>
             <p:cNvSpPr/>
             <p:nvPr/>
           </p:nvSpPr>
@@ -4945,13 +4773,13 @@
         </p:sp>
         <p:sp>
           <p:nvSpPr>
-            <p:cNvPr id="54" name="pl54"/>
-            <p:cNvSpPr/>
-            <p:nvPr/>
-          </p:nvSpPr>
-          <p:spPr>
-            <a:xfrm>
-              <a:off x="5069336" y="1380178"/>
+            <p:cNvPr id="50" name="pl50"/>
+            <p:cNvSpPr/>
+            <p:nvPr/>
+          </p:nvSpPr>
+          <p:spPr>
+            <a:xfrm>
+              <a:off x="5069336" y="1119738"/>
               <a:ext cx="1051432" cy="0"/>
             </a:xfrm>
             <a:custGeom>
@@ -4988,13 +4816,13 @@
         </p:sp>
         <p:sp>
           <p:nvSpPr>
-            <p:cNvPr id="55" name="pl55"/>
-            <p:cNvSpPr/>
-            <p:nvPr/>
-          </p:nvSpPr>
-          <p:spPr>
-            <a:xfrm>
-              <a:off x="5069336" y="1120128"/>
+            <p:cNvPr id="51" name="pl51"/>
+            <p:cNvSpPr/>
+            <p:nvPr/>
+          </p:nvSpPr>
+          <p:spPr>
+            <a:xfrm>
+              <a:off x="5069336" y="729858"/>
               <a:ext cx="1051432" cy="0"/>
             </a:xfrm>
             <a:custGeom>
@@ -5031,13 +4859,13 @@
         </p:sp>
         <p:sp>
           <p:nvSpPr>
-            <p:cNvPr id="56" name="pl56"/>
-            <p:cNvSpPr/>
-            <p:nvPr/>
-          </p:nvSpPr>
-          <p:spPr>
-            <a:xfrm>
-              <a:off x="5069336" y="860078"/>
+            <p:cNvPr id="52" name="pl52"/>
+            <p:cNvSpPr/>
+            <p:nvPr/>
+          </p:nvSpPr>
+          <p:spPr>
+            <a:xfrm>
+              <a:off x="5069336" y="339978"/>
               <a:ext cx="1051432" cy="0"/>
             </a:xfrm>
             <a:custGeom>
@@ -5074,13 +4902,13 @@
         </p:sp>
         <p:sp>
           <p:nvSpPr>
-            <p:cNvPr id="57" name="pl57"/>
-            <p:cNvSpPr/>
-            <p:nvPr/>
-          </p:nvSpPr>
-          <p:spPr>
-            <a:xfrm>
-              <a:off x="5069336" y="600028"/>
+            <p:cNvPr id="53" name="pl53"/>
+            <p:cNvSpPr/>
+            <p:nvPr/>
+          </p:nvSpPr>
+          <p:spPr>
+            <a:xfrm>
+              <a:off x="5069336" y="1119738"/>
               <a:ext cx="1051432" cy="0"/>
             </a:xfrm>
             <a:custGeom>
@@ -5101,98 +4929,55 @@
             </a:custGeom>
             <a:ln w="13550" cap="flat">
               <a:solidFill>
-                <a:srgbClr val="BEBEBE">
-                  <a:alpha val="100000"/>
-                </a:srgbClr>
-              </a:solidFill>
-              <a:prstDash val="solid"/>
-              <a:round/>
-            </a:ln>
-          </p:spPr>
-          <p:txBody>
-            <a:bodyPr/>
-            <a:lstStyle/>
-            <a:p/>
-          </p:txBody>
-        </p:sp>
-        <p:sp>
-          <p:nvSpPr>
-            <p:cNvPr id="58" name="pl58"/>
-            <p:cNvSpPr/>
-            <p:nvPr/>
-          </p:nvSpPr>
-          <p:spPr>
-            <a:xfrm>
-              <a:off x="5069336" y="339978"/>
-              <a:ext cx="1051432" cy="0"/>
+                <a:srgbClr val="000000">
+                  <a:alpha val="100000"/>
+                </a:srgbClr>
+              </a:solidFill>
+              <a:prstDash val="solid"/>
+              <a:round/>
+            </a:ln>
+          </p:spPr>
+          <p:txBody>
+            <a:bodyPr/>
+            <a:lstStyle/>
+            <a:p/>
+          </p:txBody>
+        </p:sp>
+        <p:sp>
+          <p:nvSpPr>
+            <p:cNvPr id="54" name="pl54"/>
+            <p:cNvSpPr/>
+            <p:nvPr/>
+          </p:nvSpPr>
+          <p:spPr>
+            <a:xfrm>
+              <a:off x="5190655" y="339978"/>
+              <a:ext cx="808794" cy="754027"/>
             </a:xfrm>
             <a:custGeom>
               <a:avLst/>
               <a:pathLst>
-                <a:path w="1051432" h="0">
+                <a:path w="808794" h="754027">
                   <a:moveTo>
-                    <a:pt x="0" y="0"/>
+                    <a:pt x="0" y="694765"/>
                   </a:moveTo>
                   <a:lnTo>
-                    <a:pt x="1051432" y="0"/>
-                  </a:lnTo>
-                  <a:lnTo>
-                    <a:pt x="1051432" y="0"/>
+                    <a:pt x="202198" y="754027"/>
+                  </a:lnTo>
+                  <a:lnTo>
+                    <a:pt x="404397" y="601194"/>
+                  </a:lnTo>
+                  <a:lnTo>
+                    <a:pt x="606595" y="8577"/>
+                  </a:lnTo>
+                  <a:lnTo>
+                    <a:pt x="808794" y="0"/>
                   </a:lnTo>
                 </a:path>
               </a:pathLst>
             </a:custGeom>
             <a:ln w="13550" cap="flat">
               <a:solidFill>
-                <a:srgbClr val="BEBEBE">
-                  <a:alpha val="100000"/>
-                </a:srgbClr>
-              </a:solidFill>
-              <a:prstDash val="solid"/>
-              <a:round/>
-            </a:ln>
-          </p:spPr>
-          <p:txBody>
-            <a:bodyPr/>
-            <a:lstStyle/>
-            <a:p/>
-          </p:txBody>
-        </p:sp>
-        <p:sp>
-          <p:nvSpPr>
-            <p:cNvPr id="59" name="pl59"/>
-            <p:cNvSpPr/>
-            <p:nvPr/>
-          </p:nvSpPr>
-          <p:spPr>
-            <a:xfrm>
-              <a:off x="5190655" y="339978"/>
-              <a:ext cx="808794" cy="891450"/>
-            </a:xfrm>
-            <a:custGeom>
-              <a:avLst/>
-              <a:pathLst>
-                <a:path w="808794" h="891450">
-                  <a:moveTo>
-                    <a:pt x="0" y="891450"/>
-                  </a:moveTo>
-                  <a:lnTo>
-                    <a:pt x="202198" y="891450"/>
-                  </a:lnTo>
-                  <a:lnTo>
-                    <a:pt x="404397" y="668848"/>
-                  </a:lnTo>
-                  <a:lnTo>
-                    <a:pt x="606595" y="6241"/>
-                  </a:lnTo>
-                  <a:lnTo>
-                    <a:pt x="808794" y="0"/>
-                  </a:lnTo>
-                </a:path>
-              </a:pathLst>
-            </a:custGeom>
-            <a:ln w="13550" cap="flat">
-              <a:solidFill>
                 <a:srgbClr val="F8766D">
                   <a:alpha val="100000"/>
                 </a:srgbClr>
@@ -5209,13 +4994,13 @@
         </p:sp>
         <p:sp>
           <p:nvSpPr>
-            <p:cNvPr id="60" name="pt60"/>
-            <p:cNvSpPr/>
-            <p:nvPr/>
-          </p:nvSpPr>
-          <p:spPr>
-            <a:xfrm>
-              <a:off x="5165829" y="1206603"/>
+            <p:cNvPr id="55" name="pt55"/>
+            <p:cNvSpPr/>
+            <p:nvPr/>
+          </p:nvSpPr>
+          <p:spPr>
+            <a:xfrm>
+              <a:off x="5165829" y="1009918"/>
               <a:ext cx="49651" cy="49651"/>
             </a:xfrm>
             <a:prstGeom prst="ellipse">
@@ -5244,13 +5029,13 @@
         </p:sp>
         <p:sp>
           <p:nvSpPr>
-            <p:cNvPr id="61" name="pt61"/>
-            <p:cNvSpPr/>
-            <p:nvPr/>
-          </p:nvSpPr>
-          <p:spPr>
-            <a:xfrm>
-              <a:off x="5368028" y="1206603"/>
+            <p:cNvPr id="56" name="pt56"/>
+            <p:cNvSpPr/>
+            <p:nvPr/>
+          </p:nvSpPr>
+          <p:spPr>
+            <a:xfrm>
+              <a:off x="5368028" y="1069180"/>
               <a:ext cx="49651" cy="49651"/>
             </a:xfrm>
             <a:prstGeom prst="ellipse">
@@ -5279,13 +5064,13 @@
         </p:sp>
         <p:sp>
           <p:nvSpPr>
-            <p:cNvPr id="62" name="pt62"/>
-            <p:cNvSpPr/>
-            <p:nvPr/>
-          </p:nvSpPr>
-          <p:spPr>
-            <a:xfrm>
-              <a:off x="5570227" y="984000"/>
+            <p:cNvPr id="57" name="pt57"/>
+            <p:cNvSpPr/>
+            <p:nvPr/>
+          </p:nvSpPr>
+          <p:spPr>
+            <a:xfrm>
+              <a:off x="5570227" y="916347"/>
               <a:ext cx="49651" cy="49651"/>
             </a:xfrm>
             <a:prstGeom prst="ellipse">
@@ -5314,13 +5099,13 @@
         </p:sp>
         <p:sp>
           <p:nvSpPr>
-            <p:cNvPr id="63" name="pt63"/>
-            <p:cNvSpPr/>
-            <p:nvPr/>
-          </p:nvSpPr>
-          <p:spPr>
-            <a:xfrm>
-              <a:off x="5772425" y="321393"/>
+            <p:cNvPr id="58" name="pt58"/>
+            <p:cNvSpPr/>
+            <p:nvPr/>
+          </p:nvSpPr>
+          <p:spPr>
+            <a:xfrm>
+              <a:off x="5772425" y="323730"/>
               <a:ext cx="49651" cy="49651"/>
             </a:xfrm>
             <a:prstGeom prst="ellipse">
@@ -5349,7 +5134,7 @@
         </p:sp>
         <p:sp>
           <p:nvSpPr>
-            <p:cNvPr id="64" name="pt64"/>
+            <p:cNvPr id="59" name="pt59"/>
             <p:cNvSpPr/>
             <p:nvPr/>
           </p:nvSpPr>
@@ -5384,7 +5169,7 @@
         </p:sp>
         <p:sp>
           <p:nvSpPr>
-            <p:cNvPr id="65" name="rc65"/>
+            <p:cNvPr id="60" name="rc60"/>
             <p:cNvSpPr/>
             <p:nvPr/>
           </p:nvSpPr>
@@ -5410,13 +5195,13 @@
         </p:sp>
         <p:sp>
           <p:nvSpPr>
-            <p:cNvPr id="66" name="pl66"/>
-            <p:cNvSpPr/>
-            <p:nvPr/>
-          </p:nvSpPr>
-          <p:spPr>
-            <a:xfrm>
-              <a:off x="585250" y="2593986"/>
+            <p:cNvPr id="61" name="pl61"/>
+            <p:cNvSpPr/>
+            <p:nvPr/>
+          </p:nvSpPr>
+          <p:spPr>
+            <a:xfrm>
+              <a:off x="585250" y="2333546"/>
               <a:ext cx="1051432" cy="0"/>
             </a:xfrm>
             <a:custGeom>
@@ -5453,13 +5238,13 @@
         </p:sp>
         <p:sp>
           <p:nvSpPr>
-            <p:cNvPr id="67" name="pl67"/>
-            <p:cNvSpPr/>
-            <p:nvPr/>
-          </p:nvSpPr>
-          <p:spPr>
-            <a:xfrm>
-              <a:off x="585250" y="2333936"/>
+            <p:cNvPr id="62" name="pl62"/>
+            <p:cNvSpPr/>
+            <p:nvPr/>
+          </p:nvSpPr>
+          <p:spPr>
+            <a:xfrm>
+              <a:off x="585250" y="1943666"/>
               <a:ext cx="1051432" cy="0"/>
             </a:xfrm>
             <a:custGeom>
@@ -5496,13 +5281,13 @@
         </p:sp>
         <p:sp>
           <p:nvSpPr>
-            <p:cNvPr id="68" name="pl68"/>
-            <p:cNvSpPr/>
-            <p:nvPr/>
-          </p:nvSpPr>
-          <p:spPr>
-            <a:xfrm>
-              <a:off x="585250" y="2073886"/>
+            <p:cNvPr id="63" name="pl63"/>
+            <p:cNvSpPr/>
+            <p:nvPr/>
+          </p:nvSpPr>
+          <p:spPr>
+            <a:xfrm>
+              <a:off x="585250" y="1553786"/>
               <a:ext cx="1051432" cy="0"/>
             </a:xfrm>
             <a:custGeom>
@@ -5539,13 +5324,13 @@
         </p:sp>
         <p:sp>
           <p:nvSpPr>
-            <p:cNvPr id="69" name="pl69"/>
-            <p:cNvSpPr/>
-            <p:nvPr/>
-          </p:nvSpPr>
-          <p:spPr>
-            <a:xfrm>
-              <a:off x="585250" y="1813836"/>
+            <p:cNvPr id="64" name="pl64"/>
+            <p:cNvSpPr/>
+            <p:nvPr/>
+          </p:nvSpPr>
+          <p:spPr>
+            <a:xfrm>
+              <a:off x="585250" y="2333546"/>
               <a:ext cx="1051432" cy="0"/>
             </a:xfrm>
             <a:custGeom>
@@ -5566,89 +5351,95 @@
             </a:custGeom>
             <a:ln w="13550" cap="flat">
               <a:solidFill>
-                <a:srgbClr val="BEBEBE">
-                  <a:alpha val="100000"/>
-                </a:srgbClr>
-              </a:solidFill>
-              <a:prstDash val="solid"/>
-              <a:round/>
-            </a:ln>
-          </p:spPr>
-          <p:txBody>
-            <a:bodyPr/>
-            <a:lstStyle/>
-            <a:p/>
-          </p:txBody>
-        </p:sp>
-        <p:sp>
-          <p:nvSpPr>
-            <p:cNvPr id="70" name="pl70"/>
-            <p:cNvSpPr/>
-            <p:nvPr/>
-          </p:nvSpPr>
-          <p:spPr>
-            <a:xfrm>
-              <a:off x="585250" y="1553786"/>
-              <a:ext cx="1051432" cy="0"/>
+                <a:srgbClr val="000000">
+                  <a:alpha val="100000"/>
+                </a:srgbClr>
+              </a:solidFill>
+              <a:prstDash val="solid"/>
+              <a:round/>
+            </a:ln>
+          </p:spPr>
+          <p:txBody>
+            <a:bodyPr/>
+            <a:lstStyle/>
+            <a:p/>
+          </p:txBody>
+        </p:sp>
+        <p:sp>
+          <p:nvSpPr>
+            <p:cNvPr id="65" name="pl65"/>
+            <p:cNvSpPr/>
+            <p:nvPr/>
+          </p:nvSpPr>
+          <p:spPr>
+            <a:xfrm>
+              <a:off x="706569" y="1585757"/>
+              <a:ext cx="808794" cy="902961"/>
             </a:xfrm>
             <a:custGeom>
               <a:avLst/>
               <a:pathLst>
-                <a:path w="1051432" h="0">
+                <a:path w="808794" h="902961">
                   <a:moveTo>
-                    <a:pt x="0" y="0"/>
+                    <a:pt x="0" y="778979"/>
                   </a:moveTo>
                   <a:lnTo>
-                    <a:pt x="1051432" y="0"/>
-                  </a:lnTo>
-                  <a:lnTo>
-                    <a:pt x="1051432" y="0"/>
+                    <a:pt x="202198" y="848378"/>
+                  </a:lnTo>
+                  <a:lnTo>
+                    <a:pt x="404397" y="902961"/>
+                  </a:lnTo>
+                  <a:lnTo>
+                    <a:pt x="606595" y="0"/>
+                  </a:lnTo>
+                  <a:lnTo>
+                    <a:pt x="808794" y="1559"/>
                   </a:lnTo>
                 </a:path>
               </a:pathLst>
             </a:custGeom>
             <a:ln w="13550" cap="flat">
               <a:solidFill>
-                <a:srgbClr val="BEBEBE">
-                  <a:alpha val="100000"/>
-                </a:srgbClr>
-              </a:solidFill>
-              <a:prstDash val="solid"/>
-              <a:round/>
-            </a:ln>
-          </p:spPr>
-          <p:txBody>
-            <a:bodyPr/>
-            <a:lstStyle/>
-            <a:p/>
-          </p:txBody>
-        </p:sp>
-        <p:sp>
-          <p:nvSpPr>
-            <p:cNvPr id="71" name="pl71"/>
-            <p:cNvSpPr/>
-            <p:nvPr/>
-          </p:nvSpPr>
-          <p:spPr>
-            <a:xfrm>
-              <a:off x="706569" y="1572510"/>
-              <a:ext cx="808794" cy="1021475"/>
+                <a:srgbClr val="00BA38">
+                  <a:alpha val="100000"/>
+                </a:srgbClr>
+              </a:solidFill>
+              <a:prstDash val="solid"/>
+              <a:round/>
+            </a:ln>
+          </p:spPr>
+          <p:txBody>
+            <a:bodyPr/>
+            <a:lstStyle/>
+            <a:p/>
+          </p:txBody>
+        </p:sp>
+        <p:sp>
+          <p:nvSpPr>
+            <p:cNvPr id="66" name="pl66"/>
+            <p:cNvSpPr/>
+            <p:nvPr/>
+          </p:nvSpPr>
+          <p:spPr>
+            <a:xfrm>
+              <a:off x="706569" y="1853994"/>
+              <a:ext cx="808794" cy="294749"/>
             </a:xfrm>
             <a:custGeom>
               <a:avLst/>
               <a:pathLst>
-                <a:path w="808794" h="1021475">
+                <a:path w="808794" h="294749">
                   <a:moveTo>
-                    <a:pt x="0" y="1021475"/>
+                    <a:pt x="0" y="294749"/>
                   </a:moveTo>
                   <a:lnTo>
-                    <a:pt x="202198" y="1021475"/>
-                  </a:lnTo>
-                  <a:lnTo>
-                    <a:pt x="404397" y="1021475"/>
-                  </a:lnTo>
-                  <a:lnTo>
-                    <a:pt x="606595" y="6241"/>
+                    <a:pt x="202198" y="286171"/>
+                  </a:lnTo>
+                  <a:lnTo>
+                    <a:pt x="404397" y="209755"/>
+                  </a:lnTo>
+                  <a:lnTo>
+                    <a:pt x="606595" y="18714"/>
                   </a:lnTo>
                   <a:lnTo>
                     <a:pt x="808794" y="0"/>
@@ -5658,104 +5449,55 @@
             </a:custGeom>
             <a:ln w="13550" cap="flat">
               <a:solidFill>
-                <a:srgbClr val="00BA38">
-                  <a:alpha val="100000"/>
-                </a:srgbClr>
-              </a:solidFill>
-              <a:prstDash val="solid"/>
-              <a:round/>
-            </a:ln>
-          </p:spPr>
-          <p:txBody>
-            <a:bodyPr/>
-            <a:lstStyle/>
-            <a:p/>
-          </p:txBody>
-        </p:sp>
-        <p:sp>
-          <p:nvSpPr>
-            <p:cNvPr id="72" name="pl72"/>
-            <p:cNvSpPr/>
-            <p:nvPr/>
-          </p:nvSpPr>
-          <p:spPr>
-            <a:xfrm>
-              <a:off x="706569" y="1716058"/>
-              <a:ext cx="808794" cy="600195"/>
+                <a:srgbClr val="619CFF">
+                  <a:alpha val="100000"/>
+                </a:srgbClr>
+              </a:solidFill>
+              <a:prstDash val="solid"/>
+              <a:round/>
+            </a:ln>
+          </p:spPr>
+          <p:txBody>
+            <a:bodyPr/>
+            <a:lstStyle/>
+            <a:p/>
+          </p:txBody>
+        </p:sp>
+        <p:sp>
+          <p:nvSpPr>
+            <p:cNvPr id="67" name="pl67"/>
+            <p:cNvSpPr/>
+            <p:nvPr/>
+          </p:nvSpPr>
+          <p:spPr>
+            <a:xfrm>
+              <a:off x="706569" y="2164338"/>
+              <a:ext cx="808794" cy="200398"/>
             </a:xfrm>
             <a:custGeom>
               <a:avLst/>
               <a:pathLst>
-                <a:path w="808794" h="600195">
+                <a:path w="808794" h="200398">
                   <a:moveTo>
-                    <a:pt x="0" y="600195"/>
+                    <a:pt x="0" y="200398"/>
                   </a:moveTo>
                   <a:lnTo>
-                    <a:pt x="202198" y="531541"/>
-                  </a:lnTo>
-                  <a:lnTo>
-                    <a:pt x="404397" y="404637"/>
-                  </a:lnTo>
-                  <a:lnTo>
-                    <a:pt x="606595" y="87376"/>
-                  </a:lnTo>
-                  <a:lnTo>
-                    <a:pt x="808794" y="0"/>
+                    <a:pt x="202198" y="159850"/>
+                  </a:lnTo>
+                  <a:lnTo>
+                    <a:pt x="404397" y="139576"/>
+                  </a:lnTo>
+                  <a:lnTo>
+                    <a:pt x="606595" y="0"/>
+                  </a:lnTo>
+                  <a:lnTo>
+                    <a:pt x="808794" y="22613"/>
                   </a:lnTo>
                 </a:path>
               </a:pathLst>
             </a:custGeom>
             <a:ln w="13550" cap="flat">
               <a:solidFill>
-                <a:srgbClr val="619CFF">
-                  <a:alpha val="100000"/>
-                </a:srgbClr>
-              </a:solidFill>
-              <a:prstDash val="solid"/>
-              <a:round/>
-            </a:ln>
-          </p:spPr>
-          <p:txBody>
-            <a:bodyPr/>
-            <a:lstStyle/>
-            <a:p/>
-          </p:txBody>
-        </p:sp>
-        <p:sp>
-          <p:nvSpPr>
-            <p:cNvPr id="73" name="pl73"/>
-            <p:cNvSpPr/>
-            <p:nvPr/>
-          </p:nvSpPr>
-          <p:spPr>
-            <a:xfrm>
-              <a:off x="706569" y="1894972"/>
-              <a:ext cx="808794" cy="699013"/>
-            </a:xfrm>
-            <a:custGeom>
-              <a:avLst/>
-              <a:pathLst>
-                <a:path w="808794" h="699013">
-                  <a:moveTo>
-                    <a:pt x="0" y="699013"/>
-                  </a:moveTo>
-                  <a:lnTo>
-                    <a:pt x="202198" y="568989"/>
-                  </a:lnTo>
-                  <a:lnTo>
-                    <a:pt x="404397" y="493054"/>
-                  </a:lnTo>
-                  <a:lnTo>
-                    <a:pt x="606595" y="137306"/>
-                  </a:lnTo>
-                  <a:lnTo>
-                    <a:pt x="808794" y="0"/>
-                  </a:lnTo>
-                </a:path>
-              </a:pathLst>
-            </a:custGeom>
-            <a:ln w="13550" cap="flat">
-              <a:solidFill>
                 <a:srgbClr val="F8766D">
                   <a:alpha val="100000"/>
                 </a:srgbClr>
@@ -5772,13 +5514,13 @@
         </p:sp>
         <p:sp>
           <p:nvSpPr>
-            <p:cNvPr id="74" name="pt74"/>
-            <p:cNvSpPr/>
-            <p:nvPr/>
-          </p:nvSpPr>
-          <p:spPr>
-            <a:xfrm>
-              <a:off x="681743" y="2569160"/>
+            <p:cNvPr id="68" name="pt68"/>
+            <p:cNvSpPr/>
+            <p:nvPr/>
+          </p:nvSpPr>
+          <p:spPr>
+            <a:xfrm>
+              <a:off x="681743" y="2339911"/>
               <a:ext cx="49651" cy="49651"/>
             </a:xfrm>
             <a:prstGeom prst="ellipse">
@@ -5807,13 +5549,13 @@
         </p:sp>
         <p:sp>
           <p:nvSpPr>
-            <p:cNvPr id="75" name="pt75"/>
-            <p:cNvSpPr/>
-            <p:nvPr/>
-          </p:nvSpPr>
-          <p:spPr>
-            <a:xfrm>
-              <a:off x="681743" y="2569160"/>
+            <p:cNvPr id="69" name="pt69"/>
+            <p:cNvSpPr/>
+            <p:nvPr/>
+          </p:nvSpPr>
+          <p:spPr>
+            <a:xfrm>
+              <a:off x="681743" y="2339911"/>
               <a:ext cx="49651" cy="49651"/>
             </a:xfrm>
             <a:prstGeom prst="ellipse">
@@ -5842,13 +5584,13 @@
         </p:sp>
         <p:sp>
           <p:nvSpPr>
-            <p:cNvPr id="76" name="pt76"/>
-            <p:cNvSpPr/>
-            <p:nvPr/>
-          </p:nvSpPr>
-          <p:spPr>
-            <a:xfrm>
-              <a:off x="681743" y="2291427"/>
+            <p:cNvPr id="70" name="pt70"/>
+            <p:cNvSpPr/>
+            <p:nvPr/>
+          </p:nvSpPr>
+          <p:spPr>
+            <a:xfrm>
+              <a:off x="681743" y="2123917"/>
               <a:ext cx="49651" cy="49651"/>
             </a:xfrm>
             <a:prstGeom prst="ellipse">
@@ -5877,13 +5619,13 @@
         </p:sp>
         <p:sp>
           <p:nvSpPr>
-            <p:cNvPr id="77" name="pt77"/>
-            <p:cNvSpPr/>
-            <p:nvPr/>
-          </p:nvSpPr>
-          <p:spPr>
-            <a:xfrm>
-              <a:off x="883942" y="2439135"/>
+            <p:cNvPr id="71" name="pt71"/>
+            <p:cNvSpPr/>
+            <p:nvPr/>
+          </p:nvSpPr>
+          <p:spPr>
+            <a:xfrm>
+              <a:off x="883942" y="2299363"/>
               <a:ext cx="49651" cy="49651"/>
             </a:xfrm>
             <a:prstGeom prst="ellipse">
@@ -5912,13 +5654,13 @@
         </p:sp>
         <p:sp>
           <p:nvSpPr>
-            <p:cNvPr id="78" name="pt78"/>
-            <p:cNvSpPr/>
-            <p:nvPr/>
-          </p:nvSpPr>
-          <p:spPr>
-            <a:xfrm>
-              <a:off x="883942" y="2569160"/>
+            <p:cNvPr id="72" name="pt72"/>
+            <p:cNvSpPr/>
+            <p:nvPr/>
+          </p:nvSpPr>
+          <p:spPr>
+            <a:xfrm>
+              <a:off x="883942" y="2409309"/>
               <a:ext cx="49651" cy="49651"/>
             </a:xfrm>
             <a:prstGeom prst="ellipse">
@@ -5947,13 +5689,13 @@
         </p:sp>
         <p:sp>
           <p:nvSpPr>
-            <p:cNvPr id="79" name="pt79"/>
-            <p:cNvSpPr/>
-            <p:nvPr/>
-          </p:nvSpPr>
-          <p:spPr>
-            <a:xfrm>
-              <a:off x="883942" y="2222774"/>
+            <p:cNvPr id="73" name="pt73"/>
+            <p:cNvSpPr/>
+            <p:nvPr/>
+          </p:nvSpPr>
+          <p:spPr>
+            <a:xfrm>
+              <a:off x="883942" y="2115340"/>
               <a:ext cx="49651" cy="49651"/>
             </a:xfrm>
             <a:prstGeom prst="ellipse">
@@ -5982,13 +5724,13 @@
         </p:sp>
         <p:sp>
           <p:nvSpPr>
-            <p:cNvPr id="80" name="pt80"/>
-            <p:cNvSpPr/>
-            <p:nvPr/>
-          </p:nvSpPr>
-          <p:spPr>
-            <a:xfrm>
-              <a:off x="1086140" y="2363200"/>
+            <p:cNvPr id="74" name="pt74"/>
+            <p:cNvSpPr/>
+            <p:nvPr/>
+          </p:nvSpPr>
+          <p:spPr>
+            <a:xfrm>
+              <a:off x="1086140" y="2279089"/>
               <a:ext cx="49651" cy="49651"/>
             </a:xfrm>
             <a:prstGeom prst="ellipse">
@@ -6017,13 +5759,13 @@
         </p:sp>
         <p:sp>
           <p:nvSpPr>
-            <p:cNvPr id="81" name="pt81"/>
-            <p:cNvSpPr/>
-            <p:nvPr/>
-          </p:nvSpPr>
-          <p:spPr>
-            <a:xfrm>
-              <a:off x="1086140" y="2569160"/>
+            <p:cNvPr id="75" name="pt75"/>
+            <p:cNvSpPr/>
+            <p:nvPr/>
+          </p:nvSpPr>
+          <p:spPr>
+            <a:xfrm>
+              <a:off x="1086140" y="2463892"/>
               <a:ext cx="49651" cy="49651"/>
             </a:xfrm>
             <a:prstGeom prst="ellipse">
@@ -6052,13 +5794,13 @@
         </p:sp>
         <p:sp>
           <p:nvSpPr>
-            <p:cNvPr id="82" name="pt82"/>
-            <p:cNvSpPr/>
-            <p:nvPr/>
-          </p:nvSpPr>
-          <p:spPr>
-            <a:xfrm>
-              <a:off x="1086140" y="2095869"/>
+            <p:cNvPr id="76" name="pt76"/>
+            <p:cNvSpPr/>
+            <p:nvPr/>
+          </p:nvSpPr>
+          <p:spPr>
+            <a:xfrm>
+              <a:off x="1086140" y="2038923"/>
               <a:ext cx="49651" cy="49651"/>
             </a:xfrm>
             <a:prstGeom prst="ellipse">
@@ -6087,13 +5829,13 @@
         </p:sp>
         <p:sp>
           <p:nvSpPr>
-            <p:cNvPr id="83" name="pt83"/>
-            <p:cNvSpPr/>
-            <p:nvPr/>
-          </p:nvSpPr>
-          <p:spPr>
-            <a:xfrm>
-              <a:off x="1288339" y="2007452"/>
+            <p:cNvPr id="77" name="pt77"/>
+            <p:cNvSpPr/>
+            <p:nvPr/>
+          </p:nvSpPr>
+          <p:spPr>
+            <a:xfrm>
+              <a:off x="1288339" y="2139512"/>
               <a:ext cx="49651" cy="49651"/>
             </a:xfrm>
             <a:prstGeom prst="ellipse">
@@ -6122,13 +5864,13 @@
         </p:sp>
         <p:sp>
           <p:nvSpPr>
-            <p:cNvPr id="84" name="pt84"/>
-            <p:cNvSpPr/>
-            <p:nvPr/>
-          </p:nvSpPr>
-          <p:spPr>
-            <a:xfrm>
-              <a:off x="1288339" y="1553925"/>
+            <p:cNvPr id="78" name="pt78"/>
+            <p:cNvSpPr/>
+            <p:nvPr/>
+          </p:nvSpPr>
+          <p:spPr>
+            <a:xfrm>
+              <a:off x="1288339" y="1560931"/>
               <a:ext cx="49651" cy="49651"/>
             </a:xfrm>
             <a:prstGeom prst="ellipse">
@@ -6157,13 +5899,13 @@
         </p:sp>
         <p:sp>
           <p:nvSpPr>
-            <p:cNvPr id="85" name="pt85"/>
-            <p:cNvSpPr/>
-            <p:nvPr/>
-          </p:nvSpPr>
-          <p:spPr>
-            <a:xfrm>
-              <a:off x="1288339" y="1778608"/>
+            <p:cNvPr id="79" name="pt79"/>
+            <p:cNvSpPr/>
+            <p:nvPr/>
+          </p:nvSpPr>
+          <p:spPr>
+            <a:xfrm>
+              <a:off x="1288339" y="1847882"/>
               <a:ext cx="49651" cy="49651"/>
             </a:xfrm>
             <a:prstGeom prst="ellipse">
@@ -6192,13 +5934,13 @@
         </p:sp>
         <p:sp>
           <p:nvSpPr>
-            <p:cNvPr id="86" name="pt86"/>
-            <p:cNvSpPr/>
-            <p:nvPr/>
-          </p:nvSpPr>
-          <p:spPr>
-            <a:xfrm>
-              <a:off x="1490537" y="1870146"/>
+            <p:cNvPr id="80" name="pt80"/>
+            <p:cNvSpPr/>
+            <p:nvPr/>
+          </p:nvSpPr>
+          <p:spPr>
+            <a:xfrm>
+              <a:off x="1490537" y="2162125"/>
               <a:ext cx="49651" cy="49651"/>
             </a:xfrm>
             <a:prstGeom prst="ellipse">
@@ -6227,13 +5969,13 @@
         </p:sp>
         <p:sp>
           <p:nvSpPr>
-            <p:cNvPr id="87" name="pt87"/>
-            <p:cNvSpPr/>
-            <p:nvPr/>
-          </p:nvSpPr>
-          <p:spPr>
-            <a:xfrm>
-              <a:off x="1490537" y="1547684"/>
+            <p:cNvPr id="81" name="pt81"/>
+            <p:cNvSpPr/>
+            <p:nvPr/>
+          </p:nvSpPr>
+          <p:spPr>
+            <a:xfrm>
+              <a:off x="1490537" y="1562490"/>
               <a:ext cx="49651" cy="49651"/>
             </a:xfrm>
             <a:prstGeom prst="ellipse">
@@ -6262,13 +6004,13 @@
         </p:sp>
         <p:sp>
           <p:nvSpPr>
-            <p:cNvPr id="88" name="pt88"/>
-            <p:cNvSpPr/>
-            <p:nvPr/>
-          </p:nvSpPr>
-          <p:spPr>
-            <a:xfrm>
-              <a:off x="1490537" y="1691232"/>
+            <p:cNvPr id="82" name="pt82"/>
+            <p:cNvSpPr/>
+            <p:nvPr/>
+          </p:nvSpPr>
+          <p:spPr>
+            <a:xfrm>
+              <a:off x="1490537" y="1829168"/>
               <a:ext cx="49651" cy="49651"/>
             </a:xfrm>
             <a:prstGeom prst="ellipse">
@@ -6297,7 +6039,7 @@
         </p:sp>
         <p:sp>
           <p:nvSpPr>
-            <p:cNvPr id="89" name="rc89"/>
+            <p:cNvPr id="83" name="rc83"/>
             <p:cNvSpPr/>
             <p:nvPr/>
           </p:nvSpPr>
@@ -6323,13 +6065,13 @@
         </p:sp>
         <p:sp>
           <p:nvSpPr>
-            <p:cNvPr id="90" name="pl90"/>
-            <p:cNvSpPr/>
-            <p:nvPr/>
-          </p:nvSpPr>
-          <p:spPr>
-            <a:xfrm>
-              <a:off x="1706272" y="2593986"/>
+            <p:cNvPr id="84" name="pl84"/>
+            <p:cNvSpPr/>
+            <p:nvPr/>
+          </p:nvSpPr>
+          <p:spPr>
+            <a:xfrm>
+              <a:off x="1706272" y="2333546"/>
               <a:ext cx="1051432" cy="0"/>
             </a:xfrm>
             <a:custGeom>
@@ -6366,13 +6108,13 @@
         </p:sp>
         <p:sp>
           <p:nvSpPr>
-            <p:cNvPr id="91" name="pl91"/>
-            <p:cNvSpPr/>
-            <p:nvPr/>
-          </p:nvSpPr>
-          <p:spPr>
-            <a:xfrm>
-              <a:off x="1706272" y="2333936"/>
+            <p:cNvPr id="85" name="pl85"/>
+            <p:cNvSpPr/>
+            <p:nvPr/>
+          </p:nvSpPr>
+          <p:spPr>
+            <a:xfrm>
+              <a:off x="1706272" y="1943666"/>
               <a:ext cx="1051432" cy="0"/>
             </a:xfrm>
             <a:custGeom>
@@ -6409,13 +6151,13 @@
         </p:sp>
         <p:sp>
           <p:nvSpPr>
-            <p:cNvPr id="92" name="pl92"/>
-            <p:cNvSpPr/>
-            <p:nvPr/>
-          </p:nvSpPr>
-          <p:spPr>
-            <a:xfrm>
-              <a:off x="1706272" y="2073886"/>
+            <p:cNvPr id="86" name="pl86"/>
+            <p:cNvSpPr/>
+            <p:nvPr/>
+          </p:nvSpPr>
+          <p:spPr>
+            <a:xfrm>
+              <a:off x="1706272" y="1553786"/>
               <a:ext cx="1051432" cy="0"/>
             </a:xfrm>
             <a:custGeom>
@@ -6452,13 +6194,13 @@
         </p:sp>
         <p:sp>
           <p:nvSpPr>
-            <p:cNvPr id="93" name="pl93"/>
-            <p:cNvSpPr/>
-            <p:nvPr/>
-          </p:nvSpPr>
-          <p:spPr>
-            <a:xfrm>
-              <a:off x="1706272" y="1813836"/>
+            <p:cNvPr id="87" name="pl87"/>
+            <p:cNvSpPr/>
+            <p:nvPr/>
+          </p:nvSpPr>
+          <p:spPr>
+            <a:xfrm>
+              <a:off x="1706272" y="2333546"/>
               <a:ext cx="1051432" cy="0"/>
             </a:xfrm>
             <a:custGeom>
@@ -6479,89 +6221,46 @@
             </a:custGeom>
             <a:ln w="13550" cap="flat">
               <a:solidFill>
-                <a:srgbClr val="BEBEBE">
-                  <a:alpha val="100000"/>
-                </a:srgbClr>
-              </a:solidFill>
-              <a:prstDash val="solid"/>
-              <a:round/>
-            </a:ln>
-          </p:spPr>
-          <p:txBody>
-            <a:bodyPr/>
-            <a:lstStyle/>
-            <a:p/>
-          </p:txBody>
-        </p:sp>
-        <p:sp>
-          <p:nvSpPr>
-            <p:cNvPr id="94" name="pl94"/>
-            <p:cNvSpPr/>
-            <p:nvPr/>
-          </p:nvSpPr>
-          <p:spPr>
-            <a:xfrm>
-              <a:off x="1706272" y="1553786"/>
-              <a:ext cx="1051432" cy="0"/>
+                <a:srgbClr val="000000">
+                  <a:alpha val="100000"/>
+                </a:srgbClr>
+              </a:solidFill>
+              <a:prstDash val="solid"/>
+              <a:round/>
+            </a:ln>
+          </p:spPr>
+          <p:txBody>
+            <a:bodyPr/>
+            <a:lstStyle/>
+            <a:p/>
+          </p:txBody>
+        </p:sp>
+        <p:sp>
+          <p:nvSpPr>
+            <p:cNvPr id="88" name="pl88"/>
+            <p:cNvSpPr/>
+            <p:nvPr/>
+          </p:nvSpPr>
+          <p:spPr>
+            <a:xfrm>
+              <a:off x="1827591" y="1553786"/>
+              <a:ext cx="202198" cy="134898"/>
             </a:xfrm>
             <a:custGeom>
               <a:avLst/>
               <a:pathLst>
-                <a:path w="1051432" h="0">
+                <a:path w="202198" h="134898">
                   <a:moveTo>
-                    <a:pt x="0" y="0"/>
+                    <a:pt x="0" y="134898"/>
                   </a:moveTo>
                   <a:lnTo>
-                    <a:pt x="1051432" y="0"/>
-                  </a:lnTo>
-                  <a:lnTo>
-                    <a:pt x="1051432" y="0"/>
+                    <a:pt x="202198" y="0"/>
                   </a:lnTo>
                 </a:path>
               </a:pathLst>
             </a:custGeom>
             <a:ln w="13550" cap="flat">
               <a:solidFill>
-                <a:srgbClr val="BEBEBE">
-                  <a:alpha val="100000"/>
-                </a:srgbClr>
-              </a:solidFill>
-              <a:prstDash val="solid"/>
-              <a:round/>
-            </a:ln>
-          </p:spPr>
-          <p:txBody>
-            <a:bodyPr/>
-            <a:lstStyle/>
-            <a:p/>
-          </p:txBody>
-        </p:sp>
-        <p:sp>
-          <p:nvSpPr>
-            <p:cNvPr id="95" name="pl95"/>
-            <p:cNvSpPr/>
-            <p:nvPr/>
-          </p:nvSpPr>
-          <p:spPr>
-            <a:xfrm>
-              <a:off x="1827591" y="1553786"/>
-              <a:ext cx="202198" cy="173713"/>
-            </a:xfrm>
-            <a:custGeom>
-              <a:avLst/>
-              <a:pathLst>
-                <a:path w="202198" h="173713">
-                  <a:moveTo>
-                    <a:pt x="0" y="173713"/>
-                  </a:moveTo>
-                  <a:lnTo>
-                    <a:pt x="202198" y="0"/>
-                  </a:lnTo>
-                </a:path>
-              </a:pathLst>
-            </a:custGeom>
-            <a:ln w="13550" cap="flat">
-              <a:solidFill>
                 <a:srgbClr val="F8766D">
                   <a:alpha val="100000"/>
                 </a:srgbClr>
@@ -6578,13 +6277,13 @@
         </p:sp>
         <p:sp>
           <p:nvSpPr>
-            <p:cNvPr id="96" name="pt96"/>
-            <p:cNvSpPr/>
-            <p:nvPr/>
-          </p:nvSpPr>
-          <p:spPr>
-            <a:xfrm>
-              <a:off x="1802765" y="1702674"/>
+            <p:cNvPr id="89" name="pt89"/>
+            <p:cNvSpPr/>
+            <p:nvPr/>
+          </p:nvSpPr>
+          <p:spPr>
+            <a:xfrm>
+              <a:off x="1802765" y="1663859"/>
               <a:ext cx="49651" cy="49651"/>
             </a:xfrm>
             <a:prstGeom prst="ellipse">
@@ -6613,7 +6312,7 @@
         </p:sp>
         <p:sp>
           <p:nvSpPr>
-            <p:cNvPr id="97" name="pt97"/>
+            <p:cNvPr id="90" name="pt90"/>
             <p:cNvSpPr/>
             <p:nvPr/>
           </p:nvSpPr>
@@ -6648,7 +6347,7 @@
         </p:sp>
         <p:sp>
           <p:nvSpPr>
-            <p:cNvPr id="98" name="rc98"/>
+            <p:cNvPr id="91" name="rc91"/>
             <p:cNvSpPr/>
             <p:nvPr/>
           </p:nvSpPr>
@@ -6674,13 +6373,13 @@
         </p:sp>
         <p:sp>
           <p:nvSpPr>
-            <p:cNvPr id="99" name="pl99"/>
-            <p:cNvSpPr/>
-            <p:nvPr/>
-          </p:nvSpPr>
-          <p:spPr>
-            <a:xfrm>
-              <a:off x="2827293" y="2593986"/>
+            <p:cNvPr id="92" name="pl92"/>
+            <p:cNvSpPr/>
+            <p:nvPr/>
+          </p:nvSpPr>
+          <p:spPr>
+            <a:xfrm>
+              <a:off x="2827293" y="2333546"/>
               <a:ext cx="1051432" cy="0"/>
             </a:xfrm>
             <a:custGeom>
@@ -6717,13 +6416,13 @@
         </p:sp>
         <p:sp>
           <p:nvSpPr>
-            <p:cNvPr id="100" name="pl100"/>
-            <p:cNvSpPr/>
-            <p:nvPr/>
-          </p:nvSpPr>
-          <p:spPr>
-            <a:xfrm>
-              <a:off x="2827293" y="2333936"/>
+            <p:cNvPr id="93" name="pl93"/>
+            <p:cNvSpPr/>
+            <p:nvPr/>
+          </p:nvSpPr>
+          <p:spPr>
+            <a:xfrm>
+              <a:off x="2827293" y="1943666"/>
               <a:ext cx="1051432" cy="0"/>
             </a:xfrm>
             <a:custGeom>
@@ -6760,13 +6459,13 @@
         </p:sp>
         <p:sp>
           <p:nvSpPr>
-            <p:cNvPr id="101" name="pl101"/>
-            <p:cNvSpPr/>
-            <p:nvPr/>
-          </p:nvSpPr>
-          <p:spPr>
-            <a:xfrm>
-              <a:off x="2827293" y="2073886"/>
+            <p:cNvPr id="94" name="pl94"/>
+            <p:cNvSpPr/>
+            <p:nvPr/>
+          </p:nvSpPr>
+          <p:spPr>
+            <a:xfrm>
+              <a:off x="2827293" y="1553786"/>
               <a:ext cx="1051432" cy="0"/>
             </a:xfrm>
             <a:custGeom>
@@ -6803,13 +6502,13 @@
         </p:sp>
         <p:sp>
           <p:nvSpPr>
-            <p:cNvPr id="102" name="pl102"/>
-            <p:cNvSpPr/>
-            <p:nvPr/>
-          </p:nvSpPr>
-          <p:spPr>
-            <a:xfrm>
-              <a:off x="2827293" y="1813836"/>
+            <p:cNvPr id="95" name="pl95"/>
+            <p:cNvSpPr/>
+            <p:nvPr/>
+          </p:nvSpPr>
+          <p:spPr>
+            <a:xfrm>
+              <a:off x="2827293" y="2333546"/>
               <a:ext cx="1051432" cy="0"/>
             </a:xfrm>
             <a:custGeom>
@@ -6830,89 +6529,95 @@
             </a:custGeom>
             <a:ln w="13550" cap="flat">
               <a:solidFill>
-                <a:srgbClr val="BEBEBE">
-                  <a:alpha val="100000"/>
-                </a:srgbClr>
-              </a:solidFill>
-              <a:prstDash val="solid"/>
-              <a:round/>
-            </a:ln>
-          </p:spPr>
-          <p:txBody>
-            <a:bodyPr/>
-            <a:lstStyle/>
-            <a:p/>
-          </p:txBody>
-        </p:sp>
-        <p:sp>
-          <p:nvSpPr>
-            <p:cNvPr id="103" name="pl103"/>
-            <p:cNvSpPr/>
-            <p:nvPr/>
-          </p:nvSpPr>
-          <p:spPr>
-            <a:xfrm>
-              <a:off x="2827293" y="1553786"/>
-              <a:ext cx="1051432" cy="0"/>
+                <a:srgbClr val="000000">
+                  <a:alpha val="100000"/>
+                </a:srgbClr>
+              </a:solidFill>
+              <a:prstDash val="solid"/>
+              <a:round/>
+            </a:ln>
+          </p:spPr>
+          <p:txBody>
+            <a:bodyPr/>
+            <a:lstStyle/>
+            <a:p/>
+          </p:txBody>
+        </p:sp>
+        <p:sp>
+          <p:nvSpPr>
+            <p:cNvPr id="96" name="pl96"/>
+            <p:cNvSpPr/>
+            <p:nvPr/>
+          </p:nvSpPr>
+          <p:spPr>
+            <a:xfrm>
+              <a:off x="2948612" y="1694143"/>
+              <a:ext cx="808794" cy="62380"/>
             </a:xfrm>
             <a:custGeom>
               <a:avLst/>
               <a:pathLst>
-                <a:path w="1051432" h="0">
+                <a:path w="808794" h="62380">
                   <a:moveTo>
-                    <a:pt x="0" y="0"/>
+                    <a:pt x="0" y="62380"/>
                   </a:moveTo>
                   <a:lnTo>
-                    <a:pt x="1051432" y="0"/>
-                  </a:lnTo>
-                  <a:lnTo>
-                    <a:pt x="1051432" y="0"/>
+                    <a:pt x="202198" y="24952"/>
+                  </a:lnTo>
+                  <a:lnTo>
+                    <a:pt x="404397" y="35089"/>
+                  </a:lnTo>
+                  <a:lnTo>
+                    <a:pt x="606595" y="3898"/>
+                  </a:lnTo>
+                  <a:lnTo>
+                    <a:pt x="808794" y="0"/>
                   </a:lnTo>
                 </a:path>
               </a:pathLst>
             </a:custGeom>
             <a:ln w="13550" cap="flat">
               <a:solidFill>
-                <a:srgbClr val="BEBEBE">
-                  <a:alpha val="100000"/>
-                </a:srgbClr>
-              </a:solidFill>
-              <a:prstDash val="solid"/>
-              <a:round/>
-            </a:ln>
-          </p:spPr>
-          <p:txBody>
-            <a:bodyPr/>
-            <a:lstStyle/>
-            <a:p/>
-          </p:txBody>
-        </p:sp>
-        <p:sp>
-          <p:nvSpPr>
-            <p:cNvPr id="104" name="pl104"/>
-            <p:cNvSpPr/>
-            <p:nvPr/>
-          </p:nvSpPr>
-          <p:spPr>
-            <a:xfrm>
-              <a:off x="2948612" y="1629721"/>
-              <a:ext cx="808794" cy="184115"/>
+                <a:srgbClr val="00BA38">
+                  <a:alpha val="100000"/>
+                </a:srgbClr>
+              </a:solidFill>
+              <a:prstDash val="solid"/>
+              <a:round/>
+            </a:ln>
+          </p:spPr>
+          <p:txBody>
+            <a:bodyPr/>
+            <a:lstStyle/>
+            <a:p/>
+          </p:txBody>
+        </p:sp>
+        <p:sp>
+          <p:nvSpPr>
+            <p:cNvPr id="97" name="pl97"/>
+            <p:cNvSpPr/>
+            <p:nvPr/>
+          </p:nvSpPr>
+          <p:spPr>
+            <a:xfrm>
+              <a:off x="2948612" y="1624745"/>
+              <a:ext cx="808794" cy="711140"/>
             </a:xfrm>
             <a:custGeom>
               <a:avLst/>
               <a:pathLst>
-                <a:path w="808794" h="184115">
+                <a:path w="808794" h="711140">
                   <a:moveTo>
-                    <a:pt x="0" y="184115"/>
+                    <a:pt x="0" y="649539"/>
                   </a:moveTo>
                   <a:lnTo>
-                    <a:pt x="202198" y="118582"/>
-                  </a:lnTo>
-                  <a:lnTo>
-                    <a:pt x="404397" y="118582"/>
-                  </a:lnTo>
-                  <a:lnTo>
-                    <a:pt x="606595" y="37447"/>
+                    <a:pt x="202198" y="711140"/>
+                  </a:lnTo>
+                  <a:lnTo>
+                    <a:pt x="404397" y="635504"/>
+                  </a:lnTo>
+                  <a:lnTo>
+                    <a:pt x="606595" y="175445"/>
                   </a:lnTo>
                   <a:lnTo>
                     <a:pt x="808794" y="0"/>
@@ -6922,55 +6627,6 @@
             </a:custGeom>
             <a:ln w="13550" cap="flat">
               <a:solidFill>
-                <a:srgbClr val="00BA38">
-                  <a:alpha val="100000"/>
-                </a:srgbClr>
-              </a:solidFill>
-              <a:prstDash val="solid"/>
-              <a:round/>
-            </a:ln>
-          </p:spPr>
-          <p:txBody>
-            <a:bodyPr/>
-            <a:lstStyle/>
-            <a:p/>
-          </p:txBody>
-        </p:sp>
-        <p:sp>
-          <p:nvSpPr>
-            <p:cNvPr id="105" name="pl105"/>
-            <p:cNvSpPr/>
-            <p:nvPr/>
-          </p:nvSpPr>
-          <p:spPr>
-            <a:xfrm>
-              <a:off x="2948612" y="1592274"/>
-              <a:ext cx="808794" cy="886249"/>
-            </a:xfrm>
-            <a:custGeom>
-              <a:avLst/>
-              <a:pathLst>
-                <a:path w="808794" h="886249">
-                  <a:moveTo>
-                    <a:pt x="0" y="886249"/>
-                  </a:moveTo>
-                  <a:lnTo>
-                    <a:pt x="202198" y="886249"/>
-                  </a:lnTo>
-                  <a:lnTo>
-                    <a:pt x="404397" y="747903"/>
-                  </a:lnTo>
-                  <a:lnTo>
-                    <a:pt x="606595" y="153949"/>
-                  </a:lnTo>
-                  <a:lnTo>
-                    <a:pt x="808794" y="0"/>
-                  </a:lnTo>
-                </a:path>
-              </a:pathLst>
-            </a:custGeom>
-            <a:ln w="13550" cap="flat">
-              <a:solidFill>
                 <a:srgbClr val="619CFF">
                   <a:alpha val="100000"/>
                 </a:srgbClr>
@@ -6987,7 +6643,7 @@
         </p:sp>
         <p:sp>
           <p:nvSpPr>
-            <p:cNvPr id="106" name="pt106"/>
+            <p:cNvPr id="98" name="pt98"/>
             <p:cNvSpPr/>
             <p:nvPr/>
           </p:nvSpPr>
@@ -7022,13 +6678,13 @@
         </p:sp>
         <p:sp>
           <p:nvSpPr>
-            <p:cNvPr id="107" name="pt107"/>
-            <p:cNvSpPr/>
-            <p:nvPr/>
-          </p:nvSpPr>
-          <p:spPr>
-            <a:xfrm>
-              <a:off x="2923786" y="1789010"/>
+            <p:cNvPr id="99" name="pt99"/>
+            <p:cNvSpPr/>
+            <p:nvPr/>
+          </p:nvSpPr>
+          <p:spPr>
+            <a:xfrm>
+              <a:off x="2923786" y="1731698"/>
               <a:ext cx="49651" cy="49651"/>
             </a:xfrm>
             <a:prstGeom prst="ellipse">
@@ -7057,13 +6713,13 @@
         </p:sp>
         <p:sp>
           <p:nvSpPr>
-            <p:cNvPr id="108" name="pt108"/>
-            <p:cNvSpPr/>
-            <p:nvPr/>
-          </p:nvSpPr>
-          <p:spPr>
-            <a:xfrm>
-              <a:off x="2923786" y="2453698"/>
+            <p:cNvPr id="100" name="pt100"/>
+            <p:cNvSpPr/>
+            <p:nvPr/>
+          </p:nvSpPr>
+          <p:spPr>
+            <a:xfrm>
+              <a:off x="2923786" y="2249458"/>
               <a:ext cx="49651" cy="49651"/>
             </a:xfrm>
             <a:prstGeom prst="ellipse">
@@ -7092,13 +6748,13 @@
         </p:sp>
         <p:sp>
           <p:nvSpPr>
-            <p:cNvPr id="109" name="pt109"/>
-            <p:cNvSpPr/>
-            <p:nvPr/>
-          </p:nvSpPr>
-          <p:spPr>
-            <a:xfrm>
-              <a:off x="3125985" y="1723478"/>
+            <p:cNvPr id="101" name="pt101"/>
+            <p:cNvSpPr/>
+            <p:nvPr/>
+          </p:nvSpPr>
+          <p:spPr>
+            <a:xfrm>
+              <a:off x="3125985" y="1694270"/>
               <a:ext cx="49651" cy="49651"/>
             </a:xfrm>
             <a:prstGeom prst="ellipse">
@@ -7127,13 +6783,13 @@
         </p:sp>
         <p:sp>
           <p:nvSpPr>
-            <p:cNvPr id="110" name="pt110"/>
-            <p:cNvSpPr/>
-            <p:nvPr/>
-          </p:nvSpPr>
-          <p:spPr>
-            <a:xfrm>
-              <a:off x="3125985" y="2453698"/>
+            <p:cNvPr id="102" name="pt102"/>
+            <p:cNvSpPr/>
+            <p:nvPr/>
+          </p:nvSpPr>
+          <p:spPr>
+            <a:xfrm>
+              <a:off x="3125985" y="2311059"/>
               <a:ext cx="49651" cy="49651"/>
             </a:xfrm>
             <a:prstGeom prst="ellipse">
@@ -7162,13 +6818,13 @@
         </p:sp>
         <p:sp>
           <p:nvSpPr>
-            <p:cNvPr id="111" name="pt111"/>
-            <p:cNvSpPr/>
-            <p:nvPr/>
-          </p:nvSpPr>
-          <p:spPr>
-            <a:xfrm>
-              <a:off x="3328183" y="1723478"/>
+            <p:cNvPr id="103" name="pt103"/>
+            <p:cNvSpPr/>
+            <p:nvPr/>
+          </p:nvSpPr>
+          <p:spPr>
+            <a:xfrm>
+              <a:off x="3328183" y="1704406"/>
               <a:ext cx="49651" cy="49651"/>
             </a:xfrm>
             <a:prstGeom prst="ellipse">
@@ -7197,13 +6853,13 @@
         </p:sp>
         <p:sp>
           <p:nvSpPr>
-            <p:cNvPr id="112" name="pt112"/>
-            <p:cNvSpPr/>
-            <p:nvPr/>
-          </p:nvSpPr>
-          <p:spPr>
-            <a:xfrm>
-              <a:off x="3328183" y="2315351"/>
+            <p:cNvPr id="104" name="pt104"/>
+            <p:cNvSpPr/>
+            <p:nvPr/>
+          </p:nvSpPr>
+          <p:spPr>
+            <a:xfrm>
+              <a:off x="3328183" y="2235423"/>
               <a:ext cx="49651" cy="49651"/>
             </a:xfrm>
             <a:prstGeom prst="ellipse">
@@ -7232,13 +6888,13 @@
         </p:sp>
         <p:sp>
           <p:nvSpPr>
-            <p:cNvPr id="113" name="pt113"/>
-            <p:cNvSpPr/>
-            <p:nvPr/>
-          </p:nvSpPr>
-          <p:spPr>
-            <a:xfrm>
-              <a:off x="3530382" y="1642342"/>
+            <p:cNvPr id="105" name="pt105"/>
+            <p:cNvSpPr/>
+            <p:nvPr/>
+          </p:nvSpPr>
+          <p:spPr>
+            <a:xfrm>
+              <a:off x="3530382" y="1673216"/>
               <a:ext cx="49651" cy="49651"/>
             </a:xfrm>
             <a:prstGeom prst="ellipse">
@@ -7267,13 +6923,13 @@
         </p:sp>
         <p:sp>
           <p:nvSpPr>
-            <p:cNvPr id="114" name="pt114"/>
-            <p:cNvSpPr/>
-            <p:nvPr/>
-          </p:nvSpPr>
-          <p:spPr>
-            <a:xfrm>
-              <a:off x="3530382" y="1721397"/>
+            <p:cNvPr id="106" name="pt106"/>
+            <p:cNvSpPr/>
+            <p:nvPr/>
+          </p:nvSpPr>
+          <p:spPr>
+            <a:xfrm>
+              <a:off x="3530382" y="1775365"/>
               <a:ext cx="49651" cy="49651"/>
             </a:xfrm>
             <a:prstGeom prst="ellipse">
@@ -7302,13 +6958,13 @@
         </p:sp>
         <p:sp>
           <p:nvSpPr>
-            <p:cNvPr id="115" name="pt115"/>
-            <p:cNvSpPr/>
-            <p:nvPr/>
-          </p:nvSpPr>
-          <p:spPr>
-            <a:xfrm>
-              <a:off x="3732581" y="1604895"/>
+            <p:cNvPr id="107" name="pt107"/>
+            <p:cNvSpPr/>
+            <p:nvPr/>
+          </p:nvSpPr>
+          <p:spPr>
+            <a:xfrm>
+              <a:off x="3732581" y="1669317"/>
               <a:ext cx="49651" cy="49651"/>
             </a:xfrm>
             <a:prstGeom prst="ellipse">
@@ -7337,13 +6993,13 @@
         </p:sp>
         <p:sp>
           <p:nvSpPr>
-            <p:cNvPr id="116" name="pt116"/>
-            <p:cNvSpPr/>
-            <p:nvPr/>
-          </p:nvSpPr>
-          <p:spPr>
-            <a:xfrm>
-              <a:off x="3732581" y="1567448"/>
+            <p:cNvPr id="108" name="pt108"/>
+            <p:cNvSpPr/>
+            <p:nvPr/>
+          </p:nvSpPr>
+          <p:spPr>
+            <a:xfrm>
+              <a:off x="3732581" y="1599919"/>
               <a:ext cx="49651" cy="49651"/>
             </a:xfrm>
             <a:prstGeom prst="ellipse">
@@ -7372,7 +7028,7 @@
         </p:sp>
         <p:sp>
           <p:nvSpPr>
-            <p:cNvPr id="117" name="rc117"/>
+            <p:cNvPr id="109" name="rc109"/>
             <p:cNvSpPr/>
             <p:nvPr/>
           </p:nvSpPr>
@@ -7398,13 +7054,13 @@
         </p:sp>
         <p:sp>
           <p:nvSpPr>
-            <p:cNvPr id="118" name="pl118"/>
-            <p:cNvSpPr/>
-            <p:nvPr/>
-          </p:nvSpPr>
-          <p:spPr>
-            <a:xfrm>
-              <a:off x="3948315" y="2593986"/>
+            <p:cNvPr id="110" name="pl110"/>
+            <p:cNvSpPr/>
+            <p:nvPr/>
+          </p:nvSpPr>
+          <p:spPr>
+            <a:xfrm>
+              <a:off x="3948315" y="2333546"/>
               <a:ext cx="1051432" cy="0"/>
             </a:xfrm>
             <a:custGeom>
@@ -7441,13 +7097,13 @@
         </p:sp>
         <p:sp>
           <p:nvSpPr>
-            <p:cNvPr id="119" name="pl119"/>
-            <p:cNvSpPr/>
-            <p:nvPr/>
-          </p:nvSpPr>
-          <p:spPr>
-            <a:xfrm>
-              <a:off x="3948315" y="2333936"/>
+            <p:cNvPr id="111" name="pl111"/>
+            <p:cNvSpPr/>
+            <p:nvPr/>
+          </p:nvSpPr>
+          <p:spPr>
+            <a:xfrm>
+              <a:off x="3948315" y="1943666"/>
               <a:ext cx="1051432" cy="0"/>
             </a:xfrm>
             <a:custGeom>
@@ -7484,13 +7140,13 @@
         </p:sp>
         <p:sp>
           <p:nvSpPr>
-            <p:cNvPr id="120" name="pl120"/>
-            <p:cNvSpPr/>
-            <p:nvPr/>
-          </p:nvSpPr>
-          <p:spPr>
-            <a:xfrm>
-              <a:off x="3948315" y="2073886"/>
+            <p:cNvPr id="112" name="pl112"/>
+            <p:cNvSpPr/>
+            <p:nvPr/>
+          </p:nvSpPr>
+          <p:spPr>
+            <a:xfrm>
+              <a:off x="3948315" y="1553786"/>
               <a:ext cx="1051432" cy="0"/>
             </a:xfrm>
             <a:custGeom>
@@ -7527,13 +7183,13 @@
         </p:sp>
         <p:sp>
           <p:nvSpPr>
-            <p:cNvPr id="121" name="pl121"/>
-            <p:cNvSpPr/>
-            <p:nvPr/>
-          </p:nvSpPr>
-          <p:spPr>
-            <a:xfrm>
-              <a:off x="3948315" y="1813836"/>
+            <p:cNvPr id="113" name="pl113"/>
+            <p:cNvSpPr/>
+            <p:nvPr/>
+          </p:nvSpPr>
+          <p:spPr>
+            <a:xfrm>
+              <a:off x="3948315" y="2333546"/>
               <a:ext cx="1051432" cy="0"/>
             </a:xfrm>
             <a:custGeom>
@@ -7554,89 +7210,95 @@
             </a:custGeom>
             <a:ln w="13550" cap="flat">
               <a:solidFill>
-                <a:srgbClr val="BEBEBE">
-                  <a:alpha val="100000"/>
-                </a:srgbClr>
-              </a:solidFill>
-              <a:prstDash val="solid"/>
-              <a:round/>
-            </a:ln>
-          </p:spPr>
-          <p:txBody>
-            <a:bodyPr/>
-            <a:lstStyle/>
-            <a:p/>
-          </p:txBody>
-        </p:sp>
-        <p:sp>
-          <p:nvSpPr>
-            <p:cNvPr id="122" name="pl122"/>
-            <p:cNvSpPr/>
-            <p:nvPr/>
-          </p:nvSpPr>
-          <p:spPr>
-            <a:xfrm>
-              <a:off x="3948315" y="1553786"/>
-              <a:ext cx="1051432" cy="0"/>
+                <a:srgbClr val="000000">
+                  <a:alpha val="100000"/>
+                </a:srgbClr>
+              </a:solidFill>
+              <a:prstDash val="solid"/>
+              <a:round/>
+            </a:ln>
+          </p:spPr>
+          <p:txBody>
+            <a:bodyPr/>
+            <a:lstStyle/>
+            <a:p/>
+          </p:txBody>
+        </p:sp>
+        <p:sp>
+          <p:nvSpPr>
+            <p:cNvPr id="114" name="pl114"/>
+            <p:cNvSpPr/>
+            <p:nvPr/>
+          </p:nvSpPr>
+          <p:spPr>
+            <a:xfrm>
+              <a:off x="4069634" y="1613828"/>
+              <a:ext cx="808794" cy="244064"/>
             </a:xfrm>
             <a:custGeom>
               <a:avLst/>
               <a:pathLst>
-                <a:path w="1051432" h="0">
+                <a:path w="808794" h="244064">
                   <a:moveTo>
-                    <a:pt x="0" y="0"/>
+                    <a:pt x="0" y="244064"/>
                   </a:moveTo>
                   <a:lnTo>
-                    <a:pt x="1051432" y="0"/>
-                  </a:lnTo>
-                  <a:lnTo>
-                    <a:pt x="1051432" y="0"/>
+                    <a:pt x="202198" y="159850"/>
+                  </a:lnTo>
+                  <a:lnTo>
+                    <a:pt x="404397" y="173886"/>
+                  </a:lnTo>
+                  <a:lnTo>
+                    <a:pt x="606595" y="23392"/>
+                  </a:lnTo>
+                  <a:lnTo>
+                    <a:pt x="808794" y="0"/>
                   </a:lnTo>
                 </a:path>
               </a:pathLst>
             </a:custGeom>
             <a:ln w="13550" cap="flat">
               <a:solidFill>
-                <a:srgbClr val="BEBEBE">
-                  <a:alpha val="100000"/>
-                </a:srgbClr>
-              </a:solidFill>
-              <a:prstDash val="solid"/>
-              <a:round/>
-            </a:ln>
-          </p:spPr>
-          <p:txBody>
-            <a:bodyPr/>
-            <a:lstStyle/>
-            <a:p/>
-          </p:txBody>
-        </p:sp>
-        <p:sp>
-          <p:nvSpPr>
-            <p:cNvPr id="123" name="pl123"/>
-            <p:cNvSpPr/>
-            <p:nvPr/>
-          </p:nvSpPr>
-          <p:spPr>
-            <a:xfrm>
-              <a:off x="4069634" y="1586033"/>
-              <a:ext cx="808794" cy="357828"/>
+                <a:srgbClr val="619CFF">
+                  <a:alpha val="100000"/>
+                </a:srgbClr>
+              </a:solidFill>
+              <a:prstDash val="solid"/>
+              <a:round/>
+            </a:ln>
+          </p:spPr>
+          <p:txBody>
+            <a:bodyPr/>
+            <a:lstStyle/>
+            <a:p/>
+          </p:txBody>
+        </p:sp>
+        <p:sp>
+          <p:nvSpPr>
+            <p:cNvPr id="115" name="pl115"/>
+            <p:cNvSpPr/>
+            <p:nvPr/>
+          </p:nvSpPr>
+          <p:spPr>
+            <a:xfrm>
+              <a:off x="4069634" y="1591215"/>
+              <a:ext cx="808794" cy="368046"/>
             </a:xfrm>
             <a:custGeom>
               <a:avLst/>
               <a:pathLst>
-                <a:path w="808794" h="357828">
+                <a:path w="808794" h="368046">
                   <a:moveTo>
-                    <a:pt x="0" y="357828"/>
+                    <a:pt x="0" y="368046"/>
                   </a:moveTo>
                   <a:lnTo>
-                    <a:pt x="202198" y="227803"/>
-                  </a:lnTo>
-                  <a:lnTo>
-                    <a:pt x="404397" y="227803"/>
-                  </a:lnTo>
-                  <a:lnTo>
-                    <a:pt x="606595" y="33286"/>
+                    <a:pt x="202198" y="138797"/>
+                  </a:lnTo>
+                  <a:lnTo>
+                    <a:pt x="404397" y="149713"/>
+                  </a:lnTo>
+                  <a:lnTo>
+                    <a:pt x="606595" y="48345"/>
                   </a:lnTo>
                   <a:lnTo>
                     <a:pt x="808794" y="0"/>
@@ -7646,55 +7308,6 @@
             </a:custGeom>
             <a:ln w="13550" cap="flat">
               <a:solidFill>
-                <a:srgbClr val="619CFF">
-                  <a:alpha val="100000"/>
-                </a:srgbClr>
-              </a:solidFill>
-              <a:prstDash val="solid"/>
-              <a:round/>
-            </a:ln>
-          </p:spPr>
-          <p:txBody>
-            <a:bodyPr/>
-            <a:lstStyle/>
-            <a:p/>
-          </p:txBody>
-        </p:sp>
-        <p:sp>
-          <p:nvSpPr>
-            <p:cNvPr id="124" name="pl124"/>
-            <p:cNvSpPr/>
-            <p:nvPr/>
-          </p:nvSpPr>
-          <p:spPr>
-            <a:xfrm>
-              <a:off x="4069634" y="1573550"/>
-              <a:ext cx="808794" cy="500335"/>
-            </a:xfrm>
-            <a:custGeom>
-              <a:avLst/>
-              <a:pathLst>
-                <a:path w="808794" h="500335">
-                  <a:moveTo>
-                    <a:pt x="0" y="500335"/>
-                  </a:moveTo>
-                  <a:lnTo>
-                    <a:pt x="202198" y="188276"/>
-                  </a:lnTo>
-                  <a:lnTo>
-                    <a:pt x="404397" y="188276"/>
-                  </a:lnTo>
-                  <a:lnTo>
-                    <a:pt x="606595" y="46808"/>
-                  </a:lnTo>
-                  <a:lnTo>
-                    <a:pt x="808794" y="0"/>
-                  </a:lnTo>
-                </a:path>
-              </a:pathLst>
-            </a:custGeom>
-            <a:ln w="13550" cap="flat">
-              <a:solidFill>
                 <a:srgbClr val="00BA38">
                   <a:alpha val="100000"/>
                 </a:srgbClr>
@@ -7711,7 +7324,7 @@
         </p:sp>
         <p:sp>
           <p:nvSpPr>
-            <p:cNvPr id="125" name="pt125"/>
+            <p:cNvPr id="116" name="pt116"/>
             <p:cNvSpPr/>
             <p:nvPr/>
           </p:nvSpPr>
@@ -7746,13 +7359,13 @@
         </p:sp>
         <p:sp>
           <p:nvSpPr>
-            <p:cNvPr id="126" name="pt126"/>
-            <p:cNvSpPr/>
-            <p:nvPr/>
-          </p:nvSpPr>
-          <p:spPr>
-            <a:xfrm>
-              <a:off x="4044808" y="2049060"/>
+            <p:cNvPr id="117" name="pt117"/>
+            <p:cNvSpPr/>
+            <p:nvPr/>
+          </p:nvSpPr>
+          <p:spPr>
+            <a:xfrm>
+              <a:off x="4044808" y="1934436"/>
               <a:ext cx="49651" cy="49651"/>
             </a:xfrm>
             <a:prstGeom prst="ellipse">
@@ -7781,13 +7394,13 @@
         </p:sp>
         <p:sp>
           <p:nvSpPr>
-            <p:cNvPr id="127" name="pt127"/>
-            <p:cNvSpPr/>
-            <p:nvPr/>
-          </p:nvSpPr>
-          <p:spPr>
-            <a:xfrm>
-              <a:off x="4044808" y="1919035"/>
+            <p:cNvPr id="118" name="pt118"/>
+            <p:cNvSpPr/>
+            <p:nvPr/>
+          </p:nvSpPr>
+          <p:spPr>
+            <a:xfrm>
+              <a:off x="4044808" y="1833067"/>
               <a:ext cx="49651" cy="49651"/>
             </a:xfrm>
             <a:prstGeom prst="ellipse">
@@ -7816,13 +7429,13 @@
         </p:sp>
         <p:sp>
           <p:nvSpPr>
-            <p:cNvPr id="128" name="pt128"/>
-            <p:cNvSpPr/>
-            <p:nvPr/>
-          </p:nvSpPr>
-          <p:spPr>
-            <a:xfrm>
-              <a:off x="4247006" y="1737000"/>
+            <p:cNvPr id="119" name="pt119"/>
+            <p:cNvSpPr/>
+            <p:nvPr/>
+          </p:nvSpPr>
+          <p:spPr>
+            <a:xfrm>
+              <a:off x="4247006" y="1705186"/>
               <a:ext cx="49651" cy="49651"/>
             </a:xfrm>
             <a:prstGeom prst="ellipse">
@@ -7851,13 +7464,13 @@
         </p:sp>
         <p:sp>
           <p:nvSpPr>
-            <p:cNvPr id="129" name="pt129"/>
-            <p:cNvSpPr/>
-            <p:nvPr/>
-          </p:nvSpPr>
-          <p:spPr>
-            <a:xfrm>
-              <a:off x="4247006" y="1789010"/>
+            <p:cNvPr id="120" name="pt120"/>
+            <p:cNvSpPr/>
+            <p:nvPr/>
+          </p:nvSpPr>
+          <p:spPr>
+            <a:xfrm>
+              <a:off x="4247006" y="1748853"/>
               <a:ext cx="49651" cy="49651"/>
             </a:xfrm>
             <a:prstGeom prst="ellipse">
@@ -7886,13 +7499,13 @@
         </p:sp>
         <p:sp>
           <p:nvSpPr>
-            <p:cNvPr id="130" name="pt130"/>
-            <p:cNvSpPr/>
-            <p:nvPr/>
-          </p:nvSpPr>
-          <p:spPr>
-            <a:xfrm>
-              <a:off x="4449205" y="1737000"/>
+            <p:cNvPr id="121" name="pt121"/>
+            <p:cNvSpPr/>
+            <p:nvPr/>
+          </p:nvSpPr>
+          <p:spPr>
+            <a:xfrm>
+              <a:off x="4449205" y="1716103"/>
               <a:ext cx="49651" cy="49651"/>
             </a:xfrm>
             <a:prstGeom prst="ellipse">
@@ -7921,13 +7534,13 @@
         </p:sp>
         <p:sp>
           <p:nvSpPr>
-            <p:cNvPr id="131" name="pt131"/>
-            <p:cNvSpPr/>
-            <p:nvPr/>
-          </p:nvSpPr>
-          <p:spPr>
-            <a:xfrm>
-              <a:off x="4449205" y="1789010"/>
+            <p:cNvPr id="122" name="pt122"/>
+            <p:cNvSpPr/>
+            <p:nvPr/>
+          </p:nvSpPr>
+          <p:spPr>
+            <a:xfrm>
+              <a:off x="4449205" y="1762888"/>
               <a:ext cx="49651" cy="49651"/>
             </a:xfrm>
             <a:prstGeom prst="ellipse">
@@ -7956,13 +7569,13 @@
         </p:sp>
         <p:sp>
           <p:nvSpPr>
-            <p:cNvPr id="132" name="pt132"/>
-            <p:cNvSpPr/>
-            <p:nvPr/>
-          </p:nvSpPr>
-          <p:spPr>
-            <a:xfrm>
-              <a:off x="4651404" y="1595533"/>
+            <p:cNvPr id="123" name="pt123"/>
+            <p:cNvSpPr/>
+            <p:nvPr/>
+          </p:nvSpPr>
+          <p:spPr>
+            <a:xfrm>
+              <a:off x="4651404" y="1614734"/>
               <a:ext cx="49651" cy="49651"/>
             </a:xfrm>
             <a:prstGeom prst="ellipse">
@@ -7991,13 +7604,13 @@
         </p:sp>
         <p:sp>
           <p:nvSpPr>
-            <p:cNvPr id="133" name="pt133"/>
-            <p:cNvSpPr/>
-            <p:nvPr/>
-          </p:nvSpPr>
-          <p:spPr>
-            <a:xfrm>
-              <a:off x="4651404" y="1594493"/>
+            <p:cNvPr id="124" name="pt124"/>
+            <p:cNvSpPr/>
+            <p:nvPr/>
+          </p:nvSpPr>
+          <p:spPr>
+            <a:xfrm>
+              <a:off x="4651404" y="1612395"/>
               <a:ext cx="49651" cy="49651"/>
             </a:xfrm>
             <a:prstGeom prst="ellipse">
@@ -8026,13 +7639,13 @@
         </p:sp>
         <p:sp>
           <p:nvSpPr>
-            <p:cNvPr id="134" name="pt134"/>
-            <p:cNvSpPr/>
-            <p:nvPr/>
-          </p:nvSpPr>
-          <p:spPr>
-            <a:xfrm>
-              <a:off x="4853602" y="1548724"/>
+            <p:cNvPr id="125" name="pt125"/>
+            <p:cNvSpPr/>
+            <p:nvPr/>
+          </p:nvSpPr>
+          <p:spPr>
+            <a:xfrm>
+              <a:off x="4853602" y="1566389"/>
               <a:ext cx="49651" cy="49651"/>
             </a:xfrm>
             <a:prstGeom prst="ellipse">
@@ -8061,13 +7674,13 @@
         </p:sp>
         <p:sp>
           <p:nvSpPr>
-            <p:cNvPr id="135" name="pt135"/>
-            <p:cNvSpPr/>
-            <p:nvPr/>
-          </p:nvSpPr>
-          <p:spPr>
-            <a:xfrm>
-              <a:off x="4853602" y="1561207"/>
+            <p:cNvPr id="126" name="pt126"/>
+            <p:cNvSpPr/>
+            <p:nvPr/>
+          </p:nvSpPr>
+          <p:spPr>
+            <a:xfrm>
+              <a:off x="4853602" y="1589002"/>
               <a:ext cx="49651" cy="49651"/>
             </a:xfrm>
             <a:prstGeom prst="ellipse">
@@ -8096,7 +7709,7 @@
         </p:sp>
         <p:sp>
           <p:nvSpPr>
-            <p:cNvPr id="136" name="rc136"/>
+            <p:cNvPr id="127" name="rc127"/>
             <p:cNvSpPr/>
             <p:nvPr/>
           </p:nvSpPr>
@@ -8122,13 +7735,13 @@
         </p:sp>
         <p:sp>
           <p:nvSpPr>
-            <p:cNvPr id="137" name="pl137"/>
-            <p:cNvSpPr/>
-            <p:nvPr/>
-          </p:nvSpPr>
-          <p:spPr>
-            <a:xfrm>
-              <a:off x="5069336" y="2593986"/>
+            <p:cNvPr id="128" name="pl128"/>
+            <p:cNvSpPr/>
+            <p:nvPr/>
+          </p:nvSpPr>
+          <p:spPr>
+            <a:xfrm>
+              <a:off x="5069336" y="2333546"/>
               <a:ext cx="1051432" cy="0"/>
             </a:xfrm>
             <a:custGeom>
@@ -8165,13 +7778,13 @@
         </p:sp>
         <p:sp>
           <p:nvSpPr>
-            <p:cNvPr id="138" name="pl138"/>
-            <p:cNvSpPr/>
-            <p:nvPr/>
-          </p:nvSpPr>
-          <p:spPr>
-            <a:xfrm>
-              <a:off x="5069336" y="2333936"/>
+            <p:cNvPr id="129" name="pl129"/>
+            <p:cNvSpPr/>
+            <p:nvPr/>
+          </p:nvSpPr>
+          <p:spPr>
+            <a:xfrm>
+              <a:off x="5069336" y="1943666"/>
               <a:ext cx="1051432" cy="0"/>
             </a:xfrm>
             <a:custGeom>
@@ -8208,13 +7821,13 @@
         </p:sp>
         <p:sp>
           <p:nvSpPr>
-            <p:cNvPr id="139" name="pl139"/>
-            <p:cNvSpPr/>
-            <p:nvPr/>
-          </p:nvSpPr>
-          <p:spPr>
-            <a:xfrm>
-              <a:off x="5069336" y="2073886"/>
+            <p:cNvPr id="130" name="pl130"/>
+            <p:cNvSpPr/>
+            <p:nvPr/>
+          </p:nvSpPr>
+          <p:spPr>
+            <a:xfrm>
+              <a:off x="5069336" y="1553786"/>
               <a:ext cx="1051432" cy="0"/>
             </a:xfrm>
             <a:custGeom>
@@ -8251,13 +7864,13 @@
         </p:sp>
         <p:sp>
           <p:nvSpPr>
-            <p:cNvPr id="140" name="pl140"/>
-            <p:cNvSpPr/>
-            <p:nvPr/>
-          </p:nvSpPr>
-          <p:spPr>
-            <a:xfrm>
-              <a:off x="5069336" y="1813836"/>
+            <p:cNvPr id="131" name="pl131"/>
+            <p:cNvSpPr/>
+            <p:nvPr/>
+          </p:nvSpPr>
+          <p:spPr>
+            <a:xfrm>
+              <a:off x="5069336" y="2333546"/>
               <a:ext cx="1051432" cy="0"/>
             </a:xfrm>
             <a:custGeom>
@@ -8278,89 +7891,95 @@
             </a:custGeom>
             <a:ln w="13550" cap="flat">
               <a:solidFill>
-                <a:srgbClr val="BEBEBE">
-                  <a:alpha val="100000"/>
-                </a:srgbClr>
-              </a:solidFill>
-              <a:prstDash val="solid"/>
-              <a:round/>
-            </a:ln>
-          </p:spPr>
-          <p:txBody>
-            <a:bodyPr/>
-            <a:lstStyle/>
-            <a:p/>
-          </p:txBody>
-        </p:sp>
-        <p:sp>
-          <p:nvSpPr>
-            <p:cNvPr id="141" name="pl141"/>
-            <p:cNvSpPr/>
-            <p:nvPr/>
-          </p:nvSpPr>
-          <p:spPr>
-            <a:xfrm>
-              <a:off x="5069336" y="1553786"/>
-              <a:ext cx="1051432" cy="0"/>
+                <a:srgbClr val="000000">
+                  <a:alpha val="100000"/>
+                </a:srgbClr>
+              </a:solidFill>
+              <a:prstDash val="solid"/>
+              <a:round/>
+            </a:ln>
+          </p:spPr>
+          <p:txBody>
+            <a:bodyPr/>
+            <a:lstStyle/>
+            <a:p/>
+          </p:txBody>
+        </p:sp>
+        <p:sp>
+          <p:nvSpPr>
+            <p:cNvPr id="132" name="pl132"/>
+            <p:cNvSpPr/>
+            <p:nvPr/>
+          </p:nvSpPr>
+          <p:spPr>
+            <a:xfrm>
+              <a:off x="5190655" y="1597453"/>
+              <a:ext cx="808794" cy="767283"/>
             </a:xfrm>
             <a:custGeom>
               <a:avLst/>
               <a:pathLst>
-                <a:path w="1051432" h="0">
+                <a:path w="808794" h="767283">
                   <a:moveTo>
-                    <a:pt x="0" y="0"/>
+                    <a:pt x="0" y="767283"/>
                   </a:moveTo>
                   <a:lnTo>
-                    <a:pt x="1051432" y="0"/>
-                  </a:lnTo>
-                  <a:lnTo>
-                    <a:pt x="1051432" y="0"/>
+                    <a:pt x="202198" y="660456"/>
+                  </a:lnTo>
+                  <a:lnTo>
+                    <a:pt x="404397" y="704122"/>
+                  </a:lnTo>
+                  <a:lnTo>
+                    <a:pt x="606595" y="371945"/>
+                  </a:lnTo>
+                  <a:lnTo>
+                    <a:pt x="808794" y="0"/>
                   </a:lnTo>
                 </a:path>
               </a:pathLst>
             </a:custGeom>
             <a:ln w="13550" cap="flat">
               <a:solidFill>
-                <a:srgbClr val="BEBEBE">
-                  <a:alpha val="100000"/>
-                </a:srgbClr>
-              </a:solidFill>
-              <a:prstDash val="solid"/>
-              <a:round/>
-            </a:ln>
-          </p:spPr>
-          <p:txBody>
-            <a:bodyPr/>
-            <a:lstStyle/>
-            <a:p/>
-          </p:txBody>
-        </p:sp>
-        <p:sp>
-          <p:nvSpPr>
-            <p:cNvPr id="142" name="pl142"/>
-            <p:cNvSpPr/>
-            <p:nvPr/>
-          </p:nvSpPr>
-          <p:spPr>
-            <a:xfrm>
-              <a:off x="5190655" y="1577711"/>
-              <a:ext cx="808794" cy="1016274"/>
+                <a:srgbClr val="00BA38">
+                  <a:alpha val="100000"/>
+                </a:srgbClr>
+              </a:solidFill>
+              <a:prstDash val="solid"/>
+              <a:round/>
+            </a:ln>
+          </p:spPr>
+          <p:txBody>
+            <a:bodyPr/>
+            <a:lstStyle/>
+            <a:p/>
+          </p:txBody>
+        </p:sp>
+        <p:sp>
+          <p:nvSpPr>
+            <p:cNvPr id="133" name="pl133"/>
+            <p:cNvSpPr/>
+            <p:nvPr/>
+          </p:nvSpPr>
+          <p:spPr>
+            <a:xfrm>
+              <a:off x="5190655" y="1874268"/>
+              <a:ext cx="808794" cy="490468"/>
             </a:xfrm>
             <a:custGeom>
               <a:avLst/>
               <a:pathLst>
-                <a:path w="808794" h="1016274">
+                <a:path w="808794" h="490468">
                   <a:moveTo>
-                    <a:pt x="0" y="1016274"/>
+                    <a:pt x="0" y="490468"/>
                   </a:moveTo>
                   <a:lnTo>
-                    <a:pt x="202198" y="808234"/>
-                  </a:lnTo>
-                  <a:lnTo>
-                    <a:pt x="404397" y="808234"/>
-                  </a:lnTo>
-                  <a:lnTo>
-                    <a:pt x="606595" y="301657"/>
+                    <a:pt x="202198" y="9357"/>
+                  </a:lnTo>
+                  <a:lnTo>
+                    <a:pt x="404397" y="30410"/>
+                  </a:lnTo>
+                  <a:lnTo>
+                    <a:pt x="606595" y="15595"/>
                   </a:lnTo>
                   <a:lnTo>
                     <a:pt x="808794" y="0"/>
@@ -8370,55 +7989,6 @@
             </a:custGeom>
             <a:ln w="13550" cap="flat">
               <a:solidFill>
-                <a:srgbClr val="00BA38">
-                  <a:alpha val="100000"/>
-                </a:srgbClr>
-              </a:solidFill>
-              <a:prstDash val="solid"/>
-              <a:round/>
-            </a:ln>
-          </p:spPr>
-          <p:txBody>
-            <a:bodyPr/>
-            <a:lstStyle/>
-            <a:p/>
-          </p:txBody>
-        </p:sp>
-        <p:sp>
-          <p:nvSpPr>
-            <p:cNvPr id="143" name="pl143"/>
-            <p:cNvSpPr/>
-            <p:nvPr/>
-          </p:nvSpPr>
-          <p:spPr>
-            <a:xfrm>
-              <a:off x="5190655" y="1726460"/>
-              <a:ext cx="808794" cy="867526"/>
-            </a:xfrm>
-            <a:custGeom>
-              <a:avLst/>
-              <a:pathLst>
-                <a:path w="808794" h="867526">
-                  <a:moveTo>
-                    <a:pt x="0" y="867526"/>
-                  </a:moveTo>
-                  <a:lnTo>
-                    <a:pt x="202198" y="217401"/>
-                  </a:lnTo>
-                  <a:lnTo>
-                    <a:pt x="404397" y="217401"/>
-                  </a:lnTo>
-                  <a:lnTo>
-                    <a:pt x="606595" y="90497"/>
-                  </a:lnTo>
-                  <a:lnTo>
-                    <a:pt x="808794" y="0"/>
-                  </a:lnTo>
-                </a:path>
-              </a:pathLst>
-            </a:custGeom>
-            <a:ln w="13550" cap="flat">
-              <a:solidFill>
                 <a:srgbClr val="F8766D">
                   <a:alpha val="100000"/>
                 </a:srgbClr>
@@ -8435,13 +8005,13 @@
         </p:sp>
         <p:sp>
           <p:nvSpPr>
-            <p:cNvPr id="144" name="pt144"/>
-            <p:cNvSpPr/>
-            <p:nvPr/>
-          </p:nvSpPr>
-          <p:spPr>
-            <a:xfrm>
-              <a:off x="5165829" y="2569160"/>
+            <p:cNvPr id="134" name="pt134"/>
+            <p:cNvSpPr/>
+            <p:nvPr/>
+          </p:nvSpPr>
+          <p:spPr>
+            <a:xfrm>
+              <a:off x="5165829" y="2339911"/>
               <a:ext cx="49651" cy="49651"/>
             </a:xfrm>
             <a:prstGeom prst="ellipse">
@@ -8470,13 +8040,13 @@
         </p:sp>
         <p:sp>
           <p:nvSpPr>
-            <p:cNvPr id="145" name="pt145"/>
-            <p:cNvSpPr/>
-            <p:nvPr/>
-          </p:nvSpPr>
-          <p:spPr>
-            <a:xfrm>
-              <a:off x="5165829" y="2569160"/>
+            <p:cNvPr id="135" name="pt135"/>
+            <p:cNvSpPr/>
+            <p:nvPr/>
+          </p:nvSpPr>
+          <p:spPr>
+            <a:xfrm>
+              <a:off x="5165829" y="2339911"/>
               <a:ext cx="49651" cy="49651"/>
             </a:xfrm>
             <a:prstGeom prst="ellipse">
@@ -8505,13 +8075,13 @@
         </p:sp>
         <p:sp>
           <p:nvSpPr>
-            <p:cNvPr id="146" name="pt146"/>
-            <p:cNvSpPr/>
-            <p:nvPr/>
-          </p:nvSpPr>
-          <p:spPr>
-            <a:xfrm>
-              <a:off x="5368028" y="1919035"/>
+            <p:cNvPr id="136" name="pt136"/>
+            <p:cNvSpPr/>
+            <p:nvPr/>
+          </p:nvSpPr>
+          <p:spPr>
+            <a:xfrm>
+              <a:off x="5368028" y="1858799"/>
               <a:ext cx="49651" cy="49651"/>
             </a:xfrm>
             <a:prstGeom prst="ellipse">
@@ -8540,13 +8110,13 @@
         </p:sp>
         <p:sp>
           <p:nvSpPr>
-            <p:cNvPr id="147" name="pt147"/>
-            <p:cNvSpPr/>
-            <p:nvPr/>
-          </p:nvSpPr>
-          <p:spPr>
-            <a:xfrm>
-              <a:off x="5368028" y="2361120"/>
+            <p:cNvPr id="137" name="pt137"/>
+            <p:cNvSpPr/>
+            <p:nvPr/>
+          </p:nvSpPr>
+          <p:spPr>
+            <a:xfrm>
+              <a:off x="5368028" y="2233084"/>
               <a:ext cx="49651" cy="49651"/>
             </a:xfrm>
             <a:prstGeom prst="ellipse">
@@ -8575,13 +8145,13 @@
         </p:sp>
         <p:sp>
           <p:nvSpPr>
-            <p:cNvPr id="148" name="pt148"/>
-            <p:cNvSpPr/>
-            <p:nvPr/>
-          </p:nvSpPr>
-          <p:spPr>
-            <a:xfrm>
-              <a:off x="5570227" y="1919035"/>
+            <p:cNvPr id="138" name="pt138"/>
+            <p:cNvSpPr/>
+            <p:nvPr/>
+          </p:nvSpPr>
+          <p:spPr>
+            <a:xfrm>
+              <a:off x="5570227" y="1879852"/>
               <a:ext cx="49651" cy="49651"/>
             </a:xfrm>
             <a:prstGeom prst="ellipse">
@@ -8610,13 +8180,13 @@
         </p:sp>
         <p:sp>
           <p:nvSpPr>
-            <p:cNvPr id="149" name="pt149"/>
-            <p:cNvSpPr/>
-            <p:nvPr/>
-          </p:nvSpPr>
-          <p:spPr>
-            <a:xfrm>
-              <a:off x="5570227" y="2361120"/>
+            <p:cNvPr id="139" name="pt139"/>
+            <p:cNvSpPr/>
+            <p:nvPr/>
+          </p:nvSpPr>
+          <p:spPr>
+            <a:xfrm>
+              <a:off x="5570227" y="2276750"/>
               <a:ext cx="49651" cy="49651"/>
             </a:xfrm>
             <a:prstGeom prst="ellipse">
@@ -8645,13 +8215,13 @@
         </p:sp>
         <p:sp>
           <p:nvSpPr>
-            <p:cNvPr id="150" name="pt150"/>
-            <p:cNvSpPr/>
-            <p:nvPr/>
-          </p:nvSpPr>
-          <p:spPr>
-            <a:xfrm>
-              <a:off x="5772425" y="1792131"/>
+            <p:cNvPr id="140" name="pt140"/>
+            <p:cNvSpPr/>
+            <p:nvPr/>
+          </p:nvSpPr>
+          <p:spPr>
+            <a:xfrm>
+              <a:off x="5772425" y="1865037"/>
               <a:ext cx="49651" cy="49651"/>
             </a:xfrm>
             <a:prstGeom prst="ellipse">
@@ -8680,13 +8250,13 @@
         </p:sp>
         <p:sp>
           <p:nvSpPr>
-            <p:cNvPr id="151" name="pt151"/>
-            <p:cNvSpPr/>
-            <p:nvPr/>
-          </p:nvSpPr>
-          <p:spPr>
-            <a:xfrm>
-              <a:off x="5772425" y="1854543"/>
+            <p:cNvPr id="141" name="pt141"/>
+            <p:cNvSpPr/>
+            <p:nvPr/>
+          </p:nvSpPr>
+          <p:spPr>
+            <a:xfrm>
+              <a:off x="5772425" y="1944572"/>
               <a:ext cx="49651" cy="49651"/>
             </a:xfrm>
             <a:prstGeom prst="ellipse">
@@ -8715,13 +8285,13 @@
         </p:sp>
         <p:sp>
           <p:nvSpPr>
-            <p:cNvPr id="152" name="pt152"/>
-            <p:cNvSpPr/>
-            <p:nvPr/>
-          </p:nvSpPr>
-          <p:spPr>
-            <a:xfrm>
-              <a:off x="5974624" y="1701634"/>
+            <p:cNvPr id="142" name="pt142"/>
+            <p:cNvSpPr/>
+            <p:nvPr/>
+          </p:nvSpPr>
+          <p:spPr>
+            <a:xfrm>
+              <a:off x="5974624" y="1849442"/>
               <a:ext cx="49651" cy="49651"/>
             </a:xfrm>
             <a:prstGeom prst="ellipse">
@@ -8750,13 +8320,13 @@
         </p:sp>
         <p:sp>
           <p:nvSpPr>
-            <p:cNvPr id="153" name="pt153"/>
-            <p:cNvSpPr/>
-            <p:nvPr/>
-          </p:nvSpPr>
-          <p:spPr>
-            <a:xfrm>
-              <a:off x="5974624" y="1552885"/>
+            <p:cNvPr id="143" name="pt143"/>
+            <p:cNvSpPr/>
+            <p:nvPr/>
+          </p:nvSpPr>
+          <p:spPr>
+            <a:xfrm>
+              <a:off x="5974624" y="1572627"/>
               <a:ext cx="49651" cy="49651"/>
             </a:xfrm>
             <a:prstGeom prst="ellipse">
@@ -8785,7 +8355,7 @@
         </p:sp>
         <p:sp>
           <p:nvSpPr>
-            <p:cNvPr id="154" name="rc154"/>
+            <p:cNvPr id="144" name="rc144"/>
             <p:cNvSpPr/>
             <p:nvPr/>
           </p:nvSpPr>
@@ -8820,7 +8390,7 @@
         </p:sp>
         <p:sp>
           <p:nvSpPr>
-            <p:cNvPr id="155" name="tx155"/>
+            <p:cNvPr id="145" name="tx145"/>
             <p:cNvSpPr/>
             <p:nvPr/>
           </p:nvSpPr>
@@ -8866,7 +8436,7 @@
         </p:sp>
         <p:sp>
           <p:nvSpPr>
-            <p:cNvPr id="156" name="rc156"/>
+            <p:cNvPr id="146" name="rc146"/>
             <p:cNvSpPr/>
             <p:nvPr/>
           </p:nvSpPr>
@@ -8901,7 +8471,7 @@
         </p:sp>
         <p:sp>
           <p:nvSpPr>
-            <p:cNvPr id="157" name="tx157"/>
+            <p:cNvPr id="147" name="tx147"/>
             <p:cNvSpPr/>
             <p:nvPr/>
           </p:nvSpPr>
@@ -8947,7 +8517,7 @@
         </p:sp>
         <p:sp>
           <p:nvSpPr>
-            <p:cNvPr id="158" name="rc158"/>
+            <p:cNvPr id="148" name="rc148"/>
             <p:cNvSpPr/>
             <p:nvPr/>
           </p:nvSpPr>
@@ -8982,7 +8552,7 @@
         </p:sp>
         <p:sp>
           <p:nvSpPr>
-            <p:cNvPr id="159" name="tx159"/>
+            <p:cNvPr id="149" name="tx149"/>
             <p:cNvSpPr/>
             <p:nvPr/>
           </p:nvSpPr>
@@ -9028,7 +8598,7 @@
         </p:sp>
         <p:sp>
           <p:nvSpPr>
-            <p:cNvPr id="160" name="rc160"/>
+            <p:cNvPr id="150" name="rc150"/>
             <p:cNvSpPr/>
             <p:nvPr/>
           </p:nvSpPr>
@@ -9063,7 +8633,7 @@
         </p:sp>
         <p:sp>
           <p:nvSpPr>
-            <p:cNvPr id="161" name="tx161"/>
+            <p:cNvPr id="151" name="tx151"/>
             <p:cNvSpPr/>
             <p:nvPr/>
           </p:nvSpPr>
@@ -9109,7 +8679,7 @@
         </p:sp>
         <p:sp>
           <p:nvSpPr>
-            <p:cNvPr id="162" name="rc162"/>
+            <p:cNvPr id="152" name="rc152"/>
             <p:cNvSpPr/>
             <p:nvPr/>
           </p:nvSpPr>
@@ -9144,7 +8714,7 @@
         </p:sp>
         <p:sp>
           <p:nvSpPr>
-            <p:cNvPr id="163" name="tx163"/>
+            <p:cNvPr id="153" name="tx153"/>
             <p:cNvSpPr/>
             <p:nvPr/>
           </p:nvSpPr>
@@ -9190,7 +8760,7 @@
         </p:sp>
         <p:sp>
           <p:nvSpPr>
-            <p:cNvPr id="164" name="rc164"/>
+            <p:cNvPr id="154" name="rc154"/>
             <p:cNvSpPr/>
             <p:nvPr/>
           </p:nvSpPr>
@@ -9225,7 +8795,7 @@
         </p:sp>
         <p:sp>
           <p:nvSpPr>
-            <p:cNvPr id="165" name="tx165"/>
+            <p:cNvPr id="155" name="tx155"/>
             <p:cNvSpPr/>
             <p:nvPr/>
           </p:nvSpPr>
@@ -9271,7 +8841,7 @@
         </p:sp>
         <p:sp>
           <p:nvSpPr>
-            <p:cNvPr id="166" name="rc166"/>
+            <p:cNvPr id="156" name="rc156"/>
             <p:cNvSpPr/>
             <p:nvPr/>
           </p:nvSpPr>
@@ -9306,7 +8876,7 @@
         </p:sp>
         <p:sp>
           <p:nvSpPr>
-            <p:cNvPr id="167" name="tx167"/>
+            <p:cNvPr id="157" name="tx157"/>
             <p:cNvSpPr/>
             <p:nvPr/>
           </p:nvSpPr>
@@ -9352,7 +8922,7 @@
         </p:sp>
         <p:sp>
           <p:nvSpPr>
-            <p:cNvPr id="168" name="pl168"/>
+            <p:cNvPr id="158" name="pl158"/>
             <p:cNvSpPr/>
             <p:nvPr/>
           </p:nvSpPr>
@@ -9392,7 +8962,7 @@
         </p:sp>
         <p:sp>
           <p:nvSpPr>
-            <p:cNvPr id="169" name="pl169"/>
+            <p:cNvPr id="159" name="pl159"/>
             <p:cNvSpPr/>
             <p:nvPr/>
           </p:nvSpPr>
@@ -9432,7 +9002,7 @@
         </p:sp>
         <p:sp>
           <p:nvSpPr>
-            <p:cNvPr id="170" name="pl170"/>
+            <p:cNvPr id="160" name="pl160"/>
             <p:cNvSpPr/>
             <p:nvPr/>
           </p:nvSpPr>
@@ -9472,7 +9042,7 @@
         </p:sp>
         <p:sp>
           <p:nvSpPr>
-            <p:cNvPr id="171" name="pl171"/>
+            <p:cNvPr id="161" name="pl161"/>
             <p:cNvSpPr/>
             <p:nvPr/>
           </p:nvSpPr>
@@ -9512,7 +9082,7 @@
         </p:sp>
         <p:sp>
           <p:nvSpPr>
-            <p:cNvPr id="172" name="pl172"/>
+            <p:cNvPr id="162" name="pl162"/>
             <p:cNvSpPr/>
             <p:nvPr/>
           </p:nvSpPr>
@@ -9552,7 +9122,7 @@
         </p:sp>
         <p:sp>
           <p:nvSpPr>
-            <p:cNvPr id="173" name="pl173"/>
+            <p:cNvPr id="163" name="pl163"/>
             <p:cNvSpPr/>
             <p:nvPr/>
           </p:nvSpPr>
@@ -9592,7 +9162,7 @@
         </p:sp>
         <p:sp>
           <p:nvSpPr>
-            <p:cNvPr id="174" name="tx174"/>
+            <p:cNvPr id="164" name="tx164"/>
             <p:cNvSpPr/>
             <p:nvPr/>
           </p:nvSpPr>
@@ -9638,7 +9208,7 @@
         </p:sp>
         <p:sp>
           <p:nvSpPr>
-            <p:cNvPr id="175" name="tx175"/>
+            <p:cNvPr id="165" name="tx165"/>
             <p:cNvSpPr/>
             <p:nvPr/>
           </p:nvSpPr>
@@ -9684,7 +9254,7 @@
         </p:sp>
         <p:sp>
           <p:nvSpPr>
-            <p:cNvPr id="176" name="tx176"/>
+            <p:cNvPr id="166" name="tx166"/>
             <p:cNvSpPr/>
             <p:nvPr/>
           </p:nvSpPr>
@@ -9730,7 +9300,7 @@
         </p:sp>
         <p:sp>
           <p:nvSpPr>
-            <p:cNvPr id="177" name="tx177"/>
+            <p:cNvPr id="167" name="tx167"/>
             <p:cNvSpPr/>
             <p:nvPr/>
           </p:nvSpPr>
@@ -9776,7 +9346,7 @@
         </p:sp>
         <p:sp>
           <p:nvSpPr>
-            <p:cNvPr id="178" name="tx178"/>
+            <p:cNvPr id="168" name="tx168"/>
             <p:cNvSpPr/>
             <p:nvPr/>
           </p:nvSpPr>
@@ -9822,7 +9392,7 @@
         </p:sp>
         <p:sp>
           <p:nvSpPr>
-            <p:cNvPr id="179" name="pl179"/>
+            <p:cNvPr id="169" name="pl169"/>
             <p:cNvSpPr/>
             <p:nvPr/>
           </p:nvSpPr>
@@ -9862,7 +9432,7 @@
         </p:sp>
         <p:sp>
           <p:nvSpPr>
-            <p:cNvPr id="180" name="pl180"/>
+            <p:cNvPr id="170" name="pl170"/>
             <p:cNvSpPr/>
             <p:nvPr/>
           </p:nvSpPr>
@@ -9902,7 +9472,7 @@
         </p:sp>
         <p:sp>
           <p:nvSpPr>
-            <p:cNvPr id="181" name="pl181"/>
+            <p:cNvPr id="171" name="pl171"/>
             <p:cNvSpPr/>
             <p:nvPr/>
           </p:nvSpPr>
@@ -9942,7 +9512,7 @@
         </p:sp>
         <p:sp>
           <p:nvSpPr>
-            <p:cNvPr id="182" name="pl182"/>
+            <p:cNvPr id="172" name="pl172"/>
             <p:cNvSpPr/>
             <p:nvPr/>
           </p:nvSpPr>
@@ -9982,7 +9552,7 @@
         </p:sp>
         <p:sp>
           <p:nvSpPr>
-            <p:cNvPr id="183" name="pl183"/>
+            <p:cNvPr id="173" name="pl173"/>
             <p:cNvSpPr/>
             <p:nvPr/>
           </p:nvSpPr>
@@ -10022,7 +9592,7 @@
         </p:sp>
         <p:sp>
           <p:nvSpPr>
-            <p:cNvPr id="184" name="pl184"/>
+            <p:cNvPr id="174" name="pl174"/>
             <p:cNvSpPr/>
             <p:nvPr/>
           </p:nvSpPr>
@@ -10062,7 +9632,7 @@
         </p:sp>
         <p:sp>
           <p:nvSpPr>
-            <p:cNvPr id="185" name="tx185"/>
+            <p:cNvPr id="175" name="tx175"/>
             <p:cNvSpPr/>
             <p:nvPr/>
           </p:nvSpPr>
@@ -10108,7 +9678,7 @@
         </p:sp>
         <p:sp>
           <p:nvSpPr>
-            <p:cNvPr id="186" name="tx186"/>
+            <p:cNvPr id="176" name="tx176"/>
             <p:cNvSpPr/>
             <p:nvPr/>
           </p:nvSpPr>
@@ -10154,7 +9724,7 @@
         </p:sp>
         <p:sp>
           <p:nvSpPr>
-            <p:cNvPr id="187" name="tx187"/>
+            <p:cNvPr id="177" name="tx177"/>
             <p:cNvSpPr/>
             <p:nvPr/>
           </p:nvSpPr>
@@ -10200,7 +9770,7 @@
         </p:sp>
         <p:sp>
           <p:nvSpPr>
-            <p:cNvPr id="188" name="tx188"/>
+            <p:cNvPr id="178" name="tx178"/>
             <p:cNvSpPr/>
             <p:nvPr/>
           </p:nvSpPr>
@@ -10246,7 +9816,7 @@
         </p:sp>
         <p:sp>
           <p:nvSpPr>
-            <p:cNvPr id="189" name="tx189"/>
+            <p:cNvPr id="179" name="tx179"/>
             <p:cNvSpPr/>
             <p:nvPr/>
           </p:nvSpPr>
@@ -10292,7 +9862,7 @@
         </p:sp>
         <p:sp>
           <p:nvSpPr>
-            <p:cNvPr id="190" name="pl190"/>
+            <p:cNvPr id="180" name="pl180"/>
             <p:cNvSpPr/>
             <p:nvPr/>
           </p:nvSpPr>
@@ -10332,7 +9902,7 @@
         </p:sp>
         <p:sp>
           <p:nvSpPr>
-            <p:cNvPr id="191" name="pl191"/>
+            <p:cNvPr id="181" name="pl181"/>
             <p:cNvSpPr/>
             <p:nvPr/>
           </p:nvSpPr>
@@ -10372,7 +9942,7 @@
         </p:sp>
         <p:sp>
           <p:nvSpPr>
-            <p:cNvPr id="192" name="pl192"/>
+            <p:cNvPr id="182" name="pl182"/>
             <p:cNvSpPr/>
             <p:nvPr/>
           </p:nvSpPr>
@@ -10412,7 +9982,7 @@
         </p:sp>
         <p:sp>
           <p:nvSpPr>
-            <p:cNvPr id="193" name="pl193"/>
+            <p:cNvPr id="183" name="pl183"/>
             <p:cNvSpPr/>
             <p:nvPr/>
           </p:nvSpPr>
@@ -10452,7 +10022,7 @@
         </p:sp>
         <p:sp>
           <p:nvSpPr>
-            <p:cNvPr id="194" name="pl194"/>
+            <p:cNvPr id="184" name="pl184"/>
             <p:cNvSpPr/>
             <p:nvPr/>
           </p:nvSpPr>
@@ -10492,7 +10062,7 @@
         </p:sp>
         <p:sp>
           <p:nvSpPr>
-            <p:cNvPr id="195" name="pl195"/>
+            <p:cNvPr id="185" name="pl185"/>
             <p:cNvSpPr/>
             <p:nvPr/>
           </p:nvSpPr>
@@ -10532,7 +10102,7 @@
         </p:sp>
         <p:sp>
           <p:nvSpPr>
-            <p:cNvPr id="196" name="tx196"/>
+            <p:cNvPr id="186" name="tx186"/>
             <p:cNvSpPr/>
             <p:nvPr/>
           </p:nvSpPr>
@@ -10578,7 +10148,7 @@
         </p:sp>
         <p:sp>
           <p:nvSpPr>
-            <p:cNvPr id="197" name="tx197"/>
+            <p:cNvPr id="187" name="tx187"/>
             <p:cNvSpPr/>
             <p:nvPr/>
           </p:nvSpPr>
@@ -10624,7 +10194,7 @@
         </p:sp>
         <p:sp>
           <p:nvSpPr>
-            <p:cNvPr id="198" name="tx198"/>
+            <p:cNvPr id="188" name="tx188"/>
             <p:cNvSpPr/>
             <p:nvPr/>
           </p:nvSpPr>
@@ -10670,7 +10240,7 @@
         </p:sp>
         <p:sp>
           <p:nvSpPr>
-            <p:cNvPr id="199" name="tx199"/>
+            <p:cNvPr id="189" name="tx189"/>
             <p:cNvSpPr/>
             <p:nvPr/>
           </p:nvSpPr>
@@ -10716,7 +10286,7 @@
         </p:sp>
         <p:sp>
           <p:nvSpPr>
-            <p:cNvPr id="200" name="tx200"/>
+            <p:cNvPr id="190" name="tx190"/>
             <p:cNvSpPr/>
             <p:nvPr/>
           </p:nvSpPr>
@@ -10762,7 +10332,7 @@
         </p:sp>
         <p:sp>
           <p:nvSpPr>
-            <p:cNvPr id="201" name="pl201"/>
+            <p:cNvPr id="191" name="pl191"/>
             <p:cNvSpPr/>
             <p:nvPr/>
           </p:nvSpPr>
@@ -10802,7 +10372,7 @@
         </p:sp>
         <p:sp>
           <p:nvSpPr>
-            <p:cNvPr id="202" name="pl202"/>
+            <p:cNvPr id="192" name="pl192"/>
             <p:cNvSpPr/>
             <p:nvPr/>
           </p:nvSpPr>
@@ -10842,7 +10412,7 @@
         </p:sp>
         <p:sp>
           <p:nvSpPr>
-            <p:cNvPr id="203" name="pl203"/>
+            <p:cNvPr id="193" name="pl193"/>
             <p:cNvSpPr/>
             <p:nvPr/>
           </p:nvSpPr>
@@ -10882,7 +10452,7 @@
         </p:sp>
         <p:sp>
           <p:nvSpPr>
-            <p:cNvPr id="204" name="pl204"/>
+            <p:cNvPr id="194" name="pl194"/>
             <p:cNvSpPr/>
             <p:nvPr/>
           </p:nvSpPr>
@@ -10922,7 +10492,7 @@
         </p:sp>
         <p:sp>
           <p:nvSpPr>
-            <p:cNvPr id="205" name="pl205"/>
+            <p:cNvPr id="195" name="pl195"/>
             <p:cNvSpPr/>
             <p:nvPr/>
           </p:nvSpPr>
@@ -10962,7 +10532,7 @@
         </p:sp>
         <p:sp>
           <p:nvSpPr>
-            <p:cNvPr id="206" name="pl206"/>
+            <p:cNvPr id="196" name="pl196"/>
             <p:cNvSpPr/>
             <p:nvPr/>
           </p:nvSpPr>
@@ -11002,7 +10572,7 @@
         </p:sp>
         <p:sp>
           <p:nvSpPr>
-            <p:cNvPr id="207" name="tx207"/>
+            <p:cNvPr id="197" name="tx197"/>
             <p:cNvSpPr/>
             <p:nvPr/>
           </p:nvSpPr>
@@ -11048,7 +10618,7 @@
         </p:sp>
         <p:sp>
           <p:nvSpPr>
-            <p:cNvPr id="208" name="tx208"/>
+            <p:cNvPr id="198" name="tx198"/>
             <p:cNvSpPr/>
             <p:nvPr/>
           </p:nvSpPr>
@@ -11094,7 +10664,7 @@
         </p:sp>
         <p:sp>
           <p:nvSpPr>
-            <p:cNvPr id="209" name="tx209"/>
+            <p:cNvPr id="199" name="tx199"/>
             <p:cNvSpPr/>
             <p:nvPr/>
           </p:nvSpPr>
@@ -11140,7 +10710,7 @@
         </p:sp>
         <p:sp>
           <p:nvSpPr>
-            <p:cNvPr id="210" name="tx210"/>
+            <p:cNvPr id="200" name="tx200"/>
             <p:cNvSpPr/>
             <p:nvPr/>
           </p:nvSpPr>
@@ -11186,7 +10756,7 @@
         </p:sp>
         <p:sp>
           <p:nvSpPr>
-            <p:cNvPr id="211" name="tx211"/>
+            <p:cNvPr id="201" name="tx201"/>
             <p:cNvSpPr/>
             <p:nvPr/>
           </p:nvSpPr>
@@ -11232,7 +10802,7 @@
         </p:sp>
         <p:sp>
           <p:nvSpPr>
-            <p:cNvPr id="212" name="pl212"/>
+            <p:cNvPr id="202" name="pl202"/>
             <p:cNvSpPr/>
             <p:nvPr/>
           </p:nvSpPr>
@@ -11272,7 +10842,7 @@
         </p:sp>
         <p:sp>
           <p:nvSpPr>
-            <p:cNvPr id="213" name="pl213"/>
+            <p:cNvPr id="203" name="pl203"/>
             <p:cNvSpPr/>
             <p:nvPr/>
           </p:nvSpPr>
@@ -11312,7 +10882,7 @@
         </p:sp>
         <p:sp>
           <p:nvSpPr>
-            <p:cNvPr id="214" name="pl214"/>
+            <p:cNvPr id="204" name="pl204"/>
             <p:cNvSpPr/>
             <p:nvPr/>
           </p:nvSpPr>
@@ -11352,7 +10922,7 @@
         </p:sp>
         <p:sp>
           <p:nvSpPr>
-            <p:cNvPr id="215" name="pl215"/>
+            <p:cNvPr id="205" name="pl205"/>
             <p:cNvSpPr/>
             <p:nvPr/>
           </p:nvSpPr>
@@ -11392,7 +10962,7 @@
         </p:sp>
         <p:sp>
           <p:nvSpPr>
-            <p:cNvPr id="216" name="pl216"/>
+            <p:cNvPr id="206" name="pl206"/>
             <p:cNvSpPr/>
             <p:nvPr/>
           </p:nvSpPr>
@@ -11432,7 +11002,7 @@
         </p:sp>
         <p:sp>
           <p:nvSpPr>
-            <p:cNvPr id="217" name="pl217"/>
+            <p:cNvPr id="207" name="pl207"/>
             <p:cNvSpPr/>
             <p:nvPr/>
           </p:nvSpPr>
@@ -11472,7 +11042,7 @@
         </p:sp>
         <p:sp>
           <p:nvSpPr>
-            <p:cNvPr id="218" name="tx218"/>
+            <p:cNvPr id="208" name="tx208"/>
             <p:cNvSpPr/>
             <p:nvPr/>
           </p:nvSpPr>
@@ -11518,7 +11088,7 @@
         </p:sp>
         <p:sp>
           <p:nvSpPr>
-            <p:cNvPr id="219" name="tx219"/>
+            <p:cNvPr id="209" name="tx209"/>
             <p:cNvSpPr/>
             <p:nvPr/>
           </p:nvSpPr>
@@ -11564,7 +11134,7 @@
         </p:sp>
         <p:sp>
           <p:nvSpPr>
-            <p:cNvPr id="220" name="tx220"/>
+            <p:cNvPr id="210" name="tx210"/>
             <p:cNvSpPr/>
             <p:nvPr/>
           </p:nvSpPr>
@@ -11610,7 +11180,7 @@
         </p:sp>
         <p:sp>
           <p:nvSpPr>
-            <p:cNvPr id="221" name="tx221"/>
+            <p:cNvPr id="211" name="tx211"/>
             <p:cNvSpPr/>
             <p:nvPr/>
           </p:nvSpPr>
@@ -11656,7 +11226,7 @@
         </p:sp>
         <p:sp>
           <p:nvSpPr>
-            <p:cNvPr id="222" name="tx222"/>
+            <p:cNvPr id="212" name="tx212"/>
             <p:cNvSpPr/>
             <p:nvPr/>
           </p:nvSpPr>
@@ -11702,7 +11272,7 @@
         </p:sp>
         <p:sp>
           <p:nvSpPr>
-            <p:cNvPr id="223" name="pl223"/>
+            <p:cNvPr id="213" name="pl213"/>
             <p:cNvSpPr/>
             <p:nvPr/>
           </p:nvSpPr>
@@ -11742,13 +11312,13 @@
         </p:sp>
         <p:sp>
           <p:nvSpPr>
-            <p:cNvPr id="224" name="tx224"/>
-            <p:cNvSpPr/>
-            <p:nvPr/>
-          </p:nvSpPr>
-          <p:spPr>
-            <a:xfrm>
-              <a:off x="360100" y="1334636"/>
+            <p:cNvPr id="214" name="tx214"/>
+            <p:cNvSpPr/>
+            <p:nvPr/>
+          </p:nvSpPr>
+          <p:spPr>
+            <a:xfrm>
+              <a:off x="360100" y="1074196"/>
               <a:ext cx="162520" cy="85903"/>
             </a:xfrm>
             <a:prstGeom prst="rect">
@@ -11788,59 +11358,13 @@
         </p:sp>
         <p:sp>
           <p:nvSpPr>
-            <p:cNvPr id="225" name="tx225"/>
-            <p:cNvSpPr/>
-            <p:nvPr/>
-          </p:nvSpPr>
-          <p:spPr>
-            <a:xfrm>
-              <a:off x="299140" y="1074586"/>
-              <a:ext cx="223480" cy="85903"/>
-            </a:xfrm>
-            <a:prstGeom prst="rect">
-              <a:avLst/>
-            </a:prstGeom>
-            <a:noFill/>
-          </p:spPr>
-          <p:txBody>
-            <a:bodyPr lIns="0" rIns="0" tIns="0" bIns="0" anchorCtr="1" anchor="ctr" wrap="none"/>
-            <a:lstStyle/>
-            <a:p>
-              <a:pPr algn="l" marL="0" marR="0" indent="0">
-                <a:lnSpc>
-                  <a:spcPts val="960"/>
-                </a:lnSpc>
-                <a:spcBef>
-                  <a:spcPts val="0"/>
-                </a:spcBef>
-                <a:spcAft>
-                  <a:spcPts val="0"/>
-                </a:spcAft>
-              </a:pPr>
-              <a:r>
-                <a:rPr sz="960">
-                  <a:solidFill>
-                    <a:srgbClr val="4D4D4D">
-                      <a:alpha val="100000"/>
-                    </a:srgbClr>
-                  </a:solidFill>
-                  <a:latin typeface="Times New Roman"/>
-                  <a:cs typeface="Times New Roman"/>
-                </a:rPr>
-                <a:t>25%</a:t>
-              </a:r>
-            </a:p>
-          </p:txBody>
-        </p:sp>
-        <p:sp>
-          <p:nvSpPr>
-            <p:cNvPr id="226" name="tx226"/>
-            <p:cNvSpPr/>
-            <p:nvPr/>
-          </p:nvSpPr>
-          <p:spPr>
-            <a:xfrm>
-              <a:off x="299140" y="814536"/>
+            <p:cNvPr id="215" name="tx215"/>
+            <p:cNvSpPr/>
+            <p:nvPr/>
+          </p:nvSpPr>
+          <p:spPr>
+            <a:xfrm>
+              <a:off x="299140" y="684317"/>
               <a:ext cx="223480" cy="85903"/>
             </a:xfrm>
             <a:prstGeom prst="rect">
@@ -11880,53 +11404,7 @@
         </p:sp>
         <p:sp>
           <p:nvSpPr>
-            <p:cNvPr id="227" name="tx227"/>
-            <p:cNvSpPr/>
-            <p:nvPr/>
-          </p:nvSpPr>
-          <p:spPr>
-            <a:xfrm>
-              <a:off x="299140" y="554487"/>
-              <a:ext cx="223480" cy="85903"/>
-            </a:xfrm>
-            <a:prstGeom prst="rect">
-              <a:avLst/>
-            </a:prstGeom>
-            <a:noFill/>
-          </p:spPr>
-          <p:txBody>
-            <a:bodyPr lIns="0" rIns="0" tIns="0" bIns="0" anchorCtr="1" anchor="ctr" wrap="none"/>
-            <a:lstStyle/>
-            <a:p>
-              <a:pPr algn="l" marL="0" marR="0" indent="0">
-                <a:lnSpc>
-                  <a:spcPts val="960"/>
-                </a:lnSpc>
-                <a:spcBef>
-                  <a:spcPts val="0"/>
-                </a:spcBef>
-                <a:spcAft>
-                  <a:spcPts val="0"/>
-                </a:spcAft>
-              </a:pPr>
-              <a:r>
-                <a:rPr sz="960">
-                  <a:solidFill>
-                    <a:srgbClr val="4D4D4D">
-                      <a:alpha val="100000"/>
-                    </a:srgbClr>
-                  </a:solidFill>
-                  <a:latin typeface="Times New Roman"/>
-                  <a:cs typeface="Times New Roman"/>
-                </a:rPr>
-                <a:t>75%</a:t>
-              </a:r>
-            </a:p>
-          </p:txBody>
-        </p:sp>
-        <p:sp>
-          <p:nvSpPr>
-            <p:cNvPr id="228" name="tx228"/>
+            <p:cNvPr id="216" name="tx216"/>
             <p:cNvSpPr/>
             <p:nvPr/>
           </p:nvSpPr>
@@ -11972,13 +11450,13 @@
         </p:sp>
         <p:sp>
           <p:nvSpPr>
-            <p:cNvPr id="229" name="pl229"/>
-            <p:cNvSpPr/>
-            <p:nvPr/>
-          </p:nvSpPr>
-          <p:spPr>
-            <a:xfrm>
-              <a:off x="550455" y="1380178"/>
+            <p:cNvPr id="217" name="pl217"/>
+            <p:cNvSpPr/>
+            <p:nvPr/>
+          </p:nvSpPr>
+          <p:spPr>
+            <a:xfrm>
+              <a:off x="550455" y="1119738"/>
               <a:ext cx="34794" cy="0"/>
             </a:xfrm>
             <a:custGeom>
@@ -12012,13 +11490,13 @@
         </p:sp>
         <p:sp>
           <p:nvSpPr>
-            <p:cNvPr id="230" name="pl230"/>
-            <p:cNvSpPr/>
-            <p:nvPr/>
-          </p:nvSpPr>
-          <p:spPr>
-            <a:xfrm>
-              <a:off x="550455" y="1120128"/>
+            <p:cNvPr id="218" name="pl218"/>
+            <p:cNvSpPr/>
+            <p:nvPr/>
+          </p:nvSpPr>
+          <p:spPr>
+            <a:xfrm>
+              <a:off x="550455" y="729858"/>
               <a:ext cx="34794" cy="0"/>
             </a:xfrm>
             <a:custGeom>
@@ -12052,13 +11530,13 @@
         </p:sp>
         <p:sp>
           <p:nvSpPr>
-            <p:cNvPr id="231" name="pl231"/>
-            <p:cNvSpPr/>
-            <p:nvPr/>
-          </p:nvSpPr>
-          <p:spPr>
-            <a:xfrm>
-              <a:off x="550455" y="860078"/>
+            <p:cNvPr id="219" name="pl219"/>
+            <p:cNvSpPr/>
+            <p:nvPr/>
+          </p:nvSpPr>
+          <p:spPr>
+            <a:xfrm>
+              <a:off x="550455" y="339978"/>
               <a:ext cx="34794" cy="0"/>
             </a:xfrm>
             <a:custGeom>
@@ -12092,87 +11570,7 @@
         </p:sp>
         <p:sp>
           <p:nvSpPr>
-            <p:cNvPr id="232" name="pl232"/>
-            <p:cNvSpPr/>
-            <p:nvPr/>
-          </p:nvSpPr>
-          <p:spPr>
-            <a:xfrm>
-              <a:off x="550455" y="600028"/>
-              <a:ext cx="34794" cy="0"/>
-            </a:xfrm>
-            <a:custGeom>
-              <a:avLst/>
-              <a:pathLst>
-                <a:path w="34794" h="0">
-                  <a:moveTo>
-                    <a:pt x="0" y="0"/>
-                  </a:moveTo>
-                  <a:lnTo>
-                    <a:pt x="34794" y="0"/>
-                  </a:lnTo>
-                </a:path>
-              </a:pathLst>
-            </a:custGeom>
-            <a:ln w="13550" cap="flat">
-              <a:solidFill>
-                <a:srgbClr val="333333">
-                  <a:alpha val="100000"/>
-                </a:srgbClr>
-              </a:solidFill>
-              <a:prstDash val="solid"/>
-              <a:round/>
-            </a:ln>
-          </p:spPr>
-          <p:txBody>
-            <a:bodyPr/>
-            <a:lstStyle/>
-            <a:p/>
-          </p:txBody>
-        </p:sp>
-        <p:sp>
-          <p:nvSpPr>
-            <p:cNvPr id="233" name="pl233"/>
-            <p:cNvSpPr/>
-            <p:nvPr/>
-          </p:nvSpPr>
-          <p:spPr>
-            <a:xfrm>
-              <a:off x="550455" y="339978"/>
-              <a:ext cx="34794" cy="0"/>
-            </a:xfrm>
-            <a:custGeom>
-              <a:avLst/>
-              <a:pathLst>
-                <a:path w="34794" h="0">
-                  <a:moveTo>
-                    <a:pt x="0" y="0"/>
-                  </a:moveTo>
-                  <a:lnTo>
-                    <a:pt x="34794" y="0"/>
-                  </a:lnTo>
-                </a:path>
-              </a:pathLst>
-            </a:custGeom>
-            <a:ln w="13550" cap="flat">
-              <a:solidFill>
-                <a:srgbClr val="333333">
-                  <a:alpha val="100000"/>
-                </a:srgbClr>
-              </a:solidFill>
-              <a:prstDash val="solid"/>
-              <a:round/>
-            </a:ln>
-          </p:spPr>
-          <p:txBody>
-            <a:bodyPr/>
-            <a:lstStyle/>
-            <a:p/>
-          </p:txBody>
-        </p:sp>
-        <p:sp>
-          <p:nvSpPr>
-            <p:cNvPr id="234" name="pl234"/>
+            <p:cNvPr id="220" name="pl220"/>
             <p:cNvSpPr/>
             <p:nvPr/>
           </p:nvSpPr>
@@ -12212,13 +11610,13 @@
         </p:sp>
         <p:sp>
           <p:nvSpPr>
-            <p:cNvPr id="235" name="tx235"/>
-            <p:cNvSpPr/>
-            <p:nvPr/>
-          </p:nvSpPr>
-          <p:spPr>
-            <a:xfrm>
-              <a:off x="360100" y="2548444"/>
+            <p:cNvPr id="221" name="tx221"/>
+            <p:cNvSpPr/>
+            <p:nvPr/>
+          </p:nvSpPr>
+          <p:spPr>
+            <a:xfrm>
+              <a:off x="360100" y="2288005"/>
               <a:ext cx="162520" cy="85903"/>
             </a:xfrm>
             <a:prstGeom prst="rect">
@@ -12258,59 +11656,13 @@
         </p:sp>
         <p:sp>
           <p:nvSpPr>
-            <p:cNvPr id="236" name="tx236"/>
-            <p:cNvSpPr/>
-            <p:nvPr/>
-          </p:nvSpPr>
-          <p:spPr>
-            <a:xfrm>
-              <a:off x="299140" y="2288395"/>
-              <a:ext cx="223480" cy="85903"/>
-            </a:xfrm>
-            <a:prstGeom prst="rect">
-              <a:avLst/>
-            </a:prstGeom>
-            <a:noFill/>
-          </p:spPr>
-          <p:txBody>
-            <a:bodyPr lIns="0" rIns="0" tIns="0" bIns="0" anchorCtr="1" anchor="ctr" wrap="none"/>
-            <a:lstStyle/>
-            <a:p>
-              <a:pPr algn="l" marL="0" marR="0" indent="0">
-                <a:lnSpc>
-                  <a:spcPts val="960"/>
-                </a:lnSpc>
-                <a:spcBef>
-                  <a:spcPts val="0"/>
-                </a:spcBef>
-                <a:spcAft>
-                  <a:spcPts val="0"/>
-                </a:spcAft>
-              </a:pPr>
-              <a:r>
-                <a:rPr sz="960">
-                  <a:solidFill>
-                    <a:srgbClr val="4D4D4D">
-                      <a:alpha val="100000"/>
-                    </a:srgbClr>
-                  </a:solidFill>
-                  <a:latin typeface="Times New Roman"/>
-                  <a:cs typeface="Times New Roman"/>
-                </a:rPr>
-                <a:t>25%</a:t>
-              </a:r>
-            </a:p>
-          </p:txBody>
-        </p:sp>
-        <p:sp>
-          <p:nvSpPr>
-            <p:cNvPr id="237" name="tx237"/>
-            <p:cNvSpPr/>
-            <p:nvPr/>
-          </p:nvSpPr>
-          <p:spPr>
-            <a:xfrm>
-              <a:off x="299140" y="2028345"/>
+            <p:cNvPr id="222" name="tx222"/>
+            <p:cNvSpPr/>
+            <p:nvPr/>
+          </p:nvSpPr>
+          <p:spPr>
+            <a:xfrm>
+              <a:off x="299140" y="1898125"/>
               <a:ext cx="223480" cy="85903"/>
             </a:xfrm>
             <a:prstGeom prst="rect">
@@ -12350,53 +11702,7 @@
         </p:sp>
         <p:sp>
           <p:nvSpPr>
-            <p:cNvPr id="238" name="tx238"/>
-            <p:cNvSpPr/>
-            <p:nvPr/>
-          </p:nvSpPr>
-          <p:spPr>
-            <a:xfrm>
-              <a:off x="299140" y="1768295"/>
-              <a:ext cx="223480" cy="85903"/>
-            </a:xfrm>
-            <a:prstGeom prst="rect">
-              <a:avLst/>
-            </a:prstGeom>
-            <a:noFill/>
-          </p:spPr>
-          <p:txBody>
-            <a:bodyPr lIns="0" rIns="0" tIns="0" bIns="0" anchorCtr="1" anchor="ctr" wrap="none"/>
-            <a:lstStyle/>
-            <a:p>
-              <a:pPr algn="l" marL="0" marR="0" indent="0">
-                <a:lnSpc>
-                  <a:spcPts val="960"/>
-                </a:lnSpc>
-                <a:spcBef>
-                  <a:spcPts val="0"/>
-                </a:spcBef>
-                <a:spcAft>
-                  <a:spcPts val="0"/>
-                </a:spcAft>
-              </a:pPr>
-              <a:r>
-                <a:rPr sz="960">
-                  <a:solidFill>
-                    <a:srgbClr val="4D4D4D">
-                      <a:alpha val="100000"/>
-                    </a:srgbClr>
-                  </a:solidFill>
-                  <a:latin typeface="Times New Roman"/>
-                  <a:cs typeface="Times New Roman"/>
-                </a:rPr>
-                <a:t>75%</a:t>
-              </a:r>
-            </a:p>
-          </p:txBody>
-        </p:sp>
-        <p:sp>
-          <p:nvSpPr>
-            <p:cNvPr id="239" name="tx239"/>
+            <p:cNvPr id="223" name="tx223"/>
             <p:cNvSpPr/>
             <p:nvPr/>
           </p:nvSpPr>
@@ -12442,13 +11748,13 @@
         </p:sp>
         <p:sp>
           <p:nvSpPr>
-            <p:cNvPr id="240" name="pl240"/>
-            <p:cNvSpPr/>
-            <p:nvPr/>
-          </p:nvSpPr>
-          <p:spPr>
-            <a:xfrm>
-              <a:off x="550455" y="2593986"/>
+            <p:cNvPr id="224" name="pl224"/>
+            <p:cNvSpPr/>
+            <p:nvPr/>
+          </p:nvSpPr>
+          <p:spPr>
+            <a:xfrm>
+              <a:off x="550455" y="2333546"/>
               <a:ext cx="34794" cy="0"/>
             </a:xfrm>
             <a:custGeom>
@@ -12482,13 +11788,13 @@
         </p:sp>
         <p:sp>
           <p:nvSpPr>
-            <p:cNvPr id="241" name="pl241"/>
-            <p:cNvSpPr/>
-            <p:nvPr/>
-          </p:nvSpPr>
-          <p:spPr>
-            <a:xfrm>
-              <a:off x="550455" y="2333936"/>
+            <p:cNvPr id="225" name="pl225"/>
+            <p:cNvSpPr/>
+            <p:nvPr/>
+          </p:nvSpPr>
+          <p:spPr>
+            <a:xfrm>
+              <a:off x="550455" y="1943666"/>
               <a:ext cx="34794" cy="0"/>
             </a:xfrm>
             <a:custGeom>
@@ -12522,13 +11828,13 @@
         </p:sp>
         <p:sp>
           <p:nvSpPr>
-            <p:cNvPr id="242" name="pl242"/>
-            <p:cNvSpPr/>
-            <p:nvPr/>
-          </p:nvSpPr>
-          <p:spPr>
-            <a:xfrm>
-              <a:off x="550455" y="2073886"/>
+            <p:cNvPr id="226" name="pl226"/>
+            <p:cNvSpPr/>
+            <p:nvPr/>
+          </p:nvSpPr>
+          <p:spPr>
+            <a:xfrm>
+              <a:off x="550455" y="1553786"/>
               <a:ext cx="34794" cy="0"/>
             </a:xfrm>
             <a:custGeom>
@@ -12562,87 +11868,7 @@
         </p:sp>
         <p:sp>
           <p:nvSpPr>
-            <p:cNvPr id="243" name="pl243"/>
-            <p:cNvSpPr/>
-            <p:nvPr/>
-          </p:nvSpPr>
-          <p:spPr>
-            <a:xfrm>
-              <a:off x="550455" y="1813836"/>
-              <a:ext cx="34794" cy="0"/>
-            </a:xfrm>
-            <a:custGeom>
-              <a:avLst/>
-              <a:pathLst>
-                <a:path w="34794" h="0">
-                  <a:moveTo>
-                    <a:pt x="0" y="0"/>
-                  </a:moveTo>
-                  <a:lnTo>
-                    <a:pt x="34794" y="0"/>
-                  </a:lnTo>
-                </a:path>
-              </a:pathLst>
-            </a:custGeom>
-            <a:ln w="13550" cap="flat">
-              <a:solidFill>
-                <a:srgbClr val="333333">
-                  <a:alpha val="100000"/>
-                </a:srgbClr>
-              </a:solidFill>
-              <a:prstDash val="solid"/>
-              <a:round/>
-            </a:ln>
-          </p:spPr>
-          <p:txBody>
-            <a:bodyPr/>
-            <a:lstStyle/>
-            <a:p/>
-          </p:txBody>
-        </p:sp>
-        <p:sp>
-          <p:nvSpPr>
-            <p:cNvPr id="244" name="pl244"/>
-            <p:cNvSpPr/>
-            <p:nvPr/>
-          </p:nvSpPr>
-          <p:spPr>
-            <a:xfrm>
-              <a:off x="550455" y="1553786"/>
-              <a:ext cx="34794" cy="0"/>
-            </a:xfrm>
-            <a:custGeom>
-              <a:avLst/>
-              <a:pathLst>
-                <a:path w="34794" h="0">
-                  <a:moveTo>
-                    <a:pt x="0" y="0"/>
-                  </a:moveTo>
-                  <a:lnTo>
-                    <a:pt x="34794" y="0"/>
-                  </a:lnTo>
-                </a:path>
-              </a:pathLst>
-            </a:custGeom>
-            <a:ln w="13550" cap="flat">
-              <a:solidFill>
-                <a:srgbClr val="333333">
-                  <a:alpha val="100000"/>
-                </a:srgbClr>
-              </a:solidFill>
-              <a:prstDash val="solid"/>
-              <a:round/>
-            </a:ln>
-          </p:spPr>
-          <p:txBody>
-            <a:bodyPr/>
-            <a:lstStyle/>
-            <a:p/>
-          </p:txBody>
-        </p:sp>
-        <p:sp>
-          <p:nvSpPr>
-            <p:cNvPr id="245" name="tx245"/>
+            <p:cNvPr id="227" name="tx227"/>
             <p:cNvSpPr/>
             <p:nvPr/>
           </p:nvSpPr>

--- a/01_Localities/02_Cumulatives/figures/02_Postzygotics.pptx
+++ b/01_Localities/02_Cumulatives/figures/02_Postzygotics.pptx
@@ -3091,7 +3091,7 @@
           </p:nvSpPr>
           <p:spPr>
             <a:xfrm>
-              <a:off x="585250" y="1119738"/>
+              <a:off x="585250" y="1400540"/>
               <a:ext cx="1051432" cy="0"/>
             </a:xfrm>
             <a:custGeom>
@@ -3134,7 +3134,7 @@
           </p:nvSpPr>
           <p:spPr>
             <a:xfrm>
-              <a:off x="585250" y="729858"/>
+              <a:off x="585250" y="1188428"/>
               <a:ext cx="1051432" cy="0"/>
             </a:xfrm>
             <a:custGeom>
@@ -3177,7 +3177,7 @@
           </p:nvSpPr>
           <p:spPr>
             <a:xfrm>
-              <a:off x="585250" y="339978"/>
+              <a:off x="585250" y="976315"/>
               <a:ext cx="1051432" cy="0"/>
             </a:xfrm>
             <a:custGeom>
@@ -3220,7 +3220,7 @@
           </p:nvSpPr>
           <p:spPr>
             <a:xfrm>
-              <a:off x="585250" y="1119738"/>
+              <a:off x="585250" y="764203"/>
               <a:ext cx="1051432" cy="0"/>
             </a:xfrm>
             <a:custGeom>
@@ -3241,7 +3241,7 @@
             </a:custGeom>
             <a:ln w="13550" cap="flat">
               <a:solidFill>
-                <a:srgbClr val="000000">
+                <a:srgbClr val="BEBEBE">
                   <a:alpha val="100000"/>
                 </a:srgbClr>
               </a:solidFill>
@@ -3263,33 +3263,162 @@
           </p:nvSpPr>
           <p:spPr>
             <a:xfrm>
-              <a:off x="706569" y="355573"/>
-              <a:ext cx="808794" cy="795354"/>
+              <a:off x="585250" y="552091"/>
+              <a:ext cx="1051432" cy="0"/>
             </a:xfrm>
             <a:custGeom>
               <a:avLst/>
               <a:pathLst>
-                <a:path w="808794" h="795354">
+                <a:path w="1051432" h="0">
                   <a:moveTo>
-                    <a:pt x="0" y="795354"/>
+                    <a:pt x="0" y="0"/>
                   </a:moveTo>
                   <a:lnTo>
-                    <a:pt x="202198" y="738432"/>
-                  </a:lnTo>
-                  <a:lnTo>
-                    <a:pt x="404397" y="712700"/>
-                  </a:lnTo>
-                  <a:lnTo>
-                    <a:pt x="606595" y="240945"/>
-                  </a:lnTo>
-                  <a:lnTo>
-                    <a:pt x="808794" y="0"/>
+                    <a:pt x="1051432" y="0"/>
+                  </a:lnTo>
+                  <a:lnTo>
+                    <a:pt x="1051432" y="0"/>
                   </a:lnTo>
                 </a:path>
               </a:pathLst>
             </a:custGeom>
             <a:ln w="13550" cap="flat">
               <a:solidFill>
+                <a:srgbClr val="BEBEBE">
+                  <a:alpha val="100000"/>
+                </a:srgbClr>
+              </a:solidFill>
+              <a:prstDash val="solid"/>
+              <a:round/>
+            </a:ln>
+          </p:spPr>
+          <p:txBody>
+            <a:bodyPr/>
+            <a:lstStyle/>
+            <a:p/>
+          </p:txBody>
+        </p:sp>
+        <p:sp>
+          <p:nvSpPr>
+            <p:cNvPr id="11" name="pl11"/>
+            <p:cNvSpPr/>
+            <p:nvPr/>
+          </p:nvSpPr>
+          <p:spPr>
+            <a:xfrm>
+              <a:off x="585250" y="339978"/>
+              <a:ext cx="1051432" cy="0"/>
+            </a:xfrm>
+            <a:custGeom>
+              <a:avLst/>
+              <a:pathLst>
+                <a:path w="1051432" h="0">
+                  <a:moveTo>
+                    <a:pt x="0" y="0"/>
+                  </a:moveTo>
+                  <a:lnTo>
+                    <a:pt x="1051432" y="0"/>
+                  </a:lnTo>
+                  <a:lnTo>
+                    <a:pt x="1051432" y="0"/>
+                  </a:lnTo>
+                </a:path>
+              </a:pathLst>
+            </a:custGeom>
+            <a:ln w="13550" cap="flat">
+              <a:solidFill>
+                <a:srgbClr val="BEBEBE">
+                  <a:alpha val="100000"/>
+                </a:srgbClr>
+              </a:solidFill>
+              <a:prstDash val="solid"/>
+              <a:round/>
+            </a:ln>
+          </p:spPr>
+          <p:txBody>
+            <a:bodyPr/>
+            <a:lstStyle/>
+            <a:p/>
+          </p:txBody>
+        </p:sp>
+        <p:sp>
+          <p:nvSpPr>
+            <p:cNvPr id="12" name="pl12"/>
+            <p:cNvSpPr/>
+            <p:nvPr/>
+          </p:nvSpPr>
+          <p:spPr>
+            <a:xfrm>
+              <a:off x="585250" y="1188428"/>
+              <a:ext cx="1051432" cy="0"/>
+            </a:xfrm>
+            <a:custGeom>
+              <a:avLst/>
+              <a:pathLst>
+                <a:path w="1051432" h="0">
+                  <a:moveTo>
+                    <a:pt x="0" y="0"/>
+                  </a:moveTo>
+                  <a:lnTo>
+                    <a:pt x="1051432" y="0"/>
+                  </a:lnTo>
+                  <a:lnTo>
+                    <a:pt x="1051432" y="0"/>
+                  </a:lnTo>
+                </a:path>
+              </a:pathLst>
+            </a:custGeom>
+            <a:ln w="13550" cap="flat">
+              <a:solidFill>
+                <a:srgbClr val="000000">
+                  <a:alpha val="100000"/>
+                </a:srgbClr>
+              </a:solidFill>
+              <a:prstDash val="solid"/>
+              <a:round/>
+            </a:ln>
+          </p:spPr>
+          <p:txBody>
+            <a:bodyPr/>
+            <a:lstStyle/>
+            <a:p/>
+          </p:txBody>
+        </p:sp>
+        <p:sp>
+          <p:nvSpPr>
+            <p:cNvPr id="13" name="pl13"/>
+            <p:cNvSpPr/>
+            <p:nvPr/>
+          </p:nvSpPr>
+          <p:spPr>
+            <a:xfrm>
+              <a:off x="706569" y="354402"/>
+              <a:ext cx="808794" cy="873903"/>
+            </a:xfrm>
+            <a:custGeom>
+              <a:avLst/>
+              <a:pathLst>
+                <a:path w="808794" h="873903">
+                  <a:moveTo>
+                    <a:pt x="0" y="873903"/>
+                  </a:moveTo>
+                  <a:lnTo>
+                    <a:pt x="202198" y="807724"/>
+                  </a:lnTo>
+                  <a:lnTo>
+                    <a:pt x="404397" y="795845"/>
+                  </a:lnTo>
+                  <a:lnTo>
+                    <a:pt x="606595" y="234172"/>
+                  </a:lnTo>
+                  <a:lnTo>
+                    <a:pt x="808794" y="0"/>
+                  </a:lnTo>
+                </a:path>
+              </a:pathLst>
+            </a:custGeom>
+            <a:ln w="13550" cap="flat">
+              <a:solidFill>
                 <a:srgbClr val="F8766D">
                   <a:alpha val="100000"/>
                 </a:srgbClr>
@@ -3306,13 +3435,13 @@
         </p:sp>
         <p:sp>
           <p:nvSpPr>
-            <p:cNvPr id="11" name="pt11"/>
-            <p:cNvSpPr/>
-            <p:nvPr/>
-          </p:nvSpPr>
-          <p:spPr>
-            <a:xfrm>
-              <a:off x="681743" y="1126102"/>
+            <p:cNvPr id="14" name="pt14"/>
+            <p:cNvSpPr/>
+            <p:nvPr/>
+          </p:nvSpPr>
+          <p:spPr>
+            <a:xfrm>
+              <a:off x="681743" y="1203479"/>
               <a:ext cx="49651" cy="49651"/>
             </a:xfrm>
             <a:prstGeom prst="ellipse">
@@ -3341,13 +3470,13 @@
         </p:sp>
         <p:sp>
           <p:nvSpPr>
-            <p:cNvPr id="12" name="pt12"/>
-            <p:cNvSpPr/>
-            <p:nvPr/>
-          </p:nvSpPr>
-          <p:spPr>
-            <a:xfrm>
-              <a:off x="883942" y="1069180"/>
+            <p:cNvPr id="15" name="pt15"/>
+            <p:cNvSpPr/>
+            <p:nvPr/>
+          </p:nvSpPr>
+          <p:spPr>
+            <a:xfrm>
+              <a:off x="883942" y="1137300"/>
               <a:ext cx="49651" cy="49651"/>
             </a:xfrm>
             <a:prstGeom prst="ellipse">
@@ -3376,13 +3505,13 @@
         </p:sp>
         <p:sp>
           <p:nvSpPr>
-            <p:cNvPr id="13" name="pt13"/>
-            <p:cNvSpPr/>
-            <p:nvPr/>
-          </p:nvSpPr>
-          <p:spPr>
-            <a:xfrm>
-              <a:off x="1086140" y="1043448"/>
+            <p:cNvPr id="16" name="pt16"/>
+            <p:cNvSpPr/>
+            <p:nvPr/>
+          </p:nvSpPr>
+          <p:spPr>
+            <a:xfrm>
+              <a:off x="1086140" y="1125422"/>
               <a:ext cx="49651" cy="49651"/>
             </a:xfrm>
             <a:prstGeom prst="ellipse">
@@ -3411,13 +3540,13 @@
         </p:sp>
         <p:sp>
           <p:nvSpPr>
-            <p:cNvPr id="14" name="pt14"/>
-            <p:cNvSpPr/>
-            <p:nvPr/>
-          </p:nvSpPr>
-          <p:spPr>
-            <a:xfrm>
-              <a:off x="1288339" y="571693"/>
+            <p:cNvPr id="17" name="pt17"/>
+            <p:cNvSpPr/>
+            <p:nvPr/>
+          </p:nvSpPr>
+          <p:spPr>
+            <a:xfrm>
+              <a:off x="1288339" y="563748"/>
               <a:ext cx="49651" cy="49651"/>
             </a:xfrm>
             <a:prstGeom prst="ellipse">
@@ -3446,13 +3575,13 @@
         </p:sp>
         <p:sp>
           <p:nvSpPr>
-            <p:cNvPr id="15" name="pt15"/>
-            <p:cNvSpPr/>
-            <p:nvPr/>
-          </p:nvSpPr>
-          <p:spPr>
-            <a:xfrm>
-              <a:off x="1490537" y="330747"/>
+            <p:cNvPr id="18" name="pt18"/>
+            <p:cNvSpPr/>
+            <p:nvPr/>
+          </p:nvSpPr>
+          <p:spPr>
+            <a:xfrm>
+              <a:off x="1490537" y="329576"/>
               <a:ext cx="49651" cy="49651"/>
             </a:xfrm>
             <a:prstGeom prst="ellipse">
@@ -3481,7 +3610,7 @@
         </p:sp>
         <p:sp>
           <p:nvSpPr>
-            <p:cNvPr id="16" name="rc16"/>
+            <p:cNvPr id="19" name="rc19"/>
             <p:cNvSpPr/>
             <p:nvPr/>
           </p:nvSpPr>
@@ -3507,13 +3636,13 @@
         </p:sp>
         <p:sp>
           <p:nvSpPr>
-            <p:cNvPr id="17" name="pl17"/>
-            <p:cNvSpPr/>
-            <p:nvPr/>
-          </p:nvSpPr>
-          <p:spPr>
-            <a:xfrm>
-              <a:off x="1706272" y="1119738"/>
+            <p:cNvPr id="20" name="pl20"/>
+            <p:cNvSpPr/>
+            <p:nvPr/>
+          </p:nvSpPr>
+          <p:spPr>
+            <a:xfrm>
+              <a:off x="1706272" y="1400540"/>
               <a:ext cx="1051432" cy="0"/>
             </a:xfrm>
             <a:custGeom>
@@ -3550,13 +3679,13 @@
         </p:sp>
         <p:sp>
           <p:nvSpPr>
-            <p:cNvPr id="18" name="pl18"/>
-            <p:cNvSpPr/>
-            <p:nvPr/>
-          </p:nvSpPr>
-          <p:spPr>
-            <a:xfrm>
-              <a:off x="1706272" y="729858"/>
+            <p:cNvPr id="21" name="pl21"/>
+            <p:cNvSpPr/>
+            <p:nvPr/>
+          </p:nvSpPr>
+          <p:spPr>
+            <a:xfrm>
+              <a:off x="1706272" y="1188428"/>
               <a:ext cx="1051432" cy="0"/>
             </a:xfrm>
             <a:custGeom>
@@ -3593,13 +3722,13 @@
         </p:sp>
         <p:sp>
           <p:nvSpPr>
-            <p:cNvPr id="19" name="pl19"/>
-            <p:cNvSpPr/>
-            <p:nvPr/>
-          </p:nvSpPr>
-          <p:spPr>
-            <a:xfrm>
-              <a:off x="1706272" y="339978"/>
+            <p:cNvPr id="22" name="pl22"/>
+            <p:cNvSpPr/>
+            <p:nvPr/>
+          </p:nvSpPr>
+          <p:spPr>
+            <a:xfrm>
+              <a:off x="1706272" y="976315"/>
               <a:ext cx="1051432" cy="0"/>
             </a:xfrm>
             <a:custGeom>
@@ -3636,13 +3765,13 @@
         </p:sp>
         <p:sp>
           <p:nvSpPr>
-            <p:cNvPr id="20" name="pl20"/>
-            <p:cNvSpPr/>
-            <p:nvPr/>
-          </p:nvSpPr>
-          <p:spPr>
-            <a:xfrm>
-              <a:off x="1706272" y="1119738"/>
+            <p:cNvPr id="23" name="pl23"/>
+            <p:cNvSpPr/>
+            <p:nvPr/>
+          </p:nvSpPr>
+          <p:spPr>
+            <a:xfrm>
+              <a:off x="1706272" y="764203"/>
               <a:ext cx="1051432" cy="0"/>
             </a:xfrm>
             <a:custGeom>
@@ -3663,55 +3792,184 @@
             </a:custGeom>
             <a:ln w="13550" cap="flat">
               <a:solidFill>
-                <a:srgbClr val="000000">
-                  <a:alpha val="100000"/>
-                </a:srgbClr>
-              </a:solidFill>
-              <a:prstDash val="solid"/>
-              <a:round/>
-            </a:ln>
-          </p:spPr>
-          <p:txBody>
-            <a:bodyPr/>
-            <a:lstStyle/>
-            <a:p/>
-          </p:txBody>
-        </p:sp>
-        <p:sp>
-          <p:nvSpPr>
-            <p:cNvPr id="21" name="pl21"/>
-            <p:cNvSpPr/>
-            <p:nvPr/>
-          </p:nvSpPr>
-          <p:spPr>
-            <a:xfrm>
-              <a:off x="1827591" y="1150928"/>
-              <a:ext cx="808794" cy="229249"/>
+                <a:srgbClr val="BEBEBE">
+                  <a:alpha val="100000"/>
+                </a:srgbClr>
+              </a:solidFill>
+              <a:prstDash val="solid"/>
+              <a:round/>
+            </a:ln>
+          </p:spPr>
+          <p:txBody>
+            <a:bodyPr/>
+            <a:lstStyle/>
+            <a:p/>
+          </p:txBody>
+        </p:sp>
+        <p:sp>
+          <p:nvSpPr>
+            <p:cNvPr id="24" name="pl24"/>
+            <p:cNvSpPr/>
+            <p:nvPr/>
+          </p:nvSpPr>
+          <p:spPr>
+            <a:xfrm>
+              <a:off x="1706272" y="552091"/>
+              <a:ext cx="1051432" cy="0"/>
             </a:xfrm>
             <a:custGeom>
               <a:avLst/>
               <a:pathLst>
-                <a:path w="808794" h="229249">
+                <a:path w="1051432" h="0">
                   <a:moveTo>
                     <a:pt x="0" y="0"/>
                   </a:moveTo>
                   <a:lnTo>
-                    <a:pt x="202198" y="69398"/>
-                  </a:lnTo>
-                  <a:lnTo>
-                    <a:pt x="404397" y="123981"/>
-                  </a:lnTo>
-                  <a:lnTo>
-                    <a:pt x="606595" y="14035"/>
-                  </a:lnTo>
-                  <a:lnTo>
-                    <a:pt x="808794" y="229249"/>
+                    <a:pt x="1051432" y="0"/>
+                  </a:lnTo>
+                  <a:lnTo>
+                    <a:pt x="1051432" y="0"/>
                   </a:lnTo>
                 </a:path>
               </a:pathLst>
             </a:custGeom>
             <a:ln w="13550" cap="flat">
               <a:solidFill>
+                <a:srgbClr val="BEBEBE">
+                  <a:alpha val="100000"/>
+                </a:srgbClr>
+              </a:solidFill>
+              <a:prstDash val="solid"/>
+              <a:round/>
+            </a:ln>
+          </p:spPr>
+          <p:txBody>
+            <a:bodyPr/>
+            <a:lstStyle/>
+            <a:p/>
+          </p:txBody>
+        </p:sp>
+        <p:sp>
+          <p:nvSpPr>
+            <p:cNvPr id="25" name="pl25"/>
+            <p:cNvSpPr/>
+            <p:nvPr/>
+          </p:nvSpPr>
+          <p:spPr>
+            <a:xfrm>
+              <a:off x="1706272" y="339978"/>
+              <a:ext cx="1051432" cy="0"/>
+            </a:xfrm>
+            <a:custGeom>
+              <a:avLst/>
+              <a:pathLst>
+                <a:path w="1051432" h="0">
+                  <a:moveTo>
+                    <a:pt x="0" y="0"/>
+                  </a:moveTo>
+                  <a:lnTo>
+                    <a:pt x="1051432" y="0"/>
+                  </a:lnTo>
+                  <a:lnTo>
+                    <a:pt x="1051432" y="0"/>
+                  </a:lnTo>
+                </a:path>
+              </a:pathLst>
+            </a:custGeom>
+            <a:ln w="13550" cap="flat">
+              <a:solidFill>
+                <a:srgbClr val="BEBEBE">
+                  <a:alpha val="100000"/>
+                </a:srgbClr>
+              </a:solidFill>
+              <a:prstDash val="solid"/>
+              <a:round/>
+            </a:ln>
+          </p:spPr>
+          <p:txBody>
+            <a:bodyPr/>
+            <a:lstStyle/>
+            <a:p/>
+          </p:txBody>
+        </p:sp>
+        <p:sp>
+          <p:nvSpPr>
+            <p:cNvPr id="26" name="pl26"/>
+            <p:cNvSpPr/>
+            <p:nvPr/>
+          </p:nvSpPr>
+          <p:spPr>
+            <a:xfrm>
+              <a:off x="1706272" y="1188428"/>
+              <a:ext cx="1051432" cy="0"/>
+            </a:xfrm>
+            <a:custGeom>
+              <a:avLst/>
+              <a:pathLst>
+                <a:path w="1051432" h="0">
+                  <a:moveTo>
+                    <a:pt x="0" y="0"/>
+                  </a:moveTo>
+                  <a:lnTo>
+                    <a:pt x="1051432" y="0"/>
+                  </a:lnTo>
+                  <a:lnTo>
+                    <a:pt x="1051432" y="0"/>
+                  </a:lnTo>
+                </a:path>
+              </a:pathLst>
+            </a:custGeom>
+            <a:ln w="13550" cap="flat">
+              <a:solidFill>
+                <a:srgbClr val="000000">
+                  <a:alpha val="100000"/>
+                </a:srgbClr>
+              </a:solidFill>
+              <a:prstDash val="solid"/>
+              <a:round/>
+            </a:ln>
+          </p:spPr>
+          <p:txBody>
+            <a:bodyPr/>
+            <a:lstStyle/>
+            <a:p/>
+          </p:txBody>
+        </p:sp>
+        <p:sp>
+          <p:nvSpPr>
+            <p:cNvPr id="27" name="pl27"/>
+            <p:cNvSpPr/>
+            <p:nvPr/>
+          </p:nvSpPr>
+          <p:spPr>
+            <a:xfrm>
+              <a:off x="1827591" y="1139218"/>
+              <a:ext cx="808794" cy="240959"/>
+            </a:xfrm>
+            <a:custGeom>
+              <a:avLst/>
+              <a:pathLst>
+                <a:path w="808794" h="240959">
+                  <a:moveTo>
+                    <a:pt x="0" y="89087"/>
+                  </a:moveTo>
+                  <a:lnTo>
+                    <a:pt x="202198" y="159508"/>
+                  </a:lnTo>
+                  <a:lnTo>
+                    <a:pt x="404397" y="240959"/>
+                  </a:lnTo>
+                  <a:lnTo>
+                    <a:pt x="606595" y="0"/>
+                  </a:lnTo>
+                  <a:lnTo>
+                    <a:pt x="808794" y="155266"/>
+                  </a:lnTo>
+                </a:path>
+              </a:pathLst>
+            </a:custGeom>
+            <a:ln w="13550" cap="flat">
+              <a:solidFill>
                 <a:srgbClr val="F8766D">
                   <a:alpha val="100000"/>
                 </a:srgbClr>
@@ -3728,13 +3986,13 @@
         </p:sp>
         <p:sp>
           <p:nvSpPr>
-            <p:cNvPr id="22" name="pt22"/>
-            <p:cNvSpPr/>
-            <p:nvPr/>
-          </p:nvSpPr>
-          <p:spPr>
-            <a:xfrm>
-              <a:off x="1802765" y="1126102"/>
+            <p:cNvPr id="28" name="pt28"/>
+            <p:cNvSpPr/>
+            <p:nvPr/>
+          </p:nvSpPr>
+          <p:spPr>
+            <a:xfrm>
+              <a:off x="1802765" y="1203479"/>
               <a:ext cx="49651" cy="49651"/>
             </a:xfrm>
             <a:prstGeom prst="ellipse">
@@ -3763,13 +4021,13 @@
         </p:sp>
         <p:sp>
           <p:nvSpPr>
-            <p:cNvPr id="23" name="pt23"/>
-            <p:cNvSpPr/>
-            <p:nvPr/>
-          </p:nvSpPr>
-          <p:spPr>
-            <a:xfrm>
-              <a:off x="2004963" y="1195501"/>
+            <p:cNvPr id="29" name="pt29"/>
+            <p:cNvSpPr/>
+            <p:nvPr/>
+          </p:nvSpPr>
+          <p:spPr>
+            <a:xfrm>
+              <a:off x="2004963" y="1273900"/>
               <a:ext cx="49651" cy="49651"/>
             </a:xfrm>
             <a:prstGeom prst="ellipse">
@@ -3798,13 +4056,13 @@
         </p:sp>
         <p:sp>
           <p:nvSpPr>
-            <p:cNvPr id="24" name="pt24"/>
-            <p:cNvSpPr/>
-            <p:nvPr/>
-          </p:nvSpPr>
-          <p:spPr>
-            <a:xfrm>
-              <a:off x="2207162" y="1250084"/>
+            <p:cNvPr id="30" name="pt30"/>
+            <p:cNvSpPr/>
+            <p:nvPr/>
+          </p:nvSpPr>
+          <p:spPr>
+            <a:xfrm>
+              <a:off x="2207162" y="1355352"/>
               <a:ext cx="49651" cy="49651"/>
             </a:xfrm>
             <a:prstGeom prst="ellipse">
@@ -3833,13 +4091,13 @@
         </p:sp>
         <p:sp>
           <p:nvSpPr>
-            <p:cNvPr id="25" name="pt25"/>
-            <p:cNvSpPr/>
-            <p:nvPr/>
-          </p:nvSpPr>
-          <p:spPr>
-            <a:xfrm>
-              <a:off x="2409360" y="1140138"/>
+            <p:cNvPr id="31" name="pt31"/>
+            <p:cNvSpPr/>
+            <p:nvPr/>
+          </p:nvSpPr>
+          <p:spPr>
+            <a:xfrm>
+              <a:off x="2409360" y="1114392"/>
               <a:ext cx="49651" cy="49651"/>
             </a:xfrm>
             <a:prstGeom prst="ellipse">
@@ -3868,13 +4126,13 @@
         </p:sp>
         <p:sp>
           <p:nvSpPr>
-            <p:cNvPr id="26" name="pt26"/>
-            <p:cNvSpPr/>
-            <p:nvPr/>
-          </p:nvSpPr>
-          <p:spPr>
-            <a:xfrm>
-              <a:off x="2611559" y="1355352"/>
+            <p:cNvPr id="32" name="pt32"/>
+            <p:cNvSpPr/>
+            <p:nvPr/>
+          </p:nvSpPr>
+          <p:spPr>
+            <a:xfrm>
+              <a:off x="2611559" y="1269658"/>
               <a:ext cx="49651" cy="49651"/>
             </a:xfrm>
             <a:prstGeom prst="ellipse">
@@ -3903,7 +4161,7 @@
         </p:sp>
         <p:sp>
           <p:nvSpPr>
-            <p:cNvPr id="27" name="rc27"/>
+            <p:cNvPr id="33" name="rc33"/>
             <p:cNvSpPr/>
             <p:nvPr/>
           </p:nvSpPr>
@@ -3929,13 +4187,13 @@
         </p:sp>
         <p:sp>
           <p:nvSpPr>
-            <p:cNvPr id="28" name="pl28"/>
-            <p:cNvSpPr/>
-            <p:nvPr/>
-          </p:nvSpPr>
-          <p:spPr>
-            <a:xfrm>
-              <a:off x="2827293" y="1119738"/>
+            <p:cNvPr id="34" name="pl34"/>
+            <p:cNvSpPr/>
+            <p:nvPr/>
+          </p:nvSpPr>
+          <p:spPr>
+            <a:xfrm>
+              <a:off x="2827293" y="1400540"/>
               <a:ext cx="1051432" cy="0"/>
             </a:xfrm>
             <a:custGeom>
@@ -3972,13 +4230,13 @@
         </p:sp>
         <p:sp>
           <p:nvSpPr>
-            <p:cNvPr id="29" name="pl29"/>
-            <p:cNvSpPr/>
-            <p:nvPr/>
-          </p:nvSpPr>
-          <p:spPr>
-            <a:xfrm>
-              <a:off x="2827293" y="729858"/>
+            <p:cNvPr id="35" name="pl35"/>
+            <p:cNvSpPr/>
+            <p:nvPr/>
+          </p:nvSpPr>
+          <p:spPr>
+            <a:xfrm>
+              <a:off x="2827293" y="1188428"/>
               <a:ext cx="1051432" cy="0"/>
             </a:xfrm>
             <a:custGeom>
@@ -4015,13 +4273,13 @@
         </p:sp>
         <p:sp>
           <p:nvSpPr>
-            <p:cNvPr id="30" name="pl30"/>
-            <p:cNvSpPr/>
-            <p:nvPr/>
-          </p:nvSpPr>
-          <p:spPr>
-            <a:xfrm>
-              <a:off x="2827293" y="339978"/>
+            <p:cNvPr id="36" name="pl36"/>
+            <p:cNvSpPr/>
+            <p:nvPr/>
+          </p:nvSpPr>
+          <p:spPr>
+            <a:xfrm>
+              <a:off x="2827293" y="976315"/>
               <a:ext cx="1051432" cy="0"/>
             </a:xfrm>
             <a:custGeom>
@@ -4058,13 +4316,13 @@
         </p:sp>
         <p:sp>
           <p:nvSpPr>
-            <p:cNvPr id="31" name="pl31"/>
-            <p:cNvSpPr/>
-            <p:nvPr/>
-          </p:nvSpPr>
-          <p:spPr>
-            <a:xfrm>
-              <a:off x="2827293" y="1119738"/>
+            <p:cNvPr id="37" name="pl37"/>
+            <p:cNvSpPr/>
+            <p:nvPr/>
+          </p:nvSpPr>
+          <p:spPr>
+            <a:xfrm>
+              <a:off x="2827293" y="764203"/>
               <a:ext cx="1051432" cy="0"/>
             </a:xfrm>
             <a:custGeom>
@@ -4085,55 +4343,184 @@
             </a:custGeom>
             <a:ln w="13550" cap="flat">
               <a:solidFill>
-                <a:srgbClr val="000000">
-                  <a:alpha val="100000"/>
-                </a:srgbClr>
-              </a:solidFill>
-              <a:prstDash val="solid"/>
-              <a:round/>
-            </a:ln>
-          </p:spPr>
-          <p:txBody>
-            <a:bodyPr/>
-            <a:lstStyle/>
-            <a:p/>
-          </p:txBody>
-        </p:sp>
-        <p:sp>
-          <p:nvSpPr>
-            <p:cNvPr id="32" name="pl32"/>
-            <p:cNvSpPr/>
-            <p:nvPr/>
-          </p:nvSpPr>
-          <p:spPr>
-            <a:xfrm>
-              <a:off x="2948612" y="339978"/>
-              <a:ext cx="808794" cy="831223"/>
+                <a:srgbClr val="BEBEBE">
+                  <a:alpha val="100000"/>
+                </a:srgbClr>
+              </a:solidFill>
+              <a:prstDash val="solid"/>
+              <a:round/>
+            </a:ln>
+          </p:spPr>
+          <p:txBody>
+            <a:bodyPr/>
+            <a:lstStyle/>
+            <a:p/>
+          </p:txBody>
+        </p:sp>
+        <p:sp>
+          <p:nvSpPr>
+            <p:cNvPr id="38" name="pl38"/>
+            <p:cNvSpPr/>
+            <p:nvPr/>
+          </p:nvSpPr>
+          <p:spPr>
+            <a:xfrm>
+              <a:off x="2827293" y="552091"/>
+              <a:ext cx="1051432" cy="0"/>
             </a:xfrm>
             <a:custGeom>
               <a:avLst/>
               <a:pathLst>
-                <a:path w="808794" h="831223">
+                <a:path w="1051432" h="0">
                   <a:moveTo>
-                    <a:pt x="0" y="810950"/>
+                    <a:pt x="0" y="0"/>
                   </a:moveTo>
                   <a:lnTo>
-                    <a:pt x="202198" y="831223"/>
-                  </a:lnTo>
-                  <a:lnTo>
-                    <a:pt x="404397" y="730634"/>
-                  </a:lnTo>
-                  <a:lnTo>
-                    <a:pt x="606595" y="39767"/>
-                  </a:lnTo>
-                  <a:lnTo>
-                    <a:pt x="808794" y="0"/>
+                    <a:pt x="1051432" y="0"/>
+                  </a:lnTo>
+                  <a:lnTo>
+                    <a:pt x="1051432" y="0"/>
                   </a:lnTo>
                 </a:path>
               </a:pathLst>
             </a:custGeom>
             <a:ln w="13550" cap="flat">
               <a:solidFill>
+                <a:srgbClr val="BEBEBE">
+                  <a:alpha val="100000"/>
+                </a:srgbClr>
+              </a:solidFill>
+              <a:prstDash val="solid"/>
+              <a:round/>
+            </a:ln>
+          </p:spPr>
+          <p:txBody>
+            <a:bodyPr/>
+            <a:lstStyle/>
+            <a:p/>
+          </p:txBody>
+        </p:sp>
+        <p:sp>
+          <p:nvSpPr>
+            <p:cNvPr id="39" name="pl39"/>
+            <p:cNvSpPr/>
+            <p:nvPr/>
+          </p:nvSpPr>
+          <p:spPr>
+            <a:xfrm>
+              <a:off x="2827293" y="339978"/>
+              <a:ext cx="1051432" cy="0"/>
+            </a:xfrm>
+            <a:custGeom>
+              <a:avLst/>
+              <a:pathLst>
+                <a:path w="1051432" h="0">
+                  <a:moveTo>
+                    <a:pt x="0" y="0"/>
+                  </a:moveTo>
+                  <a:lnTo>
+                    <a:pt x="1051432" y="0"/>
+                  </a:lnTo>
+                  <a:lnTo>
+                    <a:pt x="1051432" y="0"/>
+                  </a:lnTo>
+                </a:path>
+              </a:pathLst>
+            </a:custGeom>
+            <a:ln w="13550" cap="flat">
+              <a:solidFill>
+                <a:srgbClr val="BEBEBE">
+                  <a:alpha val="100000"/>
+                </a:srgbClr>
+              </a:solidFill>
+              <a:prstDash val="solid"/>
+              <a:round/>
+            </a:ln>
+          </p:spPr>
+          <p:txBody>
+            <a:bodyPr/>
+            <a:lstStyle/>
+            <a:p/>
+          </p:txBody>
+        </p:sp>
+        <p:sp>
+          <p:nvSpPr>
+            <p:cNvPr id="40" name="pl40"/>
+            <p:cNvSpPr/>
+            <p:nvPr/>
+          </p:nvSpPr>
+          <p:spPr>
+            <a:xfrm>
+              <a:off x="2827293" y="1188428"/>
+              <a:ext cx="1051432" cy="0"/>
+            </a:xfrm>
+            <a:custGeom>
+              <a:avLst/>
+              <a:pathLst>
+                <a:path w="1051432" h="0">
+                  <a:moveTo>
+                    <a:pt x="0" y="0"/>
+                  </a:moveTo>
+                  <a:lnTo>
+                    <a:pt x="1051432" y="0"/>
+                  </a:lnTo>
+                  <a:lnTo>
+                    <a:pt x="1051432" y="0"/>
+                  </a:lnTo>
+                </a:path>
+              </a:pathLst>
+            </a:custGeom>
+            <a:ln w="13550" cap="flat">
+              <a:solidFill>
+                <a:srgbClr val="000000">
+                  <a:alpha val="100000"/>
+                </a:srgbClr>
+              </a:solidFill>
+              <a:prstDash val="solid"/>
+              <a:round/>
+            </a:ln>
+          </p:spPr>
+          <p:txBody>
+            <a:bodyPr/>
+            <a:lstStyle/>
+            <a:p/>
+          </p:txBody>
+        </p:sp>
+        <p:sp>
+          <p:nvSpPr>
+            <p:cNvPr id="41" name="pl41"/>
+            <p:cNvSpPr/>
+            <p:nvPr/>
+          </p:nvSpPr>
+          <p:spPr>
+            <a:xfrm>
+              <a:off x="2948612" y="339978"/>
+              <a:ext cx="808794" cy="905295"/>
+            </a:xfrm>
+            <a:custGeom>
+              <a:avLst/>
+              <a:pathLst>
+                <a:path w="808794" h="905295">
+                  <a:moveTo>
+                    <a:pt x="0" y="888326"/>
+                  </a:moveTo>
+                  <a:lnTo>
+                    <a:pt x="202198" y="905295"/>
+                  </a:lnTo>
+                  <a:lnTo>
+                    <a:pt x="404397" y="812814"/>
+                  </a:lnTo>
+                  <a:lnTo>
+                    <a:pt x="606595" y="39028"/>
+                  </a:lnTo>
+                  <a:lnTo>
+                    <a:pt x="808794" y="0"/>
+                  </a:lnTo>
+                </a:path>
+              </a:pathLst>
+            </a:custGeom>
+            <a:ln w="13550" cap="flat">
+              <a:solidFill>
                 <a:srgbClr val="F8766D">
                   <a:alpha val="100000"/>
                 </a:srgbClr>
@@ -4150,13 +4537,13 @@
         </p:sp>
         <p:sp>
           <p:nvSpPr>
-            <p:cNvPr id="33" name="pt33"/>
-            <p:cNvSpPr/>
-            <p:nvPr/>
-          </p:nvSpPr>
-          <p:spPr>
-            <a:xfrm>
-              <a:off x="2923786" y="1126102"/>
+            <p:cNvPr id="42" name="pt42"/>
+            <p:cNvSpPr/>
+            <p:nvPr/>
+          </p:nvSpPr>
+          <p:spPr>
+            <a:xfrm>
+              <a:off x="2923786" y="1203479"/>
               <a:ext cx="49651" cy="49651"/>
             </a:xfrm>
             <a:prstGeom prst="ellipse">
@@ -4185,13 +4572,13 @@
         </p:sp>
         <p:sp>
           <p:nvSpPr>
-            <p:cNvPr id="34" name="pt34"/>
-            <p:cNvSpPr/>
-            <p:nvPr/>
-          </p:nvSpPr>
-          <p:spPr>
-            <a:xfrm>
-              <a:off x="3125985" y="1146376"/>
+            <p:cNvPr id="43" name="pt43"/>
+            <p:cNvSpPr/>
+            <p:nvPr/>
+          </p:nvSpPr>
+          <p:spPr>
+            <a:xfrm>
+              <a:off x="3125985" y="1220448"/>
               <a:ext cx="49651" cy="49651"/>
             </a:xfrm>
             <a:prstGeom prst="ellipse">
@@ -4220,13 +4607,13 @@
         </p:sp>
         <p:sp>
           <p:nvSpPr>
-            <p:cNvPr id="35" name="pt35"/>
-            <p:cNvSpPr/>
-            <p:nvPr/>
-          </p:nvSpPr>
-          <p:spPr>
-            <a:xfrm>
-              <a:off x="3328183" y="1045787"/>
+            <p:cNvPr id="44" name="pt44"/>
+            <p:cNvSpPr/>
+            <p:nvPr/>
+          </p:nvSpPr>
+          <p:spPr>
+            <a:xfrm>
+              <a:off x="3328183" y="1127967"/>
               <a:ext cx="49651" cy="49651"/>
             </a:xfrm>
             <a:prstGeom prst="ellipse">
@@ -4255,13 +4642,13 @@
         </p:sp>
         <p:sp>
           <p:nvSpPr>
-            <p:cNvPr id="36" name="pt36"/>
-            <p:cNvSpPr/>
-            <p:nvPr/>
-          </p:nvSpPr>
-          <p:spPr>
-            <a:xfrm>
-              <a:off x="3530382" y="354920"/>
+            <p:cNvPr id="45" name="pt45"/>
+            <p:cNvSpPr/>
+            <p:nvPr/>
+          </p:nvSpPr>
+          <p:spPr>
+            <a:xfrm>
+              <a:off x="3530382" y="354181"/>
               <a:ext cx="49651" cy="49651"/>
             </a:xfrm>
             <a:prstGeom prst="ellipse">
@@ -4290,7 +4677,7 @@
         </p:sp>
         <p:sp>
           <p:nvSpPr>
-            <p:cNvPr id="37" name="pt37"/>
+            <p:cNvPr id="46" name="pt46"/>
             <p:cNvSpPr/>
             <p:nvPr/>
           </p:nvSpPr>
@@ -4325,7 +4712,7 @@
         </p:sp>
         <p:sp>
           <p:nvSpPr>
-            <p:cNvPr id="38" name="rc38"/>
+            <p:cNvPr id="47" name="rc47"/>
             <p:cNvSpPr/>
             <p:nvPr/>
           </p:nvSpPr>
@@ -4351,13 +4738,13 @@
         </p:sp>
         <p:sp>
           <p:nvSpPr>
-            <p:cNvPr id="39" name="pl39"/>
-            <p:cNvSpPr/>
-            <p:nvPr/>
-          </p:nvSpPr>
-          <p:spPr>
-            <a:xfrm>
-              <a:off x="3948315" y="1119738"/>
+            <p:cNvPr id="48" name="pl48"/>
+            <p:cNvSpPr/>
+            <p:nvPr/>
+          </p:nvSpPr>
+          <p:spPr>
+            <a:xfrm>
+              <a:off x="3948315" y="1400540"/>
               <a:ext cx="1051432" cy="0"/>
             </a:xfrm>
             <a:custGeom>
@@ -4394,13 +4781,13 @@
         </p:sp>
         <p:sp>
           <p:nvSpPr>
-            <p:cNvPr id="40" name="pl40"/>
-            <p:cNvSpPr/>
-            <p:nvPr/>
-          </p:nvSpPr>
-          <p:spPr>
-            <a:xfrm>
-              <a:off x="3948315" y="729858"/>
+            <p:cNvPr id="49" name="pl49"/>
+            <p:cNvSpPr/>
+            <p:nvPr/>
+          </p:nvSpPr>
+          <p:spPr>
+            <a:xfrm>
+              <a:off x="3948315" y="1188428"/>
               <a:ext cx="1051432" cy="0"/>
             </a:xfrm>
             <a:custGeom>
@@ -4437,13 +4824,13 @@
         </p:sp>
         <p:sp>
           <p:nvSpPr>
-            <p:cNvPr id="41" name="pl41"/>
-            <p:cNvSpPr/>
-            <p:nvPr/>
-          </p:nvSpPr>
-          <p:spPr>
-            <a:xfrm>
-              <a:off x="3948315" y="339978"/>
+            <p:cNvPr id="50" name="pl50"/>
+            <p:cNvSpPr/>
+            <p:nvPr/>
+          </p:nvSpPr>
+          <p:spPr>
+            <a:xfrm>
+              <a:off x="3948315" y="976315"/>
               <a:ext cx="1051432" cy="0"/>
             </a:xfrm>
             <a:custGeom>
@@ -4480,13 +4867,13 @@
         </p:sp>
         <p:sp>
           <p:nvSpPr>
-            <p:cNvPr id="42" name="pl42"/>
-            <p:cNvSpPr/>
-            <p:nvPr/>
-          </p:nvSpPr>
-          <p:spPr>
-            <a:xfrm>
-              <a:off x="3948315" y="1119738"/>
+            <p:cNvPr id="51" name="pl51"/>
+            <p:cNvSpPr/>
+            <p:nvPr/>
+          </p:nvSpPr>
+          <p:spPr>
+            <a:xfrm>
+              <a:off x="3948315" y="764203"/>
               <a:ext cx="1051432" cy="0"/>
             </a:xfrm>
             <a:custGeom>
@@ -4507,55 +4894,184 @@
             </a:custGeom>
             <a:ln w="13550" cap="flat">
               <a:solidFill>
-                <a:srgbClr val="000000">
-                  <a:alpha val="100000"/>
-                </a:srgbClr>
-              </a:solidFill>
-              <a:prstDash val="solid"/>
-              <a:round/>
-            </a:ln>
-          </p:spPr>
-          <p:txBody>
-            <a:bodyPr/>
-            <a:lstStyle/>
-            <a:p/>
-          </p:txBody>
-        </p:sp>
-        <p:sp>
-          <p:nvSpPr>
-            <p:cNvPr id="43" name="pl43"/>
-            <p:cNvSpPr/>
-            <p:nvPr/>
-          </p:nvSpPr>
-          <p:spPr>
-            <a:xfrm>
-              <a:off x="4069634" y="339978"/>
-              <a:ext cx="808794" cy="660456"/>
+                <a:srgbClr val="BEBEBE">
+                  <a:alpha val="100000"/>
+                </a:srgbClr>
+              </a:solidFill>
+              <a:prstDash val="solid"/>
+              <a:round/>
+            </a:ln>
+          </p:spPr>
+          <p:txBody>
+            <a:bodyPr/>
+            <a:lstStyle/>
+            <a:p/>
+          </p:txBody>
+        </p:sp>
+        <p:sp>
+          <p:nvSpPr>
+            <p:cNvPr id="52" name="pl52"/>
+            <p:cNvSpPr/>
+            <p:nvPr/>
+          </p:nvSpPr>
+          <p:spPr>
+            <a:xfrm>
+              <a:off x="3948315" y="552091"/>
+              <a:ext cx="1051432" cy="0"/>
             </a:xfrm>
             <a:custGeom>
               <a:avLst/>
               <a:pathLst>
-                <a:path w="808794" h="660456">
+                <a:path w="1051432" h="0">
                   <a:moveTo>
-                    <a:pt x="0" y="608212"/>
+                    <a:pt x="0" y="0"/>
                   </a:moveTo>
                   <a:lnTo>
-                    <a:pt x="202198" y="660456"/>
-                  </a:lnTo>
-                  <a:lnTo>
-                    <a:pt x="404397" y="438224"/>
-                  </a:lnTo>
-                  <a:lnTo>
-                    <a:pt x="606595" y="41327"/>
-                  </a:lnTo>
-                  <a:lnTo>
-                    <a:pt x="808794" y="0"/>
+                    <a:pt x="1051432" y="0"/>
+                  </a:lnTo>
+                  <a:lnTo>
+                    <a:pt x="1051432" y="0"/>
                   </a:lnTo>
                 </a:path>
               </a:pathLst>
             </a:custGeom>
             <a:ln w="13550" cap="flat">
               <a:solidFill>
+                <a:srgbClr val="BEBEBE">
+                  <a:alpha val="100000"/>
+                </a:srgbClr>
+              </a:solidFill>
+              <a:prstDash val="solid"/>
+              <a:round/>
+            </a:ln>
+          </p:spPr>
+          <p:txBody>
+            <a:bodyPr/>
+            <a:lstStyle/>
+            <a:p/>
+          </p:txBody>
+        </p:sp>
+        <p:sp>
+          <p:nvSpPr>
+            <p:cNvPr id="53" name="pl53"/>
+            <p:cNvSpPr/>
+            <p:nvPr/>
+          </p:nvSpPr>
+          <p:spPr>
+            <a:xfrm>
+              <a:off x="3948315" y="339978"/>
+              <a:ext cx="1051432" cy="0"/>
+            </a:xfrm>
+            <a:custGeom>
+              <a:avLst/>
+              <a:pathLst>
+                <a:path w="1051432" h="0">
+                  <a:moveTo>
+                    <a:pt x="0" y="0"/>
+                  </a:moveTo>
+                  <a:lnTo>
+                    <a:pt x="1051432" y="0"/>
+                  </a:lnTo>
+                  <a:lnTo>
+                    <a:pt x="1051432" y="0"/>
+                  </a:lnTo>
+                </a:path>
+              </a:pathLst>
+            </a:custGeom>
+            <a:ln w="13550" cap="flat">
+              <a:solidFill>
+                <a:srgbClr val="BEBEBE">
+                  <a:alpha val="100000"/>
+                </a:srgbClr>
+              </a:solidFill>
+              <a:prstDash val="solid"/>
+              <a:round/>
+            </a:ln>
+          </p:spPr>
+          <p:txBody>
+            <a:bodyPr/>
+            <a:lstStyle/>
+            <a:p/>
+          </p:txBody>
+        </p:sp>
+        <p:sp>
+          <p:nvSpPr>
+            <p:cNvPr id="54" name="pl54"/>
+            <p:cNvSpPr/>
+            <p:nvPr/>
+          </p:nvSpPr>
+          <p:spPr>
+            <a:xfrm>
+              <a:off x="3948315" y="1188428"/>
+              <a:ext cx="1051432" cy="0"/>
+            </a:xfrm>
+            <a:custGeom>
+              <a:avLst/>
+              <a:pathLst>
+                <a:path w="1051432" h="0">
+                  <a:moveTo>
+                    <a:pt x="0" y="0"/>
+                  </a:moveTo>
+                  <a:lnTo>
+                    <a:pt x="1051432" y="0"/>
+                  </a:lnTo>
+                  <a:lnTo>
+                    <a:pt x="1051432" y="0"/>
+                  </a:lnTo>
+                </a:path>
+              </a:pathLst>
+            </a:custGeom>
+            <a:ln w="13550" cap="flat">
+              <a:solidFill>
+                <a:srgbClr val="000000">
+                  <a:alpha val="100000"/>
+                </a:srgbClr>
+              </a:solidFill>
+              <a:prstDash val="solid"/>
+              <a:round/>
+            </a:ln>
+          </p:spPr>
+          <p:txBody>
+            <a:bodyPr/>
+            <a:lstStyle/>
+            <a:p/>
+          </p:txBody>
+        </p:sp>
+        <p:sp>
+          <p:nvSpPr>
+            <p:cNvPr id="55" name="pl55"/>
+            <p:cNvSpPr/>
+            <p:nvPr/>
+          </p:nvSpPr>
+          <p:spPr>
+            <a:xfrm>
+              <a:off x="4069634" y="339978"/>
+              <a:ext cx="808794" cy="719485"/>
+            </a:xfrm>
+            <a:custGeom>
+              <a:avLst/>
+              <a:pathLst>
+                <a:path w="808794" h="719485">
+                  <a:moveTo>
+                    <a:pt x="0" y="666033"/>
+                  </a:moveTo>
+                  <a:lnTo>
+                    <a:pt x="202198" y="719485"/>
+                  </a:lnTo>
+                  <a:lnTo>
+                    <a:pt x="404397" y="487858"/>
+                  </a:lnTo>
+                  <a:lnTo>
+                    <a:pt x="606595" y="39877"/>
+                  </a:lnTo>
+                  <a:lnTo>
+                    <a:pt x="808794" y="0"/>
+                  </a:lnTo>
+                </a:path>
+              </a:pathLst>
+            </a:custGeom>
+            <a:ln w="13550" cap="flat">
+              <a:solidFill>
                 <a:srgbClr val="F8766D">
                   <a:alpha val="100000"/>
                 </a:srgbClr>
@@ -4572,13 +5088,13 @@
         </p:sp>
         <p:sp>
           <p:nvSpPr>
-            <p:cNvPr id="44" name="pt44"/>
-            <p:cNvSpPr/>
-            <p:nvPr/>
-          </p:nvSpPr>
-          <p:spPr>
-            <a:xfrm>
-              <a:off x="4044808" y="923365"/>
+            <p:cNvPr id="56" name="pt56"/>
+            <p:cNvSpPr/>
+            <p:nvPr/>
+          </p:nvSpPr>
+          <p:spPr>
+            <a:xfrm>
+              <a:off x="4044808" y="981185"/>
               <a:ext cx="49651" cy="49651"/>
             </a:xfrm>
             <a:prstGeom prst="ellipse">
@@ -4607,13 +5123,13 @@
         </p:sp>
         <p:sp>
           <p:nvSpPr>
-            <p:cNvPr id="45" name="pt45"/>
-            <p:cNvSpPr/>
-            <p:nvPr/>
-          </p:nvSpPr>
-          <p:spPr>
-            <a:xfrm>
-              <a:off x="4247006" y="975609"/>
+            <p:cNvPr id="57" name="pt57"/>
+            <p:cNvSpPr/>
+            <p:nvPr/>
+          </p:nvSpPr>
+          <p:spPr>
+            <a:xfrm>
+              <a:off x="4247006" y="1034638"/>
               <a:ext cx="49651" cy="49651"/>
             </a:xfrm>
             <a:prstGeom prst="ellipse">
@@ -4642,13 +5158,13 @@
         </p:sp>
         <p:sp>
           <p:nvSpPr>
-            <p:cNvPr id="46" name="pt46"/>
-            <p:cNvSpPr/>
-            <p:nvPr/>
-          </p:nvSpPr>
-          <p:spPr>
-            <a:xfrm>
-              <a:off x="4449205" y="753377"/>
+            <p:cNvPr id="58" name="pt58"/>
+            <p:cNvSpPr/>
+            <p:nvPr/>
+          </p:nvSpPr>
+          <p:spPr>
+            <a:xfrm>
+              <a:off x="4449205" y="803011"/>
               <a:ext cx="49651" cy="49651"/>
             </a:xfrm>
             <a:prstGeom prst="ellipse">
@@ -4677,13 +5193,13 @@
         </p:sp>
         <p:sp>
           <p:nvSpPr>
-            <p:cNvPr id="47" name="pt47"/>
-            <p:cNvSpPr/>
-            <p:nvPr/>
-          </p:nvSpPr>
-          <p:spPr>
-            <a:xfrm>
-              <a:off x="4651404" y="356479"/>
+            <p:cNvPr id="59" name="pt59"/>
+            <p:cNvSpPr/>
+            <p:nvPr/>
+          </p:nvSpPr>
+          <p:spPr>
+            <a:xfrm>
+              <a:off x="4651404" y="355029"/>
               <a:ext cx="49651" cy="49651"/>
             </a:xfrm>
             <a:prstGeom prst="ellipse">
@@ -4712,7 +5228,7 @@
         </p:sp>
         <p:sp>
           <p:nvSpPr>
-            <p:cNvPr id="48" name="pt48"/>
+            <p:cNvPr id="60" name="pt60"/>
             <p:cNvSpPr/>
             <p:nvPr/>
           </p:nvSpPr>
@@ -4747,7 +5263,7 @@
         </p:sp>
         <p:sp>
           <p:nvSpPr>
-            <p:cNvPr id="49" name="rc49"/>
+            <p:cNvPr id="61" name="rc61"/>
             <p:cNvSpPr/>
             <p:nvPr/>
           </p:nvSpPr>
@@ -4773,13 +5289,13 @@
         </p:sp>
         <p:sp>
           <p:nvSpPr>
-            <p:cNvPr id="50" name="pl50"/>
-            <p:cNvSpPr/>
-            <p:nvPr/>
-          </p:nvSpPr>
-          <p:spPr>
-            <a:xfrm>
-              <a:off x="5069336" y="1119738"/>
+            <p:cNvPr id="62" name="pl62"/>
+            <p:cNvSpPr/>
+            <p:nvPr/>
+          </p:nvSpPr>
+          <p:spPr>
+            <a:xfrm>
+              <a:off x="5069336" y="1400540"/>
               <a:ext cx="1051432" cy="0"/>
             </a:xfrm>
             <a:custGeom>
@@ -4816,13 +5332,13 @@
         </p:sp>
         <p:sp>
           <p:nvSpPr>
-            <p:cNvPr id="51" name="pl51"/>
-            <p:cNvSpPr/>
-            <p:nvPr/>
-          </p:nvSpPr>
-          <p:spPr>
-            <a:xfrm>
-              <a:off x="5069336" y="729858"/>
+            <p:cNvPr id="63" name="pl63"/>
+            <p:cNvSpPr/>
+            <p:nvPr/>
+          </p:nvSpPr>
+          <p:spPr>
+            <a:xfrm>
+              <a:off x="5069336" y="1188428"/>
               <a:ext cx="1051432" cy="0"/>
             </a:xfrm>
             <a:custGeom>
@@ -4859,13 +5375,13 @@
         </p:sp>
         <p:sp>
           <p:nvSpPr>
-            <p:cNvPr id="52" name="pl52"/>
-            <p:cNvSpPr/>
-            <p:nvPr/>
-          </p:nvSpPr>
-          <p:spPr>
-            <a:xfrm>
-              <a:off x="5069336" y="339978"/>
+            <p:cNvPr id="64" name="pl64"/>
+            <p:cNvSpPr/>
+            <p:nvPr/>
+          </p:nvSpPr>
+          <p:spPr>
+            <a:xfrm>
+              <a:off x="5069336" y="976315"/>
               <a:ext cx="1051432" cy="0"/>
             </a:xfrm>
             <a:custGeom>
@@ -4902,13 +5418,13 @@
         </p:sp>
         <p:sp>
           <p:nvSpPr>
-            <p:cNvPr id="53" name="pl53"/>
-            <p:cNvSpPr/>
-            <p:nvPr/>
-          </p:nvSpPr>
-          <p:spPr>
-            <a:xfrm>
-              <a:off x="5069336" y="1119738"/>
+            <p:cNvPr id="65" name="pl65"/>
+            <p:cNvSpPr/>
+            <p:nvPr/>
+          </p:nvSpPr>
+          <p:spPr>
+            <a:xfrm>
+              <a:off x="5069336" y="764203"/>
               <a:ext cx="1051432" cy="0"/>
             </a:xfrm>
             <a:custGeom>
@@ -4929,55 +5445,184 @@
             </a:custGeom>
             <a:ln w="13550" cap="flat">
               <a:solidFill>
-                <a:srgbClr val="000000">
-                  <a:alpha val="100000"/>
-                </a:srgbClr>
-              </a:solidFill>
-              <a:prstDash val="solid"/>
-              <a:round/>
-            </a:ln>
-          </p:spPr>
-          <p:txBody>
-            <a:bodyPr/>
-            <a:lstStyle/>
-            <a:p/>
-          </p:txBody>
-        </p:sp>
-        <p:sp>
-          <p:nvSpPr>
-            <p:cNvPr id="54" name="pl54"/>
-            <p:cNvSpPr/>
-            <p:nvPr/>
-          </p:nvSpPr>
-          <p:spPr>
-            <a:xfrm>
-              <a:off x="5190655" y="339978"/>
-              <a:ext cx="808794" cy="754027"/>
+                <a:srgbClr val="BEBEBE">
+                  <a:alpha val="100000"/>
+                </a:srgbClr>
+              </a:solidFill>
+              <a:prstDash val="solid"/>
+              <a:round/>
+            </a:ln>
+          </p:spPr>
+          <p:txBody>
+            <a:bodyPr/>
+            <a:lstStyle/>
+            <a:p/>
+          </p:txBody>
+        </p:sp>
+        <p:sp>
+          <p:nvSpPr>
+            <p:cNvPr id="66" name="pl66"/>
+            <p:cNvSpPr/>
+            <p:nvPr/>
+          </p:nvSpPr>
+          <p:spPr>
+            <a:xfrm>
+              <a:off x="5069336" y="552091"/>
+              <a:ext cx="1051432" cy="0"/>
             </a:xfrm>
             <a:custGeom>
               <a:avLst/>
               <a:pathLst>
-                <a:path w="808794" h="754027">
+                <a:path w="1051432" h="0">
                   <a:moveTo>
-                    <a:pt x="0" y="694765"/>
+                    <a:pt x="0" y="0"/>
                   </a:moveTo>
                   <a:lnTo>
-                    <a:pt x="202198" y="754027"/>
-                  </a:lnTo>
-                  <a:lnTo>
-                    <a:pt x="404397" y="601194"/>
-                  </a:lnTo>
-                  <a:lnTo>
-                    <a:pt x="606595" y="8577"/>
-                  </a:lnTo>
-                  <a:lnTo>
-                    <a:pt x="808794" y="0"/>
+                    <a:pt x="1051432" y="0"/>
+                  </a:lnTo>
+                  <a:lnTo>
+                    <a:pt x="1051432" y="0"/>
                   </a:lnTo>
                 </a:path>
               </a:pathLst>
             </a:custGeom>
             <a:ln w="13550" cap="flat">
               <a:solidFill>
+                <a:srgbClr val="BEBEBE">
+                  <a:alpha val="100000"/>
+                </a:srgbClr>
+              </a:solidFill>
+              <a:prstDash val="solid"/>
+              <a:round/>
+            </a:ln>
+          </p:spPr>
+          <p:txBody>
+            <a:bodyPr/>
+            <a:lstStyle/>
+            <a:p/>
+          </p:txBody>
+        </p:sp>
+        <p:sp>
+          <p:nvSpPr>
+            <p:cNvPr id="67" name="pl67"/>
+            <p:cNvSpPr/>
+            <p:nvPr/>
+          </p:nvSpPr>
+          <p:spPr>
+            <a:xfrm>
+              <a:off x="5069336" y="339978"/>
+              <a:ext cx="1051432" cy="0"/>
+            </a:xfrm>
+            <a:custGeom>
+              <a:avLst/>
+              <a:pathLst>
+                <a:path w="1051432" h="0">
+                  <a:moveTo>
+                    <a:pt x="0" y="0"/>
+                  </a:moveTo>
+                  <a:lnTo>
+                    <a:pt x="1051432" y="0"/>
+                  </a:lnTo>
+                  <a:lnTo>
+                    <a:pt x="1051432" y="0"/>
+                  </a:lnTo>
+                </a:path>
+              </a:pathLst>
+            </a:custGeom>
+            <a:ln w="13550" cap="flat">
+              <a:solidFill>
+                <a:srgbClr val="BEBEBE">
+                  <a:alpha val="100000"/>
+                </a:srgbClr>
+              </a:solidFill>
+              <a:prstDash val="solid"/>
+              <a:round/>
+            </a:ln>
+          </p:spPr>
+          <p:txBody>
+            <a:bodyPr/>
+            <a:lstStyle/>
+            <a:p/>
+          </p:txBody>
+        </p:sp>
+        <p:sp>
+          <p:nvSpPr>
+            <p:cNvPr id="68" name="pl68"/>
+            <p:cNvSpPr/>
+            <p:nvPr/>
+          </p:nvSpPr>
+          <p:spPr>
+            <a:xfrm>
+              <a:off x="5069336" y="1188428"/>
+              <a:ext cx="1051432" cy="0"/>
+            </a:xfrm>
+            <a:custGeom>
+              <a:avLst/>
+              <a:pathLst>
+                <a:path w="1051432" h="0">
+                  <a:moveTo>
+                    <a:pt x="0" y="0"/>
+                  </a:moveTo>
+                  <a:lnTo>
+                    <a:pt x="1051432" y="0"/>
+                  </a:lnTo>
+                  <a:lnTo>
+                    <a:pt x="1051432" y="0"/>
+                  </a:lnTo>
+                </a:path>
+              </a:pathLst>
+            </a:custGeom>
+            <a:ln w="13550" cap="flat">
+              <a:solidFill>
+                <a:srgbClr val="000000">
+                  <a:alpha val="100000"/>
+                </a:srgbClr>
+              </a:solidFill>
+              <a:prstDash val="solid"/>
+              <a:round/>
+            </a:ln>
+          </p:spPr>
+          <p:txBody>
+            <a:bodyPr/>
+            <a:lstStyle/>
+            <a:p/>
+          </p:txBody>
+        </p:sp>
+        <p:sp>
+          <p:nvSpPr>
+            <p:cNvPr id="69" name="pl69"/>
+            <p:cNvSpPr/>
+            <p:nvPr/>
+          </p:nvSpPr>
+          <p:spPr>
+            <a:xfrm>
+              <a:off x="5190655" y="339978"/>
+              <a:ext cx="808794" cy="822147"/>
+            </a:xfrm>
+            <a:custGeom>
+              <a:avLst/>
+              <a:pathLst>
+                <a:path w="808794" h="822147">
+                  <a:moveTo>
+                    <a:pt x="0" y="761907"/>
+                  </a:moveTo>
+                  <a:lnTo>
+                    <a:pt x="202198" y="822147"/>
+                  </a:lnTo>
+                  <a:lnTo>
+                    <a:pt x="404397" y="668578"/>
+                  </a:lnTo>
+                  <a:lnTo>
+                    <a:pt x="606595" y="7636"/>
+                  </a:lnTo>
+                  <a:lnTo>
+                    <a:pt x="808794" y="0"/>
+                  </a:lnTo>
+                </a:path>
+              </a:pathLst>
+            </a:custGeom>
+            <a:ln w="13550" cap="flat">
+              <a:solidFill>
                 <a:srgbClr val="F8766D">
                   <a:alpha val="100000"/>
                 </a:srgbClr>
@@ -4994,13 +5639,13 @@
         </p:sp>
         <p:sp>
           <p:nvSpPr>
-            <p:cNvPr id="55" name="pt55"/>
-            <p:cNvSpPr/>
-            <p:nvPr/>
-          </p:nvSpPr>
-          <p:spPr>
-            <a:xfrm>
-              <a:off x="5165829" y="1009918"/>
+            <p:cNvPr id="70" name="pt70"/>
+            <p:cNvSpPr/>
+            <p:nvPr/>
+          </p:nvSpPr>
+          <p:spPr>
+            <a:xfrm>
+              <a:off x="5165829" y="1077060"/>
               <a:ext cx="49651" cy="49651"/>
             </a:xfrm>
             <a:prstGeom prst="ellipse">
@@ -5029,13 +5674,13 @@
         </p:sp>
         <p:sp>
           <p:nvSpPr>
-            <p:cNvPr id="56" name="pt56"/>
-            <p:cNvSpPr/>
-            <p:nvPr/>
-          </p:nvSpPr>
-          <p:spPr>
-            <a:xfrm>
-              <a:off x="5368028" y="1069180"/>
+            <p:cNvPr id="71" name="pt71"/>
+            <p:cNvSpPr/>
+            <p:nvPr/>
+          </p:nvSpPr>
+          <p:spPr>
+            <a:xfrm>
+              <a:off x="5368028" y="1137300"/>
               <a:ext cx="49651" cy="49651"/>
             </a:xfrm>
             <a:prstGeom prst="ellipse">
@@ -5064,13 +5709,13 @@
         </p:sp>
         <p:sp>
           <p:nvSpPr>
-            <p:cNvPr id="57" name="pt57"/>
-            <p:cNvSpPr/>
-            <p:nvPr/>
-          </p:nvSpPr>
-          <p:spPr>
-            <a:xfrm>
-              <a:off x="5570227" y="916347"/>
+            <p:cNvPr id="72" name="pt72"/>
+            <p:cNvSpPr/>
+            <p:nvPr/>
+          </p:nvSpPr>
+          <p:spPr>
+            <a:xfrm>
+              <a:off x="5570227" y="983731"/>
               <a:ext cx="49651" cy="49651"/>
             </a:xfrm>
             <a:prstGeom prst="ellipse">
@@ -5099,13 +5744,13 @@
         </p:sp>
         <p:sp>
           <p:nvSpPr>
-            <p:cNvPr id="58" name="pt58"/>
-            <p:cNvSpPr/>
-            <p:nvPr/>
-          </p:nvSpPr>
-          <p:spPr>
-            <a:xfrm>
-              <a:off x="5772425" y="323730"/>
+            <p:cNvPr id="73" name="pt73"/>
+            <p:cNvSpPr/>
+            <p:nvPr/>
+          </p:nvSpPr>
+          <p:spPr>
+            <a:xfrm>
+              <a:off x="5772425" y="322788"/>
               <a:ext cx="49651" cy="49651"/>
             </a:xfrm>
             <a:prstGeom prst="ellipse">
@@ -5134,7 +5779,7 @@
         </p:sp>
         <p:sp>
           <p:nvSpPr>
-            <p:cNvPr id="59" name="pt59"/>
+            <p:cNvPr id="74" name="pt74"/>
             <p:cNvSpPr/>
             <p:nvPr/>
           </p:nvSpPr>
@@ -5169,7 +5814,7 @@
         </p:sp>
         <p:sp>
           <p:nvSpPr>
-            <p:cNvPr id="60" name="rc60"/>
+            <p:cNvPr id="75" name="rc75"/>
             <p:cNvSpPr/>
             <p:nvPr/>
           </p:nvSpPr>
@@ -5195,13 +5840,13 @@
         </p:sp>
         <p:sp>
           <p:nvSpPr>
-            <p:cNvPr id="61" name="pl61"/>
-            <p:cNvSpPr/>
-            <p:nvPr/>
-          </p:nvSpPr>
-          <p:spPr>
-            <a:xfrm>
-              <a:off x="585250" y="2333546"/>
+            <p:cNvPr id="76" name="pl76"/>
+            <p:cNvSpPr/>
+            <p:nvPr/>
+          </p:nvSpPr>
+          <p:spPr>
+            <a:xfrm>
+              <a:off x="585250" y="2614349"/>
               <a:ext cx="1051432" cy="0"/>
             </a:xfrm>
             <a:custGeom>
@@ -5238,13 +5883,13 @@
         </p:sp>
         <p:sp>
           <p:nvSpPr>
-            <p:cNvPr id="62" name="pl62"/>
-            <p:cNvSpPr/>
-            <p:nvPr/>
-          </p:nvSpPr>
-          <p:spPr>
-            <a:xfrm>
-              <a:off x="585250" y="1943666"/>
+            <p:cNvPr id="77" name="pl77"/>
+            <p:cNvSpPr/>
+            <p:nvPr/>
+          </p:nvSpPr>
+          <p:spPr>
+            <a:xfrm>
+              <a:off x="585250" y="2402236"/>
               <a:ext cx="1051432" cy="0"/>
             </a:xfrm>
             <a:custGeom>
@@ -5281,13 +5926,13 @@
         </p:sp>
         <p:sp>
           <p:nvSpPr>
-            <p:cNvPr id="63" name="pl63"/>
-            <p:cNvSpPr/>
-            <p:nvPr/>
-          </p:nvSpPr>
-          <p:spPr>
-            <a:xfrm>
-              <a:off x="585250" y="1553786"/>
+            <p:cNvPr id="78" name="pl78"/>
+            <p:cNvSpPr/>
+            <p:nvPr/>
+          </p:nvSpPr>
+          <p:spPr>
+            <a:xfrm>
+              <a:off x="585250" y="2190124"/>
               <a:ext cx="1051432" cy="0"/>
             </a:xfrm>
             <a:custGeom>
@@ -5324,13 +5969,13 @@
         </p:sp>
         <p:sp>
           <p:nvSpPr>
-            <p:cNvPr id="64" name="pl64"/>
-            <p:cNvSpPr/>
-            <p:nvPr/>
-          </p:nvSpPr>
-          <p:spPr>
-            <a:xfrm>
-              <a:off x="585250" y="2333546"/>
+            <p:cNvPr id="79" name="pl79"/>
+            <p:cNvSpPr/>
+            <p:nvPr/>
+          </p:nvSpPr>
+          <p:spPr>
+            <a:xfrm>
+              <a:off x="585250" y="1978011"/>
               <a:ext cx="1051432" cy="0"/>
             </a:xfrm>
             <a:custGeom>
@@ -5351,153 +5996,282 @@
             </a:custGeom>
             <a:ln w="13550" cap="flat">
               <a:solidFill>
-                <a:srgbClr val="000000">
-                  <a:alpha val="100000"/>
-                </a:srgbClr>
-              </a:solidFill>
-              <a:prstDash val="solid"/>
-              <a:round/>
-            </a:ln>
-          </p:spPr>
-          <p:txBody>
-            <a:bodyPr/>
-            <a:lstStyle/>
-            <a:p/>
-          </p:txBody>
-        </p:sp>
-        <p:sp>
-          <p:nvSpPr>
-            <p:cNvPr id="65" name="pl65"/>
-            <p:cNvSpPr/>
-            <p:nvPr/>
-          </p:nvSpPr>
-          <p:spPr>
-            <a:xfrm>
-              <a:off x="706569" y="1585757"/>
-              <a:ext cx="808794" cy="902961"/>
+                <a:srgbClr val="BEBEBE">
+                  <a:alpha val="100000"/>
+                </a:srgbClr>
+              </a:solidFill>
+              <a:prstDash val="solid"/>
+              <a:round/>
+            </a:ln>
+          </p:spPr>
+          <p:txBody>
+            <a:bodyPr/>
+            <a:lstStyle/>
+            <a:p/>
+          </p:txBody>
+        </p:sp>
+        <p:sp>
+          <p:nvSpPr>
+            <p:cNvPr id="80" name="pl80"/>
+            <p:cNvSpPr/>
+            <p:nvPr/>
+          </p:nvSpPr>
+          <p:spPr>
+            <a:xfrm>
+              <a:off x="585250" y="1765899"/>
+              <a:ext cx="1051432" cy="0"/>
             </a:xfrm>
             <a:custGeom>
               <a:avLst/>
               <a:pathLst>
-                <a:path w="808794" h="902961">
+                <a:path w="1051432" h="0">
                   <a:moveTo>
-                    <a:pt x="0" y="778979"/>
+                    <a:pt x="0" y="0"/>
                   </a:moveTo>
                   <a:lnTo>
-                    <a:pt x="202198" y="848378"/>
-                  </a:lnTo>
-                  <a:lnTo>
-                    <a:pt x="404397" y="902961"/>
-                  </a:lnTo>
-                  <a:lnTo>
-                    <a:pt x="606595" y="0"/>
-                  </a:lnTo>
-                  <a:lnTo>
-                    <a:pt x="808794" y="1559"/>
+                    <a:pt x="1051432" y="0"/>
+                  </a:lnTo>
+                  <a:lnTo>
+                    <a:pt x="1051432" y="0"/>
                   </a:lnTo>
                 </a:path>
               </a:pathLst>
             </a:custGeom>
             <a:ln w="13550" cap="flat">
               <a:solidFill>
-                <a:srgbClr val="00BA38">
-                  <a:alpha val="100000"/>
-                </a:srgbClr>
-              </a:solidFill>
-              <a:prstDash val="solid"/>
-              <a:round/>
-            </a:ln>
-          </p:spPr>
-          <p:txBody>
-            <a:bodyPr/>
-            <a:lstStyle/>
-            <a:p/>
-          </p:txBody>
-        </p:sp>
-        <p:sp>
-          <p:nvSpPr>
-            <p:cNvPr id="66" name="pl66"/>
-            <p:cNvSpPr/>
-            <p:nvPr/>
-          </p:nvSpPr>
-          <p:spPr>
-            <a:xfrm>
-              <a:off x="706569" y="1853994"/>
-              <a:ext cx="808794" cy="294749"/>
+                <a:srgbClr val="BEBEBE">
+                  <a:alpha val="100000"/>
+                </a:srgbClr>
+              </a:solidFill>
+              <a:prstDash val="solid"/>
+              <a:round/>
+            </a:ln>
+          </p:spPr>
+          <p:txBody>
+            <a:bodyPr/>
+            <a:lstStyle/>
+            <a:p/>
+          </p:txBody>
+        </p:sp>
+        <p:sp>
+          <p:nvSpPr>
+            <p:cNvPr id="81" name="pl81"/>
+            <p:cNvSpPr/>
+            <p:nvPr/>
+          </p:nvSpPr>
+          <p:spPr>
+            <a:xfrm>
+              <a:off x="585250" y="1553786"/>
+              <a:ext cx="1051432" cy="0"/>
             </a:xfrm>
             <a:custGeom>
               <a:avLst/>
               <a:pathLst>
-                <a:path w="808794" h="294749">
+                <a:path w="1051432" h="0">
                   <a:moveTo>
-                    <a:pt x="0" y="294749"/>
+                    <a:pt x="0" y="0"/>
                   </a:moveTo>
                   <a:lnTo>
-                    <a:pt x="202198" y="286171"/>
-                  </a:lnTo>
-                  <a:lnTo>
-                    <a:pt x="404397" y="209755"/>
-                  </a:lnTo>
-                  <a:lnTo>
-                    <a:pt x="606595" y="18714"/>
-                  </a:lnTo>
-                  <a:lnTo>
-                    <a:pt x="808794" y="0"/>
+                    <a:pt x="1051432" y="0"/>
+                  </a:lnTo>
+                  <a:lnTo>
+                    <a:pt x="1051432" y="0"/>
                   </a:lnTo>
                 </a:path>
               </a:pathLst>
             </a:custGeom>
             <a:ln w="13550" cap="flat">
               <a:solidFill>
-                <a:srgbClr val="619CFF">
-                  <a:alpha val="100000"/>
-                </a:srgbClr>
-              </a:solidFill>
-              <a:prstDash val="solid"/>
-              <a:round/>
-            </a:ln>
-          </p:spPr>
-          <p:txBody>
-            <a:bodyPr/>
-            <a:lstStyle/>
-            <a:p/>
-          </p:txBody>
-        </p:sp>
-        <p:sp>
-          <p:nvSpPr>
-            <p:cNvPr id="67" name="pl67"/>
-            <p:cNvSpPr/>
-            <p:nvPr/>
-          </p:nvSpPr>
-          <p:spPr>
-            <a:xfrm>
-              <a:off x="706569" y="2164338"/>
-              <a:ext cx="808794" cy="200398"/>
+                <a:srgbClr val="BEBEBE">
+                  <a:alpha val="100000"/>
+                </a:srgbClr>
+              </a:solidFill>
+              <a:prstDash val="solid"/>
+              <a:round/>
+            </a:ln>
+          </p:spPr>
+          <p:txBody>
+            <a:bodyPr/>
+            <a:lstStyle/>
+            <a:p/>
+          </p:txBody>
+        </p:sp>
+        <p:sp>
+          <p:nvSpPr>
+            <p:cNvPr id="82" name="pl82"/>
+            <p:cNvSpPr/>
+            <p:nvPr/>
+          </p:nvSpPr>
+          <p:spPr>
+            <a:xfrm>
+              <a:off x="585250" y="2402236"/>
+              <a:ext cx="1051432" cy="0"/>
             </a:xfrm>
             <a:custGeom>
               <a:avLst/>
               <a:pathLst>
-                <a:path w="808794" h="200398">
+                <a:path w="1051432" h="0">
                   <a:moveTo>
-                    <a:pt x="0" y="200398"/>
+                    <a:pt x="0" y="0"/>
                   </a:moveTo>
                   <a:lnTo>
-                    <a:pt x="202198" y="159850"/>
-                  </a:lnTo>
-                  <a:lnTo>
-                    <a:pt x="404397" y="139576"/>
-                  </a:lnTo>
-                  <a:lnTo>
-                    <a:pt x="606595" y="0"/>
-                  </a:lnTo>
-                  <a:lnTo>
-                    <a:pt x="808794" y="22613"/>
+                    <a:pt x="1051432" y="0"/>
+                  </a:lnTo>
+                  <a:lnTo>
+                    <a:pt x="1051432" y="0"/>
                   </a:lnTo>
                 </a:path>
               </a:pathLst>
             </a:custGeom>
             <a:ln w="13550" cap="flat">
               <a:solidFill>
+                <a:srgbClr val="000000">
+                  <a:alpha val="100000"/>
+                </a:srgbClr>
+              </a:solidFill>
+              <a:prstDash val="solid"/>
+              <a:round/>
+            </a:ln>
+          </p:spPr>
+          <p:txBody>
+            <a:bodyPr/>
+            <a:lstStyle/>
+            <a:p/>
+          </p:txBody>
+        </p:sp>
+        <p:sp>
+          <p:nvSpPr>
+            <p:cNvPr id="83" name="pl83"/>
+            <p:cNvSpPr/>
+            <p:nvPr/>
+          </p:nvSpPr>
+          <p:spPr>
+            <a:xfrm>
+              <a:off x="706569" y="1584331"/>
+              <a:ext cx="808794" cy="1009655"/>
+            </a:xfrm>
+            <a:custGeom>
+              <a:avLst/>
+              <a:pathLst>
+                <a:path w="808794" h="1009655">
+                  <a:moveTo>
+                    <a:pt x="0" y="857782"/>
+                  </a:moveTo>
+                  <a:lnTo>
+                    <a:pt x="202198" y="928203"/>
+                  </a:lnTo>
+                  <a:lnTo>
+                    <a:pt x="404397" y="1009655"/>
+                  </a:lnTo>
+                  <a:lnTo>
+                    <a:pt x="606595" y="0"/>
+                  </a:lnTo>
+                  <a:lnTo>
+                    <a:pt x="808794" y="848"/>
+                  </a:lnTo>
+                </a:path>
+              </a:pathLst>
+            </a:custGeom>
+            <a:ln w="13550" cap="flat">
+              <a:solidFill>
+                <a:srgbClr val="00BA38">
+                  <a:alpha val="100000"/>
+                </a:srgbClr>
+              </a:solidFill>
+              <a:prstDash val="solid"/>
+              <a:round/>
+            </a:ln>
+          </p:spPr>
+          <p:txBody>
+            <a:bodyPr/>
+            <a:lstStyle/>
+            <a:p/>
+          </p:txBody>
+        </p:sp>
+        <p:sp>
+          <p:nvSpPr>
+            <p:cNvPr id="84" name="pl84"/>
+            <p:cNvSpPr/>
+            <p:nvPr/>
+          </p:nvSpPr>
+          <p:spPr>
+            <a:xfrm>
+              <a:off x="706569" y="1829533"/>
+              <a:ext cx="808794" cy="375863"/>
+            </a:xfrm>
+            <a:custGeom>
+              <a:avLst/>
+              <a:pathLst>
+                <a:path w="808794" h="375863">
+                  <a:moveTo>
+                    <a:pt x="0" y="375863"/>
+                  </a:moveTo>
+                  <a:lnTo>
+                    <a:pt x="202198" y="363136"/>
+                  </a:lnTo>
+                  <a:lnTo>
+                    <a:pt x="404397" y="291866"/>
+                  </a:lnTo>
+                  <a:lnTo>
+                    <a:pt x="606595" y="33089"/>
+                  </a:lnTo>
+                  <a:lnTo>
+                    <a:pt x="808794" y="0"/>
+                  </a:lnTo>
+                </a:path>
+              </a:pathLst>
+            </a:custGeom>
+            <a:ln w="13550" cap="flat">
+              <a:solidFill>
+                <a:srgbClr val="619CFF">
+                  <a:alpha val="100000"/>
+                </a:srgbClr>
+              </a:solidFill>
+              <a:prstDash val="solid"/>
+              <a:round/>
+            </a:ln>
+          </p:spPr>
+          <p:txBody>
+            <a:bodyPr/>
+            <a:lstStyle/>
+            <a:p/>
+          </p:txBody>
+        </p:sp>
+        <p:sp>
+          <p:nvSpPr>
+            <p:cNvPr id="85" name="pl85"/>
+            <p:cNvSpPr/>
+            <p:nvPr/>
+          </p:nvSpPr>
+          <p:spPr>
+            <a:xfrm>
+              <a:off x="706569" y="2134975"/>
+              <a:ext cx="808794" cy="307138"/>
+            </a:xfrm>
+            <a:custGeom>
+              <a:avLst/>
+              <a:pathLst>
+                <a:path w="808794" h="307138">
+                  <a:moveTo>
+                    <a:pt x="0" y="307138"/>
+                  </a:moveTo>
+                  <a:lnTo>
+                    <a:pt x="202198" y="257928"/>
+                  </a:lnTo>
+                  <a:lnTo>
+                    <a:pt x="404397" y="252838"/>
+                  </a:lnTo>
+                  <a:lnTo>
+                    <a:pt x="606595" y="11029"/>
+                  </a:lnTo>
+                  <a:lnTo>
+                    <a:pt x="808794" y="0"/>
+                  </a:lnTo>
+                </a:path>
+              </a:pathLst>
+            </a:custGeom>
+            <a:ln w="13550" cap="flat">
+              <a:solidFill>
                 <a:srgbClr val="F8766D">
                   <a:alpha val="100000"/>
                 </a:srgbClr>
@@ -5514,13 +6288,13 @@
         </p:sp>
         <p:sp>
           <p:nvSpPr>
-            <p:cNvPr id="68" name="pt68"/>
-            <p:cNvSpPr/>
-            <p:nvPr/>
-          </p:nvSpPr>
-          <p:spPr>
-            <a:xfrm>
-              <a:off x="681743" y="2339911"/>
+            <p:cNvPr id="86" name="pt86"/>
+            <p:cNvSpPr/>
+            <p:nvPr/>
+          </p:nvSpPr>
+          <p:spPr>
+            <a:xfrm>
+              <a:off x="681743" y="2417287"/>
               <a:ext cx="49651" cy="49651"/>
             </a:xfrm>
             <a:prstGeom prst="ellipse">
@@ -5549,13 +6323,13 @@
         </p:sp>
         <p:sp>
           <p:nvSpPr>
-            <p:cNvPr id="69" name="pt69"/>
-            <p:cNvSpPr/>
-            <p:nvPr/>
-          </p:nvSpPr>
-          <p:spPr>
-            <a:xfrm>
-              <a:off x="681743" y="2339911"/>
+            <p:cNvPr id="87" name="pt87"/>
+            <p:cNvSpPr/>
+            <p:nvPr/>
+          </p:nvSpPr>
+          <p:spPr>
+            <a:xfrm>
+              <a:off x="681743" y="2417287"/>
               <a:ext cx="49651" cy="49651"/>
             </a:xfrm>
             <a:prstGeom prst="ellipse">
@@ -5584,13 +6358,13 @@
         </p:sp>
         <p:sp>
           <p:nvSpPr>
-            <p:cNvPr id="70" name="pt70"/>
-            <p:cNvSpPr/>
-            <p:nvPr/>
-          </p:nvSpPr>
-          <p:spPr>
-            <a:xfrm>
-              <a:off x="681743" y="2123917"/>
+            <p:cNvPr id="88" name="pt88"/>
+            <p:cNvSpPr/>
+            <p:nvPr/>
+          </p:nvSpPr>
+          <p:spPr>
+            <a:xfrm>
+              <a:off x="681743" y="2180570"/>
               <a:ext cx="49651" cy="49651"/>
             </a:xfrm>
             <a:prstGeom prst="ellipse">
@@ -5619,13 +6393,13 @@
         </p:sp>
         <p:sp>
           <p:nvSpPr>
-            <p:cNvPr id="71" name="pt71"/>
-            <p:cNvSpPr/>
-            <p:nvPr/>
-          </p:nvSpPr>
-          <p:spPr>
-            <a:xfrm>
-              <a:off x="883942" y="2299363"/>
+            <p:cNvPr id="89" name="pt89"/>
+            <p:cNvSpPr/>
+            <p:nvPr/>
+          </p:nvSpPr>
+          <p:spPr>
+            <a:xfrm>
+              <a:off x="883942" y="2368077"/>
               <a:ext cx="49651" cy="49651"/>
             </a:xfrm>
             <a:prstGeom prst="ellipse">
@@ -5654,13 +6428,13 @@
         </p:sp>
         <p:sp>
           <p:nvSpPr>
-            <p:cNvPr id="72" name="pt72"/>
-            <p:cNvSpPr/>
-            <p:nvPr/>
-          </p:nvSpPr>
-          <p:spPr>
-            <a:xfrm>
-              <a:off x="883942" y="2409309"/>
+            <p:cNvPr id="90" name="pt90"/>
+            <p:cNvSpPr/>
+            <p:nvPr/>
+          </p:nvSpPr>
+          <p:spPr>
+            <a:xfrm>
+              <a:off x="883942" y="2487709"/>
               <a:ext cx="49651" cy="49651"/>
             </a:xfrm>
             <a:prstGeom prst="ellipse">
@@ -5689,13 +6463,13 @@
         </p:sp>
         <p:sp>
           <p:nvSpPr>
-            <p:cNvPr id="73" name="pt73"/>
-            <p:cNvSpPr/>
-            <p:nvPr/>
-          </p:nvSpPr>
-          <p:spPr>
-            <a:xfrm>
-              <a:off x="883942" y="2115340"/>
+            <p:cNvPr id="91" name="pt91"/>
+            <p:cNvSpPr/>
+            <p:nvPr/>
+          </p:nvSpPr>
+          <p:spPr>
+            <a:xfrm>
+              <a:off x="883942" y="2167843"/>
               <a:ext cx="49651" cy="49651"/>
             </a:xfrm>
             <a:prstGeom prst="ellipse">
@@ -5724,13 +6498,13 @@
         </p:sp>
         <p:sp>
           <p:nvSpPr>
-            <p:cNvPr id="74" name="pt74"/>
-            <p:cNvSpPr/>
-            <p:nvPr/>
-          </p:nvSpPr>
-          <p:spPr>
-            <a:xfrm>
-              <a:off x="1086140" y="2279089"/>
+            <p:cNvPr id="92" name="pt92"/>
+            <p:cNvSpPr/>
+            <p:nvPr/>
+          </p:nvSpPr>
+          <p:spPr>
+            <a:xfrm>
+              <a:off x="1086140" y="2362987"/>
               <a:ext cx="49651" cy="49651"/>
             </a:xfrm>
             <a:prstGeom prst="ellipse">
@@ -5759,13 +6533,13 @@
         </p:sp>
         <p:sp>
           <p:nvSpPr>
-            <p:cNvPr id="75" name="pt75"/>
-            <p:cNvSpPr/>
-            <p:nvPr/>
-          </p:nvSpPr>
-          <p:spPr>
-            <a:xfrm>
-              <a:off x="1086140" y="2463892"/>
+            <p:cNvPr id="93" name="pt93"/>
+            <p:cNvSpPr/>
+            <p:nvPr/>
+          </p:nvSpPr>
+          <p:spPr>
+            <a:xfrm>
+              <a:off x="1086140" y="2569160"/>
               <a:ext cx="49651" cy="49651"/>
             </a:xfrm>
             <a:prstGeom prst="ellipse">
@@ -5794,13 +6568,13 @@
         </p:sp>
         <p:sp>
           <p:nvSpPr>
-            <p:cNvPr id="76" name="pt76"/>
-            <p:cNvSpPr/>
-            <p:nvPr/>
-          </p:nvSpPr>
-          <p:spPr>
-            <a:xfrm>
-              <a:off x="1086140" y="2038923"/>
+            <p:cNvPr id="94" name="pt94"/>
+            <p:cNvSpPr/>
+            <p:nvPr/>
+          </p:nvSpPr>
+          <p:spPr>
+            <a:xfrm>
+              <a:off x="1086140" y="2096573"/>
               <a:ext cx="49651" cy="49651"/>
             </a:xfrm>
             <a:prstGeom prst="ellipse">
@@ -5829,13 +6603,13 @@
         </p:sp>
         <p:sp>
           <p:nvSpPr>
-            <p:cNvPr id="77" name="pt77"/>
-            <p:cNvSpPr/>
-            <p:nvPr/>
-          </p:nvSpPr>
-          <p:spPr>
-            <a:xfrm>
-              <a:off x="1288339" y="2139512"/>
+            <p:cNvPr id="95" name="pt95"/>
+            <p:cNvSpPr/>
+            <p:nvPr/>
+          </p:nvSpPr>
+          <p:spPr>
+            <a:xfrm>
+              <a:off x="1288339" y="2121178"/>
               <a:ext cx="49651" cy="49651"/>
             </a:xfrm>
             <a:prstGeom prst="ellipse">
@@ -5864,13 +6638,13 @@
         </p:sp>
         <p:sp>
           <p:nvSpPr>
-            <p:cNvPr id="78" name="pt78"/>
-            <p:cNvSpPr/>
-            <p:nvPr/>
-          </p:nvSpPr>
-          <p:spPr>
-            <a:xfrm>
-              <a:off x="1288339" y="1560931"/>
+            <p:cNvPr id="96" name="pt96"/>
+            <p:cNvSpPr/>
+            <p:nvPr/>
+          </p:nvSpPr>
+          <p:spPr>
+            <a:xfrm>
+              <a:off x="1288339" y="1559505"/>
               <a:ext cx="49651" cy="49651"/>
             </a:xfrm>
             <a:prstGeom prst="ellipse">
@@ -5899,13 +6673,13 @@
         </p:sp>
         <p:sp>
           <p:nvSpPr>
-            <p:cNvPr id="79" name="pt79"/>
-            <p:cNvSpPr/>
-            <p:nvPr/>
-          </p:nvSpPr>
-          <p:spPr>
-            <a:xfrm>
-              <a:off x="1288339" y="1847882"/>
+            <p:cNvPr id="97" name="pt97"/>
+            <p:cNvSpPr/>
+            <p:nvPr/>
+          </p:nvSpPr>
+          <p:spPr>
+            <a:xfrm>
+              <a:off x="1288339" y="1837796"/>
               <a:ext cx="49651" cy="49651"/>
             </a:xfrm>
             <a:prstGeom prst="ellipse">
@@ -5934,13 +6708,13 @@
         </p:sp>
         <p:sp>
           <p:nvSpPr>
-            <p:cNvPr id="80" name="pt80"/>
-            <p:cNvSpPr/>
-            <p:nvPr/>
-          </p:nvSpPr>
-          <p:spPr>
-            <a:xfrm>
-              <a:off x="1490537" y="2162125"/>
+            <p:cNvPr id="98" name="pt98"/>
+            <p:cNvSpPr/>
+            <p:nvPr/>
+          </p:nvSpPr>
+          <p:spPr>
+            <a:xfrm>
+              <a:off x="1490537" y="2110149"/>
               <a:ext cx="49651" cy="49651"/>
             </a:xfrm>
             <a:prstGeom prst="ellipse">
@@ -5969,13 +6743,13 @@
         </p:sp>
         <p:sp>
           <p:nvSpPr>
-            <p:cNvPr id="81" name="pt81"/>
-            <p:cNvSpPr/>
-            <p:nvPr/>
-          </p:nvSpPr>
-          <p:spPr>
-            <a:xfrm>
-              <a:off x="1490537" y="1562490"/>
+            <p:cNvPr id="99" name="pt99"/>
+            <p:cNvSpPr/>
+            <p:nvPr/>
+          </p:nvSpPr>
+          <p:spPr>
+            <a:xfrm>
+              <a:off x="1490537" y="1560353"/>
               <a:ext cx="49651" cy="49651"/>
             </a:xfrm>
             <a:prstGeom prst="ellipse">
@@ -6004,13 +6778,13 @@
         </p:sp>
         <p:sp>
           <p:nvSpPr>
-            <p:cNvPr id="82" name="pt82"/>
-            <p:cNvSpPr/>
-            <p:nvPr/>
-          </p:nvSpPr>
-          <p:spPr>
-            <a:xfrm>
-              <a:off x="1490537" y="1829168"/>
+            <p:cNvPr id="100" name="pt100"/>
+            <p:cNvSpPr/>
+            <p:nvPr/>
+          </p:nvSpPr>
+          <p:spPr>
+            <a:xfrm>
+              <a:off x="1490537" y="1804707"/>
               <a:ext cx="49651" cy="49651"/>
             </a:xfrm>
             <a:prstGeom prst="ellipse">
@@ -6039,7 +6813,7 @@
         </p:sp>
         <p:sp>
           <p:nvSpPr>
-            <p:cNvPr id="83" name="rc83"/>
+            <p:cNvPr id="101" name="rc101"/>
             <p:cNvSpPr/>
             <p:nvPr/>
           </p:nvSpPr>
@@ -6065,13 +6839,13 @@
         </p:sp>
         <p:sp>
           <p:nvSpPr>
-            <p:cNvPr id="84" name="pl84"/>
-            <p:cNvSpPr/>
-            <p:nvPr/>
-          </p:nvSpPr>
-          <p:spPr>
-            <a:xfrm>
-              <a:off x="1706272" y="2333546"/>
+            <p:cNvPr id="102" name="pl102"/>
+            <p:cNvSpPr/>
+            <p:nvPr/>
+          </p:nvSpPr>
+          <p:spPr>
+            <a:xfrm>
+              <a:off x="1706272" y="2614349"/>
               <a:ext cx="1051432" cy="0"/>
             </a:xfrm>
             <a:custGeom>
@@ -6108,13 +6882,13 @@
         </p:sp>
         <p:sp>
           <p:nvSpPr>
-            <p:cNvPr id="85" name="pl85"/>
-            <p:cNvSpPr/>
-            <p:nvPr/>
-          </p:nvSpPr>
-          <p:spPr>
-            <a:xfrm>
-              <a:off x="1706272" y="1943666"/>
+            <p:cNvPr id="103" name="pl103"/>
+            <p:cNvSpPr/>
+            <p:nvPr/>
+          </p:nvSpPr>
+          <p:spPr>
+            <a:xfrm>
+              <a:off x="1706272" y="2402236"/>
               <a:ext cx="1051432" cy="0"/>
             </a:xfrm>
             <a:custGeom>
@@ -6151,13 +6925,13 @@
         </p:sp>
         <p:sp>
           <p:nvSpPr>
-            <p:cNvPr id="86" name="pl86"/>
-            <p:cNvSpPr/>
-            <p:nvPr/>
-          </p:nvSpPr>
-          <p:spPr>
-            <a:xfrm>
-              <a:off x="1706272" y="1553786"/>
+            <p:cNvPr id="104" name="pl104"/>
+            <p:cNvSpPr/>
+            <p:nvPr/>
+          </p:nvSpPr>
+          <p:spPr>
+            <a:xfrm>
+              <a:off x="1706272" y="2190124"/>
               <a:ext cx="1051432" cy="0"/>
             </a:xfrm>
             <a:custGeom>
@@ -6194,13 +6968,13 @@
         </p:sp>
         <p:sp>
           <p:nvSpPr>
-            <p:cNvPr id="87" name="pl87"/>
-            <p:cNvSpPr/>
-            <p:nvPr/>
-          </p:nvSpPr>
-          <p:spPr>
-            <a:xfrm>
-              <a:off x="1706272" y="2333546"/>
+            <p:cNvPr id="105" name="pl105"/>
+            <p:cNvSpPr/>
+            <p:nvPr/>
+          </p:nvSpPr>
+          <p:spPr>
+            <a:xfrm>
+              <a:off x="1706272" y="1978011"/>
               <a:ext cx="1051432" cy="0"/>
             </a:xfrm>
             <a:custGeom>
@@ -6221,46 +6995,175 @@
             </a:custGeom>
             <a:ln w="13550" cap="flat">
               <a:solidFill>
-                <a:srgbClr val="000000">
-                  <a:alpha val="100000"/>
-                </a:srgbClr>
-              </a:solidFill>
-              <a:prstDash val="solid"/>
-              <a:round/>
-            </a:ln>
-          </p:spPr>
-          <p:txBody>
-            <a:bodyPr/>
-            <a:lstStyle/>
-            <a:p/>
-          </p:txBody>
-        </p:sp>
-        <p:sp>
-          <p:nvSpPr>
-            <p:cNvPr id="88" name="pl88"/>
-            <p:cNvSpPr/>
-            <p:nvPr/>
-          </p:nvSpPr>
-          <p:spPr>
-            <a:xfrm>
-              <a:off x="1827591" y="1553786"/>
-              <a:ext cx="202198" cy="134898"/>
+                <a:srgbClr val="BEBEBE">
+                  <a:alpha val="100000"/>
+                </a:srgbClr>
+              </a:solidFill>
+              <a:prstDash val="solid"/>
+              <a:round/>
+            </a:ln>
+          </p:spPr>
+          <p:txBody>
+            <a:bodyPr/>
+            <a:lstStyle/>
+            <a:p/>
+          </p:txBody>
+        </p:sp>
+        <p:sp>
+          <p:nvSpPr>
+            <p:cNvPr id="106" name="pl106"/>
+            <p:cNvSpPr/>
+            <p:nvPr/>
+          </p:nvSpPr>
+          <p:spPr>
+            <a:xfrm>
+              <a:off x="1706272" y="1765899"/>
+              <a:ext cx="1051432" cy="0"/>
             </a:xfrm>
             <a:custGeom>
               <a:avLst/>
               <a:pathLst>
-                <a:path w="202198" h="134898">
+                <a:path w="1051432" h="0">
                   <a:moveTo>
-                    <a:pt x="0" y="134898"/>
+                    <a:pt x="0" y="0"/>
                   </a:moveTo>
                   <a:lnTo>
-                    <a:pt x="202198" y="0"/>
+                    <a:pt x="1051432" y="0"/>
+                  </a:lnTo>
+                  <a:lnTo>
+                    <a:pt x="1051432" y="0"/>
                   </a:lnTo>
                 </a:path>
               </a:pathLst>
             </a:custGeom>
             <a:ln w="13550" cap="flat">
               <a:solidFill>
+                <a:srgbClr val="BEBEBE">
+                  <a:alpha val="100000"/>
+                </a:srgbClr>
+              </a:solidFill>
+              <a:prstDash val="solid"/>
+              <a:round/>
+            </a:ln>
+          </p:spPr>
+          <p:txBody>
+            <a:bodyPr/>
+            <a:lstStyle/>
+            <a:p/>
+          </p:txBody>
+        </p:sp>
+        <p:sp>
+          <p:nvSpPr>
+            <p:cNvPr id="107" name="pl107"/>
+            <p:cNvSpPr/>
+            <p:nvPr/>
+          </p:nvSpPr>
+          <p:spPr>
+            <a:xfrm>
+              <a:off x="1706272" y="1553786"/>
+              <a:ext cx="1051432" cy="0"/>
+            </a:xfrm>
+            <a:custGeom>
+              <a:avLst/>
+              <a:pathLst>
+                <a:path w="1051432" h="0">
+                  <a:moveTo>
+                    <a:pt x="0" y="0"/>
+                  </a:moveTo>
+                  <a:lnTo>
+                    <a:pt x="1051432" y="0"/>
+                  </a:lnTo>
+                  <a:lnTo>
+                    <a:pt x="1051432" y="0"/>
+                  </a:lnTo>
+                </a:path>
+              </a:pathLst>
+            </a:custGeom>
+            <a:ln w="13550" cap="flat">
+              <a:solidFill>
+                <a:srgbClr val="BEBEBE">
+                  <a:alpha val="100000"/>
+                </a:srgbClr>
+              </a:solidFill>
+              <a:prstDash val="solid"/>
+              <a:round/>
+            </a:ln>
+          </p:spPr>
+          <p:txBody>
+            <a:bodyPr/>
+            <a:lstStyle/>
+            <a:p/>
+          </p:txBody>
+        </p:sp>
+        <p:sp>
+          <p:nvSpPr>
+            <p:cNvPr id="108" name="pl108"/>
+            <p:cNvSpPr/>
+            <p:nvPr/>
+          </p:nvSpPr>
+          <p:spPr>
+            <a:xfrm>
+              <a:off x="1706272" y="2402236"/>
+              <a:ext cx="1051432" cy="0"/>
+            </a:xfrm>
+            <a:custGeom>
+              <a:avLst/>
+              <a:pathLst>
+                <a:path w="1051432" h="0">
+                  <a:moveTo>
+                    <a:pt x="0" y="0"/>
+                  </a:moveTo>
+                  <a:lnTo>
+                    <a:pt x="1051432" y="0"/>
+                  </a:lnTo>
+                  <a:lnTo>
+                    <a:pt x="1051432" y="0"/>
+                  </a:lnTo>
+                </a:path>
+              </a:pathLst>
+            </a:custGeom>
+            <a:ln w="13550" cap="flat">
+              <a:solidFill>
+                <a:srgbClr val="000000">
+                  <a:alpha val="100000"/>
+                </a:srgbClr>
+              </a:solidFill>
+              <a:prstDash val="solid"/>
+              <a:round/>
+            </a:ln>
+          </p:spPr>
+          <p:txBody>
+            <a:bodyPr/>
+            <a:lstStyle/>
+            <a:p/>
+          </p:txBody>
+        </p:sp>
+        <p:sp>
+          <p:nvSpPr>
+            <p:cNvPr id="109" name="pl109"/>
+            <p:cNvSpPr/>
+            <p:nvPr/>
+          </p:nvSpPr>
+          <p:spPr>
+            <a:xfrm>
+              <a:off x="1827591" y="1553786"/>
+              <a:ext cx="202198" cy="148478"/>
+            </a:xfrm>
+            <a:custGeom>
+              <a:avLst/>
+              <a:pathLst>
+                <a:path w="202198" h="148478">
+                  <a:moveTo>
+                    <a:pt x="0" y="148478"/>
+                  </a:moveTo>
+                  <a:lnTo>
+                    <a:pt x="202198" y="0"/>
+                  </a:lnTo>
+                </a:path>
+              </a:pathLst>
+            </a:custGeom>
+            <a:ln w="13550" cap="flat">
+              <a:solidFill>
                 <a:srgbClr val="F8766D">
                   <a:alpha val="100000"/>
                 </a:srgbClr>
@@ -6277,13 +7180,13 @@
         </p:sp>
         <p:sp>
           <p:nvSpPr>
-            <p:cNvPr id="89" name="pt89"/>
-            <p:cNvSpPr/>
-            <p:nvPr/>
-          </p:nvSpPr>
-          <p:spPr>
-            <a:xfrm>
-              <a:off x="1802765" y="1663859"/>
+            <p:cNvPr id="110" name="pt110"/>
+            <p:cNvSpPr/>
+            <p:nvPr/>
+          </p:nvSpPr>
+          <p:spPr>
+            <a:xfrm>
+              <a:off x="1802765" y="1677439"/>
               <a:ext cx="49651" cy="49651"/>
             </a:xfrm>
             <a:prstGeom prst="ellipse">
@@ -6312,7 +7215,7 @@
         </p:sp>
         <p:sp>
           <p:nvSpPr>
-            <p:cNvPr id="90" name="pt90"/>
+            <p:cNvPr id="111" name="pt111"/>
             <p:cNvSpPr/>
             <p:nvPr/>
           </p:nvSpPr>
@@ -6347,7 +7250,7 @@
         </p:sp>
         <p:sp>
           <p:nvSpPr>
-            <p:cNvPr id="91" name="rc91"/>
+            <p:cNvPr id="112" name="rc112"/>
             <p:cNvSpPr/>
             <p:nvPr/>
           </p:nvSpPr>
@@ -6373,13 +7276,13 @@
         </p:sp>
         <p:sp>
           <p:nvSpPr>
-            <p:cNvPr id="92" name="pl92"/>
-            <p:cNvSpPr/>
-            <p:nvPr/>
-          </p:nvSpPr>
-          <p:spPr>
-            <a:xfrm>
-              <a:off x="2827293" y="2333546"/>
+            <p:cNvPr id="113" name="pl113"/>
+            <p:cNvSpPr/>
+            <p:nvPr/>
+          </p:nvSpPr>
+          <p:spPr>
+            <a:xfrm>
+              <a:off x="2827293" y="2614349"/>
               <a:ext cx="1051432" cy="0"/>
             </a:xfrm>
             <a:custGeom>
@@ -6416,13 +7319,13 @@
         </p:sp>
         <p:sp>
           <p:nvSpPr>
-            <p:cNvPr id="93" name="pl93"/>
-            <p:cNvSpPr/>
-            <p:nvPr/>
-          </p:nvSpPr>
-          <p:spPr>
-            <a:xfrm>
-              <a:off x="2827293" y="1943666"/>
+            <p:cNvPr id="114" name="pl114"/>
+            <p:cNvSpPr/>
+            <p:nvPr/>
+          </p:nvSpPr>
+          <p:spPr>
+            <a:xfrm>
+              <a:off x="2827293" y="2402236"/>
               <a:ext cx="1051432" cy="0"/>
             </a:xfrm>
             <a:custGeom>
@@ -6459,13 +7362,13 @@
         </p:sp>
         <p:sp>
           <p:nvSpPr>
-            <p:cNvPr id="94" name="pl94"/>
-            <p:cNvSpPr/>
-            <p:nvPr/>
-          </p:nvSpPr>
-          <p:spPr>
-            <a:xfrm>
-              <a:off x="2827293" y="1553786"/>
+            <p:cNvPr id="115" name="pl115"/>
+            <p:cNvSpPr/>
+            <p:nvPr/>
+          </p:nvSpPr>
+          <p:spPr>
+            <a:xfrm>
+              <a:off x="2827293" y="2190124"/>
               <a:ext cx="1051432" cy="0"/>
             </a:xfrm>
             <a:custGeom>
@@ -6502,13 +7405,13 @@
         </p:sp>
         <p:sp>
           <p:nvSpPr>
-            <p:cNvPr id="95" name="pl95"/>
-            <p:cNvSpPr/>
-            <p:nvPr/>
-          </p:nvSpPr>
-          <p:spPr>
-            <a:xfrm>
-              <a:off x="2827293" y="2333546"/>
+            <p:cNvPr id="116" name="pl116"/>
+            <p:cNvSpPr/>
+            <p:nvPr/>
+          </p:nvSpPr>
+          <p:spPr>
+            <a:xfrm>
+              <a:off x="2827293" y="1978011"/>
               <a:ext cx="1051432" cy="0"/>
             </a:xfrm>
             <a:custGeom>
@@ -6529,104 +7432,233 @@
             </a:custGeom>
             <a:ln w="13550" cap="flat">
               <a:solidFill>
-                <a:srgbClr val="000000">
-                  <a:alpha val="100000"/>
-                </a:srgbClr>
-              </a:solidFill>
-              <a:prstDash val="solid"/>
-              <a:round/>
-            </a:ln>
-          </p:spPr>
-          <p:txBody>
-            <a:bodyPr/>
-            <a:lstStyle/>
-            <a:p/>
-          </p:txBody>
-        </p:sp>
-        <p:sp>
-          <p:nvSpPr>
-            <p:cNvPr id="96" name="pl96"/>
-            <p:cNvSpPr/>
-            <p:nvPr/>
-          </p:nvSpPr>
-          <p:spPr>
-            <a:xfrm>
-              <a:off x="2948612" y="1694143"/>
-              <a:ext cx="808794" cy="62380"/>
+                <a:srgbClr val="BEBEBE">
+                  <a:alpha val="100000"/>
+                </a:srgbClr>
+              </a:solidFill>
+              <a:prstDash val="solid"/>
+              <a:round/>
+            </a:ln>
+          </p:spPr>
+          <p:txBody>
+            <a:bodyPr/>
+            <a:lstStyle/>
+            <a:p/>
+          </p:txBody>
+        </p:sp>
+        <p:sp>
+          <p:nvSpPr>
+            <p:cNvPr id="117" name="pl117"/>
+            <p:cNvSpPr/>
+            <p:nvPr/>
+          </p:nvSpPr>
+          <p:spPr>
+            <a:xfrm>
+              <a:off x="2827293" y="1765899"/>
+              <a:ext cx="1051432" cy="0"/>
             </a:xfrm>
             <a:custGeom>
               <a:avLst/>
               <a:pathLst>
-                <a:path w="808794" h="62380">
+                <a:path w="1051432" h="0">
                   <a:moveTo>
-                    <a:pt x="0" y="62380"/>
+                    <a:pt x="0" y="0"/>
                   </a:moveTo>
                   <a:lnTo>
-                    <a:pt x="202198" y="24952"/>
-                  </a:lnTo>
-                  <a:lnTo>
-                    <a:pt x="404397" y="35089"/>
-                  </a:lnTo>
-                  <a:lnTo>
-                    <a:pt x="606595" y="3898"/>
-                  </a:lnTo>
-                  <a:lnTo>
-                    <a:pt x="808794" y="0"/>
+                    <a:pt x="1051432" y="0"/>
+                  </a:lnTo>
+                  <a:lnTo>
+                    <a:pt x="1051432" y="0"/>
                   </a:lnTo>
                 </a:path>
               </a:pathLst>
             </a:custGeom>
             <a:ln w="13550" cap="flat">
               <a:solidFill>
-                <a:srgbClr val="00BA38">
-                  <a:alpha val="100000"/>
-                </a:srgbClr>
-              </a:solidFill>
-              <a:prstDash val="solid"/>
-              <a:round/>
-            </a:ln>
-          </p:spPr>
-          <p:txBody>
-            <a:bodyPr/>
-            <a:lstStyle/>
-            <a:p/>
-          </p:txBody>
-        </p:sp>
-        <p:sp>
-          <p:nvSpPr>
-            <p:cNvPr id="97" name="pl97"/>
-            <p:cNvSpPr/>
-            <p:nvPr/>
-          </p:nvSpPr>
-          <p:spPr>
-            <a:xfrm>
-              <a:off x="2948612" y="1624745"/>
-              <a:ext cx="808794" cy="711140"/>
+                <a:srgbClr val="BEBEBE">
+                  <a:alpha val="100000"/>
+                </a:srgbClr>
+              </a:solidFill>
+              <a:prstDash val="solid"/>
+              <a:round/>
+            </a:ln>
+          </p:spPr>
+          <p:txBody>
+            <a:bodyPr/>
+            <a:lstStyle/>
+            <a:p/>
+          </p:txBody>
+        </p:sp>
+        <p:sp>
+          <p:nvSpPr>
+            <p:cNvPr id="118" name="pl118"/>
+            <p:cNvSpPr/>
+            <p:nvPr/>
+          </p:nvSpPr>
+          <p:spPr>
+            <a:xfrm>
+              <a:off x="2827293" y="1553786"/>
+              <a:ext cx="1051432" cy="0"/>
             </a:xfrm>
             <a:custGeom>
               <a:avLst/>
               <a:pathLst>
-                <a:path w="808794" h="711140">
+                <a:path w="1051432" h="0">
                   <a:moveTo>
-                    <a:pt x="0" y="649539"/>
+                    <a:pt x="0" y="0"/>
                   </a:moveTo>
                   <a:lnTo>
-                    <a:pt x="202198" y="711140"/>
-                  </a:lnTo>
-                  <a:lnTo>
-                    <a:pt x="404397" y="635504"/>
-                  </a:lnTo>
-                  <a:lnTo>
-                    <a:pt x="606595" y="175445"/>
-                  </a:lnTo>
-                  <a:lnTo>
-                    <a:pt x="808794" y="0"/>
+                    <a:pt x="1051432" y="0"/>
+                  </a:lnTo>
+                  <a:lnTo>
+                    <a:pt x="1051432" y="0"/>
                   </a:lnTo>
                 </a:path>
               </a:pathLst>
             </a:custGeom>
             <a:ln w="13550" cap="flat">
               <a:solidFill>
+                <a:srgbClr val="BEBEBE">
+                  <a:alpha val="100000"/>
+                </a:srgbClr>
+              </a:solidFill>
+              <a:prstDash val="solid"/>
+              <a:round/>
+            </a:ln>
+          </p:spPr>
+          <p:txBody>
+            <a:bodyPr/>
+            <a:lstStyle/>
+            <a:p/>
+          </p:txBody>
+        </p:sp>
+        <p:sp>
+          <p:nvSpPr>
+            <p:cNvPr id="119" name="pl119"/>
+            <p:cNvSpPr/>
+            <p:nvPr/>
+          </p:nvSpPr>
+          <p:spPr>
+            <a:xfrm>
+              <a:off x="2827293" y="2402236"/>
+              <a:ext cx="1051432" cy="0"/>
+            </a:xfrm>
+            <a:custGeom>
+              <a:avLst/>
+              <a:pathLst>
+                <a:path w="1051432" h="0">
+                  <a:moveTo>
+                    <a:pt x="0" y="0"/>
+                  </a:moveTo>
+                  <a:lnTo>
+                    <a:pt x="1051432" y="0"/>
+                  </a:lnTo>
+                  <a:lnTo>
+                    <a:pt x="1051432" y="0"/>
+                  </a:lnTo>
+                </a:path>
+              </a:pathLst>
+            </a:custGeom>
+            <a:ln w="13550" cap="flat">
+              <a:solidFill>
+                <a:srgbClr val="000000">
+                  <a:alpha val="100000"/>
+                </a:srgbClr>
+              </a:solidFill>
+              <a:prstDash val="solid"/>
+              <a:round/>
+            </a:ln>
+          </p:spPr>
+          <p:txBody>
+            <a:bodyPr/>
+            <a:lstStyle/>
+            <a:p/>
+          </p:txBody>
+        </p:sp>
+        <p:sp>
+          <p:nvSpPr>
+            <p:cNvPr id="120" name="pl120"/>
+            <p:cNvSpPr/>
+            <p:nvPr/>
+          </p:nvSpPr>
+          <p:spPr>
+            <a:xfrm>
+              <a:off x="2948612" y="1682751"/>
+              <a:ext cx="808794" cy="93329"/>
+            </a:xfrm>
+            <a:custGeom>
+              <a:avLst/>
+              <a:pathLst>
+                <a:path w="808794" h="93329">
+                  <a:moveTo>
+                    <a:pt x="0" y="93329"/>
+                  </a:moveTo>
+                  <a:lnTo>
+                    <a:pt x="202198" y="50906"/>
+                  </a:lnTo>
+                  <a:lnTo>
+                    <a:pt x="404397" y="66179"/>
+                  </a:lnTo>
+                  <a:lnTo>
+                    <a:pt x="606595" y="11029"/>
+                  </a:lnTo>
+                  <a:lnTo>
+                    <a:pt x="808794" y="0"/>
+                  </a:lnTo>
+                </a:path>
+              </a:pathLst>
+            </a:custGeom>
+            <a:ln w="13550" cap="flat">
+              <a:solidFill>
+                <a:srgbClr val="00BA38">
+                  <a:alpha val="100000"/>
+                </a:srgbClr>
+              </a:solidFill>
+              <a:prstDash val="solid"/>
+              <a:round/>
+            </a:ln>
+          </p:spPr>
+          <p:txBody>
+            <a:bodyPr/>
+            <a:lstStyle/>
+            <a:p/>
+          </p:txBody>
+        </p:sp>
+        <p:sp>
+          <p:nvSpPr>
+            <p:cNvPr id="121" name="pl121"/>
+            <p:cNvSpPr/>
+            <p:nvPr/>
+          </p:nvSpPr>
+          <p:spPr>
+            <a:xfrm>
+              <a:off x="2948612" y="1619117"/>
+              <a:ext cx="808794" cy="787361"/>
+            </a:xfrm>
+            <a:custGeom>
+              <a:avLst/>
+              <a:pathLst>
+                <a:path w="808794" h="787361">
+                  <a:moveTo>
+                    <a:pt x="0" y="724576"/>
+                  </a:moveTo>
+                  <a:lnTo>
+                    <a:pt x="202198" y="787361"/>
+                  </a:lnTo>
+                  <a:lnTo>
+                    <a:pt x="404397" y="720333"/>
+                  </a:lnTo>
+                  <a:lnTo>
+                    <a:pt x="606595" y="173083"/>
+                  </a:lnTo>
+                  <a:lnTo>
+                    <a:pt x="808794" y="0"/>
+                  </a:lnTo>
+                </a:path>
+              </a:pathLst>
+            </a:custGeom>
+            <a:ln w="13550" cap="flat">
+              <a:solidFill>
                 <a:srgbClr val="619CFF">
                   <a:alpha val="100000"/>
                 </a:srgbClr>
@@ -6643,7 +7675,7 @@
         </p:sp>
         <p:sp>
           <p:nvSpPr>
-            <p:cNvPr id="98" name="pt98"/>
+            <p:cNvPr id="122" name="pt122"/>
             <p:cNvSpPr/>
             <p:nvPr/>
           </p:nvSpPr>
@@ -6678,13 +7710,13 @@
         </p:sp>
         <p:sp>
           <p:nvSpPr>
-            <p:cNvPr id="99" name="pt99"/>
-            <p:cNvSpPr/>
-            <p:nvPr/>
-          </p:nvSpPr>
-          <p:spPr>
-            <a:xfrm>
-              <a:off x="2923786" y="1731698"/>
+            <p:cNvPr id="123" name="pt123"/>
+            <p:cNvSpPr/>
+            <p:nvPr/>
+          </p:nvSpPr>
+          <p:spPr>
+            <a:xfrm>
+              <a:off x="2923786" y="1751254"/>
               <a:ext cx="49651" cy="49651"/>
             </a:xfrm>
             <a:prstGeom prst="ellipse">
@@ -6713,13 +7745,13 @@
         </p:sp>
         <p:sp>
           <p:nvSpPr>
-            <p:cNvPr id="100" name="pt100"/>
-            <p:cNvSpPr/>
-            <p:nvPr/>
-          </p:nvSpPr>
-          <p:spPr>
-            <a:xfrm>
-              <a:off x="2923786" y="2249458"/>
+            <p:cNvPr id="124" name="pt124"/>
+            <p:cNvSpPr/>
+            <p:nvPr/>
+          </p:nvSpPr>
+          <p:spPr>
+            <a:xfrm>
+              <a:off x="2923786" y="2318867"/>
               <a:ext cx="49651" cy="49651"/>
             </a:xfrm>
             <a:prstGeom prst="ellipse">
@@ -6748,13 +7780,13 @@
         </p:sp>
         <p:sp>
           <p:nvSpPr>
-            <p:cNvPr id="101" name="pt101"/>
-            <p:cNvSpPr/>
-            <p:nvPr/>
-          </p:nvSpPr>
-          <p:spPr>
-            <a:xfrm>
-              <a:off x="3125985" y="1694270"/>
+            <p:cNvPr id="125" name="pt125"/>
+            <p:cNvSpPr/>
+            <p:nvPr/>
+          </p:nvSpPr>
+          <p:spPr>
+            <a:xfrm>
+              <a:off x="3125985" y="1708832"/>
               <a:ext cx="49651" cy="49651"/>
             </a:xfrm>
             <a:prstGeom prst="ellipse">
@@ -6783,13 +7815,13 @@
         </p:sp>
         <p:sp>
           <p:nvSpPr>
-            <p:cNvPr id="102" name="pt102"/>
-            <p:cNvSpPr/>
-            <p:nvPr/>
-          </p:nvSpPr>
-          <p:spPr>
-            <a:xfrm>
-              <a:off x="3125985" y="2311059"/>
+            <p:cNvPr id="126" name="pt126"/>
+            <p:cNvSpPr/>
+            <p:nvPr/>
+          </p:nvSpPr>
+          <p:spPr>
+            <a:xfrm>
+              <a:off x="3125985" y="2381653"/>
               <a:ext cx="49651" cy="49651"/>
             </a:xfrm>
             <a:prstGeom prst="ellipse">
@@ -6818,13 +7850,13 @@
         </p:sp>
         <p:sp>
           <p:nvSpPr>
-            <p:cNvPr id="103" name="pt103"/>
-            <p:cNvSpPr/>
-            <p:nvPr/>
-          </p:nvSpPr>
-          <p:spPr>
-            <a:xfrm>
-              <a:off x="3328183" y="1704406"/>
+            <p:cNvPr id="127" name="pt127"/>
+            <p:cNvSpPr/>
+            <p:nvPr/>
+          </p:nvSpPr>
+          <p:spPr>
+            <a:xfrm>
+              <a:off x="3328183" y="1724104"/>
               <a:ext cx="49651" cy="49651"/>
             </a:xfrm>
             <a:prstGeom prst="ellipse">
@@ -6853,13 +7885,13 @@
         </p:sp>
         <p:sp>
           <p:nvSpPr>
-            <p:cNvPr id="104" name="pt104"/>
-            <p:cNvSpPr/>
-            <p:nvPr/>
-          </p:nvSpPr>
-          <p:spPr>
-            <a:xfrm>
-              <a:off x="3328183" y="2235423"/>
+            <p:cNvPr id="128" name="pt128"/>
+            <p:cNvSpPr/>
+            <p:nvPr/>
+          </p:nvSpPr>
+          <p:spPr>
+            <a:xfrm>
+              <a:off x="3328183" y="2314625"/>
               <a:ext cx="49651" cy="49651"/>
             </a:xfrm>
             <a:prstGeom prst="ellipse">
@@ -6888,13 +7920,13 @@
         </p:sp>
         <p:sp>
           <p:nvSpPr>
-            <p:cNvPr id="105" name="pt105"/>
-            <p:cNvSpPr/>
-            <p:nvPr/>
-          </p:nvSpPr>
-          <p:spPr>
-            <a:xfrm>
-              <a:off x="3530382" y="1673216"/>
+            <p:cNvPr id="129" name="pt129"/>
+            <p:cNvSpPr/>
+            <p:nvPr/>
+          </p:nvSpPr>
+          <p:spPr>
+            <a:xfrm>
+              <a:off x="3530382" y="1668955"/>
               <a:ext cx="49651" cy="49651"/>
             </a:xfrm>
             <a:prstGeom prst="ellipse">
@@ -6923,13 +7955,13 @@
         </p:sp>
         <p:sp>
           <p:nvSpPr>
-            <p:cNvPr id="106" name="pt106"/>
-            <p:cNvSpPr/>
-            <p:nvPr/>
-          </p:nvSpPr>
-          <p:spPr>
-            <a:xfrm>
-              <a:off x="3530382" y="1775365"/>
+            <p:cNvPr id="130" name="pt130"/>
+            <p:cNvSpPr/>
+            <p:nvPr/>
+          </p:nvSpPr>
+          <p:spPr>
+            <a:xfrm>
+              <a:off x="3530382" y="1767375"/>
               <a:ext cx="49651" cy="49651"/>
             </a:xfrm>
             <a:prstGeom prst="ellipse">
@@ -6958,13 +7990,13 @@
         </p:sp>
         <p:sp>
           <p:nvSpPr>
-            <p:cNvPr id="107" name="pt107"/>
-            <p:cNvSpPr/>
-            <p:nvPr/>
-          </p:nvSpPr>
-          <p:spPr>
-            <a:xfrm>
-              <a:off x="3732581" y="1669317"/>
+            <p:cNvPr id="131" name="pt131"/>
+            <p:cNvSpPr/>
+            <p:nvPr/>
+          </p:nvSpPr>
+          <p:spPr>
+            <a:xfrm>
+              <a:off x="3732581" y="1657925"/>
               <a:ext cx="49651" cy="49651"/>
             </a:xfrm>
             <a:prstGeom prst="ellipse">
@@ -6993,13 +8025,13 @@
         </p:sp>
         <p:sp>
           <p:nvSpPr>
-            <p:cNvPr id="108" name="pt108"/>
-            <p:cNvSpPr/>
-            <p:nvPr/>
-          </p:nvSpPr>
-          <p:spPr>
-            <a:xfrm>
-              <a:off x="3732581" y="1599919"/>
+            <p:cNvPr id="132" name="pt132"/>
+            <p:cNvSpPr/>
+            <p:nvPr/>
+          </p:nvSpPr>
+          <p:spPr>
+            <a:xfrm>
+              <a:off x="3732581" y="1594291"/>
               <a:ext cx="49651" cy="49651"/>
             </a:xfrm>
             <a:prstGeom prst="ellipse">
@@ -7028,7 +8060,7 @@
         </p:sp>
         <p:sp>
           <p:nvSpPr>
-            <p:cNvPr id="109" name="rc109"/>
+            <p:cNvPr id="133" name="rc133"/>
             <p:cNvSpPr/>
             <p:nvPr/>
           </p:nvSpPr>
@@ -7054,13 +8086,13 @@
         </p:sp>
         <p:sp>
           <p:nvSpPr>
-            <p:cNvPr id="110" name="pl110"/>
-            <p:cNvSpPr/>
-            <p:nvPr/>
-          </p:nvSpPr>
-          <p:spPr>
-            <a:xfrm>
-              <a:off x="3948315" y="2333546"/>
+            <p:cNvPr id="134" name="pl134"/>
+            <p:cNvSpPr/>
+            <p:nvPr/>
+          </p:nvSpPr>
+          <p:spPr>
+            <a:xfrm>
+              <a:off x="3948315" y="2614349"/>
               <a:ext cx="1051432" cy="0"/>
             </a:xfrm>
             <a:custGeom>
@@ -7097,13 +8129,13 @@
         </p:sp>
         <p:sp>
           <p:nvSpPr>
-            <p:cNvPr id="111" name="pl111"/>
-            <p:cNvSpPr/>
-            <p:nvPr/>
-          </p:nvSpPr>
-          <p:spPr>
-            <a:xfrm>
-              <a:off x="3948315" y="1943666"/>
+            <p:cNvPr id="135" name="pl135"/>
+            <p:cNvSpPr/>
+            <p:nvPr/>
+          </p:nvSpPr>
+          <p:spPr>
+            <a:xfrm>
+              <a:off x="3948315" y="2402236"/>
               <a:ext cx="1051432" cy="0"/>
             </a:xfrm>
             <a:custGeom>
@@ -7140,13 +8172,13 @@
         </p:sp>
         <p:sp>
           <p:nvSpPr>
-            <p:cNvPr id="112" name="pl112"/>
-            <p:cNvSpPr/>
-            <p:nvPr/>
-          </p:nvSpPr>
-          <p:spPr>
-            <a:xfrm>
-              <a:off x="3948315" y="1553786"/>
+            <p:cNvPr id="136" name="pl136"/>
+            <p:cNvSpPr/>
+            <p:nvPr/>
+          </p:nvSpPr>
+          <p:spPr>
+            <a:xfrm>
+              <a:off x="3948315" y="2190124"/>
               <a:ext cx="1051432" cy="0"/>
             </a:xfrm>
             <a:custGeom>
@@ -7183,13 +8215,13 @@
         </p:sp>
         <p:sp>
           <p:nvSpPr>
-            <p:cNvPr id="113" name="pl113"/>
-            <p:cNvSpPr/>
-            <p:nvPr/>
-          </p:nvSpPr>
-          <p:spPr>
-            <a:xfrm>
-              <a:off x="3948315" y="2333546"/>
+            <p:cNvPr id="137" name="pl137"/>
+            <p:cNvSpPr/>
+            <p:nvPr/>
+          </p:nvSpPr>
+          <p:spPr>
+            <a:xfrm>
+              <a:off x="3948315" y="1978011"/>
               <a:ext cx="1051432" cy="0"/>
             </a:xfrm>
             <a:custGeom>
@@ -7210,104 +8242,233 @@
             </a:custGeom>
             <a:ln w="13550" cap="flat">
               <a:solidFill>
-                <a:srgbClr val="000000">
-                  <a:alpha val="100000"/>
-                </a:srgbClr>
-              </a:solidFill>
-              <a:prstDash val="solid"/>
-              <a:round/>
-            </a:ln>
-          </p:spPr>
-          <p:txBody>
-            <a:bodyPr/>
-            <a:lstStyle/>
-            <a:p/>
-          </p:txBody>
-        </p:sp>
-        <p:sp>
-          <p:nvSpPr>
-            <p:cNvPr id="114" name="pl114"/>
-            <p:cNvSpPr/>
-            <p:nvPr/>
-          </p:nvSpPr>
-          <p:spPr>
-            <a:xfrm>
-              <a:off x="4069634" y="1613828"/>
-              <a:ext cx="808794" cy="244064"/>
+                <a:srgbClr val="BEBEBE">
+                  <a:alpha val="100000"/>
+                </a:srgbClr>
+              </a:solidFill>
+              <a:prstDash val="solid"/>
+              <a:round/>
+            </a:ln>
+          </p:spPr>
+          <p:txBody>
+            <a:bodyPr/>
+            <a:lstStyle/>
+            <a:p/>
+          </p:txBody>
+        </p:sp>
+        <p:sp>
+          <p:nvSpPr>
+            <p:cNvPr id="138" name="pl138"/>
+            <p:cNvSpPr/>
+            <p:nvPr/>
+          </p:nvSpPr>
+          <p:spPr>
+            <a:xfrm>
+              <a:off x="3948315" y="1765899"/>
+              <a:ext cx="1051432" cy="0"/>
             </a:xfrm>
             <a:custGeom>
               <a:avLst/>
               <a:pathLst>
-                <a:path w="808794" h="244064">
+                <a:path w="1051432" h="0">
                   <a:moveTo>
-                    <a:pt x="0" y="244064"/>
+                    <a:pt x="0" y="0"/>
                   </a:moveTo>
                   <a:lnTo>
-                    <a:pt x="202198" y="159850"/>
-                  </a:lnTo>
-                  <a:lnTo>
-                    <a:pt x="404397" y="173886"/>
-                  </a:lnTo>
-                  <a:lnTo>
-                    <a:pt x="606595" y="23392"/>
-                  </a:lnTo>
-                  <a:lnTo>
-                    <a:pt x="808794" y="0"/>
+                    <a:pt x="1051432" y="0"/>
+                  </a:lnTo>
+                  <a:lnTo>
+                    <a:pt x="1051432" y="0"/>
                   </a:lnTo>
                 </a:path>
               </a:pathLst>
             </a:custGeom>
             <a:ln w="13550" cap="flat">
               <a:solidFill>
-                <a:srgbClr val="619CFF">
-                  <a:alpha val="100000"/>
-                </a:srgbClr>
-              </a:solidFill>
-              <a:prstDash val="solid"/>
-              <a:round/>
-            </a:ln>
-          </p:spPr>
-          <p:txBody>
-            <a:bodyPr/>
-            <a:lstStyle/>
-            <a:p/>
-          </p:txBody>
-        </p:sp>
-        <p:sp>
-          <p:nvSpPr>
-            <p:cNvPr id="115" name="pl115"/>
-            <p:cNvSpPr/>
-            <p:nvPr/>
-          </p:nvSpPr>
-          <p:spPr>
-            <a:xfrm>
-              <a:off x="4069634" y="1591215"/>
-              <a:ext cx="808794" cy="368046"/>
+                <a:srgbClr val="BEBEBE">
+                  <a:alpha val="100000"/>
+                </a:srgbClr>
+              </a:solidFill>
+              <a:prstDash val="solid"/>
+              <a:round/>
+            </a:ln>
+          </p:spPr>
+          <p:txBody>
+            <a:bodyPr/>
+            <a:lstStyle/>
+            <a:p/>
+          </p:txBody>
+        </p:sp>
+        <p:sp>
+          <p:nvSpPr>
+            <p:cNvPr id="139" name="pl139"/>
+            <p:cNvSpPr/>
+            <p:nvPr/>
+          </p:nvSpPr>
+          <p:spPr>
+            <a:xfrm>
+              <a:off x="3948315" y="1553786"/>
+              <a:ext cx="1051432" cy="0"/>
             </a:xfrm>
             <a:custGeom>
               <a:avLst/>
               <a:pathLst>
-                <a:path w="808794" h="368046">
+                <a:path w="1051432" h="0">
                   <a:moveTo>
-                    <a:pt x="0" y="368046"/>
+                    <a:pt x="0" y="0"/>
                   </a:moveTo>
                   <a:lnTo>
-                    <a:pt x="202198" y="138797"/>
-                  </a:lnTo>
-                  <a:lnTo>
-                    <a:pt x="404397" y="149713"/>
-                  </a:lnTo>
-                  <a:lnTo>
-                    <a:pt x="606595" y="48345"/>
-                  </a:lnTo>
-                  <a:lnTo>
-                    <a:pt x="808794" y="0"/>
+                    <a:pt x="1051432" y="0"/>
+                  </a:lnTo>
+                  <a:lnTo>
+                    <a:pt x="1051432" y="0"/>
                   </a:lnTo>
                 </a:path>
               </a:pathLst>
             </a:custGeom>
             <a:ln w="13550" cap="flat">
               <a:solidFill>
+                <a:srgbClr val="BEBEBE">
+                  <a:alpha val="100000"/>
+                </a:srgbClr>
+              </a:solidFill>
+              <a:prstDash val="solid"/>
+              <a:round/>
+            </a:ln>
+          </p:spPr>
+          <p:txBody>
+            <a:bodyPr/>
+            <a:lstStyle/>
+            <a:p/>
+          </p:txBody>
+        </p:sp>
+        <p:sp>
+          <p:nvSpPr>
+            <p:cNvPr id="140" name="pl140"/>
+            <p:cNvSpPr/>
+            <p:nvPr/>
+          </p:nvSpPr>
+          <p:spPr>
+            <a:xfrm>
+              <a:off x="3948315" y="2402236"/>
+              <a:ext cx="1051432" cy="0"/>
+            </a:xfrm>
+            <a:custGeom>
+              <a:avLst/>
+              <a:pathLst>
+                <a:path w="1051432" h="0">
+                  <a:moveTo>
+                    <a:pt x="0" y="0"/>
+                  </a:moveTo>
+                  <a:lnTo>
+                    <a:pt x="1051432" y="0"/>
+                  </a:lnTo>
+                  <a:lnTo>
+                    <a:pt x="1051432" y="0"/>
+                  </a:lnTo>
+                </a:path>
+              </a:pathLst>
+            </a:custGeom>
+            <a:ln w="13550" cap="flat">
+              <a:solidFill>
+                <a:srgbClr val="000000">
+                  <a:alpha val="100000"/>
+                </a:srgbClr>
+              </a:solidFill>
+              <a:prstDash val="solid"/>
+              <a:round/>
+            </a:ln>
+          </p:spPr>
+          <p:txBody>
+            <a:bodyPr/>
+            <a:lstStyle/>
+            <a:p/>
+          </p:txBody>
+        </p:sp>
+        <p:sp>
+          <p:nvSpPr>
+            <p:cNvPr id="141" name="pl141"/>
+            <p:cNvSpPr/>
+            <p:nvPr/>
+          </p:nvSpPr>
+          <p:spPr>
+            <a:xfrm>
+              <a:off x="4069634" y="1608936"/>
+              <a:ext cx="808794" cy="278291"/>
+            </a:xfrm>
+            <a:custGeom>
+              <a:avLst/>
+              <a:pathLst>
+                <a:path w="808794" h="278291">
+                  <a:moveTo>
+                    <a:pt x="0" y="278291"/>
+                  </a:moveTo>
+                  <a:lnTo>
+                    <a:pt x="202198" y="184962"/>
+                  </a:lnTo>
+                  <a:lnTo>
+                    <a:pt x="404397" y="204476"/>
+                  </a:lnTo>
+                  <a:lnTo>
+                    <a:pt x="606595" y="26301"/>
+                  </a:lnTo>
+                  <a:lnTo>
+                    <a:pt x="808794" y="0"/>
+                  </a:lnTo>
+                </a:path>
+              </a:pathLst>
+            </a:custGeom>
+            <a:ln w="13550" cap="flat">
+              <a:solidFill>
+                <a:srgbClr val="619CFF">
+                  <a:alpha val="100000"/>
+                </a:srgbClr>
+              </a:solidFill>
+              <a:prstDash val="solid"/>
+              <a:round/>
+            </a:ln>
+          </p:spPr>
+          <p:txBody>
+            <a:bodyPr/>
+            <a:lstStyle/>
+            <a:p/>
+          </p:txBody>
+        </p:sp>
+        <p:sp>
+          <p:nvSpPr>
+            <p:cNvPr id="142" name="pl142"/>
+            <p:cNvSpPr/>
+            <p:nvPr/>
+          </p:nvSpPr>
+          <p:spPr>
+            <a:xfrm>
+              <a:off x="4069634" y="1587724"/>
+              <a:ext cx="808794" cy="410649"/>
+            </a:xfrm>
+            <a:custGeom>
+              <a:avLst/>
+              <a:pathLst>
+                <a:path w="808794" h="410649">
+                  <a:moveTo>
+                    <a:pt x="0" y="410649"/>
+                  </a:moveTo>
+                  <a:lnTo>
+                    <a:pt x="202198" y="157811"/>
+                  </a:lnTo>
+                  <a:lnTo>
+                    <a:pt x="404397" y="173932"/>
+                  </a:lnTo>
+                  <a:lnTo>
+                    <a:pt x="606595" y="49210"/>
+                  </a:lnTo>
+                  <a:lnTo>
+                    <a:pt x="808794" y="0"/>
+                  </a:lnTo>
+                </a:path>
+              </a:pathLst>
+            </a:custGeom>
+            <a:ln w="13550" cap="flat">
+              <a:solidFill>
                 <a:srgbClr val="00BA38">
                   <a:alpha val="100000"/>
                 </a:srgbClr>
@@ -7324,7 +8485,7 @@
         </p:sp>
         <p:sp>
           <p:nvSpPr>
-            <p:cNvPr id="116" name="pt116"/>
+            <p:cNvPr id="143" name="pt143"/>
             <p:cNvSpPr/>
             <p:nvPr/>
           </p:nvSpPr>
@@ -7359,13 +8520,13 @@
         </p:sp>
         <p:sp>
           <p:nvSpPr>
-            <p:cNvPr id="117" name="pt117"/>
-            <p:cNvSpPr/>
-            <p:nvPr/>
-          </p:nvSpPr>
-          <p:spPr>
-            <a:xfrm>
-              <a:off x="4044808" y="1934436"/>
+            <p:cNvPr id="144" name="pt144"/>
+            <p:cNvSpPr/>
+            <p:nvPr/>
+          </p:nvSpPr>
+          <p:spPr>
+            <a:xfrm>
+              <a:off x="4044808" y="1973548"/>
               <a:ext cx="49651" cy="49651"/>
             </a:xfrm>
             <a:prstGeom prst="ellipse">
@@ -7394,13 +8555,13 @@
         </p:sp>
         <p:sp>
           <p:nvSpPr>
-            <p:cNvPr id="118" name="pt118"/>
-            <p:cNvSpPr/>
-            <p:nvPr/>
-          </p:nvSpPr>
-          <p:spPr>
-            <a:xfrm>
-              <a:off x="4044808" y="1833067"/>
+            <p:cNvPr id="145" name="pt145"/>
+            <p:cNvSpPr/>
+            <p:nvPr/>
+          </p:nvSpPr>
+          <p:spPr>
+            <a:xfrm>
+              <a:off x="4044808" y="1862401"/>
               <a:ext cx="49651" cy="49651"/>
             </a:xfrm>
             <a:prstGeom prst="ellipse">
@@ -7429,13 +8590,13 @@
         </p:sp>
         <p:sp>
           <p:nvSpPr>
-            <p:cNvPr id="119" name="pt119"/>
-            <p:cNvSpPr/>
-            <p:nvPr/>
-          </p:nvSpPr>
-          <p:spPr>
-            <a:xfrm>
-              <a:off x="4247006" y="1705186"/>
+            <p:cNvPr id="146" name="pt146"/>
+            <p:cNvSpPr/>
+            <p:nvPr/>
+          </p:nvSpPr>
+          <p:spPr>
+            <a:xfrm>
+              <a:off x="4247006" y="1720710"/>
               <a:ext cx="49651" cy="49651"/>
             </a:xfrm>
             <a:prstGeom prst="ellipse">
@@ -7464,13 +8625,13 @@
         </p:sp>
         <p:sp>
           <p:nvSpPr>
-            <p:cNvPr id="120" name="pt120"/>
-            <p:cNvSpPr/>
-            <p:nvPr/>
-          </p:nvSpPr>
-          <p:spPr>
-            <a:xfrm>
-              <a:off x="4247006" y="1748853"/>
+            <p:cNvPr id="147" name="pt147"/>
+            <p:cNvSpPr/>
+            <p:nvPr/>
+          </p:nvSpPr>
+          <p:spPr>
+            <a:xfrm>
+              <a:off x="4247006" y="1769072"/>
               <a:ext cx="49651" cy="49651"/>
             </a:xfrm>
             <a:prstGeom prst="ellipse">
@@ -7499,13 +8660,13 @@
         </p:sp>
         <p:sp>
           <p:nvSpPr>
-            <p:cNvPr id="121" name="pt121"/>
-            <p:cNvSpPr/>
-            <p:nvPr/>
-          </p:nvSpPr>
-          <p:spPr>
-            <a:xfrm>
-              <a:off x="4449205" y="1716103"/>
+            <p:cNvPr id="148" name="pt148"/>
+            <p:cNvSpPr/>
+            <p:nvPr/>
+          </p:nvSpPr>
+          <p:spPr>
+            <a:xfrm>
+              <a:off x="4449205" y="1736831"/>
               <a:ext cx="49651" cy="49651"/>
             </a:xfrm>
             <a:prstGeom prst="ellipse">
@@ -7534,13 +8695,13 @@
         </p:sp>
         <p:sp>
           <p:nvSpPr>
-            <p:cNvPr id="122" name="pt122"/>
-            <p:cNvSpPr/>
-            <p:nvPr/>
-          </p:nvSpPr>
-          <p:spPr>
-            <a:xfrm>
-              <a:off x="4449205" y="1762888"/>
+            <p:cNvPr id="149" name="pt149"/>
+            <p:cNvSpPr/>
+            <p:nvPr/>
+          </p:nvSpPr>
+          <p:spPr>
+            <a:xfrm>
+              <a:off x="4449205" y="1788586"/>
               <a:ext cx="49651" cy="49651"/>
             </a:xfrm>
             <a:prstGeom prst="ellipse">
@@ -7569,13 +8730,13 @@
         </p:sp>
         <p:sp>
           <p:nvSpPr>
-            <p:cNvPr id="123" name="pt123"/>
-            <p:cNvSpPr/>
-            <p:nvPr/>
-          </p:nvSpPr>
-          <p:spPr>
-            <a:xfrm>
-              <a:off x="4651404" y="1614734"/>
+            <p:cNvPr id="150" name="pt150"/>
+            <p:cNvSpPr/>
+            <p:nvPr/>
+          </p:nvSpPr>
+          <p:spPr>
+            <a:xfrm>
+              <a:off x="4651404" y="1612109"/>
               <a:ext cx="49651" cy="49651"/>
             </a:xfrm>
             <a:prstGeom prst="ellipse">
@@ -7604,13 +8765,13 @@
         </p:sp>
         <p:sp>
           <p:nvSpPr>
-            <p:cNvPr id="124" name="pt124"/>
-            <p:cNvSpPr/>
-            <p:nvPr/>
-          </p:nvSpPr>
-          <p:spPr>
-            <a:xfrm>
-              <a:off x="4651404" y="1612395"/>
+            <p:cNvPr id="151" name="pt151"/>
+            <p:cNvSpPr/>
+            <p:nvPr/>
+          </p:nvSpPr>
+          <p:spPr>
+            <a:xfrm>
+              <a:off x="4651404" y="1610412"/>
               <a:ext cx="49651" cy="49651"/>
             </a:xfrm>
             <a:prstGeom prst="ellipse">
@@ -7639,13 +8800,13 @@
         </p:sp>
         <p:sp>
           <p:nvSpPr>
-            <p:cNvPr id="125" name="pt125"/>
-            <p:cNvSpPr/>
-            <p:nvPr/>
-          </p:nvSpPr>
-          <p:spPr>
-            <a:xfrm>
-              <a:off x="4853602" y="1566389"/>
+            <p:cNvPr id="152" name="pt152"/>
+            <p:cNvSpPr/>
+            <p:nvPr/>
+          </p:nvSpPr>
+          <p:spPr>
+            <a:xfrm>
+              <a:off x="4853602" y="1562899"/>
               <a:ext cx="49651" cy="49651"/>
             </a:xfrm>
             <a:prstGeom prst="ellipse">
@@ -7674,13 +8835,13 @@
         </p:sp>
         <p:sp>
           <p:nvSpPr>
-            <p:cNvPr id="126" name="pt126"/>
-            <p:cNvSpPr/>
-            <p:nvPr/>
-          </p:nvSpPr>
-          <p:spPr>
-            <a:xfrm>
-              <a:off x="4853602" y="1589002"/>
+            <p:cNvPr id="153" name="pt153"/>
+            <p:cNvSpPr/>
+            <p:nvPr/>
+          </p:nvSpPr>
+          <p:spPr>
+            <a:xfrm>
+              <a:off x="4853602" y="1584110"/>
               <a:ext cx="49651" cy="49651"/>
             </a:xfrm>
             <a:prstGeom prst="ellipse">
@@ -7709,7 +8870,7 @@
         </p:sp>
         <p:sp>
           <p:nvSpPr>
-            <p:cNvPr id="127" name="rc127"/>
+            <p:cNvPr id="154" name="rc154"/>
             <p:cNvSpPr/>
             <p:nvPr/>
           </p:nvSpPr>
@@ -7735,13 +8896,13 @@
         </p:sp>
         <p:sp>
           <p:nvSpPr>
-            <p:cNvPr id="128" name="pl128"/>
-            <p:cNvSpPr/>
-            <p:nvPr/>
-          </p:nvSpPr>
-          <p:spPr>
-            <a:xfrm>
-              <a:off x="5069336" y="2333546"/>
+            <p:cNvPr id="155" name="pl155"/>
+            <p:cNvSpPr/>
+            <p:nvPr/>
+          </p:nvSpPr>
+          <p:spPr>
+            <a:xfrm>
+              <a:off x="5069336" y="2614349"/>
               <a:ext cx="1051432" cy="0"/>
             </a:xfrm>
             <a:custGeom>
@@ -7778,13 +8939,13 @@
         </p:sp>
         <p:sp>
           <p:nvSpPr>
-            <p:cNvPr id="129" name="pl129"/>
-            <p:cNvSpPr/>
-            <p:nvPr/>
-          </p:nvSpPr>
-          <p:spPr>
-            <a:xfrm>
-              <a:off x="5069336" y="1943666"/>
+            <p:cNvPr id="156" name="pl156"/>
+            <p:cNvSpPr/>
+            <p:nvPr/>
+          </p:nvSpPr>
+          <p:spPr>
+            <a:xfrm>
+              <a:off x="5069336" y="2402236"/>
               <a:ext cx="1051432" cy="0"/>
             </a:xfrm>
             <a:custGeom>
@@ -7821,13 +8982,13 @@
         </p:sp>
         <p:sp>
           <p:nvSpPr>
-            <p:cNvPr id="130" name="pl130"/>
-            <p:cNvSpPr/>
-            <p:nvPr/>
-          </p:nvSpPr>
-          <p:spPr>
-            <a:xfrm>
-              <a:off x="5069336" y="1553786"/>
+            <p:cNvPr id="157" name="pl157"/>
+            <p:cNvSpPr/>
+            <p:nvPr/>
+          </p:nvSpPr>
+          <p:spPr>
+            <a:xfrm>
+              <a:off x="5069336" y="2190124"/>
               <a:ext cx="1051432" cy="0"/>
             </a:xfrm>
             <a:custGeom>
@@ -7864,13 +9025,13 @@
         </p:sp>
         <p:sp>
           <p:nvSpPr>
-            <p:cNvPr id="131" name="pl131"/>
-            <p:cNvSpPr/>
-            <p:nvPr/>
-          </p:nvSpPr>
-          <p:spPr>
-            <a:xfrm>
-              <a:off x="5069336" y="2333546"/>
+            <p:cNvPr id="158" name="pl158"/>
+            <p:cNvSpPr/>
+            <p:nvPr/>
+          </p:nvSpPr>
+          <p:spPr>
+            <a:xfrm>
+              <a:off x="5069336" y="1978011"/>
               <a:ext cx="1051432" cy="0"/>
             </a:xfrm>
             <a:custGeom>
@@ -7891,104 +9052,233 @@
             </a:custGeom>
             <a:ln w="13550" cap="flat">
               <a:solidFill>
-                <a:srgbClr val="000000">
-                  <a:alpha val="100000"/>
-                </a:srgbClr>
-              </a:solidFill>
-              <a:prstDash val="solid"/>
-              <a:round/>
-            </a:ln>
-          </p:spPr>
-          <p:txBody>
-            <a:bodyPr/>
-            <a:lstStyle/>
-            <a:p/>
-          </p:txBody>
-        </p:sp>
-        <p:sp>
-          <p:nvSpPr>
-            <p:cNvPr id="132" name="pl132"/>
-            <p:cNvSpPr/>
-            <p:nvPr/>
-          </p:nvSpPr>
-          <p:spPr>
-            <a:xfrm>
-              <a:off x="5190655" y="1597453"/>
-              <a:ext cx="808794" cy="767283"/>
+                <a:srgbClr val="BEBEBE">
+                  <a:alpha val="100000"/>
+                </a:srgbClr>
+              </a:solidFill>
+              <a:prstDash val="solid"/>
+              <a:round/>
+            </a:ln>
+          </p:spPr>
+          <p:txBody>
+            <a:bodyPr/>
+            <a:lstStyle/>
+            <a:p/>
+          </p:txBody>
+        </p:sp>
+        <p:sp>
+          <p:nvSpPr>
+            <p:cNvPr id="159" name="pl159"/>
+            <p:cNvSpPr/>
+            <p:nvPr/>
+          </p:nvSpPr>
+          <p:spPr>
+            <a:xfrm>
+              <a:off x="5069336" y="1765899"/>
+              <a:ext cx="1051432" cy="0"/>
             </a:xfrm>
             <a:custGeom>
               <a:avLst/>
               <a:pathLst>
-                <a:path w="808794" h="767283">
+                <a:path w="1051432" h="0">
                   <a:moveTo>
-                    <a:pt x="0" y="767283"/>
+                    <a:pt x="0" y="0"/>
                   </a:moveTo>
                   <a:lnTo>
-                    <a:pt x="202198" y="660456"/>
-                  </a:lnTo>
-                  <a:lnTo>
-                    <a:pt x="404397" y="704122"/>
-                  </a:lnTo>
-                  <a:lnTo>
-                    <a:pt x="606595" y="371945"/>
-                  </a:lnTo>
-                  <a:lnTo>
-                    <a:pt x="808794" y="0"/>
+                    <a:pt x="1051432" y="0"/>
+                  </a:lnTo>
+                  <a:lnTo>
+                    <a:pt x="1051432" y="0"/>
                   </a:lnTo>
                 </a:path>
               </a:pathLst>
             </a:custGeom>
             <a:ln w="13550" cap="flat">
               <a:solidFill>
-                <a:srgbClr val="00BA38">
-                  <a:alpha val="100000"/>
-                </a:srgbClr>
-              </a:solidFill>
-              <a:prstDash val="solid"/>
-              <a:round/>
-            </a:ln>
-          </p:spPr>
-          <p:txBody>
-            <a:bodyPr/>
-            <a:lstStyle/>
-            <a:p/>
-          </p:txBody>
-        </p:sp>
-        <p:sp>
-          <p:nvSpPr>
-            <p:cNvPr id="133" name="pl133"/>
-            <p:cNvSpPr/>
-            <p:nvPr/>
-          </p:nvSpPr>
-          <p:spPr>
-            <a:xfrm>
-              <a:off x="5190655" y="1874268"/>
-              <a:ext cx="808794" cy="490468"/>
+                <a:srgbClr val="BEBEBE">
+                  <a:alpha val="100000"/>
+                </a:srgbClr>
+              </a:solidFill>
+              <a:prstDash val="solid"/>
+              <a:round/>
+            </a:ln>
+          </p:spPr>
+          <p:txBody>
+            <a:bodyPr/>
+            <a:lstStyle/>
+            <a:p/>
+          </p:txBody>
+        </p:sp>
+        <p:sp>
+          <p:nvSpPr>
+            <p:cNvPr id="160" name="pl160"/>
+            <p:cNvSpPr/>
+            <p:nvPr/>
+          </p:nvSpPr>
+          <p:spPr>
+            <a:xfrm>
+              <a:off x="5069336" y="1553786"/>
+              <a:ext cx="1051432" cy="0"/>
             </a:xfrm>
             <a:custGeom>
               <a:avLst/>
               <a:pathLst>
-                <a:path w="808794" h="490468">
+                <a:path w="1051432" h="0">
                   <a:moveTo>
-                    <a:pt x="0" y="490468"/>
+                    <a:pt x="0" y="0"/>
                   </a:moveTo>
                   <a:lnTo>
-                    <a:pt x="202198" y="9357"/>
-                  </a:lnTo>
-                  <a:lnTo>
-                    <a:pt x="404397" y="30410"/>
-                  </a:lnTo>
-                  <a:lnTo>
-                    <a:pt x="606595" y="15595"/>
-                  </a:lnTo>
-                  <a:lnTo>
-                    <a:pt x="808794" y="0"/>
+                    <a:pt x="1051432" y="0"/>
+                  </a:lnTo>
+                  <a:lnTo>
+                    <a:pt x="1051432" y="0"/>
                   </a:lnTo>
                 </a:path>
               </a:pathLst>
             </a:custGeom>
             <a:ln w="13550" cap="flat">
               <a:solidFill>
+                <a:srgbClr val="BEBEBE">
+                  <a:alpha val="100000"/>
+                </a:srgbClr>
+              </a:solidFill>
+              <a:prstDash val="solid"/>
+              <a:round/>
+            </a:ln>
+          </p:spPr>
+          <p:txBody>
+            <a:bodyPr/>
+            <a:lstStyle/>
+            <a:p/>
+          </p:txBody>
+        </p:sp>
+        <p:sp>
+          <p:nvSpPr>
+            <p:cNvPr id="161" name="pl161"/>
+            <p:cNvSpPr/>
+            <p:nvPr/>
+          </p:nvSpPr>
+          <p:spPr>
+            <a:xfrm>
+              <a:off x="5069336" y="2402236"/>
+              <a:ext cx="1051432" cy="0"/>
+            </a:xfrm>
+            <a:custGeom>
+              <a:avLst/>
+              <a:pathLst>
+                <a:path w="1051432" h="0">
+                  <a:moveTo>
+                    <a:pt x="0" y="0"/>
+                  </a:moveTo>
+                  <a:lnTo>
+                    <a:pt x="1051432" y="0"/>
+                  </a:lnTo>
+                  <a:lnTo>
+                    <a:pt x="1051432" y="0"/>
+                  </a:lnTo>
+                </a:path>
+              </a:pathLst>
+            </a:custGeom>
+            <a:ln w="13550" cap="flat">
+              <a:solidFill>
+                <a:srgbClr val="000000">
+                  <a:alpha val="100000"/>
+                </a:srgbClr>
+              </a:solidFill>
+              <a:prstDash val="solid"/>
+              <a:round/>
+            </a:ln>
+          </p:spPr>
+          <p:txBody>
+            <a:bodyPr/>
+            <a:lstStyle/>
+            <a:p/>
+          </p:txBody>
+        </p:sp>
+        <p:sp>
+          <p:nvSpPr>
+            <p:cNvPr id="162" name="pl162"/>
+            <p:cNvSpPr/>
+            <p:nvPr/>
+          </p:nvSpPr>
+          <p:spPr>
+            <a:xfrm>
+              <a:off x="5190655" y="1593664"/>
+              <a:ext cx="808794" cy="848449"/>
+            </a:xfrm>
+            <a:custGeom>
+              <a:avLst/>
+              <a:pathLst>
+                <a:path w="808794" h="848449">
+                  <a:moveTo>
+                    <a:pt x="0" y="848449"/>
+                  </a:moveTo>
+                  <a:lnTo>
+                    <a:pt x="202198" y="727121"/>
+                  </a:lnTo>
+                  <a:lnTo>
+                    <a:pt x="404397" y="792452"/>
+                  </a:lnTo>
+                  <a:lnTo>
+                    <a:pt x="606595" y="362288"/>
+                  </a:lnTo>
+                  <a:lnTo>
+                    <a:pt x="808794" y="0"/>
+                  </a:lnTo>
+                </a:path>
+              </a:pathLst>
+            </a:custGeom>
+            <a:ln w="13550" cap="flat">
+              <a:solidFill>
+                <a:srgbClr val="00BA38">
+                  <a:alpha val="100000"/>
+                </a:srgbClr>
+              </a:solidFill>
+              <a:prstDash val="solid"/>
+              <a:round/>
+            </a:ln>
+          </p:spPr>
+          <p:txBody>
+            <a:bodyPr/>
+            <a:lstStyle/>
+            <a:p/>
+          </p:txBody>
+        </p:sp>
+        <p:sp>
+          <p:nvSpPr>
+            <p:cNvPr id="163" name="pl163"/>
+            <p:cNvSpPr/>
+            <p:nvPr/>
+          </p:nvSpPr>
+          <p:spPr>
+            <a:xfrm>
+              <a:off x="5190655" y="1848199"/>
+              <a:ext cx="808794" cy="593914"/>
+            </a:xfrm>
+            <a:custGeom>
+              <a:avLst/>
+              <a:pathLst>
+                <a:path w="808794" h="593914">
+                  <a:moveTo>
+                    <a:pt x="0" y="593914"/>
+                  </a:moveTo>
+                  <a:lnTo>
+                    <a:pt x="202198" y="65330"/>
+                  </a:lnTo>
+                  <a:lnTo>
+                    <a:pt x="404397" y="95874"/>
+                  </a:lnTo>
+                  <a:lnTo>
+                    <a:pt x="606595" y="31392"/>
+                  </a:lnTo>
+                  <a:lnTo>
+                    <a:pt x="808794" y="0"/>
+                  </a:lnTo>
+                </a:path>
+              </a:pathLst>
+            </a:custGeom>
+            <a:ln w="13550" cap="flat">
+              <a:solidFill>
                 <a:srgbClr val="F8766D">
                   <a:alpha val="100000"/>
                 </a:srgbClr>
@@ -8005,13 +9295,13 @@
         </p:sp>
         <p:sp>
           <p:nvSpPr>
-            <p:cNvPr id="134" name="pt134"/>
-            <p:cNvSpPr/>
-            <p:nvPr/>
-          </p:nvSpPr>
-          <p:spPr>
-            <a:xfrm>
-              <a:off x="5165829" y="2339911"/>
+            <p:cNvPr id="164" name="pt164"/>
+            <p:cNvSpPr/>
+            <p:nvPr/>
+          </p:nvSpPr>
+          <p:spPr>
+            <a:xfrm>
+              <a:off x="5165829" y="2417287"/>
               <a:ext cx="49651" cy="49651"/>
             </a:xfrm>
             <a:prstGeom prst="ellipse">
@@ -8040,13 +9330,13 @@
         </p:sp>
         <p:sp>
           <p:nvSpPr>
-            <p:cNvPr id="135" name="pt135"/>
-            <p:cNvSpPr/>
-            <p:nvPr/>
-          </p:nvSpPr>
-          <p:spPr>
-            <a:xfrm>
-              <a:off x="5165829" y="2339911"/>
+            <p:cNvPr id="165" name="pt165"/>
+            <p:cNvSpPr/>
+            <p:nvPr/>
+          </p:nvSpPr>
+          <p:spPr>
+            <a:xfrm>
+              <a:off x="5165829" y="2417287"/>
               <a:ext cx="49651" cy="49651"/>
             </a:xfrm>
             <a:prstGeom prst="ellipse">
@@ -8075,13 +9365,13 @@
         </p:sp>
         <p:sp>
           <p:nvSpPr>
-            <p:cNvPr id="136" name="pt136"/>
-            <p:cNvSpPr/>
-            <p:nvPr/>
-          </p:nvSpPr>
-          <p:spPr>
-            <a:xfrm>
-              <a:off x="5368028" y="1858799"/>
+            <p:cNvPr id="166" name="pt166"/>
+            <p:cNvSpPr/>
+            <p:nvPr/>
+          </p:nvSpPr>
+          <p:spPr>
+            <a:xfrm>
+              <a:off x="5368028" y="1888703"/>
               <a:ext cx="49651" cy="49651"/>
             </a:xfrm>
             <a:prstGeom prst="ellipse">
@@ -8110,13 +9400,13 @@
         </p:sp>
         <p:sp>
           <p:nvSpPr>
-            <p:cNvPr id="137" name="pt137"/>
-            <p:cNvSpPr/>
-            <p:nvPr/>
-          </p:nvSpPr>
-          <p:spPr>
-            <a:xfrm>
-              <a:off x="5368028" y="2233084"/>
+            <p:cNvPr id="167" name="pt167"/>
+            <p:cNvSpPr/>
+            <p:nvPr/>
+          </p:nvSpPr>
+          <p:spPr>
+            <a:xfrm>
+              <a:off x="5368028" y="2295959"/>
               <a:ext cx="49651" cy="49651"/>
             </a:xfrm>
             <a:prstGeom prst="ellipse">
@@ -8145,13 +9435,13 @@
         </p:sp>
         <p:sp>
           <p:nvSpPr>
-            <p:cNvPr id="138" name="pt138"/>
-            <p:cNvSpPr/>
-            <p:nvPr/>
-          </p:nvSpPr>
-          <p:spPr>
-            <a:xfrm>
-              <a:off x="5570227" y="1879852"/>
+            <p:cNvPr id="168" name="pt168"/>
+            <p:cNvSpPr/>
+            <p:nvPr/>
+          </p:nvSpPr>
+          <p:spPr>
+            <a:xfrm>
+              <a:off x="5570227" y="1919247"/>
               <a:ext cx="49651" cy="49651"/>
             </a:xfrm>
             <a:prstGeom prst="ellipse">
@@ -8180,13 +9470,13 @@
         </p:sp>
         <p:sp>
           <p:nvSpPr>
-            <p:cNvPr id="139" name="pt139"/>
-            <p:cNvSpPr/>
-            <p:nvPr/>
-          </p:nvSpPr>
-          <p:spPr>
-            <a:xfrm>
-              <a:off x="5570227" y="2276750"/>
+            <p:cNvPr id="169" name="pt169"/>
+            <p:cNvSpPr/>
+            <p:nvPr/>
+          </p:nvSpPr>
+          <p:spPr>
+            <a:xfrm>
+              <a:off x="5570227" y="2361290"/>
               <a:ext cx="49651" cy="49651"/>
             </a:xfrm>
             <a:prstGeom prst="ellipse">
@@ -8215,13 +9505,13 @@
         </p:sp>
         <p:sp>
           <p:nvSpPr>
-            <p:cNvPr id="140" name="pt140"/>
-            <p:cNvSpPr/>
-            <p:nvPr/>
-          </p:nvSpPr>
-          <p:spPr>
-            <a:xfrm>
-              <a:off x="5772425" y="1865037"/>
+            <p:cNvPr id="170" name="pt170"/>
+            <p:cNvSpPr/>
+            <p:nvPr/>
+          </p:nvSpPr>
+          <p:spPr>
+            <a:xfrm>
+              <a:off x="5772425" y="1854765"/>
               <a:ext cx="49651" cy="49651"/>
             </a:xfrm>
             <a:prstGeom prst="ellipse">
@@ -8250,13 +9540,13 @@
         </p:sp>
         <p:sp>
           <p:nvSpPr>
-            <p:cNvPr id="141" name="pt141"/>
-            <p:cNvSpPr/>
-            <p:nvPr/>
-          </p:nvSpPr>
-          <p:spPr>
-            <a:xfrm>
-              <a:off x="5772425" y="1944572"/>
+            <p:cNvPr id="171" name="pt171"/>
+            <p:cNvSpPr/>
+            <p:nvPr/>
+          </p:nvSpPr>
+          <p:spPr>
+            <a:xfrm>
+              <a:off x="5772425" y="1931126"/>
               <a:ext cx="49651" cy="49651"/>
             </a:xfrm>
             <a:prstGeom prst="ellipse">
@@ -8285,13 +9575,13 @@
         </p:sp>
         <p:sp>
           <p:nvSpPr>
-            <p:cNvPr id="142" name="pt142"/>
-            <p:cNvSpPr/>
-            <p:nvPr/>
-          </p:nvSpPr>
-          <p:spPr>
-            <a:xfrm>
-              <a:off x="5974624" y="1849442"/>
+            <p:cNvPr id="172" name="pt172"/>
+            <p:cNvSpPr/>
+            <p:nvPr/>
+          </p:nvSpPr>
+          <p:spPr>
+            <a:xfrm>
+              <a:off x="5974624" y="1823373"/>
               <a:ext cx="49651" cy="49651"/>
             </a:xfrm>
             <a:prstGeom prst="ellipse">
@@ -8320,13 +9610,13 @@
         </p:sp>
         <p:sp>
           <p:nvSpPr>
-            <p:cNvPr id="143" name="pt143"/>
-            <p:cNvSpPr/>
-            <p:nvPr/>
-          </p:nvSpPr>
-          <p:spPr>
-            <a:xfrm>
-              <a:off x="5974624" y="1572627"/>
+            <p:cNvPr id="173" name="pt173"/>
+            <p:cNvSpPr/>
+            <p:nvPr/>
+          </p:nvSpPr>
+          <p:spPr>
+            <a:xfrm>
+              <a:off x="5974624" y="1568838"/>
               <a:ext cx="49651" cy="49651"/>
             </a:xfrm>
             <a:prstGeom prst="ellipse">
@@ -8355,7 +9645,7 @@
         </p:sp>
         <p:sp>
           <p:nvSpPr>
-            <p:cNvPr id="144" name="rc144"/>
+            <p:cNvPr id="174" name="rc174"/>
             <p:cNvSpPr/>
             <p:nvPr/>
           </p:nvSpPr>
@@ -8390,7 +9680,7 @@
         </p:sp>
         <p:sp>
           <p:nvSpPr>
-            <p:cNvPr id="145" name="tx145"/>
+            <p:cNvPr id="175" name="tx175"/>
             <p:cNvSpPr/>
             <p:nvPr/>
           </p:nvSpPr>
@@ -8436,7 +9726,7 @@
         </p:sp>
         <p:sp>
           <p:nvSpPr>
-            <p:cNvPr id="146" name="rc146"/>
+            <p:cNvPr id="176" name="rc176"/>
             <p:cNvSpPr/>
             <p:nvPr/>
           </p:nvSpPr>
@@ -8471,7 +9761,7 @@
         </p:sp>
         <p:sp>
           <p:nvSpPr>
-            <p:cNvPr id="147" name="tx147"/>
+            <p:cNvPr id="177" name="tx177"/>
             <p:cNvSpPr/>
             <p:nvPr/>
           </p:nvSpPr>
@@ -8517,7 +9807,7 @@
         </p:sp>
         <p:sp>
           <p:nvSpPr>
-            <p:cNvPr id="148" name="rc148"/>
+            <p:cNvPr id="178" name="rc178"/>
             <p:cNvSpPr/>
             <p:nvPr/>
           </p:nvSpPr>
@@ -8552,7 +9842,7 @@
         </p:sp>
         <p:sp>
           <p:nvSpPr>
-            <p:cNvPr id="149" name="tx149"/>
+            <p:cNvPr id="179" name="tx179"/>
             <p:cNvSpPr/>
             <p:nvPr/>
           </p:nvSpPr>
@@ -8598,7 +9888,7 @@
         </p:sp>
         <p:sp>
           <p:nvSpPr>
-            <p:cNvPr id="150" name="rc150"/>
+            <p:cNvPr id="180" name="rc180"/>
             <p:cNvSpPr/>
             <p:nvPr/>
           </p:nvSpPr>
@@ -8633,7 +9923,7 @@
         </p:sp>
         <p:sp>
           <p:nvSpPr>
-            <p:cNvPr id="151" name="tx151"/>
+            <p:cNvPr id="181" name="tx181"/>
             <p:cNvSpPr/>
             <p:nvPr/>
           </p:nvSpPr>
@@ -8679,7 +9969,7 @@
         </p:sp>
         <p:sp>
           <p:nvSpPr>
-            <p:cNvPr id="152" name="rc152"/>
+            <p:cNvPr id="182" name="rc182"/>
             <p:cNvSpPr/>
             <p:nvPr/>
           </p:nvSpPr>
@@ -8714,7 +10004,7 @@
         </p:sp>
         <p:sp>
           <p:nvSpPr>
-            <p:cNvPr id="153" name="tx153"/>
+            <p:cNvPr id="183" name="tx183"/>
             <p:cNvSpPr/>
             <p:nvPr/>
           </p:nvSpPr>
@@ -8760,7 +10050,7 @@
         </p:sp>
         <p:sp>
           <p:nvSpPr>
-            <p:cNvPr id="154" name="rc154"/>
+            <p:cNvPr id="184" name="rc184"/>
             <p:cNvSpPr/>
             <p:nvPr/>
           </p:nvSpPr>
@@ -8795,7 +10085,7 @@
         </p:sp>
         <p:sp>
           <p:nvSpPr>
-            <p:cNvPr id="155" name="tx155"/>
+            <p:cNvPr id="185" name="tx185"/>
             <p:cNvSpPr/>
             <p:nvPr/>
           </p:nvSpPr>
@@ -8841,7 +10131,7 @@
         </p:sp>
         <p:sp>
           <p:nvSpPr>
-            <p:cNvPr id="156" name="rc156"/>
+            <p:cNvPr id="186" name="rc186"/>
             <p:cNvSpPr/>
             <p:nvPr/>
           </p:nvSpPr>
@@ -8876,7 +10166,7 @@
         </p:sp>
         <p:sp>
           <p:nvSpPr>
-            <p:cNvPr id="157" name="tx157"/>
+            <p:cNvPr id="187" name="tx187"/>
             <p:cNvSpPr/>
             <p:nvPr/>
           </p:nvSpPr>
@@ -8922,7 +10212,7 @@
         </p:sp>
         <p:sp>
           <p:nvSpPr>
-            <p:cNvPr id="158" name="pl158"/>
+            <p:cNvPr id="188" name="pl188"/>
             <p:cNvSpPr/>
             <p:nvPr/>
           </p:nvSpPr>
@@ -8962,7 +10252,7 @@
         </p:sp>
         <p:sp>
           <p:nvSpPr>
-            <p:cNvPr id="159" name="pl159"/>
+            <p:cNvPr id="189" name="pl189"/>
             <p:cNvSpPr/>
             <p:nvPr/>
           </p:nvSpPr>
@@ -9002,7 +10292,7 @@
         </p:sp>
         <p:sp>
           <p:nvSpPr>
-            <p:cNvPr id="160" name="pl160"/>
+            <p:cNvPr id="190" name="pl190"/>
             <p:cNvSpPr/>
             <p:nvPr/>
           </p:nvSpPr>
@@ -9042,7 +10332,7 @@
         </p:sp>
         <p:sp>
           <p:nvSpPr>
-            <p:cNvPr id="161" name="pl161"/>
+            <p:cNvPr id="191" name="pl191"/>
             <p:cNvSpPr/>
             <p:nvPr/>
           </p:nvSpPr>
@@ -9082,7 +10372,7 @@
         </p:sp>
         <p:sp>
           <p:nvSpPr>
-            <p:cNvPr id="162" name="pl162"/>
+            <p:cNvPr id="192" name="pl192"/>
             <p:cNvSpPr/>
             <p:nvPr/>
           </p:nvSpPr>
@@ -9122,7 +10412,7 @@
         </p:sp>
         <p:sp>
           <p:nvSpPr>
-            <p:cNvPr id="163" name="pl163"/>
+            <p:cNvPr id="193" name="pl193"/>
             <p:cNvSpPr/>
             <p:nvPr/>
           </p:nvSpPr>
@@ -9162,7 +10452,7 @@
         </p:sp>
         <p:sp>
           <p:nvSpPr>
-            <p:cNvPr id="164" name="tx164"/>
+            <p:cNvPr id="194" name="tx194"/>
             <p:cNvSpPr/>
             <p:nvPr/>
           </p:nvSpPr>
@@ -9208,7 +10498,7 @@
         </p:sp>
         <p:sp>
           <p:nvSpPr>
-            <p:cNvPr id="165" name="tx165"/>
+            <p:cNvPr id="195" name="tx195"/>
             <p:cNvSpPr/>
             <p:nvPr/>
           </p:nvSpPr>
@@ -9254,7 +10544,7 @@
         </p:sp>
         <p:sp>
           <p:nvSpPr>
-            <p:cNvPr id="166" name="tx166"/>
+            <p:cNvPr id="196" name="tx196"/>
             <p:cNvSpPr/>
             <p:nvPr/>
           </p:nvSpPr>
@@ -9300,7 +10590,7 @@
         </p:sp>
         <p:sp>
           <p:nvSpPr>
-            <p:cNvPr id="167" name="tx167"/>
+            <p:cNvPr id="197" name="tx197"/>
             <p:cNvSpPr/>
             <p:nvPr/>
           </p:nvSpPr>
@@ -9346,7 +10636,7 @@
         </p:sp>
         <p:sp>
           <p:nvSpPr>
-            <p:cNvPr id="168" name="tx168"/>
+            <p:cNvPr id="198" name="tx198"/>
             <p:cNvSpPr/>
             <p:nvPr/>
           </p:nvSpPr>
@@ -9392,7 +10682,7 @@
         </p:sp>
         <p:sp>
           <p:nvSpPr>
-            <p:cNvPr id="169" name="pl169"/>
+            <p:cNvPr id="199" name="pl199"/>
             <p:cNvSpPr/>
             <p:nvPr/>
           </p:nvSpPr>
@@ -9432,7 +10722,7 @@
         </p:sp>
         <p:sp>
           <p:nvSpPr>
-            <p:cNvPr id="170" name="pl170"/>
+            <p:cNvPr id="200" name="pl200"/>
             <p:cNvSpPr/>
             <p:nvPr/>
           </p:nvSpPr>
@@ -9472,7 +10762,7 @@
         </p:sp>
         <p:sp>
           <p:nvSpPr>
-            <p:cNvPr id="171" name="pl171"/>
+            <p:cNvPr id="201" name="pl201"/>
             <p:cNvSpPr/>
             <p:nvPr/>
           </p:nvSpPr>
@@ -9512,7 +10802,7 @@
         </p:sp>
         <p:sp>
           <p:nvSpPr>
-            <p:cNvPr id="172" name="pl172"/>
+            <p:cNvPr id="202" name="pl202"/>
             <p:cNvSpPr/>
             <p:nvPr/>
           </p:nvSpPr>
@@ -9552,7 +10842,7 @@
         </p:sp>
         <p:sp>
           <p:nvSpPr>
-            <p:cNvPr id="173" name="pl173"/>
+            <p:cNvPr id="203" name="pl203"/>
             <p:cNvSpPr/>
             <p:nvPr/>
           </p:nvSpPr>
@@ -9592,7 +10882,7 @@
         </p:sp>
         <p:sp>
           <p:nvSpPr>
-            <p:cNvPr id="174" name="pl174"/>
+            <p:cNvPr id="204" name="pl204"/>
             <p:cNvSpPr/>
             <p:nvPr/>
           </p:nvSpPr>
@@ -9632,7 +10922,7 @@
         </p:sp>
         <p:sp>
           <p:nvSpPr>
-            <p:cNvPr id="175" name="tx175"/>
+            <p:cNvPr id="205" name="tx205"/>
             <p:cNvSpPr/>
             <p:nvPr/>
           </p:nvSpPr>
@@ -9678,7 +10968,7 @@
         </p:sp>
         <p:sp>
           <p:nvSpPr>
-            <p:cNvPr id="176" name="tx176"/>
+            <p:cNvPr id="206" name="tx206"/>
             <p:cNvSpPr/>
             <p:nvPr/>
           </p:nvSpPr>
@@ -9724,7 +11014,7 @@
         </p:sp>
         <p:sp>
           <p:nvSpPr>
-            <p:cNvPr id="177" name="tx177"/>
+            <p:cNvPr id="207" name="tx207"/>
             <p:cNvSpPr/>
             <p:nvPr/>
           </p:nvSpPr>
@@ -9770,7 +11060,7 @@
         </p:sp>
         <p:sp>
           <p:nvSpPr>
-            <p:cNvPr id="178" name="tx178"/>
+            <p:cNvPr id="208" name="tx208"/>
             <p:cNvSpPr/>
             <p:nvPr/>
           </p:nvSpPr>
@@ -9816,7 +11106,7 @@
         </p:sp>
         <p:sp>
           <p:nvSpPr>
-            <p:cNvPr id="179" name="tx179"/>
+            <p:cNvPr id="209" name="tx209"/>
             <p:cNvSpPr/>
             <p:nvPr/>
           </p:nvSpPr>
@@ -9862,7 +11152,7 @@
         </p:sp>
         <p:sp>
           <p:nvSpPr>
-            <p:cNvPr id="180" name="pl180"/>
+            <p:cNvPr id="210" name="pl210"/>
             <p:cNvSpPr/>
             <p:nvPr/>
           </p:nvSpPr>
@@ -9902,7 +11192,7 @@
         </p:sp>
         <p:sp>
           <p:nvSpPr>
-            <p:cNvPr id="181" name="pl181"/>
+            <p:cNvPr id="211" name="pl211"/>
             <p:cNvSpPr/>
             <p:nvPr/>
           </p:nvSpPr>
@@ -9942,7 +11232,7 @@
         </p:sp>
         <p:sp>
           <p:nvSpPr>
-            <p:cNvPr id="182" name="pl182"/>
+            <p:cNvPr id="212" name="pl212"/>
             <p:cNvSpPr/>
             <p:nvPr/>
           </p:nvSpPr>
@@ -9982,7 +11272,7 @@
         </p:sp>
         <p:sp>
           <p:nvSpPr>
-            <p:cNvPr id="183" name="pl183"/>
+            <p:cNvPr id="213" name="pl213"/>
             <p:cNvSpPr/>
             <p:nvPr/>
           </p:nvSpPr>
@@ -10022,7 +11312,7 @@
         </p:sp>
         <p:sp>
           <p:nvSpPr>
-            <p:cNvPr id="184" name="pl184"/>
+            <p:cNvPr id="214" name="pl214"/>
             <p:cNvSpPr/>
             <p:nvPr/>
           </p:nvSpPr>
@@ -10062,7 +11352,7 @@
         </p:sp>
         <p:sp>
           <p:nvSpPr>
-            <p:cNvPr id="185" name="pl185"/>
+            <p:cNvPr id="215" name="pl215"/>
             <p:cNvSpPr/>
             <p:nvPr/>
           </p:nvSpPr>
@@ -10102,7 +11392,7 @@
         </p:sp>
         <p:sp>
           <p:nvSpPr>
-            <p:cNvPr id="186" name="tx186"/>
+            <p:cNvPr id="216" name="tx216"/>
             <p:cNvSpPr/>
             <p:nvPr/>
           </p:nvSpPr>
@@ -10148,7 +11438,7 @@
         </p:sp>
         <p:sp>
           <p:nvSpPr>
-            <p:cNvPr id="187" name="tx187"/>
+            <p:cNvPr id="217" name="tx217"/>
             <p:cNvSpPr/>
             <p:nvPr/>
           </p:nvSpPr>
@@ -10194,7 +11484,7 @@
         </p:sp>
         <p:sp>
           <p:nvSpPr>
-            <p:cNvPr id="188" name="tx188"/>
+            <p:cNvPr id="218" name="tx218"/>
             <p:cNvSpPr/>
             <p:nvPr/>
           </p:nvSpPr>
@@ -10240,7 +11530,7 @@
         </p:sp>
         <p:sp>
           <p:nvSpPr>
-            <p:cNvPr id="189" name="tx189"/>
+            <p:cNvPr id="219" name="tx219"/>
             <p:cNvSpPr/>
             <p:nvPr/>
           </p:nvSpPr>
@@ -10286,7 +11576,7 @@
         </p:sp>
         <p:sp>
           <p:nvSpPr>
-            <p:cNvPr id="190" name="tx190"/>
+            <p:cNvPr id="220" name="tx220"/>
             <p:cNvSpPr/>
             <p:nvPr/>
           </p:nvSpPr>
@@ -10332,7 +11622,7 @@
         </p:sp>
         <p:sp>
           <p:nvSpPr>
-            <p:cNvPr id="191" name="pl191"/>
+            <p:cNvPr id="221" name="pl221"/>
             <p:cNvSpPr/>
             <p:nvPr/>
           </p:nvSpPr>
@@ -10372,7 +11662,7 @@
         </p:sp>
         <p:sp>
           <p:nvSpPr>
-            <p:cNvPr id="192" name="pl192"/>
+            <p:cNvPr id="222" name="pl222"/>
             <p:cNvSpPr/>
             <p:nvPr/>
           </p:nvSpPr>
@@ -10412,7 +11702,7 @@
         </p:sp>
         <p:sp>
           <p:nvSpPr>
-            <p:cNvPr id="193" name="pl193"/>
+            <p:cNvPr id="223" name="pl223"/>
             <p:cNvSpPr/>
             <p:nvPr/>
           </p:nvSpPr>
@@ -10452,7 +11742,7 @@
         </p:sp>
         <p:sp>
           <p:nvSpPr>
-            <p:cNvPr id="194" name="pl194"/>
+            <p:cNvPr id="224" name="pl224"/>
             <p:cNvSpPr/>
             <p:nvPr/>
           </p:nvSpPr>
@@ -10492,7 +11782,7 @@
         </p:sp>
         <p:sp>
           <p:nvSpPr>
-            <p:cNvPr id="195" name="pl195"/>
+            <p:cNvPr id="225" name="pl225"/>
             <p:cNvSpPr/>
             <p:nvPr/>
           </p:nvSpPr>
@@ -10532,7 +11822,7 @@
         </p:sp>
         <p:sp>
           <p:nvSpPr>
-            <p:cNvPr id="196" name="pl196"/>
+            <p:cNvPr id="226" name="pl226"/>
             <p:cNvSpPr/>
             <p:nvPr/>
           </p:nvSpPr>
@@ -10572,7 +11862,7 @@
         </p:sp>
         <p:sp>
           <p:nvSpPr>
-            <p:cNvPr id="197" name="tx197"/>
+            <p:cNvPr id="227" name="tx227"/>
             <p:cNvSpPr/>
             <p:nvPr/>
           </p:nvSpPr>
@@ -10618,7 +11908,7 @@
         </p:sp>
         <p:sp>
           <p:nvSpPr>
-            <p:cNvPr id="198" name="tx198"/>
+            <p:cNvPr id="228" name="tx228"/>
             <p:cNvSpPr/>
             <p:nvPr/>
           </p:nvSpPr>
@@ -10664,7 +11954,7 @@
         </p:sp>
         <p:sp>
           <p:nvSpPr>
-            <p:cNvPr id="199" name="tx199"/>
+            <p:cNvPr id="229" name="tx229"/>
             <p:cNvSpPr/>
             <p:nvPr/>
           </p:nvSpPr>
@@ -10710,7 +12000,7 @@
         </p:sp>
         <p:sp>
           <p:nvSpPr>
-            <p:cNvPr id="200" name="tx200"/>
+            <p:cNvPr id="230" name="tx230"/>
             <p:cNvSpPr/>
             <p:nvPr/>
           </p:nvSpPr>
@@ -10756,7 +12046,7 @@
         </p:sp>
         <p:sp>
           <p:nvSpPr>
-            <p:cNvPr id="201" name="tx201"/>
+            <p:cNvPr id="231" name="tx231"/>
             <p:cNvSpPr/>
             <p:nvPr/>
           </p:nvSpPr>
@@ -10802,7 +12092,7 @@
         </p:sp>
         <p:sp>
           <p:nvSpPr>
-            <p:cNvPr id="202" name="pl202"/>
+            <p:cNvPr id="232" name="pl232"/>
             <p:cNvSpPr/>
             <p:nvPr/>
           </p:nvSpPr>
@@ -10842,7 +12132,7 @@
         </p:sp>
         <p:sp>
           <p:nvSpPr>
-            <p:cNvPr id="203" name="pl203"/>
+            <p:cNvPr id="233" name="pl233"/>
             <p:cNvSpPr/>
             <p:nvPr/>
           </p:nvSpPr>
@@ -10882,7 +12172,7 @@
         </p:sp>
         <p:sp>
           <p:nvSpPr>
-            <p:cNvPr id="204" name="pl204"/>
+            <p:cNvPr id="234" name="pl234"/>
             <p:cNvSpPr/>
             <p:nvPr/>
           </p:nvSpPr>
@@ -10922,7 +12212,7 @@
         </p:sp>
         <p:sp>
           <p:nvSpPr>
-            <p:cNvPr id="205" name="pl205"/>
+            <p:cNvPr id="235" name="pl235"/>
             <p:cNvSpPr/>
             <p:nvPr/>
           </p:nvSpPr>
@@ -10962,7 +12252,7 @@
         </p:sp>
         <p:sp>
           <p:nvSpPr>
-            <p:cNvPr id="206" name="pl206"/>
+            <p:cNvPr id="236" name="pl236"/>
             <p:cNvSpPr/>
             <p:nvPr/>
           </p:nvSpPr>
@@ -11002,7 +12292,7 @@
         </p:sp>
         <p:sp>
           <p:nvSpPr>
-            <p:cNvPr id="207" name="pl207"/>
+            <p:cNvPr id="237" name="pl237"/>
             <p:cNvSpPr/>
             <p:nvPr/>
           </p:nvSpPr>
@@ -11042,7 +12332,7 @@
         </p:sp>
         <p:sp>
           <p:nvSpPr>
-            <p:cNvPr id="208" name="tx208"/>
+            <p:cNvPr id="238" name="tx238"/>
             <p:cNvSpPr/>
             <p:nvPr/>
           </p:nvSpPr>
@@ -11088,7 +12378,7 @@
         </p:sp>
         <p:sp>
           <p:nvSpPr>
-            <p:cNvPr id="209" name="tx209"/>
+            <p:cNvPr id="239" name="tx239"/>
             <p:cNvSpPr/>
             <p:nvPr/>
           </p:nvSpPr>
@@ -11134,7 +12424,7 @@
         </p:sp>
         <p:sp>
           <p:nvSpPr>
-            <p:cNvPr id="210" name="tx210"/>
+            <p:cNvPr id="240" name="tx240"/>
             <p:cNvSpPr/>
             <p:nvPr/>
           </p:nvSpPr>
@@ -11180,7 +12470,7 @@
         </p:sp>
         <p:sp>
           <p:nvSpPr>
-            <p:cNvPr id="211" name="tx211"/>
+            <p:cNvPr id="241" name="tx241"/>
             <p:cNvSpPr/>
             <p:nvPr/>
           </p:nvSpPr>
@@ -11226,7 +12516,7 @@
         </p:sp>
         <p:sp>
           <p:nvSpPr>
-            <p:cNvPr id="212" name="tx212"/>
+            <p:cNvPr id="242" name="tx242"/>
             <p:cNvSpPr/>
             <p:nvPr/>
           </p:nvSpPr>
@@ -11272,7 +12562,7 @@
         </p:sp>
         <p:sp>
           <p:nvSpPr>
-            <p:cNvPr id="213" name="pl213"/>
+            <p:cNvPr id="243" name="pl243"/>
             <p:cNvSpPr/>
             <p:nvPr/>
           </p:nvSpPr>
@@ -11312,13 +12602,59 @@
         </p:sp>
         <p:sp>
           <p:nvSpPr>
-            <p:cNvPr id="214" name="tx214"/>
-            <p:cNvSpPr/>
-            <p:nvPr/>
-          </p:nvSpPr>
-          <p:spPr>
-            <a:xfrm>
-              <a:off x="360100" y="1074196"/>
+            <p:cNvPr id="244" name="tx244"/>
+            <p:cNvSpPr/>
+            <p:nvPr/>
+          </p:nvSpPr>
+          <p:spPr>
+            <a:xfrm>
+              <a:off x="258539" y="1354999"/>
+              <a:ext cx="264080" cy="85903"/>
+            </a:xfrm>
+            <a:prstGeom prst="rect">
+              <a:avLst/>
+            </a:prstGeom>
+            <a:noFill/>
+          </p:spPr>
+          <p:txBody>
+            <a:bodyPr lIns="0" rIns="0" tIns="0" bIns="0" anchorCtr="1" anchor="ctr" wrap="none"/>
+            <a:lstStyle/>
+            <a:p>
+              <a:pPr algn="l" marL="0" marR="0" indent="0">
+                <a:lnSpc>
+                  <a:spcPts val="960"/>
+                </a:lnSpc>
+                <a:spcBef>
+                  <a:spcPts val="0"/>
+                </a:spcBef>
+                <a:spcAft>
+                  <a:spcPts val="0"/>
+                </a:spcAft>
+              </a:pPr>
+              <a:r>
+                <a:rPr sz="960">
+                  <a:solidFill>
+                    <a:srgbClr val="4D4D4D">
+                      <a:alpha val="100000"/>
+                    </a:srgbClr>
+                  </a:solidFill>
+                  <a:latin typeface="Times New Roman"/>
+                  <a:cs typeface="Times New Roman"/>
+                </a:rPr>
+                <a:t>-25%</a:t>
+              </a:r>
+            </a:p>
+          </p:txBody>
+        </p:sp>
+        <p:sp>
+          <p:nvSpPr>
+            <p:cNvPr id="245" name="tx245"/>
+            <p:cNvSpPr/>
+            <p:nvPr/>
+          </p:nvSpPr>
+          <p:spPr>
+            <a:xfrm>
+              <a:off x="360100" y="1142886"/>
               <a:ext cx="162520" cy="85903"/>
             </a:xfrm>
             <a:prstGeom prst="rect">
@@ -11358,13 +12694,59 @@
         </p:sp>
         <p:sp>
           <p:nvSpPr>
-            <p:cNvPr id="215" name="tx215"/>
-            <p:cNvSpPr/>
-            <p:nvPr/>
-          </p:nvSpPr>
-          <p:spPr>
-            <a:xfrm>
-              <a:off x="299140" y="684317"/>
+            <p:cNvPr id="246" name="tx246"/>
+            <p:cNvSpPr/>
+            <p:nvPr/>
+          </p:nvSpPr>
+          <p:spPr>
+            <a:xfrm>
+              <a:off x="299140" y="930774"/>
+              <a:ext cx="223480" cy="85903"/>
+            </a:xfrm>
+            <a:prstGeom prst="rect">
+              <a:avLst/>
+            </a:prstGeom>
+            <a:noFill/>
+          </p:spPr>
+          <p:txBody>
+            <a:bodyPr lIns="0" rIns="0" tIns="0" bIns="0" anchorCtr="1" anchor="ctr" wrap="none"/>
+            <a:lstStyle/>
+            <a:p>
+              <a:pPr algn="l" marL="0" marR="0" indent="0">
+                <a:lnSpc>
+                  <a:spcPts val="960"/>
+                </a:lnSpc>
+                <a:spcBef>
+                  <a:spcPts val="0"/>
+                </a:spcBef>
+                <a:spcAft>
+                  <a:spcPts val="0"/>
+                </a:spcAft>
+              </a:pPr>
+              <a:r>
+                <a:rPr sz="960">
+                  <a:solidFill>
+                    <a:srgbClr val="4D4D4D">
+                      <a:alpha val="100000"/>
+                    </a:srgbClr>
+                  </a:solidFill>
+                  <a:latin typeface="Times New Roman"/>
+                  <a:cs typeface="Times New Roman"/>
+                </a:rPr>
+                <a:t>25%</a:t>
+              </a:r>
+            </a:p>
+          </p:txBody>
+        </p:sp>
+        <p:sp>
+          <p:nvSpPr>
+            <p:cNvPr id="247" name="tx247"/>
+            <p:cNvSpPr/>
+            <p:nvPr/>
+          </p:nvSpPr>
+          <p:spPr>
+            <a:xfrm>
+              <a:off x="299140" y="718662"/>
               <a:ext cx="223480" cy="85903"/>
             </a:xfrm>
             <a:prstGeom prst="rect">
@@ -11404,7 +12786,53 @@
         </p:sp>
         <p:sp>
           <p:nvSpPr>
-            <p:cNvPr id="216" name="tx216"/>
+            <p:cNvPr id="248" name="tx248"/>
+            <p:cNvSpPr/>
+            <p:nvPr/>
+          </p:nvSpPr>
+          <p:spPr>
+            <a:xfrm>
+              <a:off x="299140" y="506549"/>
+              <a:ext cx="223480" cy="85903"/>
+            </a:xfrm>
+            <a:prstGeom prst="rect">
+              <a:avLst/>
+            </a:prstGeom>
+            <a:noFill/>
+          </p:spPr>
+          <p:txBody>
+            <a:bodyPr lIns="0" rIns="0" tIns="0" bIns="0" anchorCtr="1" anchor="ctr" wrap="none"/>
+            <a:lstStyle/>
+            <a:p>
+              <a:pPr algn="l" marL="0" marR="0" indent="0">
+                <a:lnSpc>
+                  <a:spcPts val="960"/>
+                </a:lnSpc>
+                <a:spcBef>
+                  <a:spcPts val="0"/>
+                </a:spcBef>
+                <a:spcAft>
+                  <a:spcPts val="0"/>
+                </a:spcAft>
+              </a:pPr>
+              <a:r>
+                <a:rPr sz="960">
+                  <a:solidFill>
+                    <a:srgbClr val="4D4D4D">
+                      <a:alpha val="100000"/>
+                    </a:srgbClr>
+                  </a:solidFill>
+                  <a:latin typeface="Times New Roman"/>
+                  <a:cs typeface="Times New Roman"/>
+                </a:rPr>
+                <a:t>75%</a:t>
+              </a:r>
+            </a:p>
+          </p:txBody>
+        </p:sp>
+        <p:sp>
+          <p:nvSpPr>
+            <p:cNvPr id="249" name="tx249"/>
             <p:cNvSpPr/>
             <p:nvPr/>
           </p:nvSpPr>
@@ -11450,13 +12878,13 @@
         </p:sp>
         <p:sp>
           <p:nvSpPr>
-            <p:cNvPr id="217" name="pl217"/>
-            <p:cNvSpPr/>
-            <p:nvPr/>
-          </p:nvSpPr>
-          <p:spPr>
-            <a:xfrm>
-              <a:off x="550455" y="1119738"/>
+            <p:cNvPr id="250" name="pl250"/>
+            <p:cNvSpPr/>
+            <p:nvPr/>
+          </p:nvSpPr>
+          <p:spPr>
+            <a:xfrm>
+              <a:off x="550455" y="1400540"/>
               <a:ext cx="34794" cy="0"/>
             </a:xfrm>
             <a:custGeom>
@@ -11490,13 +12918,13 @@
         </p:sp>
         <p:sp>
           <p:nvSpPr>
-            <p:cNvPr id="218" name="pl218"/>
-            <p:cNvSpPr/>
-            <p:nvPr/>
-          </p:nvSpPr>
-          <p:spPr>
-            <a:xfrm>
-              <a:off x="550455" y="729858"/>
+            <p:cNvPr id="251" name="pl251"/>
+            <p:cNvSpPr/>
+            <p:nvPr/>
+          </p:nvSpPr>
+          <p:spPr>
+            <a:xfrm>
+              <a:off x="550455" y="1188428"/>
               <a:ext cx="34794" cy="0"/>
             </a:xfrm>
             <a:custGeom>
@@ -11530,13 +12958,13 @@
         </p:sp>
         <p:sp>
           <p:nvSpPr>
-            <p:cNvPr id="219" name="pl219"/>
-            <p:cNvSpPr/>
-            <p:nvPr/>
-          </p:nvSpPr>
-          <p:spPr>
-            <a:xfrm>
-              <a:off x="550455" y="339978"/>
+            <p:cNvPr id="252" name="pl252"/>
+            <p:cNvSpPr/>
+            <p:nvPr/>
+          </p:nvSpPr>
+          <p:spPr>
+            <a:xfrm>
+              <a:off x="550455" y="976315"/>
               <a:ext cx="34794" cy="0"/>
             </a:xfrm>
             <a:custGeom>
@@ -11570,7 +12998,127 @@
         </p:sp>
         <p:sp>
           <p:nvSpPr>
-            <p:cNvPr id="220" name="pl220"/>
+            <p:cNvPr id="253" name="pl253"/>
+            <p:cNvSpPr/>
+            <p:nvPr/>
+          </p:nvSpPr>
+          <p:spPr>
+            <a:xfrm>
+              <a:off x="550455" y="764203"/>
+              <a:ext cx="34794" cy="0"/>
+            </a:xfrm>
+            <a:custGeom>
+              <a:avLst/>
+              <a:pathLst>
+                <a:path w="34794" h="0">
+                  <a:moveTo>
+                    <a:pt x="0" y="0"/>
+                  </a:moveTo>
+                  <a:lnTo>
+                    <a:pt x="34794" y="0"/>
+                  </a:lnTo>
+                </a:path>
+              </a:pathLst>
+            </a:custGeom>
+            <a:ln w="13550" cap="flat">
+              <a:solidFill>
+                <a:srgbClr val="333333">
+                  <a:alpha val="100000"/>
+                </a:srgbClr>
+              </a:solidFill>
+              <a:prstDash val="solid"/>
+              <a:round/>
+            </a:ln>
+          </p:spPr>
+          <p:txBody>
+            <a:bodyPr/>
+            <a:lstStyle/>
+            <a:p/>
+          </p:txBody>
+        </p:sp>
+        <p:sp>
+          <p:nvSpPr>
+            <p:cNvPr id="254" name="pl254"/>
+            <p:cNvSpPr/>
+            <p:nvPr/>
+          </p:nvSpPr>
+          <p:spPr>
+            <a:xfrm>
+              <a:off x="550455" y="552091"/>
+              <a:ext cx="34794" cy="0"/>
+            </a:xfrm>
+            <a:custGeom>
+              <a:avLst/>
+              <a:pathLst>
+                <a:path w="34794" h="0">
+                  <a:moveTo>
+                    <a:pt x="0" y="0"/>
+                  </a:moveTo>
+                  <a:lnTo>
+                    <a:pt x="34794" y="0"/>
+                  </a:lnTo>
+                </a:path>
+              </a:pathLst>
+            </a:custGeom>
+            <a:ln w="13550" cap="flat">
+              <a:solidFill>
+                <a:srgbClr val="333333">
+                  <a:alpha val="100000"/>
+                </a:srgbClr>
+              </a:solidFill>
+              <a:prstDash val="solid"/>
+              <a:round/>
+            </a:ln>
+          </p:spPr>
+          <p:txBody>
+            <a:bodyPr/>
+            <a:lstStyle/>
+            <a:p/>
+          </p:txBody>
+        </p:sp>
+        <p:sp>
+          <p:nvSpPr>
+            <p:cNvPr id="255" name="pl255"/>
+            <p:cNvSpPr/>
+            <p:nvPr/>
+          </p:nvSpPr>
+          <p:spPr>
+            <a:xfrm>
+              <a:off x="550455" y="339978"/>
+              <a:ext cx="34794" cy="0"/>
+            </a:xfrm>
+            <a:custGeom>
+              <a:avLst/>
+              <a:pathLst>
+                <a:path w="34794" h="0">
+                  <a:moveTo>
+                    <a:pt x="0" y="0"/>
+                  </a:moveTo>
+                  <a:lnTo>
+                    <a:pt x="34794" y="0"/>
+                  </a:lnTo>
+                </a:path>
+              </a:pathLst>
+            </a:custGeom>
+            <a:ln w="13550" cap="flat">
+              <a:solidFill>
+                <a:srgbClr val="333333">
+                  <a:alpha val="100000"/>
+                </a:srgbClr>
+              </a:solidFill>
+              <a:prstDash val="solid"/>
+              <a:round/>
+            </a:ln>
+          </p:spPr>
+          <p:txBody>
+            <a:bodyPr/>
+            <a:lstStyle/>
+            <a:p/>
+          </p:txBody>
+        </p:sp>
+        <p:sp>
+          <p:nvSpPr>
+            <p:cNvPr id="256" name="pl256"/>
             <p:cNvSpPr/>
             <p:nvPr/>
           </p:nvSpPr>
@@ -11610,13 +13158,59 @@
         </p:sp>
         <p:sp>
           <p:nvSpPr>
-            <p:cNvPr id="221" name="tx221"/>
-            <p:cNvSpPr/>
-            <p:nvPr/>
-          </p:nvSpPr>
-          <p:spPr>
-            <a:xfrm>
-              <a:off x="360100" y="2288005"/>
+            <p:cNvPr id="257" name="tx257"/>
+            <p:cNvSpPr/>
+            <p:nvPr/>
+          </p:nvSpPr>
+          <p:spPr>
+            <a:xfrm>
+              <a:off x="258539" y="2568807"/>
+              <a:ext cx="264080" cy="85903"/>
+            </a:xfrm>
+            <a:prstGeom prst="rect">
+              <a:avLst/>
+            </a:prstGeom>
+            <a:noFill/>
+          </p:spPr>
+          <p:txBody>
+            <a:bodyPr lIns="0" rIns="0" tIns="0" bIns="0" anchorCtr="1" anchor="ctr" wrap="none"/>
+            <a:lstStyle/>
+            <a:p>
+              <a:pPr algn="l" marL="0" marR="0" indent="0">
+                <a:lnSpc>
+                  <a:spcPts val="960"/>
+                </a:lnSpc>
+                <a:spcBef>
+                  <a:spcPts val="0"/>
+                </a:spcBef>
+                <a:spcAft>
+                  <a:spcPts val="0"/>
+                </a:spcAft>
+              </a:pPr>
+              <a:r>
+                <a:rPr sz="960">
+                  <a:solidFill>
+                    <a:srgbClr val="4D4D4D">
+                      <a:alpha val="100000"/>
+                    </a:srgbClr>
+                  </a:solidFill>
+                  <a:latin typeface="Times New Roman"/>
+                  <a:cs typeface="Times New Roman"/>
+                </a:rPr>
+                <a:t>-25%</a:t>
+              </a:r>
+            </a:p>
+          </p:txBody>
+        </p:sp>
+        <p:sp>
+          <p:nvSpPr>
+            <p:cNvPr id="258" name="tx258"/>
+            <p:cNvSpPr/>
+            <p:nvPr/>
+          </p:nvSpPr>
+          <p:spPr>
+            <a:xfrm>
+              <a:off x="360100" y="2356695"/>
               <a:ext cx="162520" cy="85903"/>
             </a:xfrm>
             <a:prstGeom prst="rect">
@@ -11656,13 +13250,59 @@
         </p:sp>
         <p:sp>
           <p:nvSpPr>
-            <p:cNvPr id="222" name="tx222"/>
-            <p:cNvSpPr/>
-            <p:nvPr/>
-          </p:nvSpPr>
-          <p:spPr>
-            <a:xfrm>
-              <a:off x="299140" y="1898125"/>
+            <p:cNvPr id="259" name="tx259"/>
+            <p:cNvSpPr/>
+            <p:nvPr/>
+          </p:nvSpPr>
+          <p:spPr>
+            <a:xfrm>
+              <a:off x="299140" y="2144582"/>
+              <a:ext cx="223480" cy="85903"/>
+            </a:xfrm>
+            <a:prstGeom prst="rect">
+              <a:avLst/>
+            </a:prstGeom>
+            <a:noFill/>
+          </p:spPr>
+          <p:txBody>
+            <a:bodyPr lIns="0" rIns="0" tIns="0" bIns="0" anchorCtr="1" anchor="ctr" wrap="none"/>
+            <a:lstStyle/>
+            <a:p>
+              <a:pPr algn="l" marL="0" marR="0" indent="0">
+                <a:lnSpc>
+                  <a:spcPts val="960"/>
+                </a:lnSpc>
+                <a:spcBef>
+                  <a:spcPts val="0"/>
+                </a:spcBef>
+                <a:spcAft>
+                  <a:spcPts val="0"/>
+                </a:spcAft>
+              </a:pPr>
+              <a:r>
+                <a:rPr sz="960">
+                  <a:solidFill>
+                    <a:srgbClr val="4D4D4D">
+                      <a:alpha val="100000"/>
+                    </a:srgbClr>
+                  </a:solidFill>
+                  <a:latin typeface="Times New Roman"/>
+                  <a:cs typeface="Times New Roman"/>
+                </a:rPr>
+                <a:t>25%</a:t>
+              </a:r>
+            </a:p>
+          </p:txBody>
+        </p:sp>
+        <p:sp>
+          <p:nvSpPr>
+            <p:cNvPr id="260" name="tx260"/>
+            <p:cNvSpPr/>
+            <p:nvPr/>
+          </p:nvSpPr>
+          <p:spPr>
+            <a:xfrm>
+              <a:off x="299140" y="1932470"/>
               <a:ext cx="223480" cy="85903"/>
             </a:xfrm>
             <a:prstGeom prst="rect">
@@ -11702,7 +13342,53 @@
         </p:sp>
         <p:sp>
           <p:nvSpPr>
-            <p:cNvPr id="223" name="tx223"/>
+            <p:cNvPr id="261" name="tx261"/>
+            <p:cNvSpPr/>
+            <p:nvPr/>
+          </p:nvSpPr>
+          <p:spPr>
+            <a:xfrm>
+              <a:off x="299140" y="1720358"/>
+              <a:ext cx="223480" cy="85903"/>
+            </a:xfrm>
+            <a:prstGeom prst="rect">
+              <a:avLst/>
+            </a:prstGeom>
+            <a:noFill/>
+          </p:spPr>
+          <p:txBody>
+            <a:bodyPr lIns="0" rIns="0" tIns="0" bIns="0" anchorCtr="1" anchor="ctr" wrap="none"/>
+            <a:lstStyle/>
+            <a:p>
+              <a:pPr algn="l" marL="0" marR="0" indent="0">
+                <a:lnSpc>
+                  <a:spcPts val="960"/>
+                </a:lnSpc>
+                <a:spcBef>
+                  <a:spcPts val="0"/>
+                </a:spcBef>
+                <a:spcAft>
+                  <a:spcPts val="0"/>
+                </a:spcAft>
+              </a:pPr>
+              <a:r>
+                <a:rPr sz="960">
+                  <a:solidFill>
+                    <a:srgbClr val="4D4D4D">
+                      <a:alpha val="100000"/>
+                    </a:srgbClr>
+                  </a:solidFill>
+                  <a:latin typeface="Times New Roman"/>
+                  <a:cs typeface="Times New Roman"/>
+                </a:rPr>
+                <a:t>75%</a:t>
+              </a:r>
+            </a:p>
+          </p:txBody>
+        </p:sp>
+        <p:sp>
+          <p:nvSpPr>
+            <p:cNvPr id="262" name="tx262"/>
             <p:cNvSpPr/>
             <p:nvPr/>
           </p:nvSpPr>
@@ -11748,13 +13434,13 @@
         </p:sp>
         <p:sp>
           <p:nvSpPr>
-            <p:cNvPr id="224" name="pl224"/>
-            <p:cNvSpPr/>
-            <p:nvPr/>
-          </p:nvSpPr>
-          <p:spPr>
-            <a:xfrm>
-              <a:off x="550455" y="2333546"/>
+            <p:cNvPr id="263" name="pl263"/>
+            <p:cNvSpPr/>
+            <p:nvPr/>
+          </p:nvSpPr>
+          <p:spPr>
+            <a:xfrm>
+              <a:off x="550455" y="2614349"/>
               <a:ext cx="34794" cy="0"/>
             </a:xfrm>
             <a:custGeom>
@@ -11788,13 +13474,13 @@
         </p:sp>
         <p:sp>
           <p:nvSpPr>
-            <p:cNvPr id="225" name="pl225"/>
-            <p:cNvSpPr/>
-            <p:nvPr/>
-          </p:nvSpPr>
-          <p:spPr>
-            <a:xfrm>
-              <a:off x="550455" y="1943666"/>
+            <p:cNvPr id="264" name="pl264"/>
+            <p:cNvSpPr/>
+            <p:nvPr/>
+          </p:nvSpPr>
+          <p:spPr>
+            <a:xfrm>
+              <a:off x="550455" y="2402236"/>
               <a:ext cx="34794" cy="0"/>
             </a:xfrm>
             <a:custGeom>
@@ -11828,13 +13514,13 @@
         </p:sp>
         <p:sp>
           <p:nvSpPr>
-            <p:cNvPr id="226" name="pl226"/>
-            <p:cNvSpPr/>
-            <p:nvPr/>
-          </p:nvSpPr>
-          <p:spPr>
-            <a:xfrm>
-              <a:off x="550455" y="1553786"/>
+            <p:cNvPr id="265" name="pl265"/>
+            <p:cNvSpPr/>
+            <p:nvPr/>
+          </p:nvSpPr>
+          <p:spPr>
+            <a:xfrm>
+              <a:off x="550455" y="2190124"/>
               <a:ext cx="34794" cy="0"/>
             </a:xfrm>
             <a:custGeom>
@@ -11868,7 +13554,127 @@
         </p:sp>
         <p:sp>
           <p:nvSpPr>
-            <p:cNvPr id="227" name="tx227"/>
+            <p:cNvPr id="266" name="pl266"/>
+            <p:cNvSpPr/>
+            <p:nvPr/>
+          </p:nvSpPr>
+          <p:spPr>
+            <a:xfrm>
+              <a:off x="550455" y="1978011"/>
+              <a:ext cx="34794" cy="0"/>
+            </a:xfrm>
+            <a:custGeom>
+              <a:avLst/>
+              <a:pathLst>
+                <a:path w="34794" h="0">
+                  <a:moveTo>
+                    <a:pt x="0" y="0"/>
+                  </a:moveTo>
+                  <a:lnTo>
+                    <a:pt x="34794" y="0"/>
+                  </a:lnTo>
+                </a:path>
+              </a:pathLst>
+            </a:custGeom>
+            <a:ln w="13550" cap="flat">
+              <a:solidFill>
+                <a:srgbClr val="333333">
+                  <a:alpha val="100000"/>
+                </a:srgbClr>
+              </a:solidFill>
+              <a:prstDash val="solid"/>
+              <a:round/>
+            </a:ln>
+          </p:spPr>
+          <p:txBody>
+            <a:bodyPr/>
+            <a:lstStyle/>
+            <a:p/>
+          </p:txBody>
+        </p:sp>
+        <p:sp>
+          <p:nvSpPr>
+            <p:cNvPr id="267" name="pl267"/>
+            <p:cNvSpPr/>
+            <p:nvPr/>
+          </p:nvSpPr>
+          <p:spPr>
+            <a:xfrm>
+              <a:off x="550455" y="1765899"/>
+              <a:ext cx="34794" cy="0"/>
+            </a:xfrm>
+            <a:custGeom>
+              <a:avLst/>
+              <a:pathLst>
+                <a:path w="34794" h="0">
+                  <a:moveTo>
+                    <a:pt x="0" y="0"/>
+                  </a:moveTo>
+                  <a:lnTo>
+                    <a:pt x="34794" y="0"/>
+                  </a:lnTo>
+                </a:path>
+              </a:pathLst>
+            </a:custGeom>
+            <a:ln w="13550" cap="flat">
+              <a:solidFill>
+                <a:srgbClr val="333333">
+                  <a:alpha val="100000"/>
+                </a:srgbClr>
+              </a:solidFill>
+              <a:prstDash val="solid"/>
+              <a:round/>
+            </a:ln>
+          </p:spPr>
+          <p:txBody>
+            <a:bodyPr/>
+            <a:lstStyle/>
+            <a:p/>
+          </p:txBody>
+        </p:sp>
+        <p:sp>
+          <p:nvSpPr>
+            <p:cNvPr id="268" name="pl268"/>
+            <p:cNvSpPr/>
+            <p:nvPr/>
+          </p:nvSpPr>
+          <p:spPr>
+            <a:xfrm>
+              <a:off x="550455" y="1553786"/>
+              <a:ext cx="34794" cy="0"/>
+            </a:xfrm>
+            <a:custGeom>
+              <a:avLst/>
+              <a:pathLst>
+                <a:path w="34794" h="0">
+                  <a:moveTo>
+                    <a:pt x="0" y="0"/>
+                  </a:moveTo>
+                  <a:lnTo>
+                    <a:pt x="34794" y="0"/>
+                  </a:lnTo>
+                </a:path>
+              </a:pathLst>
+            </a:custGeom>
+            <a:ln w="13550" cap="flat">
+              <a:solidFill>
+                <a:srgbClr val="333333">
+                  <a:alpha val="100000"/>
+                </a:srgbClr>
+              </a:solidFill>
+              <a:prstDash val="solid"/>
+              <a:round/>
+            </a:ln>
+          </p:spPr>
+          <p:txBody>
+            <a:bodyPr/>
+            <a:lstStyle/>
+            <a:p/>
+          </p:txBody>
+        </p:sp>
+        <p:sp>
+          <p:nvSpPr>
+            <p:cNvPr id="269" name="tx269"/>
             <p:cNvSpPr/>
             <p:nvPr/>
           </p:nvSpPr>

--- a/01_Localities/02_Cumulatives/figures/02_Postzygotics.pptx
+++ b/01_Localities/02_Cumulatives/figures/02_Postzygotics.pptx
@@ -5846,7 +5846,7 @@
           </p:nvSpPr>
           <p:spPr>
             <a:xfrm>
-              <a:off x="585250" y="2614349"/>
+              <a:off x="585250" y="2426925"/>
               <a:ext cx="1051432" cy="0"/>
             </a:xfrm>
             <a:custGeom>
@@ -5889,7 +5889,7 @@
           </p:nvSpPr>
           <p:spPr>
             <a:xfrm>
-              <a:off x="585250" y="2402236"/>
+              <a:off x="585250" y="2135879"/>
               <a:ext cx="1051432" cy="0"/>
             </a:xfrm>
             <a:custGeom>
@@ -5932,7 +5932,7 @@
           </p:nvSpPr>
           <p:spPr>
             <a:xfrm>
-              <a:off x="585250" y="2190124"/>
+              <a:off x="585250" y="1844833"/>
               <a:ext cx="1051432" cy="0"/>
             </a:xfrm>
             <a:custGeom>
@@ -5975,7 +5975,7 @@
           </p:nvSpPr>
           <p:spPr>
             <a:xfrm>
-              <a:off x="585250" y="1978011"/>
+              <a:off x="585250" y="1553786"/>
               <a:ext cx="1051432" cy="0"/>
             </a:xfrm>
             <a:custGeom>
@@ -6018,7 +6018,7 @@
           </p:nvSpPr>
           <p:spPr>
             <a:xfrm>
-              <a:off x="585250" y="1765899"/>
+              <a:off x="585250" y="2135879"/>
               <a:ext cx="1051432" cy="0"/>
             </a:xfrm>
             <a:custGeom>
@@ -6039,7 +6039,7 @@
             </a:custGeom>
             <a:ln w="13550" cap="flat">
               <a:solidFill>
-                <a:srgbClr val="BEBEBE">
+                <a:srgbClr val="000000">
                   <a:alpha val="100000"/>
                 </a:srgbClr>
               </a:solidFill>
@@ -6061,28 +6061,34 @@
           </p:nvSpPr>
           <p:spPr>
             <a:xfrm>
-              <a:off x="585250" y="1553786"/>
-              <a:ext cx="1051432" cy="0"/>
+              <a:off x="706569" y="1607339"/>
+              <a:ext cx="808794" cy="814929"/>
             </a:xfrm>
             <a:custGeom>
               <a:avLst/>
               <a:pathLst>
-                <a:path w="1051432" h="0">
+                <a:path w="808794" h="814929">
                   <a:moveTo>
-                    <a:pt x="0" y="0"/>
+                    <a:pt x="0" y="591406"/>
                   </a:moveTo>
                   <a:lnTo>
-                    <a:pt x="1051432" y="0"/>
-                  </a:lnTo>
-                  <a:lnTo>
-                    <a:pt x="1051432" y="0"/>
+                    <a:pt x="202198" y="757884"/>
+                  </a:lnTo>
+                  <a:lnTo>
+                    <a:pt x="404397" y="814929"/>
+                  </a:lnTo>
+                  <a:lnTo>
+                    <a:pt x="606595" y="582"/>
+                  </a:lnTo>
+                  <a:lnTo>
+                    <a:pt x="808794" y="0"/>
                   </a:lnTo>
                 </a:path>
               </a:pathLst>
             </a:custGeom>
             <a:ln w="13550" cap="flat">
               <a:solidFill>
-                <a:srgbClr val="BEBEBE">
+                <a:srgbClr val="00BA38">
                   <a:alpha val="100000"/>
                 </a:srgbClr>
               </a:solidFill>
@@ -6104,28 +6110,34 @@
           </p:nvSpPr>
           <p:spPr>
             <a:xfrm>
-              <a:off x="585250" y="2402236"/>
-              <a:ext cx="1051432" cy="0"/>
+              <a:off x="706569" y="2027028"/>
+              <a:ext cx="808794" cy="69851"/>
             </a:xfrm>
             <a:custGeom>
               <a:avLst/>
               <a:pathLst>
-                <a:path w="1051432" h="0">
+                <a:path w="808794" h="69851">
                   <a:moveTo>
                     <a:pt x="0" y="0"/>
                   </a:moveTo>
                   <a:lnTo>
-                    <a:pt x="1051432" y="0"/>
-                  </a:lnTo>
-                  <a:lnTo>
-                    <a:pt x="1051432" y="0"/>
+                    <a:pt x="202198" y="67522"/>
+                  </a:lnTo>
+                  <a:lnTo>
+                    <a:pt x="404397" y="582"/>
+                  </a:lnTo>
+                  <a:lnTo>
+                    <a:pt x="606595" y="69851"/>
+                  </a:lnTo>
+                  <a:lnTo>
+                    <a:pt x="808794" y="5238"/>
                   </a:lnTo>
                 </a:path>
               </a:pathLst>
             </a:custGeom>
             <a:ln w="13550" cap="flat">
               <a:solidFill>
-                <a:srgbClr val="000000">
+                <a:srgbClr val="619CFF">
                   <a:alpha val="100000"/>
                 </a:srgbClr>
               </a:solidFill>
@@ -6147,131 +6159,33 @@
           </p:nvSpPr>
           <p:spPr>
             <a:xfrm>
-              <a:off x="706569" y="1584331"/>
-              <a:ext cx="808794" cy="1009655"/>
+              <a:off x="706569" y="2198745"/>
+              <a:ext cx="808794" cy="395240"/>
             </a:xfrm>
             <a:custGeom>
               <a:avLst/>
               <a:pathLst>
-                <a:path w="808794" h="1009655">
+                <a:path w="808794" h="395240">
                   <a:moveTo>
-                    <a:pt x="0" y="857782"/>
+                    <a:pt x="0" y="0"/>
                   </a:moveTo>
                   <a:lnTo>
-                    <a:pt x="202198" y="928203"/>
-                  </a:lnTo>
-                  <a:lnTo>
-                    <a:pt x="404397" y="1009655"/>
-                  </a:lnTo>
-                  <a:lnTo>
-                    <a:pt x="606595" y="0"/>
-                  </a:lnTo>
-                  <a:lnTo>
-                    <a:pt x="808794" y="848"/>
+                    <a:pt x="202198" y="65194"/>
+                  </a:lnTo>
+                  <a:lnTo>
+                    <a:pt x="404397" y="51806"/>
+                  </a:lnTo>
+                  <a:lnTo>
+                    <a:pt x="606595" y="395240"/>
+                  </a:lnTo>
+                  <a:lnTo>
+                    <a:pt x="808794" y="363225"/>
                   </a:lnTo>
                 </a:path>
               </a:pathLst>
             </a:custGeom>
             <a:ln w="13550" cap="flat">
               <a:solidFill>
-                <a:srgbClr val="00BA38">
-                  <a:alpha val="100000"/>
-                </a:srgbClr>
-              </a:solidFill>
-              <a:prstDash val="solid"/>
-              <a:round/>
-            </a:ln>
-          </p:spPr>
-          <p:txBody>
-            <a:bodyPr/>
-            <a:lstStyle/>
-            <a:p/>
-          </p:txBody>
-        </p:sp>
-        <p:sp>
-          <p:nvSpPr>
-            <p:cNvPr id="84" name="pl84"/>
-            <p:cNvSpPr/>
-            <p:nvPr/>
-          </p:nvSpPr>
-          <p:spPr>
-            <a:xfrm>
-              <a:off x="706569" y="1829533"/>
-              <a:ext cx="808794" cy="375863"/>
-            </a:xfrm>
-            <a:custGeom>
-              <a:avLst/>
-              <a:pathLst>
-                <a:path w="808794" h="375863">
-                  <a:moveTo>
-                    <a:pt x="0" y="375863"/>
-                  </a:moveTo>
-                  <a:lnTo>
-                    <a:pt x="202198" y="363136"/>
-                  </a:lnTo>
-                  <a:lnTo>
-                    <a:pt x="404397" y="291866"/>
-                  </a:lnTo>
-                  <a:lnTo>
-                    <a:pt x="606595" y="33089"/>
-                  </a:lnTo>
-                  <a:lnTo>
-                    <a:pt x="808794" y="0"/>
-                  </a:lnTo>
-                </a:path>
-              </a:pathLst>
-            </a:custGeom>
-            <a:ln w="13550" cap="flat">
-              <a:solidFill>
-                <a:srgbClr val="619CFF">
-                  <a:alpha val="100000"/>
-                </a:srgbClr>
-              </a:solidFill>
-              <a:prstDash val="solid"/>
-              <a:round/>
-            </a:ln>
-          </p:spPr>
-          <p:txBody>
-            <a:bodyPr/>
-            <a:lstStyle/>
-            <a:p/>
-          </p:txBody>
-        </p:sp>
-        <p:sp>
-          <p:nvSpPr>
-            <p:cNvPr id="85" name="pl85"/>
-            <p:cNvSpPr/>
-            <p:nvPr/>
-          </p:nvSpPr>
-          <p:spPr>
-            <a:xfrm>
-              <a:off x="706569" y="2134975"/>
-              <a:ext cx="808794" cy="307138"/>
-            </a:xfrm>
-            <a:custGeom>
-              <a:avLst/>
-              <a:pathLst>
-                <a:path w="808794" h="307138">
-                  <a:moveTo>
-                    <a:pt x="0" y="307138"/>
-                  </a:moveTo>
-                  <a:lnTo>
-                    <a:pt x="202198" y="257928"/>
-                  </a:lnTo>
-                  <a:lnTo>
-                    <a:pt x="404397" y="252838"/>
-                  </a:lnTo>
-                  <a:lnTo>
-                    <a:pt x="606595" y="11029"/>
-                  </a:lnTo>
-                  <a:lnTo>
-                    <a:pt x="808794" y="0"/>
-                  </a:lnTo>
-                </a:path>
-              </a:pathLst>
-            </a:custGeom>
-            <a:ln w="13550" cap="flat">
-              <a:solidFill>
                 <a:srgbClr val="F8766D">
                   <a:alpha val="100000"/>
                 </a:srgbClr>
@@ -6288,13 +6202,13 @@
         </p:sp>
         <p:sp>
           <p:nvSpPr>
-            <p:cNvPr id="86" name="pt86"/>
-            <p:cNvSpPr/>
-            <p:nvPr/>
-          </p:nvSpPr>
-          <p:spPr>
-            <a:xfrm>
-              <a:off x="681743" y="2417287"/>
+            <p:cNvPr id="84" name="pt84"/>
+            <p:cNvSpPr/>
+            <p:nvPr/>
+          </p:nvSpPr>
+          <p:spPr>
+            <a:xfrm>
+              <a:off x="681743" y="2173919"/>
               <a:ext cx="49651" cy="49651"/>
             </a:xfrm>
             <a:prstGeom prst="ellipse">
@@ -6323,13 +6237,13 @@
         </p:sp>
         <p:sp>
           <p:nvSpPr>
-            <p:cNvPr id="87" name="pt87"/>
-            <p:cNvSpPr/>
-            <p:nvPr/>
-          </p:nvSpPr>
-          <p:spPr>
-            <a:xfrm>
-              <a:off x="681743" y="2417287"/>
+            <p:cNvPr id="85" name="pt85"/>
+            <p:cNvSpPr/>
+            <p:nvPr/>
+          </p:nvSpPr>
+          <p:spPr>
+            <a:xfrm>
+              <a:off x="681743" y="2173919"/>
               <a:ext cx="49651" cy="49651"/>
             </a:xfrm>
             <a:prstGeom prst="ellipse">
@@ -6358,13 +6272,13 @@
         </p:sp>
         <p:sp>
           <p:nvSpPr>
-            <p:cNvPr id="88" name="pt88"/>
-            <p:cNvSpPr/>
-            <p:nvPr/>
-          </p:nvSpPr>
-          <p:spPr>
-            <a:xfrm>
-              <a:off x="681743" y="2180570"/>
+            <p:cNvPr id="86" name="pt86"/>
+            <p:cNvSpPr/>
+            <p:nvPr/>
+          </p:nvSpPr>
+          <p:spPr>
+            <a:xfrm>
+              <a:off x="681743" y="2002202"/>
               <a:ext cx="49651" cy="49651"/>
             </a:xfrm>
             <a:prstGeom prst="ellipse">
@@ -6393,13 +6307,13 @@
         </p:sp>
         <p:sp>
           <p:nvSpPr>
-            <p:cNvPr id="89" name="pt89"/>
-            <p:cNvSpPr/>
-            <p:nvPr/>
-          </p:nvSpPr>
-          <p:spPr>
-            <a:xfrm>
-              <a:off x="883942" y="2368077"/>
+            <p:cNvPr id="87" name="pt87"/>
+            <p:cNvSpPr/>
+            <p:nvPr/>
+          </p:nvSpPr>
+          <p:spPr>
+            <a:xfrm>
+              <a:off x="883942" y="2239113"/>
               <a:ext cx="49651" cy="49651"/>
             </a:xfrm>
             <a:prstGeom prst="ellipse">
@@ -6428,13 +6342,13 @@
         </p:sp>
         <p:sp>
           <p:nvSpPr>
-            <p:cNvPr id="90" name="pt90"/>
-            <p:cNvSpPr/>
-            <p:nvPr/>
-          </p:nvSpPr>
-          <p:spPr>
-            <a:xfrm>
-              <a:off x="883942" y="2487709"/>
+            <p:cNvPr id="88" name="pt88"/>
+            <p:cNvSpPr/>
+            <p:nvPr/>
+          </p:nvSpPr>
+          <p:spPr>
+            <a:xfrm>
+              <a:off x="883942" y="2340398"/>
               <a:ext cx="49651" cy="49651"/>
             </a:xfrm>
             <a:prstGeom prst="ellipse">
@@ -6463,13 +6377,13 @@
         </p:sp>
         <p:sp>
           <p:nvSpPr>
-            <p:cNvPr id="91" name="pt91"/>
-            <p:cNvSpPr/>
-            <p:nvPr/>
-          </p:nvSpPr>
-          <p:spPr>
-            <a:xfrm>
-              <a:off x="883942" y="2167843"/>
+            <p:cNvPr id="89" name="pt89"/>
+            <p:cNvSpPr/>
+            <p:nvPr/>
+          </p:nvSpPr>
+          <p:spPr>
+            <a:xfrm>
+              <a:off x="883942" y="2069725"/>
               <a:ext cx="49651" cy="49651"/>
             </a:xfrm>
             <a:prstGeom prst="ellipse">
@@ -6498,13 +6412,13 @@
         </p:sp>
         <p:sp>
           <p:nvSpPr>
-            <p:cNvPr id="92" name="pt92"/>
-            <p:cNvSpPr/>
-            <p:nvPr/>
-          </p:nvSpPr>
-          <p:spPr>
-            <a:xfrm>
-              <a:off x="1086140" y="2362987"/>
+            <p:cNvPr id="90" name="pt90"/>
+            <p:cNvSpPr/>
+            <p:nvPr/>
+          </p:nvSpPr>
+          <p:spPr>
+            <a:xfrm>
+              <a:off x="1086140" y="2225725"/>
               <a:ext cx="49651" cy="49651"/>
             </a:xfrm>
             <a:prstGeom prst="ellipse">
@@ -6533,13 +6447,13 @@
         </p:sp>
         <p:sp>
           <p:nvSpPr>
-            <p:cNvPr id="93" name="pt93"/>
-            <p:cNvSpPr/>
-            <p:nvPr/>
-          </p:nvSpPr>
-          <p:spPr>
-            <a:xfrm>
-              <a:off x="1086140" y="2569160"/>
+            <p:cNvPr id="91" name="pt91"/>
+            <p:cNvSpPr/>
+            <p:nvPr/>
+          </p:nvSpPr>
+          <p:spPr>
+            <a:xfrm>
+              <a:off x="1086140" y="2397443"/>
               <a:ext cx="49651" cy="49651"/>
             </a:xfrm>
             <a:prstGeom prst="ellipse">
@@ -6568,13 +6482,13 @@
         </p:sp>
         <p:sp>
           <p:nvSpPr>
-            <p:cNvPr id="94" name="pt94"/>
-            <p:cNvSpPr/>
-            <p:nvPr/>
-          </p:nvSpPr>
-          <p:spPr>
-            <a:xfrm>
-              <a:off x="1086140" y="2096573"/>
+            <p:cNvPr id="92" name="pt92"/>
+            <p:cNvSpPr/>
+            <p:nvPr/>
+          </p:nvSpPr>
+          <p:spPr>
+            <a:xfrm>
+              <a:off x="1086140" y="2002784"/>
               <a:ext cx="49651" cy="49651"/>
             </a:xfrm>
             <a:prstGeom prst="ellipse">
@@ -6603,13 +6517,13 @@
         </p:sp>
         <p:sp>
           <p:nvSpPr>
-            <p:cNvPr id="95" name="pt95"/>
-            <p:cNvSpPr/>
-            <p:nvPr/>
-          </p:nvSpPr>
-          <p:spPr>
-            <a:xfrm>
-              <a:off x="1288339" y="2121178"/>
+            <p:cNvPr id="93" name="pt93"/>
+            <p:cNvSpPr/>
+            <p:nvPr/>
+          </p:nvSpPr>
+          <p:spPr>
+            <a:xfrm>
+              <a:off x="1288339" y="2569160"/>
               <a:ext cx="49651" cy="49651"/>
             </a:xfrm>
             <a:prstGeom prst="ellipse">
@@ -6638,13 +6552,13 @@
         </p:sp>
         <p:sp>
           <p:nvSpPr>
-            <p:cNvPr id="96" name="pt96"/>
-            <p:cNvSpPr/>
-            <p:nvPr/>
-          </p:nvSpPr>
-          <p:spPr>
-            <a:xfrm>
-              <a:off x="1288339" y="1559505"/>
+            <p:cNvPr id="94" name="pt94"/>
+            <p:cNvSpPr/>
+            <p:nvPr/>
+          </p:nvSpPr>
+          <p:spPr>
+            <a:xfrm>
+              <a:off x="1288339" y="1583095"/>
               <a:ext cx="49651" cy="49651"/>
             </a:xfrm>
             <a:prstGeom prst="ellipse">
@@ -6673,13 +6587,13 @@
         </p:sp>
         <p:sp>
           <p:nvSpPr>
-            <p:cNvPr id="97" name="pt97"/>
-            <p:cNvSpPr/>
-            <p:nvPr/>
-          </p:nvSpPr>
-          <p:spPr>
-            <a:xfrm>
-              <a:off x="1288339" y="1837796"/>
+            <p:cNvPr id="95" name="pt95"/>
+            <p:cNvSpPr/>
+            <p:nvPr/>
+          </p:nvSpPr>
+          <p:spPr>
+            <a:xfrm>
+              <a:off x="1288339" y="2072053"/>
               <a:ext cx="49651" cy="49651"/>
             </a:xfrm>
             <a:prstGeom prst="ellipse">
@@ -6708,13 +6622,13 @@
         </p:sp>
         <p:sp>
           <p:nvSpPr>
-            <p:cNvPr id="98" name="pt98"/>
-            <p:cNvSpPr/>
-            <p:nvPr/>
-          </p:nvSpPr>
-          <p:spPr>
-            <a:xfrm>
-              <a:off x="1490537" y="2110149"/>
+            <p:cNvPr id="96" name="pt96"/>
+            <p:cNvSpPr/>
+            <p:nvPr/>
+          </p:nvSpPr>
+          <p:spPr>
+            <a:xfrm>
+              <a:off x="1490537" y="2537145"/>
               <a:ext cx="49651" cy="49651"/>
             </a:xfrm>
             <a:prstGeom prst="ellipse">
@@ -6743,13 +6657,13 @@
         </p:sp>
         <p:sp>
           <p:nvSpPr>
-            <p:cNvPr id="99" name="pt99"/>
-            <p:cNvSpPr/>
-            <p:nvPr/>
-          </p:nvSpPr>
-          <p:spPr>
-            <a:xfrm>
-              <a:off x="1490537" y="1560353"/>
+            <p:cNvPr id="97" name="pt97"/>
+            <p:cNvSpPr/>
+            <p:nvPr/>
+          </p:nvSpPr>
+          <p:spPr>
+            <a:xfrm>
+              <a:off x="1490537" y="1582513"/>
               <a:ext cx="49651" cy="49651"/>
             </a:xfrm>
             <a:prstGeom prst="ellipse">
@@ -6778,13 +6692,13 @@
         </p:sp>
         <p:sp>
           <p:nvSpPr>
-            <p:cNvPr id="100" name="pt100"/>
-            <p:cNvSpPr/>
-            <p:nvPr/>
-          </p:nvSpPr>
-          <p:spPr>
-            <a:xfrm>
-              <a:off x="1490537" y="1804707"/>
+            <p:cNvPr id="98" name="pt98"/>
+            <p:cNvSpPr/>
+            <p:nvPr/>
+          </p:nvSpPr>
+          <p:spPr>
+            <a:xfrm>
+              <a:off x="1490537" y="2007441"/>
               <a:ext cx="49651" cy="49651"/>
             </a:xfrm>
             <a:prstGeom prst="ellipse">
@@ -6813,7 +6727,7 @@
         </p:sp>
         <p:sp>
           <p:nvSpPr>
-            <p:cNvPr id="101" name="rc101"/>
+            <p:cNvPr id="99" name="rc99"/>
             <p:cNvSpPr/>
             <p:nvPr/>
           </p:nvSpPr>
@@ -6839,13 +6753,13 @@
         </p:sp>
         <p:sp>
           <p:nvSpPr>
-            <p:cNvPr id="102" name="pl102"/>
-            <p:cNvSpPr/>
-            <p:nvPr/>
-          </p:nvSpPr>
-          <p:spPr>
-            <a:xfrm>
-              <a:off x="1706272" y="2614349"/>
+            <p:cNvPr id="100" name="pl100"/>
+            <p:cNvSpPr/>
+            <p:nvPr/>
+          </p:nvSpPr>
+          <p:spPr>
+            <a:xfrm>
+              <a:off x="1706272" y="2426925"/>
               <a:ext cx="1051432" cy="0"/>
             </a:xfrm>
             <a:custGeom>
@@ -6882,13 +6796,13 @@
         </p:sp>
         <p:sp>
           <p:nvSpPr>
-            <p:cNvPr id="103" name="pl103"/>
-            <p:cNvSpPr/>
-            <p:nvPr/>
-          </p:nvSpPr>
-          <p:spPr>
-            <a:xfrm>
-              <a:off x="1706272" y="2402236"/>
+            <p:cNvPr id="101" name="pl101"/>
+            <p:cNvSpPr/>
+            <p:nvPr/>
+          </p:nvSpPr>
+          <p:spPr>
+            <a:xfrm>
+              <a:off x="1706272" y="2135879"/>
               <a:ext cx="1051432" cy="0"/>
             </a:xfrm>
             <a:custGeom>
@@ -6925,13 +6839,13 @@
         </p:sp>
         <p:sp>
           <p:nvSpPr>
-            <p:cNvPr id="104" name="pl104"/>
-            <p:cNvSpPr/>
-            <p:nvPr/>
-          </p:nvSpPr>
-          <p:spPr>
-            <a:xfrm>
-              <a:off x="1706272" y="2190124"/>
+            <p:cNvPr id="102" name="pl102"/>
+            <p:cNvSpPr/>
+            <p:nvPr/>
+          </p:nvSpPr>
+          <p:spPr>
+            <a:xfrm>
+              <a:off x="1706272" y="1844833"/>
               <a:ext cx="1051432" cy="0"/>
             </a:xfrm>
             <a:custGeom>
@@ -6968,13 +6882,13 @@
         </p:sp>
         <p:sp>
           <p:nvSpPr>
-            <p:cNvPr id="105" name="pl105"/>
-            <p:cNvSpPr/>
-            <p:nvPr/>
-          </p:nvSpPr>
-          <p:spPr>
-            <a:xfrm>
-              <a:off x="1706272" y="1978011"/>
+            <p:cNvPr id="103" name="pl103"/>
+            <p:cNvSpPr/>
+            <p:nvPr/>
+          </p:nvSpPr>
+          <p:spPr>
+            <a:xfrm>
+              <a:off x="1706272" y="1553786"/>
               <a:ext cx="1051432" cy="0"/>
             </a:xfrm>
             <a:custGeom>
@@ -7011,13 +6925,13 @@
         </p:sp>
         <p:sp>
           <p:nvSpPr>
-            <p:cNvPr id="106" name="pl106"/>
-            <p:cNvSpPr/>
-            <p:nvPr/>
-          </p:nvSpPr>
-          <p:spPr>
-            <a:xfrm>
-              <a:off x="1706272" y="1765899"/>
+            <p:cNvPr id="104" name="pl104"/>
+            <p:cNvSpPr/>
+            <p:nvPr/>
+          </p:nvSpPr>
+          <p:spPr>
+            <a:xfrm>
+              <a:off x="1706272" y="2135879"/>
               <a:ext cx="1051432" cy="0"/>
             </a:xfrm>
             <a:custGeom>
@@ -7038,132 +6952,46 @@
             </a:custGeom>
             <a:ln w="13550" cap="flat">
               <a:solidFill>
-                <a:srgbClr val="BEBEBE">
-                  <a:alpha val="100000"/>
-                </a:srgbClr>
-              </a:solidFill>
-              <a:prstDash val="solid"/>
-              <a:round/>
-            </a:ln>
-          </p:spPr>
-          <p:txBody>
-            <a:bodyPr/>
-            <a:lstStyle/>
-            <a:p/>
-          </p:txBody>
-        </p:sp>
-        <p:sp>
-          <p:nvSpPr>
-            <p:cNvPr id="107" name="pl107"/>
-            <p:cNvSpPr/>
-            <p:nvPr/>
-          </p:nvSpPr>
-          <p:spPr>
-            <a:xfrm>
-              <a:off x="1706272" y="1553786"/>
-              <a:ext cx="1051432" cy="0"/>
+                <a:srgbClr val="000000">
+                  <a:alpha val="100000"/>
+                </a:srgbClr>
+              </a:solidFill>
+              <a:prstDash val="solid"/>
+              <a:round/>
+            </a:ln>
+          </p:spPr>
+          <p:txBody>
+            <a:bodyPr/>
+            <a:lstStyle/>
+            <a:p/>
+          </p:txBody>
+        </p:sp>
+        <p:sp>
+          <p:nvSpPr>
+            <p:cNvPr id="105" name="pl105"/>
+            <p:cNvSpPr/>
+            <p:nvPr/>
+          </p:nvSpPr>
+          <p:spPr>
+            <a:xfrm>
+              <a:off x="1827591" y="1553786"/>
+              <a:ext cx="202198" cy="107687"/>
             </a:xfrm>
             <a:custGeom>
               <a:avLst/>
               <a:pathLst>
-                <a:path w="1051432" h="0">
+                <a:path w="202198" h="107687">
                   <a:moveTo>
-                    <a:pt x="0" y="0"/>
+                    <a:pt x="0" y="107687"/>
                   </a:moveTo>
                   <a:lnTo>
-                    <a:pt x="1051432" y="0"/>
-                  </a:lnTo>
-                  <a:lnTo>
-                    <a:pt x="1051432" y="0"/>
+                    <a:pt x="202198" y="0"/>
                   </a:lnTo>
                 </a:path>
               </a:pathLst>
             </a:custGeom>
             <a:ln w="13550" cap="flat">
               <a:solidFill>
-                <a:srgbClr val="BEBEBE">
-                  <a:alpha val="100000"/>
-                </a:srgbClr>
-              </a:solidFill>
-              <a:prstDash val="solid"/>
-              <a:round/>
-            </a:ln>
-          </p:spPr>
-          <p:txBody>
-            <a:bodyPr/>
-            <a:lstStyle/>
-            <a:p/>
-          </p:txBody>
-        </p:sp>
-        <p:sp>
-          <p:nvSpPr>
-            <p:cNvPr id="108" name="pl108"/>
-            <p:cNvSpPr/>
-            <p:nvPr/>
-          </p:nvSpPr>
-          <p:spPr>
-            <a:xfrm>
-              <a:off x="1706272" y="2402236"/>
-              <a:ext cx="1051432" cy="0"/>
-            </a:xfrm>
-            <a:custGeom>
-              <a:avLst/>
-              <a:pathLst>
-                <a:path w="1051432" h="0">
-                  <a:moveTo>
-                    <a:pt x="0" y="0"/>
-                  </a:moveTo>
-                  <a:lnTo>
-                    <a:pt x="1051432" y="0"/>
-                  </a:lnTo>
-                  <a:lnTo>
-                    <a:pt x="1051432" y="0"/>
-                  </a:lnTo>
-                </a:path>
-              </a:pathLst>
-            </a:custGeom>
-            <a:ln w="13550" cap="flat">
-              <a:solidFill>
-                <a:srgbClr val="000000">
-                  <a:alpha val="100000"/>
-                </a:srgbClr>
-              </a:solidFill>
-              <a:prstDash val="solid"/>
-              <a:round/>
-            </a:ln>
-          </p:spPr>
-          <p:txBody>
-            <a:bodyPr/>
-            <a:lstStyle/>
-            <a:p/>
-          </p:txBody>
-        </p:sp>
-        <p:sp>
-          <p:nvSpPr>
-            <p:cNvPr id="109" name="pl109"/>
-            <p:cNvSpPr/>
-            <p:nvPr/>
-          </p:nvSpPr>
-          <p:spPr>
-            <a:xfrm>
-              <a:off x="1827591" y="1553786"/>
-              <a:ext cx="202198" cy="148478"/>
-            </a:xfrm>
-            <a:custGeom>
-              <a:avLst/>
-              <a:pathLst>
-                <a:path w="202198" h="148478">
-                  <a:moveTo>
-                    <a:pt x="0" y="148478"/>
-                  </a:moveTo>
-                  <a:lnTo>
-                    <a:pt x="202198" y="0"/>
-                  </a:lnTo>
-                </a:path>
-              </a:pathLst>
-            </a:custGeom>
-            <a:ln w="13550" cap="flat">
-              <a:solidFill>
                 <a:srgbClr val="F8766D">
                   <a:alpha val="100000"/>
                 </a:srgbClr>
@@ -7180,13 +7008,13 @@
         </p:sp>
         <p:sp>
           <p:nvSpPr>
-            <p:cNvPr id="110" name="pt110"/>
-            <p:cNvSpPr/>
-            <p:nvPr/>
-          </p:nvSpPr>
-          <p:spPr>
-            <a:xfrm>
-              <a:off x="1802765" y="1677439"/>
+            <p:cNvPr id="106" name="pt106"/>
+            <p:cNvSpPr/>
+            <p:nvPr/>
+          </p:nvSpPr>
+          <p:spPr>
+            <a:xfrm>
+              <a:off x="1802765" y="1636648"/>
               <a:ext cx="49651" cy="49651"/>
             </a:xfrm>
             <a:prstGeom prst="ellipse">
@@ -7215,7 +7043,7 @@
         </p:sp>
         <p:sp>
           <p:nvSpPr>
-            <p:cNvPr id="111" name="pt111"/>
+            <p:cNvPr id="107" name="pt107"/>
             <p:cNvSpPr/>
             <p:nvPr/>
           </p:nvSpPr>
@@ -7250,7 +7078,7 @@
         </p:sp>
         <p:sp>
           <p:nvSpPr>
-            <p:cNvPr id="112" name="rc112"/>
+            <p:cNvPr id="108" name="rc108"/>
             <p:cNvSpPr/>
             <p:nvPr/>
           </p:nvSpPr>
@@ -7276,13 +7104,13 @@
         </p:sp>
         <p:sp>
           <p:nvSpPr>
-            <p:cNvPr id="113" name="pl113"/>
-            <p:cNvSpPr/>
-            <p:nvPr/>
-          </p:nvSpPr>
-          <p:spPr>
-            <a:xfrm>
-              <a:off x="2827293" y="2614349"/>
+            <p:cNvPr id="109" name="pl109"/>
+            <p:cNvSpPr/>
+            <p:nvPr/>
+          </p:nvSpPr>
+          <p:spPr>
+            <a:xfrm>
+              <a:off x="2827293" y="2426925"/>
               <a:ext cx="1051432" cy="0"/>
             </a:xfrm>
             <a:custGeom>
@@ -7319,13 +7147,13 @@
         </p:sp>
         <p:sp>
           <p:nvSpPr>
-            <p:cNvPr id="114" name="pl114"/>
-            <p:cNvSpPr/>
-            <p:nvPr/>
-          </p:nvSpPr>
-          <p:spPr>
-            <a:xfrm>
-              <a:off x="2827293" y="2402236"/>
+            <p:cNvPr id="110" name="pl110"/>
+            <p:cNvSpPr/>
+            <p:nvPr/>
+          </p:nvSpPr>
+          <p:spPr>
+            <a:xfrm>
+              <a:off x="2827293" y="2135879"/>
               <a:ext cx="1051432" cy="0"/>
             </a:xfrm>
             <a:custGeom>
@@ -7362,13 +7190,13 @@
         </p:sp>
         <p:sp>
           <p:nvSpPr>
-            <p:cNvPr id="115" name="pl115"/>
-            <p:cNvSpPr/>
-            <p:nvPr/>
-          </p:nvSpPr>
-          <p:spPr>
-            <a:xfrm>
-              <a:off x="2827293" y="2190124"/>
+            <p:cNvPr id="111" name="pl111"/>
+            <p:cNvSpPr/>
+            <p:nvPr/>
+          </p:nvSpPr>
+          <p:spPr>
+            <a:xfrm>
+              <a:off x="2827293" y="1844833"/>
               <a:ext cx="1051432" cy="0"/>
             </a:xfrm>
             <a:custGeom>
@@ -7405,13 +7233,13 @@
         </p:sp>
         <p:sp>
           <p:nvSpPr>
-            <p:cNvPr id="116" name="pl116"/>
-            <p:cNvSpPr/>
-            <p:nvPr/>
-          </p:nvSpPr>
-          <p:spPr>
-            <a:xfrm>
-              <a:off x="2827293" y="1978011"/>
+            <p:cNvPr id="112" name="pl112"/>
+            <p:cNvSpPr/>
+            <p:nvPr/>
+          </p:nvSpPr>
+          <p:spPr>
+            <a:xfrm>
+              <a:off x="2827293" y="1553786"/>
               <a:ext cx="1051432" cy="0"/>
             </a:xfrm>
             <a:custGeom>
@@ -7448,13 +7276,13 @@
         </p:sp>
         <p:sp>
           <p:nvSpPr>
-            <p:cNvPr id="117" name="pl117"/>
-            <p:cNvSpPr/>
-            <p:nvPr/>
-          </p:nvSpPr>
-          <p:spPr>
-            <a:xfrm>
-              <a:off x="2827293" y="1765899"/>
+            <p:cNvPr id="113" name="pl113"/>
+            <p:cNvSpPr/>
+            <p:nvPr/>
+          </p:nvSpPr>
+          <p:spPr>
+            <a:xfrm>
+              <a:off x="2827293" y="2135879"/>
               <a:ext cx="1051432" cy="0"/>
             </a:xfrm>
             <a:custGeom>
@@ -7475,190 +7303,104 @@
             </a:custGeom>
             <a:ln w="13550" cap="flat">
               <a:solidFill>
-                <a:srgbClr val="BEBEBE">
-                  <a:alpha val="100000"/>
-                </a:srgbClr>
-              </a:solidFill>
-              <a:prstDash val="solid"/>
-              <a:round/>
-            </a:ln>
-          </p:spPr>
-          <p:txBody>
-            <a:bodyPr/>
-            <a:lstStyle/>
-            <a:p/>
-          </p:txBody>
-        </p:sp>
-        <p:sp>
-          <p:nvSpPr>
-            <p:cNvPr id="118" name="pl118"/>
-            <p:cNvSpPr/>
-            <p:nvPr/>
-          </p:nvSpPr>
-          <p:spPr>
-            <a:xfrm>
-              <a:off x="2827293" y="1553786"/>
-              <a:ext cx="1051432" cy="0"/>
+                <a:srgbClr val="000000">
+                  <a:alpha val="100000"/>
+                </a:srgbClr>
+              </a:solidFill>
+              <a:prstDash val="solid"/>
+              <a:round/>
+            </a:ln>
+          </p:spPr>
+          <p:txBody>
+            <a:bodyPr/>
+            <a:lstStyle/>
+            <a:p/>
+          </p:txBody>
+        </p:sp>
+        <p:sp>
+          <p:nvSpPr>
+            <p:cNvPr id="114" name="pl114"/>
+            <p:cNvSpPr/>
+            <p:nvPr/>
+          </p:nvSpPr>
+          <p:spPr>
+            <a:xfrm>
+              <a:off x="2948612" y="1705713"/>
+              <a:ext cx="808794" cy="93716"/>
             </a:xfrm>
             <a:custGeom>
               <a:avLst/>
               <a:pathLst>
-                <a:path w="1051432" h="0">
+                <a:path w="808794" h="93716">
                   <a:moveTo>
-                    <a:pt x="0" y="0"/>
+                    <a:pt x="0" y="9313"/>
                   </a:moveTo>
                   <a:lnTo>
-                    <a:pt x="1051432" y="0"/>
-                  </a:lnTo>
-                  <a:lnTo>
-                    <a:pt x="1051432" y="0"/>
+                    <a:pt x="202198" y="0"/>
+                  </a:lnTo>
+                  <a:lnTo>
+                    <a:pt x="404397" y="11059"/>
+                  </a:lnTo>
+                  <a:lnTo>
+                    <a:pt x="606595" y="93716"/>
+                  </a:lnTo>
+                  <a:lnTo>
+                    <a:pt x="808794" y="71015"/>
                   </a:lnTo>
                 </a:path>
               </a:pathLst>
             </a:custGeom>
             <a:ln w="13550" cap="flat">
               <a:solidFill>
-                <a:srgbClr val="BEBEBE">
-                  <a:alpha val="100000"/>
-                </a:srgbClr>
-              </a:solidFill>
-              <a:prstDash val="solid"/>
-              <a:round/>
-            </a:ln>
-          </p:spPr>
-          <p:txBody>
-            <a:bodyPr/>
-            <a:lstStyle/>
-            <a:p/>
-          </p:txBody>
-        </p:sp>
-        <p:sp>
-          <p:nvSpPr>
-            <p:cNvPr id="119" name="pl119"/>
-            <p:cNvSpPr/>
-            <p:nvPr/>
-          </p:nvSpPr>
-          <p:spPr>
-            <a:xfrm>
-              <a:off x="2827293" y="2402236"/>
-              <a:ext cx="1051432" cy="0"/>
+                <a:srgbClr val="00BA38">
+                  <a:alpha val="100000"/>
+                </a:srgbClr>
+              </a:solidFill>
+              <a:prstDash val="solid"/>
+              <a:round/>
+            </a:ln>
+          </p:spPr>
+          <p:txBody>
+            <a:bodyPr/>
+            <a:lstStyle/>
+            <a:p/>
+          </p:txBody>
+        </p:sp>
+        <p:sp>
+          <p:nvSpPr>
+            <p:cNvPr id="115" name="pl115"/>
+            <p:cNvSpPr/>
+            <p:nvPr/>
+          </p:nvSpPr>
+          <p:spPr>
+            <a:xfrm>
+              <a:off x="2948612" y="1666712"/>
+              <a:ext cx="808794" cy="608286"/>
             </a:xfrm>
             <a:custGeom>
               <a:avLst/>
               <a:pathLst>
-                <a:path w="1051432" h="0">
+                <a:path w="808794" h="608286">
                   <a:moveTo>
-                    <a:pt x="0" y="0"/>
+                    <a:pt x="0" y="460435"/>
                   </a:moveTo>
                   <a:lnTo>
-                    <a:pt x="1051432" y="0"/>
-                  </a:lnTo>
-                  <a:lnTo>
-                    <a:pt x="1051432" y="0"/>
+                    <a:pt x="202198" y="608286"/>
+                  </a:lnTo>
+                  <a:lnTo>
+                    <a:pt x="404397" y="543674"/>
+                  </a:lnTo>
+                  <a:lnTo>
+                    <a:pt x="606595" y="306762"/>
+                  </a:lnTo>
+                  <a:lnTo>
+                    <a:pt x="808794" y="0"/>
                   </a:lnTo>
                 </a:path>
               </a:pathLst>
             </a:custGeom>
             <a:ln w="13550" cap="flat">
               <a:solidFill>
-                <a:srgbClr val="000000">
-                  <a:alpha val="100000"/>
-                </a:srgbClr>
-              </a:solidFill>
-              <a:prstDash val="solid"/>
-              <a:round/>
-            </a:ln>
-          </p:spPr>
-          <p:txBody>
-            <a:bodyPr/>
-            <a:lstStyle/>
-            <a:p/>
-          </p:txBody>
-        </p:sp>
-        <p:sp>
-          <p:nvSpPr>
-            <p:cNvPr id="120" name="pl120"/>
-            <p:cNvSpPr/>
-            <p:nvPr/>
-          </p:nvSpPr>
-          <p:spPr>
-            <a:xfrm>
-              <a:off x="2948612" y="1682751"/>
-              <a:ext cx="808794" cy="93329"/>
-            </a:xfrm>
-            <a:custGeom>
-              <a:avLst/>
-              <a:pathLst>
-                <a:path w="808794" h="93329">
-                  <a:moveTo>
-                    <a:pt x="0" y="93329"/>
-                  </a:moveTo>
-                  <a:lnTo>
-                    <a:pt x="202198" y="50906"/>
-                  </a:lnTo>
-                  <a:lnTo>
-                    <a:pt x="404397" y="66179"/>
-                  </a:lnTo>
-                  <a:lnTo>
-                    <a:pt x="606595" y="11029"/>
-                  </a:lnTo>
-                  <a:lnTo>
-                    <a:pt x="808794" y="0"/>
-                  </a:lnTo>
-                </a:path>
-              </a:pathLst>
-            </a:custGeom>
-            <a:ln w="13550" cap="flat">
-              <a:solidFill>
-                <a:srgbClr val="00BA38">
-                  <a:alpha val="100000"/>
-                </a:srgbClr>
-              </a:solidFill>
-              <a:prstDash val="solid"/>
-              <a:round/>
-            </a:ln>
-          </p:spPr>
-          <p:txBody>
-            <a:bodyPr/>
-            <a:lstStyle/>
-            <a:p/>
-          </p:txBody>
-        </p:sp>
-        <p:sp>
-          <p:nvSpPr>
-            <p:cNvPr id="121" name="pl121"/>
-            <p:cNvSpPr/>
-            <p:nvPr/>
-          </p:nvSpPr>
-          <p:spPr>
-            <a:xfrm>
-              <a:off x="2948612" y="1619117"/>
-              <a:ext cx="808794" cy="787361"/>
-            </a:xfrm>
-            <a:custGeom>
-              <a:avLst/>
-              <a:pathLst>
-                <a:path w="808794" h="787361">
-                  <a:moveTo>
-                    <a:pt x="0" y="724576"/>
-                  </a:moveTo>
-                  <a:lnTo>
-                    <a:pt x="202198" y="787361"/>
-                  </a:lnTo>
-                  <a:lnTo>
-                    <a:pt x="404397" y="720333"/>
-                  </a:lnTo>
-                  <a:lnTo>
-                    <a:pt x="606595" y="173083"/>
-                  </a:lnTo>
-                  <a:lnTo>
-                    <a:pt x="808794" y="0"/>
-                  </a:lnTo>
-                </a:path>
-              </a:pathLst>
-            </a:custGeom>
-            <a:ln w="13550" cap="flat">
-              <a:solidFill>
                 <a:srgbClr val="619CFF">
                   <a:alpha val="100000"/>
                 </a:srgbClr>
@@ -7675,7 +7417,7 @@
         </p:sp>
         <p:sp>
           <p:nvSpPr>
-            <p:cNvPr id="122" name="pt122"/>
+            <p:cNvPr id="116" name="pt116"/>
             <p:cNvSpPr/>
             <p:nvPr/>
           </p:nvSpPr>
@@ -7710,13 +7452,13 @@
         </p:sp>
         <p:sp>
           <p:nvSpPr>
-            <p:cNvPr id="123" name="pt123"/>
-            <p:cNvSpPr/>
-            <p:nvPr/>
-          </p:nvSpPr>
-          <p:spPr>
-            <a:xfrm>
-              <a:off x="2923786" y="1751254"/>
+            <p:cNvPr id="117" name="pt117"/>
+            <p:cNvSpPr/>
+            <p:nvPr/>
+          </p:nvSpPr>
+          <p:spPr>
+            <a:xfrm>
+              <a:off x="2923786" y="1690200"/>
               <a:ext cx="49651" cy="49651"/>
             </a:xfrm>
             <a:prstGeom prst="ellipse">
@@ -7745,13 +7487,13 @@
         </p:sp>
         <p:sp>
           <p:nvSpPr>
-            <p:cNvPr id="124" name="pt124"/>
-            <p:cNvSpPr/>
-            <p:nvPr/>
-          </p:nvSpPr>
-          <p:spPr>
-            <a:xfrm>
-              <a:off x="2923786" y="2318867"/>
+            <p:cNvPr id="118" name="pt118"/>
+            <p:cNvSpPr/>
+            <p:nvPr/>
+          </p:nvSpPr>
+          <p:spPr>
+            <a:xfrm>
+              <a:off x="2923786" y="2102322"/>
               <a:ext cx="49651" cy="49651"/>
             </a:xfrm>
             <a:prstGeom prst="ellipse">
@@ -7780,13 +7522,13 @@
         </p:sp>
         <p:sp>
           <p:nvSpPr>
-            <p:cNvPr id="125" name="pt125"/>
-            <p:cNvSpPr/>
-            <p:nvPr/>
-          </p:nvSpPr>
-          <p:spPr>
-            <a:xfrm>
-              <a:off x="3125985" y="1708832"/>
+            <p:cNvPr id="119" name="pt119"/>
+            <p:cNvSpPr/>
+            <p:nvPr/>
+          </p:nvSpPr>
+          <p:spPr>
+            <a:xfrm>
+              <a:off x="3125985" y="1680887"/>
               <a:ext cx="49651" cy="49651"/>
             </a:xfrm>
             <a:prstGeom prst="ellipse">
@@ -7815,13 +7557,13 @@
         </p:sp>
         <p:sp>
           <p:nvSpPr>
-            <p:cNvPr id="126" name="pt126"/>
-            <p:cNvSpPr/>
-            <p:nvPr/>
-          </p:nvSpPr>
-          <p:spPr>
-            <a:xfrm>
-              <a:off x="3125985" y="2381653"/>
+            <p:cNvPr id="120" name="pt120"/>
+            <p:cNvSpPr/>
+            <p:nvPr/>
+          </p:nvSpPr>
+          <p:spPr>
+            <a:xfrm>
+              <a:off x="3125985" y="2250173"/>
               <a:ext cx="49651" cy="49651"/>
             </a:xfrm>
             <a:prstGeom prst="ellipse">
@@ -7850,13 +7592,13 @@
         </p:sp>
         <p:sp>
           <p:nvSpPr>
-            <p:cNvPr id="127" name="pt127"/>
-            <p:cNvSpPr/>
-            <p:nvPr/>
-          </p:nvSpPr>
-          <p:spPr>
-            <a:xfrm>
-              <a:off x="3328183" y="1724104"/>
+            <p:cNvPr id="121" name="pt121"/>
+            <p:cNvSpPr/>
+            <p:nvPr/>
+          </p:nvSpPr>
+          <p:spPr>
+            <a:xfrm>
+              <a:off x="3328183" y="1691946"/>
               <a:ext cx="49651" cy="49651"/>
             </a:xfrm>
             <a:prstGeom prst="ellipse">
@@ -7885,13 +7627,13 @@
         </p:sp>
         <p:sp>
           <p:nvSpPr>
-            <p:cNvPr id="128" name="pt128"/>
-            <p:cNvSpPr/>
-            <p:nvPr/>
-          </p:nvSpPr>
-          <p:spPr>
-            <a:xfrm>
-              <a:off x="3328183" y="2314625"/>
+            <p:cNvPr id="122" name="pt122"/>
+            <p:cNvSpPr/>
+            <p:nvPr/>
+          </p:nvSpPr>
+          <p:spPr>
+            <a:xfrm>
+              <a:off x="3328183" y="2185561"/>
               <a:ext cx="49651" cy="49651"/>
             </a:xfrm>
             <a:prstGeom prst="ellipse">
@@ -7920,13 +7662,13 @@
         </p:sp>
         <p:sp>
           <p:nvSpPr>
-            <p:cNvPr id="129" name="pt129"/>
-            <p:cNvSpPr/>
-            <p:nvPr/>
-          </p:nvSpPr>
-          <p:spPr>
-            <a:xfrm>
-              <a:off x="3530382" y="1668955"/>
+            <p:cNvPr id="123" name="pt123"/>
+            <p:cNvSpPr/>
+            <p:nvPr/>
+          </p:nvSpPr>
+          <p:spPr>
+            <a:xfrm>
+              <a:off x="3530382" y="1774604"/>
               <a:ext cx="49651" cy="49651"/>
             </a:xfrm>
             <a:prstGeom prst="ellipse">
@@ -7955,13 +7697,13 @@
         </p:sp>
         <p:sp>
           <p:nvSpPr>
-            <p:cNvPr id="130" name="pt130"/>
-            <p:cNvSpPr/>
-            <p:nvPr/>
-          </p:nvSpPr>
-          <p:spPr>
-            <a:xfrm>
-              <a:off x="3530382" y="1767375"/>
+            <p:cNvPr id="124" name="pt124"/>
+            <p:cNvSpPr/>
+            <p:nvPr/>
+          </p:nvSpPr>
+          <p:spPr>
+            <a:xfrm>
+              <a:off x="3530382" y="1948649"/>
               <a:ext cx="49651" cy="49651"/>
             </a:xfrm>
             <a:prstGeom prst="ellipse">
@@ -7990,13 +7732,13 @@
         </p:sp>
         <p:sp>
           <p:nvSpPr>
-            <p:cNvPr id="131" name="pt131"/>
-            <p:cNvSpPr/>
-            <p:nvPr/>
-          </p:nvSpPr>
-          <p:spPr>
-            <a:xfrm>
-              <a:off x="3732581" y="1657925"/>
+            <p:cNvPr id="125" name="pt125"/>
+            <p:cNvSpPr/>
+            <p:nvPr/>
+          </p:nvSpPr>
+          <p:spPr>
+            <a:xfrm>
+              <a:off x="3732581" y="1751902"/>
               <a:ext cx="49651" cy="49651"/>
             </a:xfrm>
             <a:prstGeom prst="ellipse">
@@ -8025,13 +7767,13 @@
         </p:sp>
         <p:sp>
           <p:nvSpPr>
-            <p:cNvPr id="132" name="pt132"/>
-            <p:cNvSpPr/>
-            <p:nvPr/>
-          </p:nvSpPr>
-          <p:spPr>
-            <a:xfrm>
-              <a:off x="3732581" y="1594291"/>
+            <p:cNvPr id="126" name="pt126"/>
+            <p:cNvSpPr/>
+            <p:nvPr/>
+          </p:nvSpPr>
+          <p:spPr>
+            <a:xfrm>
+              <a:off x="3732581" y="1641887"/>
               <a:ext cx="49651" cy="49651"/>
             </a:xfrm>
             <a:prstGeom prst="ellipse">
@@ -8060,7 +7802,7 @@
         </p:sp>
         <p:sp>
           <p:nvSpPr>
-            <p:cNvPr id="133" name="rc133"/>
+            <p:cNvPr id="127" name="rc127"/>
             <p:cNvSpPr/>
             <p:nvPr/>
           </p:nvSpPr>
@@ -8086,13 +7828,13 @@
         </p:sp>
         <p:sp>
           <p:nvSpPr>
-            <p:cNvPr id="134" name="pl134"/>
-            <p:cNvSpPr/>
-            <p:nvPr/>
-          </p:nvSpPr>
-          <p:spPr>
-            <a:xfrm>
-              <a:off x="3948315" y="2614349"/>
+            <p:cNvPr id="128" name="pl128"/>
+            <p:cNvSpPr/>
+            <p:nvPr/>
+          </p:nvSpPr>
+          <p:spPr>
+            <a:xfrm>
+              <a:off x="3948315" y="2426925"/>
               <a:ext cx="1051432" cy="0"/>
             </a:xfrm>
             <a:custGeom>
@@ -8129,13 +7871,13 @@
         </p:sp>
         <p:sp>
           <p:nvSpPr>
-            <p:cNvPr id="135" name="pl135"/>
-            <p:cNvSpPr/>
-            <p:nvPr/>
-          </p:nvSpPr>
-          <p:spPr>
-            <a:xfrm>
-              <a:off x="3948315" y="2402236"/>
+            <p:cNvPr id="129" name="pl129"/>
+            <p:cNvSpPr/>
+            <p:nvPr/>
+          </p:nvSpPr>
+          <p:spPr>
+            <a:xfrm>
+              <a:off x="3948315" y="2135879"/>
               <a:ext cx="1051432" cy="0"/>
             </a:xfrm>
             <a:custGeom>
@@ -8172,13 +7914,13 @@
         </p:sp>
         <p:sp>
           <p:nvSpPr>
-            <p:cNvPr id="136" name="pl136"/>
-            <p:cNvSpPr/>
-            <p:nvPr/>
-          </p:nvSpPr>
-          <p:spPr>
-            <a:xfrm>
-              <a:off x="3948315" y="2190124"/>
+            <p:cNvPr id="130" name="pl130"/>
+            <p:cNvSpPr/>
+            <p:nvPr/>
+          </p:nvSpPr>
+          <p:spPr>
+            <a:xfrm>
+              <a:off x="3948315" y="1844833"/>
               <a:ext cx="1051432" cy="0"/>
             </a:xfrm>
             <a:custGeom>
@@ -8215,13 +7957,13 @@
         </p:sp>
         <p:sp>
           <p:nvSpPr>
-            <p:cNvPr id="137" name="pl137"/>
-            <p:cNvSpPr/>
-            <p:nvPr/>
-          </p:nvSpPr>
-          <p:spPr>
-            <a:xfrm>
-              <a:off x="3948315" y="1978011"/>
+            <p:cNvPr id="131" name="pl131"/>
+            <p:cNvSpPr/>
+            <p:nvPr/>
+          </p:nvSpPr>
+          <p:spPr>
+            <a:xfrm>
+              <a:off x="3948315" y="1553786"/>
               <a:ext cx="1051432" cy="0"/>
             </a:xfrm>
             <a:custGeom>
@@ -8258,13 +8000,13 @@
         </p:sp>
         <p:sp>
           <p:nvSpPr>
-            <p:cNvPr id="138" name="pl138"/>
-            <p:cNvSpPr/>
-            <p:nvPr/>
-          </p:nvSpPr>
-          <p:spPr>
-            <a:xfrm>
-              <a:off x="3948315" y="1765899"/>
+            <p:cNvPr id="132" name="pl132"/>
+            <p:cNvSpPr/>
+            <p:nvPr/>
+          </p:nvSpPr>
+          <p:spPr>
+            <a:xfrm>
+              <a:off x="3948315" y="2135879"/>
               <a:ext cx="1051432" cy="0"/>
             </a:xfrm>
             <a:custGeom>
@@ -8285,190 +8027,104 @@
             </a:custGeom>
             <a:ln w="13550" cap="flat">
               <a:solidFill>
-                <a:srgbClr val="BEBEBE">
-                  <a:alpha val="100000"/>
-                </a:srgbClr>
-              </a:solidFill>
-              <a:prstDash val="solid"/>
-              <a:round/>
-            </a:ln>
-          </p:spPr>
-          <p:txBody>
-            <a:bodyPr/>
-            <a:lstStyle/>
-            <a:p/>
-          </p:txBody>
-        </p:sp>
-        <p:sp>
-          <p:nvSpPr>
-            <p:cNvPr id="139" name="pl139"/>
-            <p:cNvSpPr/>
-            <p:nvPr/>
-          </p:nvSpPr>
-          <p:spPr>
-            <a:xfrm>
-              <a:off x="3948315" y="1553786"/>
-              <a:ext cx="1051432" cy="0"/>
+                <a:srgbClr val="000000">
+                  <a:alpha val="100000"/>
+                </a:srgbClr>
+              </a:solidFill>
+              <a:prstDash val="solid"/>
+              <a:round/>
+            </a:ln>
+          </p:spPr>
+          <p:txBody>
+            <a:bodyPr/>
+            <a:lstStyle/>
+            <a:p/>
+          </p:txBody>
+        </p:sp>
+        <p:sp>
+          <p:nvSpPr>
+            <p:cNvPr id="133" name="pl133"/>
+            <p:cNvSpPr/>
+            <p:nvPr/>
+          </p:nvSpPr>
+          <p:spPr>
+            <a:xfrm>
+              <a:off x="4069634" y="1648668"/>
+              <a:ext cx="808794" cy="147269"/>
             </a:xfrm>
             <a:custGeom>
               <a:avLst/>
               <a:pathLst>
-                <a:path w="1051432" h="0">
+                <a:path w="808794" h="147269">
                   <a:moveTo>
-                    <a:pt x="0" y="0"/>
+                    <a:pt x="0" y="147269"/>
                   </a:moveTo>
                   <a:lnTo>
-                    <a:pt x="1051432" y="0"/>
-                  </a:lnTo>
-                  <a:lnTo>
-                    <a:pt x="1051432" y="0"/>
+                    <a:pt x="202198" y="108269"/>
+                  </a:lnTo>
+                  <a:lnTo>
+                    <a:pt x="404397" y="122239"/>
+                  </a:lnTo>
+                  <a:lnTo>
+                    <a:pt x="606595" y="47731"/>
+                  </a:lnTo>
+                  <a:lnTo>
+                    <a:pt x="808794" y="0"/>
                   </a:lnTo>
                 </a:path>
               </a:pathLst>
             </a:custGeom>
             <a:ln w="13550" cap="flat">
               <a:solidFill>
-                <a:srgbClr val="BEBEBE">
-                  <a:alpha val="100000"/>
-                </a:srgbClr>
-              </a:solidFill>
-              <a:prstDash val="solid"/>
-              <a:round/>
-            </a:ln>
-          </p:spPr>
-          <p:txBody>
-            <a:bodyPr/>
-            <a:lstStyle/>
-            <a:p/>
-          </p:txBody>
-        </p:sp>
-        <p:sp>
-          <p:nvSpPr>
-            <p:cNvPr id="140" name="pl140"/>
-            <p:cNvSpPr/>
-            <p:nvPr/>
-          </p:nvSpPr>
-          <p:spPr>
-            <a:xfrm>
-              <a:off x="3948315" y="2402236"/>
-              <a:ext cx="1051432" cy="0"/>
+                <a:srgbClr val="619CFF">
+                  <a:alpha val="100000"/>
+                </a:srgbClr>
+              </a:solidFill>
+              <a:prstDash val="solid"/>
+              <a:round/>
+            </a:ln>
+          </p:spPr>
+          <p:txBody>
+            <a:bodyPr/>
+            <a:lstStyle/>
+            <a:p/>
+          </p:txBody>
+        </p:sp>
+        <p:sp>
+          <p:nvSpPr>
+            <p:cNvPr id="134" name="pl134"/>
+            <p:cNvSpPr/>
+            <p:nvPr/>
+          </p:nvSpPr>
+          <p:spPr>
+            <a:xfrm>
+              <a:off x="4069634" y="1613160"/>
+              <a:ext cx="808794" cy="263105"/>
             </a:xfrm>
             <a:custGeom>
               <a:avLst/>
               <a:pathLst>
-                <a:path w="1051432" h="0">
+                <a:path w="808794" h="263105">
                   <a:moveTo>
-                    <a:pt x="0" y="0"/>
+                    <a:pt x="0" y="263105"/>
                   </a:moveTo>
                   <a:lnTo>
-                    <a:pt x="1051432" y="0"/>
-                  </a:lnTo>
-                  <a:lnTo>
-                    <a:pt x="1051432" y="0"/>
+                    <a:pt x="202198" y="103030"/>
+                  </a:lnTo>
+                  <a:lnTo>
+                    <a:pt x="404397" y="114090"/>
+                  </a:lnTo>
+                  <a:lnTo>
+                    <a:pt x="606595" y="86149"/>
+                  </a:lnTo>
+                  <a:lnTo>
+                    <a:pt x="808794" y="0"/>
                   </a:lnTo>
                 </a:path>
               </a:pathLst>
             </a:custGeom>
             <a:ln w="13550" cap="flat">
               <a:solidFill>
-                <a:srgbClr val="000000">
-                  <a:alpha val="100000"/>
-                </a:srgbClr>
-              </a:solidFill>
-              <a:prstDash val="solid"/>
-              <a:round/>
-            </a:ln>
-          </p:spPr>
-          <p:txBody>
-            <a:bodyPr/>
-            <a:lstStyle/>
-            <a:p/>
-          </p:txBody>
-        </p:sp>
-        <p:sp>
-          <p:nvSpPr>
-            <p:cNvPr id="141" name="pl141"/>
-            <p:cNvSpPr/>
-            <p:nvPr/>
-          </p:nvSpPr>
-          <p:spPr>
-            <a:xfrm>
-              <a:off x="4069634" y="1608936"/>
-              <a:ext cx="808794" cy="278291"/>
-            </a:xfrm>
-            <a:custGeom>
-              <a:avLst/>
-              <a:pathLst>
-                <a:path w="808794" h="278291">
-                  <a:moveTo>
-                    <a:pt x="0" y="278291"/>
-                  </a:moveTo>
-                  <a:lnTo>
-                    <a:pt x="202198" y="184962"/>
-                  </a:lnTo>
-                  <a:lnTo>
-                    <a:pt x="404397" y="204476"/>
-                  </a:lnTo>
-                  <a:lnTo>
-                    <a:pt x="606595" y="26301"/>
-                  </a:lnTo>
-                  <a:lnTo>
-                    <a:pt x="808794" y="0"/>
-                  </a:lnTo>
-                </a:path>
-              </a:pathLst>
-            </a:custGeom>
-            <a:ln w="13550" cap="flat">
-              <a:solidFill>
-                <a:srgbClr val="619CFF">
-                  <a:alpha val="100000"/>
-                </a:srgbClr>
-              </a:solidFill>
-              <a:prstDash val="solid"/>
-              <a:round/>
-            </a:ln>
-          </p:spPr>
-          <p:txBody>
-            <a:bodyPr/>
-            <a:lstStyle/>
-            <a:p/>
-          </p:txBody>
-        </p:sp>
-        <p:sp>
-          <p:nvSpPr>
-            <p:cNvPr id="142" name="pl142"/>
-            <p:cNvSpPr/>
-            <p:nvPr/>
-          </p:nvSpPr>
-          <p:spPr>
-            <a:xfrm>
-              <a:off x="4069634" y="1587724"/>
-              <a:ext cx="808794" cy="410649"/>
-            </a:xfrm>
-            <a:custGeom>
-              <a:avLst/>
-              <a:pathLst>
-                <a:path w="808794" h="410649">
-                  <a:moveTo>
-                    <a:pt x="0" y="410649"/>
-                  </a:moveTo>
-                  <a:lnTo>
-                    <a:pt x="202198" y="157811"/>
-                  </a:lnTo>
-                  <a:lnTo>
-                    <a:pt x="404397" y="173932"/>
-                  </a:lnTo>
-                  <a:lnTo>
-                    <a:pt x="606595" y="49210"/>
-                  </a:lnTo>
-                  <a:lnTo>
-                    <a:pt x="808794" y="0"/>
-                  </a:lnTo>
-                </a:path>
-              </a:pathLst>
-            </a:custGeom>
-            <a:ln w="13550" cap="flat">
-              <a:solidFill>
                 <a:srgbClr val="00BA38">
                   <a:alpha val="100000"/>
                 </a:srgbClr>
@@ -8485,7 +8141,7 @@
         </p:sp>
         <p:sp>
           <p:nvSpPr>
-            <p:cNvPr id="143" name="pt143"/>
+            <p:cNvPr id="135" name="pt135"/>
             <p:cNvSpPr/>
             <p:nvPr/>
           </p:nvSpPr>
@@ -8520,13 +8176,13 @@
         </p:sp>
         <p:sp>
           <p:nvSpPr>
-            <p:cNvPr id="144" name="pt144"/>
-            <p:cNvSpPr/>
-            <p:nvPr/>
-          </p:nvSpPr>
-          <p:spPr>
-            <a:xfrm>
-              <a:off x="4044808" y="1973548"/>
+            <p:cNvPr id="136" name="pt136"/>
+            <p:cNvSpPr/>
+            <p:nvPr/>
+          </p:nvSpPr>
+          <p:spPr>
+            <a:xfrm>
+              <a:off x="4044808" y="1851440"/>
               <a:ext cx="49651" cy="49651"/>
             </a:xfrm>
             <a:prstGeom prst="ellipse">
@@ -8555,13 +8211,13 @@
         </p:sp>
         <p:sp>
           <p:nvSpPr>
-            <p:cNvPr id="145" name="pt145"/>
-            <p:cNvSpPr/>
-            <p:nvPr/>
-          </p:nvSpPr>
-          <p:spPr>
-            <a:xfrm>
-              <a:off x="4044808" y="1862401"/>
+            <p:cNvPr id="137" name="pt137"/>
+            <p:cNvSpPr/>
+            <p:nvPr/>
+          </p:nvSpPr>
+          <p:spPr>
+            <a:xfrm>
+              <a:off x="4044808" y="1771111"/>
               <a:ext cx="49651" cy="49651"/>
             </a:xfrm>
             <a:prstGeom prst="ellipse">
@@ -8590,13 +8246,13 @@
         </p:sp>
         <p:sp>
           <p:nvSpPr>
-            <p:cNvPr id="146" name="pt146"/>
-            <p:cNvSpPr/>
-            <p:nvPr/>
-          </p:nvSpPr>
-          <p:spPr>
-            <a:xfrm>
-              <a:off x="4247006" y="1720710"/>
+            <p:cNvPr id="138" name="pt138"/>
+            <p:cNvSpPr/>
+            <p:nvPr/>
+          </p:nvSpPr>
+          <p:spPr>
+            <a:xfrm>
+              <a:off x="4247006" y="1691364"/>
               <a:ext cx="49651" cy="49651"/>
             </a:xfrm>
             <a:prstGeom prst="ellipse">
@@ -8625,13 +8281,13 @@
         </p:sp>
         <p:sp>
           <p:nvSpPr>
-            <p:cNvPr id="147" name="pt147"/>
-            <p:cNvSpPr/>
-            <p:nvPr/>
-          </p:nvSpPr>
-          <p:spPr>
-            <a:xfrm>
-              <a:off x="4247006" y="1769072"/>
+            <p:cNvPr id="139" name="pt139"/>
+            <p:cNvSpPr/>
+            <p:nvPr/>
+          </p:nvSpPr>
+          <p:spPr>
+            <a:xfrm>
+              <a:off x="4247006" y="1732111"/>
               <a:ext cx="49651" cy="49651"/>
             </a:xfrm>
             <a:prstGeom prst="ellipse">
@@ -8660,13 +8316,13 @@
         </p:sp>
         <p:sp>
           <p:nvSpPr>
-            <p:cNvPr id="148" name="pt148"/>
-            <p:cNvSpPr/>
-            <p:nvPr/>
-          </p:nvSpPr>
-          <p:spPr>
-            <a:xfrm>
-              <a:off x="4449205" y="1736831"/>
+            <p:cNvPr id="140" name="pt140"/>
+            <p:cNvSpPr/>
+            <p:nvPr/>
+          </p:nvSpPr>
+          <p:spPr>
+            <a:xfrm>
+              <a:off x="4449205" y="1702424"/>
               <a:ext cx="49651" cy="49651"/>
             </a:xfrm>
             <a:prstGeom prst="ellipse">
@@ -8695,13 +8351,13 @@
         </p:sp>
         <p:sp>
           <p:nvSpPr>
-            <p:cNvPr id="149" name="pt149"/>
-            <p:cNvSpPr/>
-            <p:nvPr/>
-          </p:nvSpPr>
-          <p:spPr>
-            <a:xfrm>
-              <a:off x="4449205" y="1788586"/>
+            <p:cNvPr id="141" name="pt141"/>
+            <p:cNvSpPr/>
+            <p:nvPr/>
+          </p:nvSpPr>
+          <p:spPr>
+            <a:xfrm>
+              <a:off x="4449205" y="1746081"/>
               <a:ext cx="49651" cy="49651"/>
             </a:xfrm>
             <a:prstGeom prst="ellipse">
@@ -8730,13 +8386,13 @@
         </p:sp>
         <p:sp>
           <p:nvSpPr>
-            <p:cNvPr id="150" name="pt150"/>
-            <p:cNvSpPr/>
-            <p:nvPr/>
-          </p:nvSpPr>
-          <p:spPr>
-            <a:xfrm>
-              <a:off x="4651404" y="1612109"/>
+            <p:cNvPr id="142" name="pt142"/>
+            <p:cNvSpPr/>
+            <p:nvPr/>
+          </p:nvSpPr>
+          <p:spPr>
+            <a:xfrm>
+              <a:off x="4651404" y="1674484"/>
               <a:ext cx="49651" cy="49651"/>
             </a:xfrm>
             <a:prstGeom prst="ellipse">
@@ -8765,13 +8421,13 @@
         </p:sp>
         <p:sp>
           <p:nvSpPr>
-            <p:cNvPr id="151" name="pt151"/>
-            <p:cNvSpPr/>
-            <p:nvPr/>
-          </p:nvSpPr>
-          <p:spPr>
-            <a:xfrm>
-              <a:off x="4651404" y="1610412"/>
+            <p:cNvPr id="143" name="pt143"/>
+            <p:cNvSpPr/>
+            <p:nvPr/>
+          </p:nvSpPr>
+          <p:spPr>
+            <a:xfrm>
+              <a:off x="4651404" y="1671573"/>
               <a:ext cx="49651" cy="49651"/>
             </a:xfrm>
             <a:prstGeom prst="ellipse">
@@ -8800,13 +8456,13 @@
         </p:sp>
         <p:sp>
           <p:nvSpPr>
-            <p:cNvPr id="152" name="pt152"/>
-            <p:cNvSpPr/>
-            <p:nvPr/>
-          </p:nvSpPr>
-          <p:spPr>
-            <a:xfrm>
-              <a:off x="4853602" y="1562899"/>
+            <p:cNvPr id="144" name="pt144"/>
+            <p:cNvSpPr/>
+            <p:nvPr/>
+          </p:nvSpPr>
+          <p:spPr>
+            <a:xfrm>
+              <a:off x="4853602" y="1588334"/>
               <a:ext cx="49651" cy="49651"/>
             </a:xfrm>
             <a:prstGeom prst="ellipse">
@@ -8835,13 +8491,13 @@
         </p:sp>
         <p:sp>
           <p:nvSpPr>
-            <p:cNvPr id="153" name="pt153"/>
-            <p:cNvSpPr/>
-            <p:nvPr/>
-          </p:nvSpPr>
-          <p:spPr>
-            <a:xfrm>
-              <a:off x="4853602" y="1584110"/>
+            <p:cNvPr id="145" name="pt145"/>
+            <p:cNvSpPr/>
+            <p:nvPr/>
+          </p:nvSpPr>
+          <p:spPr>
+            <a:xfrm>
+              <a:off x="4853602" y="1623842"/>
               <a:ext cx="49651" cy="49651"/>
             </a:xfrm>
             <a:prstGeom prst="ellipse">
@@ -8870,7 +8526,7 @@
         </p:sp>
         <p:sp>
           <p:nvSpPr>
-            <p:cNvPr id="154" name="rc154"/>
+            <p:cNvPr id="146" name="rc146"/>
             <p:cNvSpPr/>
             <p:nvPr/>
           </p:nvSpPr>
@@ -8896,13 +8552,13 @@
         </p:sp>
         <p:sp>
           <p:nvSpPr>
-            <p:cNvPr id="155" name="pl155"/>
-            <p:cNvSpPr/>
-            <p:nvPr/>
-          </p:nvSpPr>
-          <p:spPr>
-            <a:xfrm>
-              <a:off x="5069336" y="2614349"/>
+            <p:cNvPr id="147" name="pl147"/>
+            <p:cNvSpPr/>
+            <p:nvPr/>
+          </p:nvSpPr>
+          <p:spPr>
+            <a:xfrm>
+              <a:off x="5069336" y="2426925"/>
               <a:ext cx="1051432" cy="0"/>
             </a:xfrm>
             <a:custGeom>
@@ -8939,13 +8595,13 @@
         </p:sp>
         <p:sp>
           <p:nvSpPr>
-            <p:cNvPr id="156" name="pl156"/>
-            <p:cNvSpPr/>
-            <p:nvPr/>
-          </p:nvSpPr>
-          <p:spPr>
-            <a:xfrm>
-              <a:off x="5069336" y="2402236"/>
+            <p:cNvPr id="148" name="pl148"/>
+            <p:cNvSpPr/>
+            <p:nvPr/>
+          </p:nvSpPr>
+          <p:spPr>
+            <a:xfrm>
+              <a:off x="5069336" y="2135879"/>
               <a:ext cx="1051432" cy="0"/>
             </a:xfrm>
             <a:custGeom>
@@ -8982,13 +8638,13 @@
         </p:sp>
         <p:sp>
           <p:nvSpPr>
-            <p:cNvPr id="157" name="pl157"/>
-            <p:cNvSpPr/>
-            <p:nvPr/>
-          </p:nvSpPr>
-          <p:spPr>
-            <a:xfrm>
-              <a:off x="5069336" y="2190124"/>
+            <p:cNvPr id="149" name="pl149"/>
+            <p:cNvSpPr/>
+            <p:nvPr/>
+          </p:nvSpPr>
+          <p:spPr>
+            <a:xfrm>
+              <a:off x="5069336" y="1844833"/>
               <a:ext cx="1051432" cy="0"/>
             </a:xfrm>
             <a:custGeom>
@@ -9025,13 +8681,13 @@
         </p:sp>
         <p:sp>
           <p:nvSpPr>
-            <p:cNvPr id="158" name="pl158"/>
-            <p:cNvSpPr/>
-            <p:nvPr/>
-          </p:nvSpPr>
-          <p:spPr>
-            <a:xfrm>
-              <a:off x="5069336" y="1978011"/>
+            <p:cNvPr id="150" name="pl150"/>
+            <p:cNvSpPr/>
+            <p:nvPr/>
+          </p:nvSpPr>
+          <p:spPr>
+            <a:xfrm>
+              <a:off x="5069336" y="1553786"/>
               <a:ext cx="1051432" cy="0"/>
             </a:xfrm>
             <a:custGeom>
@@ -9068,13 +8724,13 @@
         </p:sp>
         <p:sp>
           <p:nvSpPr>
-            <p:cNvPr id="159" name="pl159"/>
-            <p:cNvSpPr/>
-            <p:nvPr/>
-          </p:nvSpPr>
-          <p:spPr>
-            <a:xfrm>
-              <a:off x="5069336" y="1765899"/>
+            <p:cNvPr id="151" name="pl151"/>
+            <p:cNvSpPr/>
+            <p:nvPr/>
+          </p:nvSpPr>
+          <p:spPr>
+            <a:xfrm>
+              <a:off x="5069336" y="2135879"/>
               <a:ext cx="1051432" cy="0"/>
             </a:xfrm>
             <a:custGeom>
@@ -9095,190 +8751,104 @@
             </a:custGeom>
             <a:ln w="13550" cap="flat">
               <a:solidFill>
-                <a:srgbClr val="BEBEBE">
-                  <a:alpha val="100000"/>
-                </a:srgbClr>
-              </a:solidFill>
-              <a:prstDash val="solid"/>
-              <a:round/>
-            </a:ln>
-          </p:spPr>
-          <p:txBody>
-            <a:bodyPr/>
-            <a:lstStyle/>
-            <a:p/>
-          </p:txBody>
-        </p:sp>
-        <p:sp>
-          <p:nvSpPr>
-            <p:cNvPr id="160" name="pl160"/>
-            <p:cNvSpPr/>
-            <p:nvPr/>
-          </p:nvSpPr>
-          <p:spPr>
-            <a:xfrm>
-              <a:off x="5069336" y="1553786"/>
-              <a:ext cx="1051432" cy="0"/>
+                <a:srgbClr val="000000">
+                  <a:alpha val="100000"/>
+                </a:srgbClr>
+              </a:solidFill>
+              <a:prstDash val="solid"/>
+              <a:round/>
+            </a:ln>
+          </p:spPr>
+          <p:txBody>
+            <a:bodyPr/>
+            <a:lstStyle/>
+            <a:p/>
+          </p:txBody>
+        </p:sp>
+        <p:sp>
+          <p:nvSpPr>
+            <p:cNvPr id="152" name="pl152"/>
+            <p:cNvSpPr/>
+            <p:nvPr/>
+          </p:nvSpPr>
+          <p:spPr>
+            <a:xfrm>
+              <a:off x="5190655" y="1623056"/>
+              <a:ext cx="808794" cy="637973"/>
             </a:xfrm>
             <a:custGeom>
               <a:avLst/>
               <a:pathLst>
-                <a:path w="1051432" h="0">
+                <a:path w="808794" h="637973">
                   <a:moveTo>
-                    <a:pt x="0" y="0"/>
+                    <a:pt x="0" y="575689"/>
                   </a:moveTo>
                   <a:lnTo>
-                    <a:pt x="1051432" y="0"/>
-                  </a:lnTo>
-                  <a:lnTo>
-                    <a:pt x="1051432" y="0"/>
+                    <a:pt x="202198" y="579764"/>
+                  </a:lnTo>
+                  <a:lnTo>
+                    <a:pt x="404397" y="625749"/>
+                  </a:lnTo>
+                  <a:lnTo>
+                    <a:pt x="606595" y="637973"/>
+                  </a:lnTo>
+                  <a:lnTo>
+                    <a:pt x="808794" y="0"/>
                   </a:lnTo>
                 </a:path>
               </a:pathLst>
             </a:custGeom>
             <a:ln w="13550" cap="flat">
               <a:solidFill>
-                <a:srgbClr val="BEBEBE">
-                  <a:alpha val="100000"/>
-                </a:srgbClr>
-              </a:solidFill>
-              <a:prstDash val="solid"/>
-              <a:round/>
-            </a:ln>
-          </p:spPr>
-          <p:txBody>
-            <a:bodyPr/>
-            <a:lstStyle/>
-            <a:p/>
-          </p:txBody>
-        </p:sp>
-        <p:sp>
-          <p:nvSpPr>
-            <p:cNvPr id="161" name="pl161"/>
-            <p:cNvSpPr/>
-            <p:nvPr/>
-          </p:nvSpPr>
-          <p:spPr>
-            <a:xfrm>
-              <a:off x="5069336" y="2402236"/>
-              <a:ext cx="1051432" cy="0"/>
+                <a:srgbClr val="00BA38">
+                  <a:alpha val="100000"/>
+                </a:srgbClr>
+              </a:solidFill>
+              <a:prstDash val="solid"/>
+              <a:round/>
+            </a:ln>
+          </p:spPr>
+          <p:txBody>
+            <a:bodyPr/>
+            <a:lstStyle/>
+            <a:p/>
+          </p:txBody>
+        </p:sp>
+        <p:sp>
+          <p:nvSpPr>
+            <p:cNvPr id="153" name="pl153"/>
+            <p:cNvSpPr/>
+            <p:nvPr/>
+          </p:nvSpPr>
+          <p:spPr>
+            <a:xfrm>
+              <a:off x="5190655" y="1858221"/>
+              <a:ext cx="808794" cy="340524"/>
             </a:xfrm>
             <a:custGeom>
               <a:avLst/>
               <a:pathLst>
-                <a:path w="1051432" h="0">
+                <a:path w="808794" h="340524">
                   <a:moveTo>
-                    <a:pt x="0" y="0"/>
+                    <a:pt x="0" y="340524"/>
                   </a:moveTo>
                   <a:lnTo>
-                    <a:pt x="1051432" y="0"/>
-                  </a:lnTo>
-                  <a:lnTo>
-                    <a:pt x="1051432" y="0"/>
+                    <a:pt x="202198" y="0"/>
+                  </a:lnTo>
+                  <a:lnTo>
+                    <a:pt x="404397" y="21537"/>
+                  </a:lnTo>
+                  <a:lnTo>
+                    <a:pt x="606595" y="267762"/>
+                  </a:lnTo>
+                  <a:lnTo>
+                    <a:pt x="808794" y="205478"/>
                   </a:lnTo>
                 </a:path>
               </a:pathLst>
             </a:custGeom>
             <a:ln w="13550" cap="flat">
               <a:solidFill>
-                <a:srgbClr val="000000">
-                  <a:alpha val="100000"/>
-                </a:srgbClr>
-              </a:solidFill>
-              <a:prstDash val="solid"/>
-              <a:round/>
-            </a:ln>
-          </p:spPr>
-          <p:txBody>
-            <a:bodyPr/>
-            <a:lstStyle/>
-            <a:p/>
-          </p:txBody>
-        </p:sp>
-        <p:sp>
-          <p:nvSpPr>
-            <p:cNvPr id="162" name="pl162"/>
-            <p:cNvSpPr/>
-            <p:nvPr/>
-          </p:nvSpPr>
-          <p:spPr>
-            <a:xfrm>
-              <a:off x="5190655" y="1593664"/>
-              <a:ext cx="808794" cy="848449"/>
-            </a:xfrm>
-            <a:custGeom>
-              <a:avLst/>
-              <a:pathLst>
-                <a:path w="808794" h="848449">
-                  <a:moveTo>
-                    <a:pt x="0" y="848449"/>
-                  </a:moveTo>
-                  <a:lnTo>
-                    <a:pt x="202198" y="727121"/>
-                  </a:lnTo>
-                  <a:lnTo>
-                    <a:pt x="404397" y="792452"/>
-                  </a:lnTo>
-                  <a:lnTo>
-                    <a:pt x="606595" y="362288"/>
-                  </a:lnTo>
-                  <a:lnTo>
-                    <a:pt x="808794" y="0"/>
-                  </a:lnTo>
-                </a:path>
-              </a:pathLst>
-            </a:custGeom>
-            <a:ln w="13550" cap="flat">
-              <a:solidFill>
-                <a:srgbClr val="00BA38">
-                  <a:alpha val="100000"/>
-                </a:srgbClr>
-              </a:solidFill>
-              <a:prstDash val="solid"/>
-              <a:round/>
-            </a:ln>
-          </p:spPr>
-          <p:txBody>
-            <a:bodyPr/>
-            <a:lstStyle/>
-            <a:p/>
-          </p:txBody>
-        </p:sp>
-        <p:sp>
-          <p:nvSpPr>
-            <p:cNvPr id="163" name="pl163"/>
-            <p:cNvSpPr/>
-            <p:nvPr/>
-          </p:nvSpPr>
-          <p:spPr>
-            <a:xfrm>
-              <a:off x="5190655" y="1848199"/>
-              <a:ext cx="808794" cy="593914"/>
-            </a:xfrm>
-            <a:custGeom>
-              <a:avLst/>
-              <a:pathLst>
-                <a:path w="808794" h="593914">
-                  <a:moveTo>
-                    <a:pt x="0" y="593914"/>
-                  </a:moveTo>
-                  <a:lnTo>
-                    <a:pt x="202198" y="65330"/>
-                  </a:lnTo>
-                  <a:lnTo>
-                    <a:pt x="404397" y="95874"/>
-                  </a:lnTo>
-                  <a:lnTo>
-                    <a:pt x="606595" y="31392"/>
-                  </a:lnTo>
-                  <a:lnTo>
-                    <a:pt x="808794" y="0"/>
-                  </a:lnTo>
-                </a:path>
-              </a:pathLst>
-            </a:custGeom>
-            <a:ln w="13550" cap="flat">
-              <a:solidFill>
                 <a:srgbClr val="F8766D">
                   <a:alpha val="100000"/>
                 </a:srgbClr>
@@ -9295,13 +8865,13 @@
         </p:sp>
         <p:sp>
           <p:nvSpPr>
-            <p:cNvPr id="164" name="pt164"/>
-            <p:cNvSpPr/>
-            <p:nvPr/>
-          </p:nvSpPr>
-          <p:spPr>
-            <a:xfrm>
-              <a:off x="5165829" y="2417287"/>
+            <p:cNvPr id="154" name="pt154"/>
+            <p:cNvSpPr/>
+            <p:nvPr/>
+          </p:nvSpPr>
+          <p:spPr>
+            <a:xfrm>
+              <a:off x="5165829" y="2173919"/>
               <a:ext cx="49651" cy="49651"/>
             </a:xfrm>
             <a:prstGeom prst="ellipse">
@@ -9330,13 +8900,13 @@
         </p:sp>
         <p:sp>
           <p:nvSpPr>
-            <p:cNvPr id="165" name="pt165"/>
-            <p:cNvSpPr/>
-            <p:nvPr/>
-          </p:nvSpPr>
-          <p:spPr>
-            <a:xfrm>
-              <a:off x="5165829" y="2417287"/>
+            <p:cNvPr id="155" name="pt155"/>
+            <p:cNvSpPr/>
+            <p:nvPr/>
+          </p:nvSpPr>
+          <p:spPr>
+            <a:xfrm>
+              <a:off x="5165829" y="2173919"/>
               <a:ext cx="49651" cy="49651"/>
             </a:xfrm>
             <a:prstGeom prst="ellipse">
@@ -9365,13 +8935,13 @@
         </p:sp>
         <p:sp>
           <p:nvSpPr>
-            <p:cNvPr id="166" name="pt166"/>
-            <p:cNvSpPr/>
-            <p:nvPr/>
-          </p:nvSpPr>
-          <p:spPr>
-            <a:xfrm>
-              <a:off x="5368028" y="1888703"/>
+            <p:cNvPr id="156" name="pt156"/>
+            <p:cNvSpPr/>
+            <p:nvPr/>
+          </p:nvSpPr>
+          <p:spPr>
+            <a:xfrm>
+              <a:off x="5368028" y="1833395"/>
               <a:ext cx="49651" cy="49651"/>
             </a:xfrm>
             <a:prstGeom prst="ellipse">
@@ -9400,13 +8970,13 @@
         </p:sp>
         <p:sp>
           <p:nvSpPr>
-            <p:cNvPr id="167" name="pt167"/>
-            <p:cNvSpPr/>
-            <p:nvPr/>
-          </p:nvSpPr>
-          <p:spPr>
-            <a:xfrm>
-              <a:off x="5368028" y="2295959"/>
+            <p:cNvPr id="157" name="pt157"/>
+            <p:cNvSpPr/>
+            <p:nvPr/>
+          </p:nvSpPr>
+          <p:spPr>
+            <a:xfrm>
+              <a:off x="5368028" y="2177994"/>
               <a:ext cx="49651" cy="49651"/>
             </a:xfrm>
             <a:prstGeom prst="ellipse">
@@ -9435,13 +9005,13 @@
         </p:sp>
         <p:sp>
           <p:nvSpPr>
-            <p:cNvPr id="168" name="pt168"/>
-            <p:cNvSpPr/>
-            <p:nvPr/>
-          </p:nvSpPr>
-          <p:spPr>
-            <a:xfrm>
-              <a:off x="5570227" y="1919247"/>
+            <p:cNvPr id="158" name="pt158"/>
+            <p:cNvSpPr/>
+            <p:nvPr/>
+          </p:nvSpPr>
+          <p:spPr>
+            <a:xfrm>
+              <a:off x="5570227" y="1854932"/>
               <a:ext cx="49651" cy="49651"/>
             </a:xfrm>
             <a:prstGeom prst="ellipse">
@@ -9470,13 +9040,13 @@
         </p:sp>
         <p:sp>
           <p:nvSpPr>
-            <p:cNvPr id="169" name="pt169"/>
-            <p:cNvSpPr/>
-            <p:nvPr/>
-          </p:nvSpPr>
-          <p:spPr>
-            <a:xfrm>
-              <a:off x="5570227" y="2361290"/>
+            <p:cNvPr id="159" name="pt159"/>
+            <p:cNvSpPr/>
+            <p:nvPr/>
+          </p:nvSpPr>
+          <p:spPr>
+            <a:xfrm>
+              <a:off x="5570227" y="2223979"/>
               <a:ext cx="49651" cy="49651"/>
             </a:xfrm>
             <a:prstGeom prst="ellipse">
@@ -9505,13 +9075,13 @@
         </p:sp>
         <p:sp>
           <p:nvSpPr>
-            <p:cNvPr id="170" name="pt170"/>
-            <p:cNvSpPr/>
-            <p:nvPr/>
-          </p:nvSpPr>
-          <p:spPr>
-            <a:xfrm>
-              <a:off x="5772425" y="1854765"/>
+            <p:cNvPr id="160" name="pt160"/>
+            <p:cNvSpPr/>
+            <p:nvPr/>
+          </p:nvSpPr>
+          <p:spPr>
+            <a:xfrm>
+              <a:off x="5772425" y="2101158"/>
               <a:ext cx="49651" cy="49651"/>
             </a:xfrm>
             <a:prstGeom prst="ellipse">
@@ -9540,13 +9110,13 @@
         </p:sp>
         <p:sp>
           <p:nvSpPr>
-            <p:cNvPr id="171" name="pt171"/>
-            <p:cNvSpPr/>
-            <p:nvPr/>
-          </p:nvSpPr>
-          <p:spPr>
-            <a:xfrm>
-              <a:off x="5772425" y="1931126"/>
+            <p:cNvPr id="161" name="pt161"/>
+            <p:cNvSpPr/>
+            <p:nvPr/>
+          </p:nvSpPr>
+          <p:spPr>
+            <a:xfrm>
+              <a:off x="5772425" y="2236203"/>
               <a:ext cx="49651" cy="49651"/>
             </a:xfrm>
             <a:prstGeom prst="ellipse">
@@ -9575,13 +9145,13 @@
         </p:sp>
         <p:sp>
           <p:nvSpPr>
-            <p:cNvPr id="172" name="pt172"/>
-            <p:cNvSpPr/>
-            <p:nvPr/>
-          </p:nvSpPr>
-          <p:spPr>
-            <a:xfrm>
-              <a:off x="5974624" y="1823373"/>
+            <p:cNvPr id="162" name="pt162"/>
+            <p:cNvSpPr/>
+            <p:nvPr/>
+          </p:nvSpPr>
+          <p:spPr>
+            <a:xfrm>
+              <a:off x="5974624" y="2038874"/>
               <a:ext cx="49651" cy="49651"/>
             </a:xfrm>
             <a:prstGeom prst="ellipse">
@@ -9610,13 +9180,13 @@
         </p:sp>
         <p:sp>
           <p:nvSpPr>
-            <p:cNvPr id="173" name="pt173"/>
-            <p:cNvSpPr/>
-            <p:nvPr/>
-          </p:nvSpPr>
-          <p:spPr>
-            <a:xfrm>
-              <a:off x="5974624" y="1568838"/>
+            <p:cNvPr id="163" name="pt163"/>
+            <p:cNvSpPr/>
+            <p:nvPr/>
+          </p:nvSpPr>
+          <p:spPr>
+            <a:xfrm>
+              <a:off x="5974624" y="1598230"/>
               <a:ext cx="49651" cy="49651"/>
             </a:xfrm>
             <a:prstGeom prst="ellipse">
@@ -9645,7 +9215,7 @@
         </p:sp>
         <p:sp>
           <p:nvSpPr>
-            <p:cNvPr id="174" name="rc174"/>
+            <p:cNvPr id="164" name="rc164"/>
             <p:cNvSpPr/>
             <p:nvPr/>
           </p:nvSpPr>
@@ -9680,7 +9250,7 @@
         </p:sp>
         <p:sp>
           <p:nvSpPr>
-            <p:cNvPr id="175" name="tx175"/>
+            <p:cNvPr id="165" name="tx165"/>
             <p:cNvSpPr/>
             <p:nvPr/>
           </p:nvSpPr>
@@ -9726,7 +9296,7 @@
         </p:sp>
         <p:sp>
           <p:nvSpPr>
-            <p:cNvPr id="176" name="rc176"/>
+            <p:cNvPr id="166" name="rc166"/>
             <p:cNvSpPr/>
             <p:nvPr/>
           </p:nvSpPr>
@@ -9761,7 +9331,7 @@
         </p:sp>
         <p:sp>
           <p:nvSpPr>
-            <p:cNvPr id="177" name="tx177"/>
+            <p:cNvPr id="167" name="tx167"/>
             <p:cNvSpPr/>
             <p:nvPr/>
           </p:nvSpPr>
@@ -9807,7 +9377,7 @@
         </p:sp>
         <p:sp>
           <p:nvSpPr>
-            <p:cNvPr id="178" name="rc178"/>
+            <p:cNvPr id="168" name="rc168"/>
             <p:cNvSpPr/>
             <p:nvPr/>
           </p:nvSpPr>
@@ -9842,7 +9412,7 @@
         </p:sp>
         <p:sp>
           <p:nvSpPr>
-            <p:cNvPr id="179" name="tx179"/>
+            <p:cNvPr id="169" name="tx169"/>
             <p:cNvSpPr/>
             <p:nvPr/>
           </p:nvSpPr>
@@ -9888,7 +9458,7 @@
         </p:sp>
         <p:sp>
           <p:nvSpPr>
-            <p:cNvPr id="180" name="rc180"/>
+            <p:cNvPr id="170" name="rc170"/>
             <p:cNvSpPr/>
             <p:nvPr/>
           </p:nvSpPr>
@@ -9923,7 +9493,7 @@
         </p:sp>
         <p:sp>
           <p:nvSpPr>
-            <p:cNvPr id="181" name="tx181"/>
+            <p:cNvPr id="171" name="tx171"/>
             <p:cNvSpPr/>
             <p:nvPr/>
           </p:nvSpPr>
@@ -9969,7 +9539,7 @@
         </p:sp>
         <p:sp>
           <p:nvSpPr>
-            <p:cNvPr id="182" name="rc182"/>
+            <p:cNvPr id="172" name="rc172"/>
             <p:cNvSpPr/>
             <p:nvPr/>
           </p:nvSpPr>
@@ -10004,7 +9574,7 @@
         </p:sp>
         <p:sp>
           <p:nvSpPr>
-            <p:cNvPr id="183" name="tx183"/>
+            <p:cNvPr id="173" name="tx173"/>
             <p:cNvSpPr/>
             <p:nvPr/>
           </p:nvSpPr>
@@ -10050,7 +9620,7 @@
         </p:sp>
         <p:sp>
           <p:nvSpPr>
-            <p:cNvPr id="184" name="rc184"/>
+            <p:cNvPr id="174" name="rc174"/>
             <p:cNvSpPr/>
             <p:nvPr/>
           </p:nvSpPr>
@@ -10085,7 +9655,7 @@
         </p:sp>
         <p:sp>
           <p:nvSpPr>
-            <p:cNvPr id="185" name="tx185"/>
+            <p:cNvPr id="175" name="tx175"/>
             <p:cNvSpPr/>
             <p:nvPr/>
           </p:nvSpPr>
@@ -10131,7 +9701,7 @@
         </p:sp>
         <p:sp>
           <p:nvSpPr>
-            <p:cNvPr id="186" name="rc186"/>
+            <p:cNvPr id="176" name="rc176"/>
             <p:cNvSpPr/>
             <p:nvPr/>
           </p:nvSpPr>
@@ -10166,7 +9736,7 @@
         </p:sp>
         <p:sp>
           <p:nvSpPr>
-            <p:cNvPr id="187" name="tx187"/>
+            <p:cNvPr id="177" name="tx177"/>
             <p:cNvSpPr/>
             <p:nvPr/>
           </p:nvSpPr>
@@ -10212,7 +9782,7 @@
         </p:sp>
         <p:sp>
           <p:nvSpPr>
-            <p:cNvPr id="188" name="pl188"/>
+            <p:cNvPr id="178" name="pl178"/>
             <p:cNvSpPr/>
             <p:nvPr/>
           </p:nvSpPr>
@@ -10252,7 +9822,7 @@
         </p:sp>
         <p:sp>
           <p:nvSpPr>
-            <p:cNvPr id="189" name="pl189"/>
+            <p:cNvPr id="179" name="pl179"/>
             <p:cNvSpPr/>
             <p:nvPr/>
           </p:nvSpPr>
@@ -10292,7 +9862,7 @@
         </p:sp>
         <p:sp>
           <p:nvSpPr>
-            <p:cNvPr id="190" name="pl190"/>
+            <p:cNvPr id="180" name="pl180"/>
             <p:cNvSpPr/>
             <p:nvPr/>
           </p:nvSpPr>
@@ -10332,7 +9902,7 @@
         </p:sp>
         <p:sp>
           <p:nvSpPr>
-            <p:cNvPr id="191" name="pl191"/>
+            <p:cNvPr id="181" name="pl181"/>
             <p:cNvSpPr/>
             <p:nvPr/>
           </p:nvSpPr>
@@ -10372,7 +9942,7 @@
         </p:sp>
         <p:sp>
           <p:nvSpPr>
-            <p:cNvPr id="192" name="pl192"/>
+            <p:cNvPr id="182" name="pl182"/>
             <p:cNvSpPr/>
             <p:nvPr/>
           </p:nvSpPr>
@@ -10412,7 +9982,7 @@
         </p:sp>
         <p:sp>
           <p:nvSpPr>
-            <p:cNvPr id="193" name="pl193"/>
+            <p:cNvPr id="183" name="pl183"/>
             <p:cNvSpPr/>
             <p:nvPr/>
           </p:nvSpPr>
@@ -10452,7 +10022,7 @@
         </p:sp>
         <p:sp>
           <p:nvSpPr>
-            <p:cNvPr id="194" name="tx194"/>
+            <p:cNvPr id="184" name="tx184"/>
             <p:cNvSpPr/>
             <p:nvPr/>
           </p:nvSpPr>
@@ -10498,7 +10068,7 @@
         </p:sp>
         <p:sp>
           <p:nvSpPr>
-            <p:cNvPr id="195" name="tx195"/>
+            <p:cNvPr id="185" name="tx185"/>
             <p:cNvSpPr/>
             <p:nvPr/>
           </p:nvSpPr>
@@ -10544,7 +10114,7 @@
         </p:sp>
         <p:sp>
           <p:nvSpPr>
-            <p:cNvPr id="196" name="tx196"/>
+            <p:cNvPr id="186" name="tx186"/>
             <p:cNvSpPr/>
             <p:nvPr/>
           </p:nvSpPr>
@@ -10590,7 +10160,7 @@
         </p:sp>
         <p:sp>
           <p:nvSpPr>
-            <p:cNvPr id="197" name="tx197"/>
+            <p:cNvPr id="187" name="tx187"/>
             <p:cNvSpPr/>
             <p:nvPr/>
           </p:nvSpPr>
@@ -10636,7 +10206,7 @@
         </p:sp>
         <p:sp>
           <p:nvSpPr>
-            <p:cNvPr id="198" name="tx198"/>
+            <p:cNvPr id="188" name="tx188"/>
             <p:cNvSpPr/>
             <p:nvPr/>
           </p:nvSpPr>
@@ -10682,7 +10252,7 @@
         </p:sp>
         <p:sp>
           <p:nvSpPr>
-            <p:cNvPr id="199" name="pl199"/>
+            <p:cNvPr id="189" name="pl189"/>
             <p:cNvSpPr/>
             <p:nvPr/>
           </p:nvSpPr>
@@ -10722,7 +10292,7 @@
         </p:sp>
         <p:sp>
           <p:nvSpPr>
-            <p:cNvPr id="200" name="pl200"/>
+            <p:cNvPr id="190" name="pl190"/>
             <p:cNvSpPr/>
             <p:nvPr/>
           </p:nvSpPr>
@@ -10762,7 +10332,7 @@
         </p:sp>
         <p:sp>
           <p:nvSpPr>
-            <p:cNvPr id="201" name="pl201"/>
+            <p:cNvPr id="191" name="pl191"/>
             <p:cNvSpPr/>
             <p:nvPr/>
           </p:nvSpPr>
@@ -10802,7 +10372,7 @@
         </p:sp>
         <p:sp>
           <p:nvSpPr>
-            <p:cNvPr id="202" name="pl202"/>
+            <p:cNvPr id="192" name="pl192"/>
             <p:cNvSpPr/>
             <p:nvPr/>
           </p:nvSpPr>
@@ -10842,7 +10412,7 @@
         </p:sp>
         <p:sp>
           <p:nvSpPr>
-            <p:cNvPr id="203" name="pl203"/>
+            <p:cNvPr id="193" name="pl193"/>
             <p:cNvSpPr/>
             <p:nvPr/>
           </p:nvSpPr>
@@ -10882,7 +10452,7 @@
         </p:sp>
         <p:sp>
           <p:nvSpPr>
-            <p:cNvPr id="204" name="pl204"/>
+            <p:cNvPr id="194" name="pl194"/>
             <p:cNvSpPr/>
             <p:nvPr/>
           </p:nvSpPr>
@@ -10922,7 +10492,7 @@
         </p:sp>
         <p:sp>
           <p:nvSpPr>
-            <p:cNvPr id="205" name="tx205"/>
+            <p:cNvPr id="195" name="tx195"/>
             <p:cNvSpPr/>
             <p:nvPr/>
           </p:nvSpPr>
@@ -10968,7 +10538,7 @@
         </p:sp>
         <p:sp>
           <p:nvSpPr>
-            <p:cNvPr id="206" name="tx206"/>
+            <p:cNvPr id="196" name="tx196"/>
             <p:cNvSpPr/>
             <p:nvPr/>
           </p:nvSpPr>
@@ -11014,7 +10584,7 @@
         </p:sp>
         <p:sp>
           <p:nvSpPr>
-            <p:cNvPr id="207" name="tx207"/>
+            <p:cNvPr id="197" name="tx197"/>
             <p:cNvSpPr/>
             <p:nvPr/>
           </p:nvSpPr>
@@ -11060,7 +10630,7 @@
         </p:sp>
         <p:sp>
           <p:nvSpPr>
-            <p:cNvPr id="208" name="tx208"/>
+            <p:cNvPr id="198" name="tx198"/>
             <p:cNvSpPr/>
             <p:nvPr/>
           </p:nvSpPr>
@@ -11106,7 +10676,7 @@
         </p:sp>
         <p:sp>
           <p:nvSpPr>
-            <p:cNvPr id="209" name="tx209"/>
+            <p:cNvPr id="199" name="tx199"/>
             <p:cNvSpPr/>
             <p:nvPr/>
           </p:nvSpPr>
@@ -11152,7 +10722,7 @@
         </p:sp>
         <p:sp>
           <p:nvSpPr>
-            <p:cNvPr id="210" name="pl210"/>
+            <p:cNvPr id="200" name="pl200"/>
             <p:cNvSpPr/>
             <p:nvPr/>
           </p:nvSpPr>
@@ -11192,7 +10762,7 @@
         </p:sp>
         <p:sp>
           <p:nvSpPr>
-            <p:cNvPr id="211" name="pl211"/>
+            <p:cNvPr id="201" name="pl201"/>
             <p:cNvSpPr/>
             <p:nvPr/>
           </p:nvSpPr>
@@ -11232,7 +10802,7 @@
         </p:sp>
         <p:sp>
           <p:nvSpPr>
-            <p:cNvPr id="212" name="pl212"/>
+            <p:cNvPr id="202" name="pl202"/>
             <p:cNvSpPr/>
             <p:nvPr/>
           </p:nvSpPr>
@@ -11272,7 +10842,7 @@
         </p:sp>
         <p:sp>
           <p:nvSpPr>
-            <p:cNvPr id="213" name="pl213"/>
+            <p:cNvPr id="203" name="pl203"/>
             <p:cNvSpPr/>
             <p:nvPr/>
           </p:nvSpPr>
@@ -11312,7 +10882,7 @@
         </p:sp>
         <p:sp>
           <p:nvSpPr>
-            <p:cNvPr id="214" name="pl214"/>
+            <p:cNvPr id="204" name="pl204"/>
             <p:cNvSpPr/>
             <p:nvPr/>
           </p:nvSpPr>
@@ -11352,7 +10922,7 @@
         </p:sp>
         <p:sp>
           <p:nvSpPr>
-            <p:cNvPr id="215" name="pl215"/>
+            <p:cNvPr id="205" name="pl205"/>
             <p:cNvSpPr/>
             <p:nvPr/>
           </p:nvSpPr>
@@ -11392,7 +10962,7 @@
         </p:sp>
         <p:sp>
           <p:nvSpPr>
-            <p:cNvPr id="216" name="tx216"/>
+            <p:cNvPr id="206" name="tx206"/>
             <p:cNvSpPr/>
             <p:nvPr/>
           </p:nvSpPr>
@@ -11438,7 +11008,7 @@
         </p:sp>
         <p:sp>
           <p:nvSpPr>
-            <p:cNvPr id="217" name="tx217"/>
+            <p:cNvPr id="207" name="tx207"/>
             <p:cNvSpPr/>
             <p:nvPr/>
           </p:nvSpPr>
@@ -11484,7 +11054,7 @@
         </p:sp>
         <p:sp>
           <p:nvSpPr>
-            <p:cNvPr id="218" name="tx218"/>
+            <p:cNvPr id="208" name="tx208"/>
             <p:cNvSpPr/>
             <p:nvPr/>
           </p:nvSpPr>
@@ -11530,7 +11100,7 @@
         </p:sp>
         <p:sp>
           <p:nvSpPr>
-            <p:cNvPr id="219" name="tx219"/>
+            <p:cNvPr id="209" name="tx209"/>
             <p:cNvSpPr/>
             <p:nvPr/>
           </p:nvSpPr>
@@ -11576,7 +11146,7 @@
         </p:sp>
         <p:sp>
           <p:nvSpPr>
-            <p:cNvPr id="220" name="tx220"/>
+            <p:cNvPr id="210" name="tx210"/>
             <p:cNvSpPr/>
             <p:nvPr/>
           </p:nvSpPr>
@@ -11622,7 +11192,7 @@
         </p:sp>
         <p:sp>
           <p:nvSpPr>
-            <p:cNvPr id="221" name="pl221"/>
+            <p:cNvPr id="211" name="pl211"/>
             <p:cNvSpPr/>
             <p:nvPr/>
           </p:nvSpPr>
@@ -11662,7 +11232,7 @@
         </p:sp>
         <p:sp>
           <p:nvSpPr>
-            <p:cNvPr id="222" name="pl222"/>
+            <p:cNvPr id="212" name="pl212"/>
             <p:cNvSpPr/>
             <p:nvPr/>
           </p:nvSpPr>
@@ -11702,7 +11272,7 @@
         </p:sp>
         <p:sp>
           <p:nvSpPr>
-            <p:cNvPr id="223" name="pl223"/>
+            <p:cNvPr id="213" name="pl213"/>
             <p:cNvSpPr/>
             <p:nvPr/>
           </p:nvSpPr>
@@ -11742,7 +11312,7 @@
         </p:sp>
         <p:sp>
           <p:nvSpPr>
-            <p:cNvPr id="224" name="pl224"/>
+            <p:cNvPr id="214" name="pl214"/>
             <p:cNvSpPr/>
             <p:nvPr/>
           </p:nvSpPr>
@@ -11782,7 +11352,7 @@
         </p:sp>
         <p:sp>
           <p:nvSpPr>
-            <p:cNvPr id="225" name="pl225"/>
+            <p:cNvPr id="215" name="pl215"/>
             <p:cNvSpPr/>
             <p:nvPr/>
           </p:nvSpPr>
@@ -11822,7 +11392,7 @@
         </p:sp>
         <p:sp>
           <p:nvSpPr>
-            <p:cNvPr id="226" name="pl226"/>
+            <p:cNvPr id="216" name="pl216"/>
             <p:cNvSpPr/>
             <p:nvPr/>
           </p:nvSpPr>
@@ -11862,7 +11432,7 @@
         </p:sp>
         <p:sp>
           <p:nvSpPr>
-            <p:cNvPr id="227" name="tx227"/>
+            <p:cNvPr id="217" name="tx217"/>
             <p:cNvSpPr/>
             <p:nvPr/>
           </p:nvSpPr>
@@ -11908,7 +11478,7 @@
         </p:sp>
         <p:sp>
           <p:nvSpPr>
-            <p:cNvPr id="228" name="tx228"/>
+            <p:cNvPr id="218" name="tx218"/>
             <p:cNvSpPr/>
             <p:nvPr/>
           </p:nvSpPr>
@@ -11954,7 +11524,7 @@
         </p:sp>
         <p:sp>
           <p:nvSpPr>
-            <p:cNvPr id="229" name="tx229"/>
+            <p:cNvPr id="219" name="tx219"/>
             <p:cNvSpPr/>
             <p:nvPr/>
           </p:nvSpPr>
@@ -12000,7 +11570,7 @@
         </p:sp>
         <p:sp>
           <p:nvSpPr>
-            <p:cNvPr id="230" name="tx230"/>
+            <p:cNvPr id="220" name="tx220"/>
             <p:cNvSpPr/>
             <p:nvPr/>
           </p:nvSpPr>
@@ -12046,7 +11616,7 @@
         </p:sp>
         <p:sp>
           <p:nvSpPr>
-            <p:cNvPr id="231" name="tx231"/>
+            <p:cNvPr id="221" name="tx221"/>
             <p:cNvSpPr/>
             <p:nvPr/>
           </p:nvSpPr>
@@ -12092,7 +11662,7 @@
         </p:sp>
         <p:sp>
           <p:nvSpPr>
-            <p:cNvPr id="232" name="pl232"/>
+            <p:cNvPr id="222" name="pl222"/>
             <p:cNvSpPr/>
             <p:nvPr/>
           </p:nvSpPr>
@@ -12132,7 +11702,7 @@
         </p:sp>
         <p:sp>
           <p:nvSpPr>
-            <p:cNvPr id="233" name="pl233"/>
+            <p:cNvPr id="223" name="pl223"/>
             <p:cNvSpPr/>
             <p:nvPr/>
           </p:nvSpPr>
@@ -12172,7 +11742,7 @@
         </p:sp>
         <p:sp>
           <p:nvSpPr>
-            <p:cNvPr id="234" name="pl234"/>
+            <p:cNvPr id="224" name="pl224"/>
             <p:cNvSpPr/>
             <p:nvPr/>
           </p:nvSpPr>
@@ -12212,7 +11782,7 @@
         </p:sp>
         <p:sp>
           <p:nvSpPr>
-            <p:cNvPr id="235" name="pl235"/>
+            <p:cNvPr id="225" name="pl225"/>
             <p:cNvSpPr/>
             <p:nvPr/>
           </p:nvSpPr>
@@ -12252,7 +11822,7 @@
         </p:sp>
         <p:sp>
           <p:nvSpPr>
-            <p:cNvPr id="236" name="pl236"/>
+            <p:cNvPr id="226" name="pl226"/>
             <p:cNvSpPr/>
             <p:nvPr/>
           </p:nvSpPr>
@@ -12292,7 +11862,7 @@
         </p:sp>
         <p:sp>
           <p:nvSpPr>
-            <p:cNvPr id="237" name="pl237"/>
+            <p:cNvPr id="227" name="pl227"/>
             <p:cNvSpPr/>
             <p:nvPr/>
           </p:nvSpPr>
@@ -12332,7 +11902,7 @@
         </p:sp>
         <p:sp>
           <p:nvSpPr>
-            <p:cNvPr id="238" name="tx238"/>
+            <p:cNvPr id="228" name="tx228"/>
             <p:cNvSpPr/>
             <p:nvPr/>
           </p:nvSpPr>
@@ -12378,7 +11948,7 @@
         </p:sp>
         <p:sp>
           <p:nvSpPr>
-            <p:cNvPr id="239" name="tx239"/>
+            <p:cNvPr id="229" name="tx229"/>
             <p:cNvSpPr/>
             <p:nvPr/>
           </p:nvSpPr>
@@ -12424,7 +11994,7 @@
         </p:sp>
         <p:sp>
           <p:nvSpPr>
-            <p:cNvPr id="240" name="tx240"/>
+            <p:cNvPr id="230" name="tx230"/>
             <p:cNvSpPr/>
             <p:nvPr/>
           </p:nvSpPr>
@@ -12470,7 +12040,7 @@
         </p:sp>
         <p:sp>
           <p:nvSpPr>
-            <p:cNvPr id="241" name="tx241"/>
+            <p:cNvPr id="231" name="tx231"/>
             <p:cNvSpPr/>
             <p:nvPr/>
           </p:nvSpPr>
@@ -12516,7 +12086,7 @@
         </p:sp>
         <p:sp>
           <p:nvSpPr>
-            <p:cNvPr id="242" name="tx242"/>
+            <p:cNvPr id="232" name="tx232"/>
             <p:cNvSpPr/>
             <p:nvPr/>
           </p:nvSpPr>
@@ -12562,7 +12132,7 @@
         </p:sp>
         <p:sp>
           <p:nvSpPr>
-            <p:cNvPr id="243" name="pl243"/>
+            <p:cNvPr id="233" name="pl233"/>
             <p:cNvSpPr/>
             <p:nvPr/>
           </p:nvSpPr>
@@ -12602,7 +12172,7 @@
         </p:sp>
         <p:sp>
           <p:nvSpPr>
-            <p:cNvPr id="244" name="tx244"/>
+            <p:cNvPr id="234" name="tx234"/>
             <p:cNvSpPr/>
             <p:nvPr/>
           </p:nvSpPr>
@@ -12648,7 +12218,7 @@
         </p:sp>
         <p:sp>
           <p:nvSpPr>
-            <p:cNvPr id="245" name="tx245"/>
+            <p:cNvPr id="235" name="tx235"/>
             <p:cNvSpPr/>
             <p:nvPr/>
           </p:nvSpPr>
@@ -12694,7 +12264,7 @@
         </p:sp>
         <p:sp>
           <p:nvSpPr>
-            <p:cNvPr id="246" name="tx246"/>
+            <p:cNvPr id="236" name="tx236"/>
             <p:cNvSpPr/>
             <p:nvPr/>
           </p:nvSpPr>
@@ -12740,7 +12310,7 @@
         </p:sp>
         <p:sp>
           <p:nvSpPr>
-            <p:cNvPr id="247" name="tx247"/>
+            <p:cNvPr id="237" name="tx237"/>
             <p:cNvSpPr/>
             <p:nvPr/>
           </p:nvSpPr>
@@ -12786,7 +12356,7 @@
         </p:sp>
         <p:sp>
           <p:nvSpPr>
-            <p:cNvPr id="248" name="tx248"/>
+            <p:cNvPr id="238" name="tx238"/>
             <p:cNvSpPr/>
             <p:nvPr/>
           </p:nvSpPr>
@@ -12832,7 +12402,7 @@
         </p:sp>
         <p:sp>
           <p:nvSpPr>
-            <p:cNvPr id="249" name="tx249"/>
+            <p:cNvPr id="239" name="tx239"/>
             <p:cNvSpPr/>
             <p:nvPr/>
           </p:nvSpPr>
@@ -12878,7 +12448,7 @@
         </p:sp>
         <p:sp>
           <p:nvSpPr>
-            <p:cNvPr id="250" name="pl250"/>
+            <p:cNvPr id="240" name="pl240"/>
             <p:cNvSpPr/>
             <p:nvPr/>
           </p:nvSpPr>
@@ -12918,7 +12488,7 @@
         </p:sp>
         <p:sp>
           <p:nvSpPr>
-            <p:cNvPr id="251" name="pl251"/>
+            <p:cNvPr id="241" name="pl241"/>
             <p:cNvSpPr/>
             <p:nvPr/>
           </p:nvSpPr>
@@ -12958,7 +12528,7 @@
         </p:sp>
         <p:sp>
           <p:nvSpPr>
-            <p:cNvPr id="252" name="pl252"/>
+            <p:cNvPr id="242" name="pl242"/>
             <p:cNvSpPr/>
             <p:nvPr/>
           </p:nvSpPr>
@@ -12998,7 +12568,7 @@
         </p:sp>
         <p:sp>
           <p:nvSpPr>
-            <p:cNvPr id="253" name="pl253"/>
+            <p:cNvPr id="243" name="pl243"/>
             <p:cNvSpPr/>
             <p:nvPr/>
           </p:nvSpPr>
@@ -13038,7 +12608,7 @@
         </p:sp>
         <p:sp>
           <p:nvSpPr>
-            <p:cNvPr id="254" name="pl254"/>
+            <p:cNvPr id="244" name="pl244"/>
             <p:cNvSpPr/>
             <p:nvPr/>
           </p:nvSpPr>
@@ -13078,7 +12648,7 @@
         </p:sp>
         <p:sp>
           <p:nvSpPr>
-            <p:cNvPr id="255" name="pl255"/>
+            <p:cNvPr id="245" name="pl245"/>
             <p:cNvSpPr/>
             <p:nvPr/>
           </p:nvSpPr>
@@ -13118,7 +12688,7 @@
         </p:sp>
         <p:sp>
           <p:nvSpPr>
-            <p:cNvPr id="256" name="pl256"/>
+            <p:cNvPr id="246" name="pl246"/>
             <p:cNvSpPr/>
             <p:nvPr/>
           </p:nvSpPr>
@@ -13158,13 +12728,13 @@
         </p:sp>
         <p:sp>
           <p:nvSpPr>
-            <p:cNvPr id="257" name="tx257"/>
-            <p:cNvSpPr/>
-            <p:nvPr/>
-          </p:nvSpPr>
-          <p:spPr>
-            <a:xfrm>
-              <a:off x="258539" y="2568807"/>
+            <p:cNvPr id="247" name="tx247"/>
+            <p:cNvSpPr/>
+            <p:nvPr/>
+          </p:nvSpPr>
+          <p:spPr>
+            <a:xfrm>
+              <a:off x="258539" y="2381384"/>
               <a:ext cx="264080" cy="85903"/>
             </a:xfrm>
             <a:prstGeom prst="rect">
@@ -13197,20 +12767,20 @@
                   <a:latin typeface="Times New Roman"/>
                   <a:cs typeface="Times New Roman"/>
                 </a:rPr>
-                <a:t>-25%</a:t>
+                <a:t>-50%</a:t>
               </a:r>
             </a:p>
           </p:txBody>
         </p:sp>
         <p:sp>
           <p:nvSpPr>
-            <p:cNvPr id="258" name="tx258"/>
-            <p:cNvSpPr/>
-            <p:nvPr/>
-          </p:nvSpPr>
-          <p:spPr>
-            <a:xfrm>
-              <a:off x="360100" y="2356695"/>
+            <p:cNvPr id="248" name="tx248"/>
+            <p:cNvSpPr/>
+            <p:nvPr/>
+          </p:nvSpPr>
+          <p:spPr>
+            <a:xfrm>
+              <a:off x="360100" y="2090338"/>
               <a:ext cx="162520" cy="85903"/>
             </a:xfrm>
             <a:prstGeom prst="rect">
@@ -13250,59 +12820,13 @@
         </p:sp>
         <p:sp>
           <p:nvSpPr>
-            <p:cNvPr id="259" name="tx259"/>
-            <p:cNvSpPr/>
-            <p:nvPr/>
-          </p:nvSpPr>
-          <p:spPr>
-            <a:xfrm>
-              <a:off x="299140" y="2144582"/>
-              <a:ext cx="223480" cy="85903"/>
-            </a:xfrm>
-            <a:prstGeom prst="rect">
-              <a:avLst/>
-            </a:prstGeom>
-            <a:noFill/>
-          </p:spPr>
-          <p:txBody>
-            <a:bodyPr lIns="0" rIns="0" tIns="0" bIns="0" anchorCtr="1" anchor="ctr" wrap="none"/>
-            <a:lstStyle/>
-            <a:p>
-              <a:pPr algn="l" marL="0" marR="0" indent="0">
-                <a:lnSpc>
-                  <a:spcPts val="960"/>
-                </a:lnSpc>
-                <a:spcBef>
-                  <a:spcPts val="0"/>
-                </a:spcBef>
-                <a:spcAft>
-                  <a:spcPts val="0"/>
-                </a:spcAft>
-              </a:pPr>
-              <a:r>
-                <a:rPr sz="960">
-                  <a:solidFill>
-                    <a:srgbClr val="4D4D4D">
-                      <a:alpha val="100000"/>
-                    </a:srgbClr>
-                  </a:solidFill>
-                  <a:latin typeface="Times New Roman"/>
-                  <a:cs typeface="Times New Roman"/>
-                </a:rPr>
-                <a:t>25%</a:t>
-              </a:r>
-            </a:p>
-          </p:txBody>
-        </p:sp>
-        <p:sp>
-          <p:nvSpPr>
-            <p:cNvPr id="260" name="tx260"/>
-            <p:cNvSpPr/>
-            <p:nvPr/>
-          </p:nvSpPr>
-          <p:spPr>
-            <a:xfrm>
-              <a:off x="299140" y="1932470"/>
+            <p:cNvPr id="249" name="tx249"/>
+            <p:cNvSpPr/>
+            <p:nvPr/>
+          </p:nvSpPr>
+          <p:spPr>
+            <a:xfrm>
+              <a:off x="299140" y="1799291"/>
               <a:ext cx="223480" cy="85903"/>
             </a:xfrm>
             <a:prstGeom prst="rect">
@@ -13342,53 +12866,7 @@
         </p:sp>
         <p:sp>
           <p:nvSpPr>
-            <p:cNvPr id="261" name="tx261"/>
-            <p:cNvSpPr/>
-            <p:nvPr/>
-          </p:nvSpPr>
-          <p:spPr>
-            <a:xfrm>
-              <a:off x="299140" y="1720358"/>
-              <a:ext cx="223480" cy="85903"/>
-            </a:xfrm>
-            <a:prstGeom prst="rect">
-              <a:avLst/>
-            </a:prstGeom>
-            <a:noFill/>
-          </p:spPr>
-          <p:txBody>
-            <a:bodyPr lIns="0" rIns="0" tIns="0" bIns="0" anchorCtr="1" anchor="ctr" wrap="none"/>
-            <a:lstStyle/>
-            <a:p>
-              <a:pPr algn="l" marL="0" marR="0" indent="0">
-                <a:lnSpc>
-                  <a:spcPts val="960"/>
-                </a:lnSpc>
-                <a:spcBef>
-                  <a:spcPts val="0"/>
-                </a:spcBef>
-                <a:spcAft>
-                  <a:spcPts val="0"/>
-                </a:spcAft>
-              </a:pPr>
-              <a:r>
-                <a:rPr sz="960">
-                  <a:solidFill>
-                    <a:srgbClr val="4D4D4D">
-                      <a:alpha val="100000"/>
-                    </a:srgbClr>
-                  </a:solidFill>
-                  <a:latin typeface="Times New Roman"/>
-                  <a:cs typeface="Times New Roman"/>
-                </a:rPr>
-                <a:t>75%</a:t>
-              </a:r>
-            </a:p>
-          </p:txBody>
-        </p:sp>
-        <p:sp>
-          <p:nvSpPr>
-            <p:cNvPr id="262" name="tx262"/>
+            <p:cNvPr id="250" name="tx250"/>
             <p:cNvSpPr/>
             <p:nvPr/>
           </p:nvSpPr>
@@ -13434,13 +12912,13 @@
         </p:sp>
         <p:sp>
           <p:nvSpPr>
-            <p:cNvPr id="263" name="pl263"/>
-            <p:cNvSpPr/>
-            <p:nvPr/>
-          </p:nvSpPr>
-          <p:spPr>
-            <a:xfrm>
-              <a:off x="550455" y="2614349"/>
+            <p:cNvPr id="251" name="pl251"/>
+            <p:cNvSpPr/>
+            <p:nvPr/>
+          </p:nvSpPr>
+          <p:spPr>
+            <a:xfrm>
+              <a:off x="550455" y="2426925"/>
               <a:ext cx="34794" cy="0"/>
             </a:xfrm>
             <a:custGeom>
@@ -13474,13 +12952,13 @@
         </p:sp>
         <p:sp>
           <p:nvSpPr>
-            <p:cNvPr id="264" name="pl264"/>
-            <p:cNvSpPr/>
-            <p:nvPr/>
-          </p:nvSpPr>
-          <p:spPr>
-            <a:xfrm>
-              <a:off x="550455" y="2402236"/>
+            <p:cNvPr id="252" name="pl252"/>
+            <p:cNvSpPr/>
+            <p:nvPr/>
+          </p:nvSpPr>
+          <p:spPr>
+            <a:xfrm>
+              <a:off x="550455" y="2135879"/>
               <a:ext cx="34794" cy="0"/>
             </a:xfrm>
             <a:custGeom>
@@ -13514,13 +12992,13 @@
         </p:sp>
         <p:sp>
           <p:nvSpPr>
-            <p:cNvPr id="265" name="pl265"/>
-            <p:cNvSpPr/>
-            <p:nvPr/>
-          </p:nvSpPr>
-          <p:spPr>
-            <a:xfrm>
-              <a:off x="550455" y="2190124"/>
+            <p:cNvPr id="253" name="pl253"/>
+            <p:cNvSpPr/>
+            <p:nvPr/>
+          </p:nvSpPr>
+          <p:spPr>
+            <a:xfrm>
+              <a:off x="550455" y="1844833"/>
               <a:ext cx="34794" cy="0"/>
             </a:xfrm>
             <a:custGeom>
@@ -13554,13 +13032,13 @@
         </p:sp>
         <p:sp>
           <p:nvSpPr>
-            <p:cNvPr id="266" name="pl266"/>
-            <p:cNvSpPr/>
-            <p:nvPr/>
-          </p:nvSpPr>
-          <p:spPr>
-            <a:xfrm>
-              <a:off x="550455" y="1978011"/>
+            <p:cNvPr id="254" name="pl254"/>
+            <p:cNvSpPr/>
+            <p:nvPr/>
+          </p:nvSpPr>
+          <p:spPr>
+            <a:xfrm>
+              <a:off x="550455" y="1553786"/>
               <a:ext cx="34794" cy="0"/>
             </a:xfrm>
             <a:custGeom>
@@ -13594,87 +13072,7 @@
         </p:sp>
         <p:sp>
           <p:nvSpPr>
-            <p:cNvPr id="267" name="pl267"/>
-            <p:cNvSpPr/>
-            <p:nvPr/>
-          </p:nvSpPr>
-          <p:spPr>
-            <a:xfrm>
-              <a:off x="550455" y="1765899"/>
-              <a:ext cx="34794" cy="0"/>
-            </a:xfrm>
-            <a:custGeom>
-              <a:avLst/>
-              <a:pathLst>
-                <a:path w="34794" h="0">
-                  <a:moveTo>
-                    <a:pt x="0" y="0"/>
-                  </a:moveTo>
-                  <a:lnTo>
-                    <a:pt x="34794" y="0"/>
-                  </a:lnTo>
-                </a:path>
-              </a:pathLst>
-            </a:custGeom>
-            <a:ln w="13550" cap="flat">
-              <a:solidFill>
-                <a:srgbClr val="333333">
-                  <a:alpha val="100000"/>
-                </a:srgbClr>
-              </a:solidFill>
-              <a:prstDash val="solid"/>
-              <a:round/>
-            </a:ln>
-          </p:spPr>
-          <p:txBody>
-            <a:bodyPr/>
-            <a:lstStyle/>
-            <a:p/>
-          </p:txBody>
-        </p:sp>
-        <p:sp>
-          <p:nvSpPr>
-            <p:cNvPr id="268" name="pl268"/>
-            <p:cNvSpPr/>
-            <p:nvPr/>
-          </p:nvSpPr>
-          <p:spPr>
-            <a:xfrm>
-              <a:off x="550455" y="1553786"/>
-              <a:ext cx="34794" cy="0"/>
-            </a:xfrm>
-            <a:custGeom>
-              <a:avLst/>
-              <a:pathLst>
-                <a:path w="34794" h="0">
-                  <a:moveTo>
-                    <a:pt x="0" y="0"/>
-                  </a:moveTo>
-                  <a:lnTo>
-                    <a:pt x="34794" y="0"/>
-                  </a:lnTo>
-                </a:path>
-              </a:pathLst>
-            </a:custGeom>
-            <a:ln w="13550" cap="flat">
-              <a:solidFill>
-                <a:srgbClr val="333333">
-                  <a:alpha val="100000"/>
-                </a:srgbClr>
-              </a:solidFill>
-              <a:prstDash val="solid"/>
-              <a:round/>
-            </a:ln>
-          </p:spPr>
-          <p:txBody>
-            <a:bodyPr/>
-            <a:lstStyle/>
-            <a:p/>
-          </p:txBody>
-        </p:sp>
-        <p:sp>
-          <p:nvSpPr>
-            <p:cNvPr id="269" name="tx269"/>
+            <p:cNvPr id="255" name="tx255"/>
             <p:cNvSpPr/>
             <p:nvPr/>
           </p:nvSpPr>
